--- a/Bingo.pptx
+++ b/Bingo.pptx
@@ -14,11 +14,19 @@
     <p:sldId id="269" r:id="rId8"/>
     <p:sldId id="270" r:id="rId9"/>
     <p:sldId id="271" r:id="rId10"/>
-    <p:sldId id="272" r:id="rId11"/>
-    <p:sldId id="276" r:id="rId12"/>
-    <p:sldId id="273" r:id="rId13"/>
-    <p:sldId id="274" r:id="rId14"/>
-    <p:sldId id="280" r:id="rId15"/>
+    <p:sldId id="281" r:id="rId11"/>
+    <p:sldId id="282" r:id="rId12"/>
+    <p:sldId id="284" r:id="rId13"/>
+    <p:sldId id="272" r:id="rId14"/>
+    <p:sldId id="285" r:id="rId15"/>
+    <p:sldId id="276" r:id="rId16"/>
+    <p:sldId id="286" r:id="rId17"/>
+    <p:sldId id="273" r:id="rId18"/>
+    <p:sldId id="287" r:id="rId19"/>
+    <p:sldId id="288" r:id="rId20"/>
+    <p:sldId id="289" r:id="rId21"/>
+    <p:sldId id="274" r:id="rId22"/>
+    <p:sldId id="280" r:id="rId23"/>
   </p:sldIdLst>
   <p:sldSz cx="12192000" cy="6858000"/>
   <p:notesSz cx="6858000" cy="9144000"/>
@@ -274,7 +282,7 @@
           <a:p>
             <a:fld id="{96EA69BF-25BF-4E66-A46C-6ED1AC869A84}" type="datetimeFigureOut">
               <a:rPr lang="en-IN" smtClean="0"/>
-              <a:t>04-19-2018</a:t>
+              <a:t>05-04-2018</a:t>
             </a:fld>
             <a:endParaRPr lang="en-IN"/>
           </a:p>
@@ -474,7 +482,7 @@
           <a:p>
             <a:fld id="{96EA69BF-25BF-4E66-A46C-6ED1AC869A84}" type="datetimeFigureOut">
               <a:rPr lang="en-IN" smtClean="0"/>
-              <a:t>04-19-2018</a:t>
+              <a:t>05-04-2018</a:t>
             </a:fld>
             <a:endParaRPr lang="en-IN"/>
           </a:p>
@@ -684,7 +692,7 @@
           <a:p>
             <a:fld id="{96EA69BF-25BF-4E66-A46C-6ED1AC869A84}" type="datetimeFigureOut">
               <a:rPr lang="en-IN" smtClean="0"/>
-              <a:t>04-19-2018</a:t>
+              <a:t>05-04-2018</a:t>
             </a:fld>
             <a:endParaRPr lang="en-IN"/>
           </a:p>
@@ -884,7 +892,7 @@
           <a:p>
             <a:fld id="{96EA69BF-25BF-4E66-A46C-6ED1AC869A84}" type="datetimeFigureOut">
               <a:rPr lang="en-IN" smtClean="0"/>
-              <a:t>04-19-2018</a:t>
+              <a:t>05-04-2018</a:t>
             </a:fld>
             <a:endParaRPr lang="en-IN"/>
           </a:p>
@@ -1160,7 +1168,7 @@
           <a:p>
             <a:fld id="{96EA69BF-25BF-4E66-A46C-6ED1AC869A84}" type="datetimeFigureOut">
               <a:rPr lang="en-IN" smtClean="0"/>
-              <a:t>04-19-2018</a:t>
+              <a:t>05-04-2018</a:t>
             </a:fld>
             <a:endParaRPr lang="en-IN"/>
           </a:p>
@@ -1428,7 +1436,7 @@
           <a:p>
             <a:fld id="{96EA69BF-25BF-4E66-A46C-6ED1AC869A84}" type="datetimeFigureOut">
               <a:rPr lang="en-IN" smtClean="0"/>
-              <a:t>04-19-2018</a:t>
+              <a:t>05-04-2018</a:t>
             </a:fld>
             <a:endParaRPr lang="en-IN"/>
           </a:p>
@@ -1843,7 +1851,7 @@
           <a:p>
             <a:fld id="{96EA69BF-25BF-4E66-A46C-6ED1AC869A84}" type="datetimeFigureOut">
               <a:rPr lang="en-IN" smtClean="0"/>
-              <a:t>04-19-2018</a:t>
+              <a:t>05-04-2018</a:t>
             </a:fld>
             <a:endParaRPr lang="en-IN"/>
           </a:p>
@@ -1985,7 +1993,7 @@
           <a:p>
             <a:fld id="{96EA69BF-25BF-4E66-A46C-6ED1AC869A84}" type="datetimeFigureOut">
               <a:rPr lang="en-IN" smtClean="0"/>
-              <a:t>04-19-2018</a:t>
+              <a:t>05-04-2018</a:t>
             </a:fld>
             <a:endParaRPr lang="en-IN"/>
           </a:p>
@@ -2098,7 +2106,7 @@
           <a:p>
             <a:fld id="{96EA69BF-25BF-4E66-A46C-6ED1AC869A84}" type="datetimeFigureOut">
               <a:rPr lang="en-IN" smtClean="0"/>
-              <a:t>04-19-2018</a:t>
+              <a:t>05-04-2018</a:t>
             </a:fld>
             <a:endParaRPr lang="en-IN"/>
           </a:p>
@@ -2411,7 +2419,7 @@
           <a:p>
             <a:fld id="{96EA69BF-25BF-4E66-A46C-6ED1AC869A84}" type="datetimeFigureOut">
               <a:rPr lang="en-IN" smtClean="0"/>
-              <a:t>04-19-2018</a:t>
+              <a:t>05-04-2018</a:t>
             </a:fld>
             <a:endParaRPr lang="en-IN"/>
           </a:p>
@@ -2700,7 +2708,7 @@
           <a:p>
             <a:fld id="{96EA69BF-25BF-4E66-A46C-6ED1AC869A84}" type="datetimeFigureOut">
               <a:rPr lang="en-IN" smtClean="0"/>
-              <a:t>04-19-2018</a:t>
+              <a:t>05-04-2018</a:t>
             </a:fld>
             <a:endParaRPr lang="en-IN"/>
           </a:p>
@@ -2943,7 +2951,7 @@
           <a:p>
             <a:fld id="{96EA69BF-25BF-4E66-A46C-6ED1AC869A84}" type="datetimeFigureOut">
               <a:rPr lang="en-IN" smtClean="0"/>
-              <a:t>04-19-2018</a:t>
+              <a:t>05-04-2018</a:t>
             </a:fld>
             <a:endParaRPr lang="en-IN"/>
           </a:p>
@@ -3925,6 +3933,4749 @@
         </p:blipFill>
         <p:spPr>
           <a:xfrm>
+            <a:off x="-29998" y="-21460"/>
+            <a:ext cx="12192000" cy="6857990"/>
+          </a:xfrm>
+          <a:prstGeom prst="rect">
+            <a:avLst/>
+          </a:prstGeom>
+        </p:spPr>
+      </p:pic>
+      <p:sp>
+        <p:nvSpPr>
+          <p:cNvPr id="51" name="Freeform 49">
+            <a:extLst>
+              <a:ext uri="{FF2B5EF4-FFF2-40B4-BE49-F238E27FC236}">
+                <a16:creationId xmlns:a16="http://schemas.microsoft.com/office/drawing/2014/main" id="{EF9B8DF2-C3F5-49A2-94D2-F7B65A0F1F15}"/>
+              </a:ext>
+            </a:extLst>
+          </p:cNvPr>
+          <p:cNvSpPr>
+            <a:spLocks noGrp="1" noRot="1" noChangeAspect="1" noMove="1" noResize="1" noEditPoints="1" noAdjustHandles="1" noChangeArrowheads="1" noChangeShapeType="1" noTextEdit="1"/>
+          </p:cNvSpPr>
+          <p:nvPr>
+            <p:extLst>
+              <p:ext uri="{386F3935-93C4-4BCD-93E2-E3B085C9AB24}">
+                <p16:designElem xmlns:p16="http://schemas.microsoft.com/office/powerpoint/2015/main" val="1"/>
+              </p:ext>
+            </p:extLst>
+          </p:nvPr>
+        </p:nvSpPr>
+        <p:spPr>
+          <a:xfrm flipH="1">
+            <a:off x="6713914" y="581159"/>
+            <a:ext cx="5478085" cy="6276841"/>
+          </a:xfrm>
+          <a:custGeom>
+            <a:avLst/>
+            <a:gdLst>
+              <a:gd name="connsiteX0" fmla="*/ 2178155 w 5478085"/>
+              <a:gd name="connsiteY0" fmla="*/ 0 h 6276841"/>
+              <a:gd name="connsiteX1" fmla="*/ 5478085 w 5478085"/>
+              <a:gd name="connsiteY1" fmla="*/ 3299930 h 6276841"/>
+              <a:gd name="connsiteX2" fmla="*/ 3751098 w 5478085"/>
+              <a:gd name="connsiteY2" fmla="*/ 6201577 h 6276841"/>
+              <a:gd name="connsiteX3" fmla="*/ 3594858 w 5478085"/>
+              <a:gd name="connsiteY3" fmla="*/ 6276841 h 6276841"/>
+              <a:gd name="connsiteX4" fmla="*/ 761453 w 5478085"/>
+              <a:gd name="connsiteY4" fmla="*/ 6276841 h 6276841"/>
+              <a:gd name="connsiteX5" fmla="*/ 605213 w 5478085"/>
+              <a:gd name="connsiteY5" fmla="*/ 6201577 h 6276841"/>
+              <a:gd name="connsiteX6" fmla="*/ 79093 w 5478085"/>
+              <a:gd name="connsiteY6" fmla="*/ 5846317 h 6276841"/>
+              <a:gd name="connsiteX7" fmla="*/ 0 w 5478085"/>
+              <a:gd name="connsiteY7" fmla="*/ 5774432 h 6276841"/>
+              <a:gd name="connsiteX8" fmla="*/ 0 w 5478085"/>
+              <a:gd name="connsiteY8" fmla="*/ 825429 h 6276841"/>
+              <a:gd name="connsiteX9" fmla="*/ 79093 w 5478085"/>
+              <a:gd name="connsiteY9" fmla="*/ 753544 h 6276841"/>
+              <a:gd name="connsiteX10" fmla="*/ 2178155 w 5478085"/>
+              <a:gd name="connsiteY10" fmla="*/ 0 h 6276841"/>
+            </a:gdLst>
+            <a:ahLst/>
+            <a:cxnLst>
+              <a:cxn ang="0">
+                <a:pos x="connsiteX0" y="connsiteY0"/>
+              </a:cxn>
+              <a:cxn ang="0">
+                <a:pos x="connsiteX1" y="connsiteY1"/>
+              </a:cxn>
+              <a:cxn ang="0">
+                <a:pos x="connsiteX2" y="connsiteY2"/>
+              </a:cxn>
+              <a:cxn ang="0">
+                <a:pos x="connsiteX3" y="connsiteY3"/>
+              </a:cxn>
+              <a:cxn ang="0">
+                <a:pos x="connsiteX4" y="connsiteY4"/>
+              </a:cxn>
+              <a:cxn ang="0">
+                <a:pos x="connsiteX5" y="connsiteY5"/>
+              </a:cxn>
+              <a:cxn ang="0">
+                <a:pos x="connsiteX6" y="connsiteY6"/>
+              </a:cxn>
+              <a:cxn ang="0">
+                <a:pos x="connsiteX7" y="connsiteY7"/>
+              </a:cxn>
+              <a:cxn ang="0">
+                <a:pos x="connsiteX8" y="connsiteY8"/>
+              </a:cxn>
+              <a:cxn ang="0">
+                <a:pos x="connsiteX9" y="connsiteY9"/>
+              </a:cxn>
+              <a:cxn ang="0">
+                <a:pos x="connsiteX10" y="connsiteY10"/>
+              </a:cxn>
+            </a:cxnLst>
+            <a:rect l="l" t="t" r="r" b="b"/>
+            <a:pathLst>
+              <a:path w="5478085" h="6276841">
+                <a:moveTo>
+                  <a:pt x="2178155" y="0"/>
+                </a:moveTo>
+                <a:cubicBezTo>
+                  <a:pt x="4000656" y="0"/>
+                  <a:pt x="5478085" y="1477429"/>
+                  <a:pt x="5478085" y="3299930"/>
+                </a:cubicBezTo>
+                <a:cubicBezTo>
+                  <a:pt x="5478085" y="4552900"/>
+                  <a:pt x="4779769" y="5642769"/>
+                  <a:pt x="3751098" y="6201577"/>
+                </a:cubicBezTo>
+                <a:lnTo>
+                  <a:pt x="3594858" y="6276841"/>
+                </a:lnTo>
+                <a:lnTo>
+                  <a:pt x="761453" y="6276841"/>
+                </a:lnTo>
+                <a:lnTo>
+                  <a:pt x="605213" y="6201577"/>
+                </a:lnTo>
+                <a:cubicBezTo>
+                  <a:pt x="418182" y="6099975"/>
+                  <a:pt x="242071" y="5980818"/>
+                  <a:pt x="79093" y="5846317"/>
+                </a:cubicBezTo>
+                <a:lnTo>
+                  <a:pt x="0" y="5774432"/>
+                </a:lnTo>
+                <a:lnTo>
+                  <a:pt x="0" y="825429"/>
+                </a:lnTo>
+                <a:lnTo>
+                  <a:pt x="79093" y="753544"/>
+                </a:lnTo>
+                <a:cubicBezTo>
+                  <a:pt x="649516" y="282789"/>
+                  <a:pt x="1380811" y="0"/>
+                  <a:pt x="2178155" y="0"/>
+                </a:cubicBezTo>
+                <a:close/>
+              </a:path>
+            </a:pathLst>
+          </a:custGeom>
+          <a:solidFill>
+            <a:srgbClr val="FFFFFF">
+              <a:alpha val="80000"/>
+            </a:srgbClr>
+          </a:solidFill>
+          <a:ln w="31750">
+            <a:noFill/>
+          </a:ln>
+        </p:spPr>
+        <p:style>
+          <a:lnRef idx="2">
+            <a:schemeClr val="accent1">
+              <a:shade val="50000"/>
+            </a:schemeClr>
+          </a:lnRef>
+          <a:fillRef idx="1">
+            <a:schemeClr val="accent1"/>
+          </a:fillRef>
+          <a:effectRef idx="0">
+            <a:schemeClr val="accent1"/>
+          </a:effectRef>
+          <a:fontRef idx="minor">
+            <a:schemeClr val="lt1"/>
+          </a:fontRef>
+        </p:style>
+        <p:txBody>
+          <a:bodyPr wrap="square" rtlCol="0" anchor="ctr">
+            <a:noAutofit/>
+          </a:bodyPr>
+          <a:lstStyle/>
+          <a:p>
+            <a:pPr marL="0" marR="0" lvl="0" indent="0" algn="ctr" defTabSz="914400" rtl="0" eaLnBrk="1" fontAlgn="auto" latinLnBrk="0" hangingPunct="1">
+              <a:lnSpc>
+                <a:spcPct val="100000"/>
+              </a:lnSpc>
+              <a:spcBef>
+                <a:spcPts val="0"/>
+              </a:spcBef>
+              <a:spcAft>
+                <a:spcPts val="0"/>
+              </a:spcAft>
+              <a:buClrTx/>
+              <a:buSzTx/>
+              <a:buFontTx/>
+              <a:buNone/>
+              <a:tabLst/>
+              <a:defRPr/>
+            </a:pPr>
+            <a:endParaRPr kumimoji="0" lang="en-US" sz="1800" b="0" i="0" u="none" strike="noStrike" kern="1200" cap="none" spc="0" normalizeH="0" baseline="0" noProof="0">
+              <a:ln>
+                <a:noFill/>
+              </a:ln>
+              <a:solidFill>
+                <a:prstClr val="white"/>
+              </a:solidFill>
+              <a:effectLst/>
+              <a:uLnTx/>
+              <a:uFillTx/>
+              <a:latin typeface="Calibri" panose="020F0502020204030204"/>
+              <a:ea typeface="+mn-ea"/>
+              <a:cs typeface="+mn-cs"/>
+            </a:endParaRPr>
+          </a:p>
+        </p:txBody>
+      </p:sp>
+      <p:pic>
+        <p:nvPicPr>
+          <p:cNvPr id="9" name="Picture 8" descr="A picture containing building&#10;&#10;Description generated with high confidence">
+            <a:extLst>
+              <a:ext uri="{FF2B5EF4-FFF2-40B4-BE49-F238E27FC236}">
+                <a16:creationId xmlns:a16="http://schemas.microsoft.com/office/drawing/2014/main" id="{12ED8CBA-3DDA-400E-B2EE-7748A997FAC8}"/>
+              </a:ext>
+            </a:extLst>
+          </p:cNvPr>
+          <p:cNvPicPr>
+            <a:picLocks noChangeAspect="1"/>
+          </p:cNvPicPr>
+          <p:nvPr/>
+        </p:nvPicPr>
+        <p:blipFill rotWithShape="1">
+          <a:blip r:embed="rId3">
+            <a:extLst>
+              <a:ext uri="{28A0092B-C50C-407E-A947-70E740481C1C}">
+                <a14:useLocalDpi xmlns:a14="http://schemas.microsoft.com/office/drawing/2010/main" val="0"/>
+              </a:ext>
+            </a:extLst>
+          </a:blip>
+          <a:srcRect l="18375" r="23620" b="1"/>
+          <a:stretch/>
+        </p:blipFill>
+        <p:spPr>
+          <a:xfrm>
+            <a:off x="6893342" y="760562"/>
+            <a:ext cx="5298683" cy="6097438"/>
+          </a:xfrm>
+          <a:custGeom>
+            <a:avLst/>
+            <a:gdLst>
+              <a:gd name="connsiteX0" fmla="*/ 3120528 w 5298683"/>
+              <a:gd name="connsiteY0" fmla="*/ 0 h 6097438"/>
+              <a:gd name="connsiteX1" fmla="*/ 5105473 w 5298683"/>
+              <a:gd name="connsiteY1" fmla="*/ 712577 h 6097438"/>
+              <a:gd name="connsiteX2" fmla="*/ 5298683 w 5298683"/>
+              <a:gd name="connsiteY2" fmla="*/ 888178 h 6097438"/>
+              <a:gd name="connsiteX3" fmla="*/ 5298683 w 5298683"/>
+              <a:gd name="connsiteY3" fmla="*/ 5352876 h 6097438"/>
+              <a:gd name="connsiteX4" fmla="*/ 5105473 w 5298683"/>
+              <a:gd name="connsiteY4" fmla="*/ 5528477 h 6097438"/>
+              <a:gd name="connsiteX5" fmla="*/ 4335177 w 5298683"/>
+              <a:gd name="connsiteY5" fmla="*/ 5995828 h 6097438"/>
+              <a:gd name="connsiteX6" fmla="*/ 4057556 w 5298683"/>
+              <a:gd name="connsiteY6" fmla="*/ 6097438 h 6097438"/>
+              <a:gd name="connsiteX7" fmla="*/ 2183499 w 5298683"/>
+              <a:gd name="connsiteY7" fmla="*/ 6097438 h 6097438"/>
+              <a:gd name="connsiteX8" fmla="*/ 1905878 w 5298683"/>
+              <a:gd name="connsiteY8" fmla="*/ 5995828 h 6097438"/>
+              <a:gd name="connsiteX9" fmla="*/ 0 w 5298683"/>
+              <a:gd name="connsiteY9" fmla="*/ 3120527 h 6097438"/>
+              <a:gd name="connsiteX10" fmla="*/ 3120528 w 5298683"/>
+              <a:gd name="connsiteY10" fmla="*/ 0 h 6097438"/>
+            </a:gdLst>
+            <a:ahLst/>
+            <a:cxnLst>
+              <a:cxn ang="0">
+                <a:pos x="connsiteX0" y="connsiteY0"/>
+              </a:cxn>
+              <a:cxn ang="0">
+                <a:pos x="connsiteX1" y="connsiteY1"/>
+              </a:cxn>
+              <a:cxn ang="0">
+                <a:pos x="connsiteX2" y="connsiteY2"/>
+              </a:cxn>
+              <a:cxn ang="0">
+                <a:pos x="connsiteX3" y="connsiteY3"/>
+              </a:cxn>
+              <a:cxn ang="0">
+                <a:pos x="connsiteX4" y="connsiteY4"/>
+              </a:cxn>
+              <a:cxn ang="0">
+                <a:pos x="connsiteX5" y="connsiteY5"/>
+              </a:cxn>
+              <a:cxn ang="0">
+                <a:pos x="connsiteX6" y="connsiteY6"/>
+              </a:cxn>
+              <a:cxn ang="0">
+                <a:pos x="connsiteX7" y="connsiteY7"/>
+              </a:cxn>
+              <a:cxn ang="0">
+                <a:pos x="connsiteX8" y="connsiteY8"/>
+              </a:cxn>
+              <a:cxn ang="0">
+                <a:pos x="connsiteX9" y="connsiteY9"/>
+              </a:cxn>
+              <a:cxn ang="0">
+                <a:pos x="connsiteX10" y="connsiteY10"/>
+              </a:cxn>
+            </a:cxnLst>
+            <a:rect l="l" t="t" r="r" b="b"/>
+            <a:pathLst>
+              <a:path w="5298683" h="6097438">
+                <a:moveTo>
+                  <a:pt x="3120528" y="0"/>
+                </a:moveTo>
+                <a:cubicBezTo>
+                  <a:pt x="3874524" y="0"/>
+                  <a:pt x="4566062" y="267415"/>
+                  <a:pt x="5105473" y="712577"/>
+                </a:cubicBezTo>
+                <a:lnTo>
+                  <a:pt x="5298683" y="888178"/>
+                </a:lnTo>
+                <a:lnTo>
+                  <a:pt x="5298683" y="5352876"/>
+                </a:lnTo>
+                <a:lnTo>
+                  <a:pt x="5105473" y="5528477"/>
+                </a:lnTo>
+                <a:cubicBezTo>
+                  <a:pt x="4874296" y="5719261"/>
+                  <a:pt x="4615179" y="5877397"/>
+                  <a:pt x="4335177" y="5995828"/>
+                </a:cubicBezTo>
+                <a:lnTo>
+                  <a:pt x="4057556" y="6097438"/>
+                </a:lnTo>
+                <a:lnTo>
+                  <a:pt x="2183499" y="6097438"/>
+                </a:lnTo>
+                <a:lnTo>
+                  <a:pt x="1905878" y="5995828"/>
+                </a:lnTo>
+                <a:cubicBezTo>
+                  <a:pt x="785873" y="5522106"/>
+                  <a:pt x="0" y="4413092"/>
+                  <a:pt x="0" y="3120527"/>
+                </a:cubicBezTo>
+                <a:cubicBezTo>
+                  <a:pt x="0" y="1397108"/>
+                  <a:pt x="1397108" y="0"/>
+                  <a:pt x="3120528" y="0"/>
+                </a:cubicBezTo>
+                <a:close/>
+              </a:path>
+            </a:pathLst>
+          </a:custGeom>
+        </p:spPr>
+      </p:pic>
+      <p:sp>
+        <p:nvSpPr>
+          <p:cNvPr id="2" name="Title 1">
+            <a:extLst>
+              <a:ext uri="{FF2B5EF4-FFF2-40B4-BE49-F238E27FC236}">
+                <a16:creationId xmlns:a16="http://schemas.microsoft.com/office/drawing/2014/main" id="{7035F1BC-202E-45ED-A443-7B13BF42F19C}"/>
+              </a:ext>
+            </a:extLst>
+          </p:cNvPr>
+          <p:cNvSpPr>
+            <a:spLocks noGrp="1"/>
+          </p:cNvSpPr>
+          <p:nvPr>
+            <p:ph type="title"/>
+          </p:nvPr>
+        </p:nvSpPr>
+        <p:spPr>
+          <a:xfrm>
+            <a:off x="612252" y="581159"/>
+            <a:ext cx="5277333" cy="1325563"/>
+          </a:xfrm>
+        </p:spPr>
+        <p:txBody>
+          <a:bodyPr>
+            <a:normAutofit/>
+          </a:bodyPr>
+          <a:lstStyle/>
+          <a:p>
+            <a:r>
+              <a:rPr lang="en-IN" b="1" dirty="0">
+                <a:latin typeface="AR JULIAN" panose="02000000000000000000" pitchFamily="2" charset="0"/>
+                <a:cs typeface="Aharoni" panose="02010803020104030203" pitchFamily="2" charset="-79"/>
+              </a:rPr>
+              <a:t>Types of Ticket</a:t>
+            </a:r>
+          </a:p>
+        </p:txBody>
+      </p:sp>
+      <p:sp>
+        <p:nvSpPr>
+          <p:cNvPr id="3" name="Content Placeholder 2">
+            <a:extLst>
+              <a:ext uri="{FF2B5EF4-FFF2-40B4-BE49-F238E27FC236}">
+                <a16:creationId xmlns:a16="http://schemas.microsoft.com/office/drawing/2014/main" id="{D7859ED5-771F-4FFC-AC08-C6A010E59617}"/>
+              </a:ext>
+            </a:extLst>
+          </p:cNvPr>
+          <p:cNvSpPr>
+            <a:spLocks noGrp="1"/>
+          </p:cNvSpPr>
+          <p:nvPr>
+            <p:ph idx="1"/>
+          </p:nvPr>
+        </p:nvSpPr>
+        <p:spPr>
+          <a:xfrm>
+            <a:off x="511875" y="1613303"/>
+            <a:ext cx="5478085" cy="586837"/>
+          </a:xfrm>
+        </p:spPr>
+        <p:txBody>
+          <a:bodyPr anchor="t">
+            <a:normAutofit/>
+          </a:bodyPr>
+          <a:lstStyle/>
+          <a:p>
+            <a:pPr marL="0" indent="0">
+              <a:buNone/>
+            </a:pPr>
+            <a:endParaRPr lang="en-IN" b="1" dirty="0"/>
+          </a:p>
+          <a:p>
+            <a:endParaRPr lang="en-IN" b="1" dirty="0"/>
+          </a:p>
+        </p:txBody>
+      </p:sp>
+      <p:sp>
+        <p:nvSpPr>
+          <p:cNvPr id="8" name="Content Placeholder 2">
+            <a:extLst>
+              <a:ext uri="{FF2B5EF4-FFF2-40B4-BE49-F238E27FC236}">
+                <a16:creationId xmlns:a16="http://schemas.microsoft.com/office/drawing/2014/main" id="{56265BA1-11EF-4264-8D67-2143C5B311E6}"/>
+              </a:ext>
+            </a:extLst>
+          </p:cNvPr>
+          <p:cNvSpPr txBox="1">
+            <a:spLocks/>
+          </p:cNvSpPr>
+          <p:nvPr/>
+        </p:nvSpPr>
+        <p:spPr>
+          <a:xfrm>
+            <a:off x="587917" y="2382633"/>
+            <a:ext cx="5478085" cy="556233"/>
+          </a:xfrm>
+          <a:prstGeom prst="rect">
+            <a:avLst/>
+          </a:prstGeom>
+        </p:spPr>
+        <p:txBody>
+          <a:bodyPr vert="horz" lIns="91440" tIns="45720" rIns="91440" bIns="45720" rtlCol="0" anchor="t">
+            <a:normAutofit/>
+          </a:bodyPr>
+          <a:lstStyle>
+            <a:lvl1pPr marL="228600" indent="-228600" algn="l" defTabSz="914400" rtl="0" eaLnBrk="1" latinLnBrk="0" hangingPunct="1">
+              <a:lnSpc>
+                <a:spcPct val="90000"/>
+              </a:lnSpc>
+              <a:spcBef>
+                <a:spcPts val="1000"/>
+              </a:spcBef>
+              <a:buFont typeface="Arial" panose="020B0604020202020204" pitchFamily="34" charset="0"/>
+              <a:buChar char="•"/>
+              <a:defRPr sz="2800" kern="1200">
+                <a:solidFill>
+                  <a:schemeClr val="tx1"/>
+                </a:solidFill>
+                <a:latin typeface="+mn-lt"/>
+                <a:ea typeface="+mn-ea"/>
+                <a:cs typeface="+mn-cs"/>
+              </a:defRPr>
+            </a:lvl1pPr>
+            <a:lvl2pPr marL="685800" indent="-228600" algn="l" defTabSz="914400" rtl="0" eaLnBrk="1" latinLnBrk="0" hangingPunct="1">
+              <a:lnSpc>
+                <a:spcPct val="90000"/>
+              </a:lnSpc>
+              <a:spcBef>
+                <a:spcPts val="500"/>
+              </a:spcBef>
+              <a:buFont typeface="Arial" panose="020B0604020202020204" pitchFamily="34" charset="0"/>
+              <a:buChar char="•"/>
+              <a:defRPr sz="2400" kern="1200">
+                <a:solidFill>
+                  <a:schemeClr val="tx1"/>
+                </a:solidFill>
+                <a:latin typeface="+mn-lt"/>
+                <a:ea typeface="+mn-ea"/>
+                <a:cs typeface="+mn-cs"/>
+              </a:defRPr>
+            </a:lvl2pPr>
+            <a:lvl3pPr marL="1143000" indent="-228600" algn="l" defTabSz="914400" rtl="0" eaLnBrk="1" latinLnBrk="0" hangingPunct="1">
+              <a:lnSpc>
+                <a:spcPct val="90000"/>
+              </a:lnSpc>
+              <a:spcBef>
+                <a:spcPts val="500"/>
+              </a:spcBef>
+              <a:buFont typeface="Arial" panose="020B0604020202020204" pitchFamily="34" charset="0"/>
+              <a:buChar char="•"/>
+              <a:defRPr sz="2000" kern="1200">
+                <a:solidFill>
+                  <a:schemeClr val="tx1"/>
+                </a:solidFill>
+                <a:latin typeface="+mn-lt"/>
+                <a:ea typeface="+mn-ea"/>
+                <a:cs typeface="+mn-cs"/>
+              </a:defRPr>
+            </a:lvl3pPr>
+            <a:lvl4pPr marL="1600200" indent="-228600" algn="l" defTabSz="914400" rtl="0" eaLnBrk="1" latinLnBrk="0" hangingPunct="1">
+              <a:lnSpc>
+                <a:spcPct val="90000"/>
+              </a:lnSpc>
+              <a:spcBef>
+                <a:spcPts val="500"/>
+              </a:spcBef>
+              <a:buFont typeface="Arial" panose="020B0604020202020204" pitchFamily="34" charset="0"/>
+              <a:buChar char="•"/>
+              <a:defRPr sz="1800" kern="1200">
+                <a:solidFill>
+                  <a:schemeClr val="tx1"/>
+                </a:solidFill>
+                <a:latin typeface="+mn-lt"/>
+                <a:ea typeface="+mn-ea"/>
+                <a:cs typeface="+mn-cs"/>
+              </a:defRPr>
+            </a:lvl4pPr>
+            <a:lvl5pPr marL="2057400" indent="-228600" algn="l" defTabSz="914400" rtl="0" eaLnBrk="1" latinLnBrk="0" hangingPunct="1">
+              <a:lnSpc>
+                <a:spcPct val="90000"/>
+              </a:lnSpc>
+              <a:spcBef>
+                <a:spcPts val="500"/>
+              </a:spcBef>
+              <a:buFont typeface="Arial" panose="020B0604020202020204" pitchFamily="34" charset="0"/>
+              <a:buChar char="•"/>
+              <a:defRPr sz="1800" kern="1200">
+                <a:solidFill>
+                  <a:schemeClr val="tx1"/>
+                </a:solidFill>
+                <a:latin typeface="+mn-lt"/>
+                <a:ea typeface="+mn-ea"/>
+                <a:cs typeface="+mn-cs"/>
+              </a:defRPr>
+            </a:lvl5pPr>
+            <a:lvl6pPr marL="2514600" indent="-228600" algn="l" defTabSz="914400" rtl="0" eaLnBrk="1" latinLnBrk="0" hangingPunct="1">
+              <a:lnSpc>
+                <a:spcPct val="90000"/>
+              </a:lnSpc>
+              <a:spcBef>
+                <a:spcPts val="500"/>
+              </a:spcBef>
+              <a:buFont typeface="Arial" panose="020B0604020202020204" pitchFamily="34" charset="0"/>
+              <a:buChar char="•"/>
+              <a:defRPr sz="1800" kern="1200">
+                <a:solidFill>
+                  <a:schemeClr val="tx1"/>
+                </a:solidFill>
+                <a:latin typeface="+mn-lt"/>
+                <a:ea typeface="+mn-ea"/>
+                <a:cs typeface="+mn-cs"/>
+              </a:defRPr>
+            </a:lvl6pPr>
+            <a:lvl7pPr marL="2971800" indent="-228600" algn="l" defTabSz="914400" rtl="0" eaLnBrk="1" latinLnBrk="0" hangingPunct="1">
+              <a:lnSpc>
+                <a:spcPct val="90000"/>
+              </a:lnSpc>
+              <a:spcBef>
+                <a:spcPts val="500"/>
+              </a:spcBef>
+              <a:buFont typeface="Arial" panose="020B0604020202020204" pitchFamily="34" charset="0"/>
+              <a:buChar char="•"/>
+              <a:defRPr sz="1800" kern="1200">
+                <a:solidFill>
+                  <a:schemeClr val="tx1"/>
+                </a:solidFill>
+                <a:latin typeface="+mn-lt"/>
+                <a:ea typeface="+mn-ea"/>
+                <a:cs typeface="+mn-cs"/>
+              </a:defRPr>
+            </a:lvl7pPr>
+            <a:lvl8pPr marL="3429000" indent="-228600" algn="l" defTabSz="914400" rtl="0" eaLnBrk="1" latinLnBrk="0" hangingPunct="1">
+              <a:lnSpc>
+                <a:spcPct val="90000"/>
+              </a:lnSpc>
+              <a:spcBef>
+                <a:spcPts val="500"/>
+              </a:spcBef>
+              <a:buFont typeface="Arial" panose="020B0604020202020204" pitchFamily="34" charset="0"/>
+              <a:buChar char="•"/>
+              <a:defRPr sz="1800" kern="1200">
+                <a:solidFill>
+                  <a:schemeClr val="tx1"/>
+                </a:solidFill>
+                <a:latin typeface="+mn-lt"/>
+                <a:ea typeface="+mn-ea"/>
+                <a:cs typeface="+mn-cs"/>
+              </a:defRPr>
+            </a:lvl8pPr>
+            <a:lvl9pPr marL="3886200" indent="-228600" algn="l" defTabSz="914400" rtl="0" eaLnBrk="1" latinLnBrk="0" hangingPunct="1">
+              <a:lnSpc>
+                <a:spcPct val="90000"/>
+              </a:lnSpc>
+              <a:spcBef>
+                <a:spcPts val="500"/>
+              </a:spcBef>
+              <a:buFont typeface="Arial" panose="020B0604020202020204" pitchFamily="34" charset="0"/>
+              <a:buChar char="•"/>
+              <a:defRPr sz="1800" kern="1200">
+                <a:solidFill>
+                  <a:schemeClr val="tx1"/>
+                </a:solidFill>
+                <a:latin typeface="+mn-lt"/>
+                <a:ea typeface="+mn-ea"/>
+                <a:cs typeface="+mn-cs"/>
+              </a:defRPr>
+            </a:lvl9pPr>
+          </a:lstStyle>
+          <a:p>
+            <a:pPr marL="0" indent="0">
+              <a:buNone/>
+            </a:pPr>
+            <a:r>
+              <a:rPr lang="en-IN" sz="2600" b="1" dirty="0"/>
+              <a:t>1. Normal Ticket</a:t>
+            </a:r>
+          </a:p>
+          <a:p>
+            <a:pPr marL="514350" indent="-514350">
+              <a:buFont typeface="Arial" panose="020B0604020202020204" pitchFamily="34" charset="0"/>
+              <a:buAutoNum type="arabicPeriod"/>
+            </a:pPr>
+            <a:endParaRPr lang="en-IN" b="1" dirty="0"/>
+          </a:p>
+          <a:p>
+            <a:pPr marL="514350" indent="-514350">
+              <a:buFont typeface="Arial" panose="020B0604020202020204" pitchFamily="34" charset="0"/>
+              <a:buAutoNum type="arabicPeriod"/>
+            </a:pPr>
+            <a:endParaRPr lang="en-IN" b="1" dirty="0"/>
+          </a:p>
+          <a:p>
+            <a:pPr marL="0" indent="0">
+              <a:buNone/>
+            </a:pPr>
+            <a:endParaRPr lang="en-IN" b="1" dirty="0"/>
+          </a:p>
+          <a:p>
+            <a:endParaRPr lang="en-IN" b="1" dirty="0"/>
+          </a:p>
+        </p:txBody>
+      </p:sp>
+      <p:pic>
+        <p:nvPicPr>
+          <p:cNvPr id="10" name="Picture 9" descr="A close up of a screen&#10;&#10;Description generated with very high confidence">
+            <a:extLst>
+              <a:ext uri="{FF2B5EF4-FFF2-40B4-BE49-F238E27FC236}">
+                <a16:creationId xmlns:a16="http://schemas.microsoft.com/office/drawing/2014/main" id="{5C2FAE6B-9873-47D7-9F32-4673B1D92CDF}"/>
+              </a:ext>
+            </a:extLst>
+          </p:cNvPr>
+          <p:cNvPicPr>
+            <a:picLocks noChangeAspect="1"/>
+          </p:cNvPicPr>
+          <p:nvPr/>
+        </p:nvPicPr>
+        <p:blipFill>
+          <a:blip r:embed="rId4">
+            <a:extLst>
+              <a:ext uri="{28A0092B-C50C-407E-A947-70E740481C1C}">
+                <a14:useLocalDpi xmlns:a14="http://schemas.microsoft.com/office/drawing/2010/main" val="0"/>
+              </a:ext>
+            </a:extLst>
+          </a:blip>
+          <a:stretch>
+            <a:fillRect/>
+          </a:stretch>
+        </p:blipFill>
+        <p:spPr>
+          <a:xfrm>
+            <a:off x="511875" y="3112152"/>
+            <a:ext cx="4642694" cy="1873327"/>
+          </a:xfrm>
+          <a:prstGeom prst="rect">
+            <a:avLst/>
+          </a:prstGeom>
+        </p:spPr>
+      </p:pic>
+      <p:sp>
+        <p:nvSpPr>
+          <p:cNvPr id="11" name="Content Placeholder 2">
+            <a:extLst>
+              <a:ext uri="{FF2B5EF4-FFF2-40B4-BE49-F238E27FC236}">
+                <a16:creationId xmlns:a16="http://schemas.microsoft.com/office/drawing/2014/main" id="{F59725FE-C0D6-46BB-9A96-B3F01376AEDE}"/>
+              </a:ext>
+            </a:extLst>
+          </p:cNvPr>
+          <p:cNvSpPr txBox="1">
+            <a:spLocks/>
+          </p:cNvSpPr>
+          <p:nvPr/>
+        </p:nvSpPr>
+        <p:spPr>
+          <a:xfrm>
+            <a:off x="647915" y="5197525"/>
+            <a:ext cx="5478085" cy="586837"/>
+          </a:xfrm>
+          <a:prstGeom prst="rect">
+            <a:avLst/>
+          </a:prstGeom>
+        </p:spPr>
+        <p:txBody>
+          <a:bodyPr vert="horz" lIns="91440" tIns="45720" rIns="91440" bIns="45720" rtlCol="0" anchor="t">
+            <a:normAutofit/>
+          </a:bodyPr>
+          <a:lstStyle>
+            <a:lvl1pPr marL="228600" indent="-228600" algn="l" defTabSz="914400" rtl="0" eaLnBrk="1" latinLnBrk="0" hangingPunct="1">
+              <a:lnSpc>
+                <a:spcPct val="90000"/>
+              </a:lnSpc>
+              <a:spcBef>
+                <a:spcPts val="1000"/>
+              </a:spcBef>
+              <a:buFont typeface="Arial" panose="020B0604020202020204" pitchFamily="34" charset="0"/>
+              <a:buChar char="•"/>
+              <a:defRPr sz="2800" kern="1200">
+                <a:solidFill>
+                  <a:schemeClr val="tx1"/>
+                </a:solidFill>
+                <a:latin typeface="+mn-lt"/>
+                <a:ea typeface="+mn-ea"/>
+                <a:cs typeface="+mn-cs"/>
+              </a:defRPr>
+            </a:lvl1pPr>
+            <a:lvl2pPr marL="685800" indent="-228600" algn="l" defTabSz="914400" rtl="0" eaLnBrk="1" latinLnBrk="0" hangingPunct="1">
+              <a:lnSpc>
+                <a:spcPct val="90000"/>
+              </a:lnSpc>
+              <a:spcBef>
+                <a:spcPts val="500"/>
+              </a:spcBef>
+              <a:buFont typeface="Arial" panose="020B0604020202020204" pitchFamily="34" charset="0"/>
+              <a:buChar char="•"/>
+              <a:defRPr sz="2400" kern="1200">
+                <a:solidFill>
+                  <a:schemeClr val="tx1"/>
+                </a:solidFill>
+                <a:latin typeface="+mn-lt"/>
+                <a:ea typeface="+mn-ea"/>
+                <a:cs typeface="+mn-cs"/>
+              </a:defRPr>
+            </a:lvl2pPr>
+            <a:lvl3pPr marL="1143000" indent="-228600" algn="l" defTabSz="914400" rtl="0" eaLnBrk="1" latinLnBrk="0" hangingPunct="1">
+              <a:lnSpc>
+                <a:spcPct val="90000"/>
+              </a:lnSpc>
+              <a:spcBef>
+                <a:spcPts val="500"/>
+              </a:spcBef>
+              <a:buFont typeface="Arial" panose="020B0604020202020204" pitchFamily="34" charset="0"/>
+              <a:buChar char="•"/>
+              <a:defRPr sz="2000" kern="1200">
+                <a:solidFill>
+                  <a:schemeClr val="tx1"/>
+                </a:solidFill>
+                <a:latin typeface="+mn-lt"/>
+                <a:ea typeface="+mn-ea"/>
+                <a:cs typeface="+mn-cs"/>
+              </a:defRPr>
+            </a:lvl3pPr>
+            <a:lvl4pPr marL="1600200" indent="-228600" algn="l" defTabSz="914400" rtl="0" eaLnBrk="1" latinLnBrk="0" hangingPunct="1">
+              <a:lnSpc>
+                <a:spcPct val="90000"/>
+              </a:lnSpc>
+              <a:spcBef>
+                <a:spcPts val="500"/>
+              </a:spcBef>
+              <a:buFont typeface="Arial" panose="020B0604020202020204" pitchFamily="34" charset="0"/>
+              <a:buChar char="•"/>
+              <a:defRPr sz="1800" kern="1200">
+                <a:solidFill>
+                  <a:schemeClr val="tx1"/>
+                </a:solidFill>
+                <a:latin typeface="+mn-lt"/>
+                <a:ea typeface="+mn-ea"/>
+                <a:cs typeface="+mn-cs"/>
+              </a:defRPr>
+            </a:lvl4pPr>
+            <a:lvl5pPr marL="2057400" indent="-228600" algn="l" defTabSz="914400" rtl="0" eaLnBrk="1" latinLnBrk="0" hangingPunct="1">
+              <a:lnSpc>
+                <a:spcPct val="90000"/>
+              </a:lnSpc>
+              <a:spcBef>
+                <a:spcPts val="500"/>
+              </a:spcBef>
+              <a:buFont typeface="Arial" panose="020B0604020202020204" pitchFamily="34" charset="0"/>
+              <a:buChar char="•"/>
+              <a:defRPr sz="1800" kern="1200">
+                <a:solidFill>
+                  <a:schemeClr val="tx1"/>
+                </a:solidFill>
+                <a:latin typeface="+mn-lt"/>
+                <a:ea typeface="+mn-ea"/>
+                <a:cs typeface="+mn-cs"/>
+              </a:defRPr>
+            </a:lvl5pPr>
+            <a:lvl6pPr marL="2514600" indent="-228600" algn="l" defTabSz="914400" rtl="0" eaLnBrk="1" latinLnBrk="0" hangingPunct="1">
+              <a:lnSpc>
+                <a:spcPct val="90000"/>
+              </a:lnSpc>
+              <a:spcBef>
+                <a:spcPts val="500"/>
+              </a:spcBef>
+              <a:buFont typeface="Arial" panose="020B0604020202020204" pitchFamily="34" charset="0"/>
+              <a:buChar char="•"/>
+              <a:defRPr sz="1800" kern="1200">
+                <a:solidFill>
+                  <a:schemeClr val="tx1"/>
+                </a:solidFill>
+                <a:latin typeface="+mn-lt"/>
+                <a:ea typeface="+mn-ea"/>
+                <a:cs typeface="+mn-cs"/>
+              </a:defRPr>
+            </a:lvl6pPr>
+            <a:lvl7pPr marL="2971800" indent="-228600" algn="l" defTabSz="914400" rtl="0" eaLnBrk="1" latinLnBrk="0" hangingPunct="1">
+              <a:lnSpc>
+                <a:spcPct val="90000"/>
+              </a:lnSpc>
+              <a:spcBef>
+                <a:spcPts val="500"/>
+              </a:spcBef>
+              <a:buFont typeface="Arial" panose="020B0604020202020204" pitchFamily="34" charset="0"/>
+              <a:buChar char="•"/>
+              <a:defRPr sz="1800" kern="1200">
+                <a:solidFill>
+                  <a:schemeClr val="tx1"/>
+                </a:solidFill>
+                <a:latin typeface="+mn-lt"/>
+                <a:ea typeface="+mn-ea"/>
+                <a:cs typeface="+mn-cs"/>
+              </a:defRPr>
+            </a:lvl7pPr>
+            <a:lvl8pPr marL="3429000" indent="-228600" algn="l" defTabSz="914400" rtl="0" eaLnBrk="1" latinLnBrk="0" hangingPunct="1">
+              <a:lnSpc>
+                <a:spcPct val="90000"/>
+              </a:lnSpc>
+              <a:spcBef>
+                <a:spcPts val="500"/>
+              </a:spcBef>
+              <a:buFont typeface="Arial" panose="020B0604020202020204" pitchFamily="34" charset="0"/>
+              <a:buChar char="•"/>
+              <a:defRPr sz="1800" kern="1200">
+                <a:solidFill>
+                  <a:schemeClr val="tx1"/>
+                </a:solidFill>
+                <a:latin typeface="+mn-lt"/>
+                <a:ea typeface="+mn-ea"/>
+                <a:cs typeface="+mn-cs"/>
+              </a:defRPr>
+            </a:lvl8pPr>
+            <a:lvl9pPr marL="3886200" indent="-228600" algn="l" defTabSz="914400" rtl="0" eaLnBrk="1" latinLnBrk="0" hangingPunct="1">
+              <a:lnSpc>
+                <a:spcPct val="90000"/>
+              </a:lnSpc>
+              <a:spcBef>
+                <a:spcPts val="500"/>
+              </a:spcBef>
+              <a:buFont typeface="Arial" panose="020B0604020202020204" pitchFamily="34" charset="0"/>
+              <a:buChar char="•"/>
+              <a:defRPr sz="1800" kern="1200">
+                <a:solidFill>
+                  <a:schemeClr val="tx1"/>
+                </a:solidFill>
+                <a:latin typeface="+mn-lt"/>
+                <a:ea typeface="+mn-ea"/>
+                <a:cs typeface="+mn-cs"/>
+              </a:defRPr>
+            </a:lvl9pPr>
+          </a:lstStyle>
+          <a:p>
+            <a:pPr marL="0" indent="0">
+              <a:buFont typeface="Arial" panose="020B0604020202020204" pitchFamily="34" charset="0"/>
+              <a:buNone/>
+            </a:pPr>
+            <a:endParaRPr lang="en-IN" b="1" dirty="0"/>
+          </a:p>
+          <a:p>
+            <a:endParaRPr lang="en-IN" b="1" dirty="0"/>
+          </a:p>
+        </p:txBody>
+      </p:sp>
+      <p:sp>
+        <p:nvSpPr>
+          <p:cNvPr id="12" name="Content Placeholder 2">
+            <a:extLst>
+              <a:ext uri="{FF2B5EF4-FFF2-40B4-BE49-F238E27FC236}">
+                <a16:creationId xmlns:a16="http://schemas.microsoft.com/office/drawing/2014/main" id="{A6BFCEDB-56E4-45E6-8469-7A477D45EE35}"/>
+              </a:ext>
+            </a:extLst>
+          </p:cNvPr>
+          <p:cNvSpPr txBox="1">
+            <a:spLocks/>
+          </p:cNvSpPr>
+          <p:nvPr/>
+        </p:nvSpPr>
+        <p:spPr>
+          <a:xfrm>
+            <a:off x="740317" y="5188775"/>
+            <a:ext cx="5478085" cy="1450564"/>
+          </a:xfrm>
+          <a:prstGeom prst="rect">
+            <a:avLst/>
+          </a:prstGeom>
+        </p:spPr>
+        <p:txBody>
+          <a:bodyPr vert="horz" lIns="91440" tIns="45720" rIns="91440" bIns="45720" rtlCol="0" anchor="t">
+            <a:normAutofit/>
+          </a:bodyPr>
+          <a:lstStyle>
+            <a:lvl1pPr marL="228600" indent="-228600" algn="l" defTabSz="914400" rtl="0" eaLnBrk="1" latinLnBrk="0" hangingPunct="1">
+              <a:lnSpc>
+                <a:spcPct val="90000"/>
+              </a:lnSpc>
+              <a:spcBef>
+                <a:spcPts val="1000"/>
+              </a:spcBef>
+              <a:buFont typeface="Arial" panose="020B0604020202020204" pitchFamily="34" charset="0"/>
+              <a:buChar char="•"/>
+              <a:defRPr sz="2800" kern="1200">
+                <a:solidFill>
+                  <a:schemeClr val="tx1"/>
+                </a:solidFill>
+                <a:latin typeface="+mn-lt"/>
+                <a:ea typeface="+mn-ea"/>
+                <a:cs typeface="+mn-cs"/>
+              </a:defRPr>
+            </a:lvl1pPr>
+            <a:lvl2pPr marL="685800" indent="-228600" algn="l" defTabSz="914400" rtl="0" eaLnBrk="1" latinLnBrk="0" hangingPunct="1">
+              <a:lnSpc>
+                <a:spcPct val="90000"/>
+              </a:lnSpc>
+              <a:spcBef>
+                <a:spcPts val="500"/>
+              </a:spcBef>
+              <a:buFont typeface="Arial" panose="020B0604020202020204" pitchFamily="34" charset="0"/>
+              <a:buChar char="•"/>
+              <a:defRPr sz="2400" kern="1200">
+                <a:solidFill>
+                  <a:schemeClr val="tx1"/>
+                </a:solidFill>
+                <a:latin typeface="+mn-lt"/>
+                <a:ea typeface="+mn-ea"/>
+                <a:cs typeface="+mn-cs"/>
+              </a:defRPr>
+            </a:lvl2pPr>
+            <a:lvl3pPr marL="1143000" indent="-228600" algn="l" defTabSz="914400" rtl="0" eaLnBrk="1" latinLnBrk="0" hangingPunct="1">
+              <a:lnSpc>
+                <a:spcPct val="90000"/>
+              </a:lnSpc>
+              <a:spcBef>
+                <a:spcPts val="500"/>
+              </a:spcBef>
+              <a:buFont typeface="Arial" panose="020B0604020202020204" pitchFamily="34" charset="0"/>
+              <a:buChar char="•"/>
+              <a:defRPr sz="2000" kern="1200">
+                <a:solidFill>
+                  <a:schemeClr val="tx1"/>
+                </a:solidFill>
+                <a:latin typeface="+mn-lt"/>
+                <a:ea typeface="+mn-ea"/>
+                <a:cs typeface="+mn-cs"/>
+              </a:defRPr>
+            </a:lvl3pPr>
+            <a:lvl4pPr marL="1600200" indent="-228600" algn="l" defTabSz="914400" rtl="0" eaLnBrk="1" latinLnBrk="0" hangingPunct="1">
+              <a:lnSpc>
+                <a:spcPct val="90000"/>
+              </a:lnSpc>
+              <a:spcBef>
+                <a:spcPts val="500"/>
+              </a:spcBef>
+              <a:buFont typeface="Arial" panose="020B0604020202020204" pitchFamily="34" charset="0"/>
+              <a:buChar char="•"/>
+              <a:defRPr sz="1800" kern="1200">
+                <a:solidFill>
+                  <a:schemeClr val="tx1"/>
+                </a:solidFill>
+                <a:latin typeface="+mn-lt"/>
+                <a:ea typeface="+mn-ea"/>
+                <a:cs typeface="+mn-cs"/>
+              </a:defRPr>
+            </a:lvl4pPr>
+            <a:lvl5pPr marL="2057400" indent="-228600" algn="l" defTabSz="914400" rtl="0" eaLnBrk="1" latinLnBrk="0" hangingPunct="1">
+              <a:lnSpc>
+                <a:spcPct val="90000"/>
+              </a:lnSpc>
+              <a:spcBef>
+                <a:spcPts val="500"/>
+              </a:spcBef>
+              <a:buFont typeface="Arial" panose="020B0604020202020204" pitchFamily="34" charset="0"/>
+              <a:buChar char="•"/>
+              <a:defRPr sz="1800" kern="1200">
+                <a:solidFill>
+                  <a:schemeClr val="tx1"/>
+                </a:solidFill>
+                <a:latin typeface="+mn-lt"/>
+                <a:ea typeface="+mn-ea"/>
+                <a:cs typeface="+mn-cs"/>
+              </a:defRPr>
+            </a:lvl5pPr>
+            <a:lvl6pPr marL="2514600" indent="-228600" algn="l" defTabSz="914400" rtl="0" eaLnBrk="1" latinLnBrk="0" hangingPunct="1">
+              <a:lnSpc>
+                <a:spcPct val="90000"/>
+              </a:lnSpc>
+              <a:spcBef>
+                <a:spcPts val="500"/>
+              </a:spcBef>
+              <a:buFont typeface="Arial" panose="020B0604020202020204" pitchFamily="34" charset="0"/>
+              <a:buChar char="•"/>
+              <a:defRPr sz="1800" kern="1200">
+                <a:solidFill>
+                  <a:schemeClr val="tx1"/>
+                </a:solidFill>
+                <a:latin typeface="+mn-lt"/>
+                <a:ea typeface="+mn-ea"/>
+                <a:cs typeface="+mn-cs"/>
+              </a:defRPr>
+            </a:lvl6pPr>
+            <a:lvl7pPr marL="2971800" indent="-228600" algn="l" defTabSz="914400" rtl="0" eaLnBrk="1" latinLnBrk="0" hangingPunct="1">
+              <a:lnSpc>
+                <a:spcPct val="90000"/>
+              </a:lnSpc>
+              <a:spcBef>
+                <a:spcPts val="500"/>
+              </a:spcBef>
+              <a:buFont typeface="Arial" panose="020B0604020202020204" pitchFamily="34" charset="0"/>
+              <a:buChar char="•"/>
+              <a:defRPr sz="1800" kern="1200">
+                <a:solidFill>
+                  <a:schemeClr val="tx1"/>
+                </a:solidFill>
+                <a:latin typeface="+mn-lt"/>
+                <a:ea typeface="+mn-ea"/>
+                <a:cs typeface="+mn-cs"/>
+              </a:defRPr>
+            </a:lvl7pPr>
+            <a:lvl8pPr marL="3429000" indent="-228600" algn="l" defTabSz="914400" rtl="0" eaLnBrk="1" latinLnBrk="0" hangingPunct="1">
+              <a:lnSpc>
+                <a:spcPct val="90000"/>
+              </a:lnSpc>
+              <a:spcBef>
+                <a:spcPts val="500"/>
+              </a:spcBef>
+              <a:buFont typeface="Arial" panose="020B0604020202020204" pitchFamily="34" charset="0"/>
+              <a:buChar char="•"/>
+              <a:defRPr sz="1800" kern="1200">
+                <a:solidFill>
+                  <a:schemeClr val="tx1"/>
+                </a:solidFill>
+                <a:latin typeface="+mn-lt"/>
+                <a:ea typeface="+mn-ea"/>
+                <a:cs typeface="+mn-cs"/>
+              </a:defRPr>
+            </a:lvl8pPr>
+            <a:lvl9pPr marL="3886200" indent="-228600" algn="l" defTabSz="914400" rtl="0" eaLnBrk="1" latinLnBrk="0" hangingPunct="1">
+              <a:lnSpc>
+                <a:spcPct val="90000"/>
+              </a:lnSpc>
+              <a:spcBef>
+                <a:spcPts val="500"/>
+              </a:spcBef>
+              <a:buFont typeface="Arial" panose="020B0604020202020204" pitchFamily="34" charset="0"/>
+              <a:buChar char="•"/>
+              <a:defRPr sz="1800" kern="1200">
+                <a:solidFill>
+                  <a:schemeClr val="tx1"/>
+                </a:solidFill>
+                <a:latin typeface="+mn-lt"/>
+                <a:ea typeface="+mn-ea"/>
+                <a:cs typeface="+mn-cs"/>
+              </a:defRPr>
+            </a:lvl9pPr>
+          </a:lstStyle>
+          <a:p>
+            <a:pPr marL="0" indent="0">
+              <a:buNone/>
+            </a:pPr>
+            <a:r>
+              <a:rPr lang="en-IN" sz="2600" b="1" dirty="0"/>
+              <a:t>Cost - £ 10</a:t>
+            </a:r>
+          </a:p>
+          <a:p>
+            <a:pPr marL="0" indent="0">
+              <a:buNone/>
+            </a:pPr>
+            <a:r>
+              <a:rPr lang="en-IN" sz="2600" b="1" dirty="0"/>
+              <a:t>Associated Windfalls - None</a:t>
+            </a:r>
+          </a:p>
+          <a:p>
+            <a:pPr marL="0" indent="0">
+              <a:buNone/>
+            </a:pPr>
+            <a:endParaRPr lang="en-IN" sz="2600" b="1" dirty="0"/>
+          </a:p>
+          <a:p>
+            <a:pPr marL="0" indent="0">
+              <a:buNone/>
+            </a:pPr>
+            <a:endParaRPr lang="en-IN" sz="2600" b="1" dirty="0"/>
+          </a:p>
+          <a:p>
+            <a:pPr marL="514350" indent="-514350">
+              <a:buFont typeface="Arial" panose="020B0604020202020204" pitchFamily="34" charset="0"/>
+              <a:buAutoNum type="arabicPeriod"/>
+            </a:pPr>
+            <a:endParaRPr lang="en-IN" b="1" dirty="0"/>
+          </a:p>
+          <a:p>
+            <a:pPr marL="514350" indent="-514350">
+              <a:buFont typeface="Arial" panose="020B0604020202020204" pitchFamily="34" charset="0"/>
+              <a:buAutoNum type="arabicPeriod"/>
+            </a:pPr>
+            <a:endParaRPr lang="en-IN" b="1" dirty="0"/>
+          </a:p>
+          <a:p>
+            <a:pPr marL="0" indent="0">
+              <a:buNone/>
+            </a:pPr>
+            <a:endParaRPr lang="en-IN" b="1" dirty="0"/>
+          </a:p>
+          <a:p>
+            <a:endParaRPr lang="en-IN" b="1" dirty="0"/>
+          </a:p>
+        </p:txBody>
+      </p:sp>
+    </p:spTree>
+    <p:extLst>
+      <p:ext uri="{BB962C8B-B14F-4D97-AF65-F5344CB8AC3E}">
+        <p14:creationId xmlns:p14="http://schemas.microsoft.com/office/powerpoint/2010/main" val="3612389981"/>
+      </p:ext>
+    </p:extLst>
+  </p:cSld>
+  <p:clrMapOvr>
+    <a:overrideClrMapping bg1="dk1" tx1="lt1" bg2="dk2" tx2="lt2" accent1="accent1" accent2="accent2" accent3="accent3" accent4="accent4" accent5="accent5" accent6="accent6" hlink="hlink" folHlink="folHlink"/>
+  </p:clrMapOvr>
+</p:sld>
+</file>
+
+<file path=ppt/slides/slide11.xml><?xml version="1.0" encoding="utf-8"?>
+<p:sld xmlns:a="http://schemas.openxmlformats.org/drawingml/2006/main" xmlns:r="http://schemas.openxmlformats.org/officeDocument/2006/relationships" xmlns:p="http://schemas.openxmlformats.org/presentationml/2006/main">
+  <p:cSld>
+    <p:bg>
+      <p:bgPr>
+        <a:solidFill>
+          <a:schemeClr val="bg1"/>
+        </a:solidFill>
+        <a:effectLst/>
+      </p:bgPr>
+    </p:bg>
+    <p:spTree>
+      <p:nvGrpSpPr>
+        <p:cNvPr id="1" name=""/>
+        <p:cNvGrpSpPr/>
+        <p:nvPr/>
+      </p:nvGrpSpPr>
+      <p:grpSpPr>
+        <a:xfrm>
+          <a:off x="0" y="0"/>
+          <a:ext cx="0" cy="0"/>
+          <a:chOff x="0" y="0"/>
+          <a:chExt cx="0" cy="0"/>
+        </a:xfrm>
+      </p:grpSpPr>
+      <p:pic>
+        <p:nvPicPr>
+          <p:cNvPr id="7" name="Picture 6">
+            <a:extLst>
+              <a:ext uri="{FF2B5EF4-FFF2-40B4-BE49-F238E27FC236}">
+                <a16:creationId xmlns:a16="http://schemas.microsoft.com/office/drawing/2014/main" id="{8BA2A080-19F8-4969-A685-C648FF8CD3CE}"/>
+              </a:ext>
+            </a:extLst>
+          </p:cNvPr>
+          <p:cNvPicPr>
+            <a:picLocks noChangeAspect="1"/>
+          </p:cNvPicPr>
+          <p:nvPr/>
+        </p:nvPicPr>
+        <p:blipFill rotWithShape="1">
+          <a:blip r:embed="rId2">
+            <a:duotone>
+              <a:prstClr val="black"/>
+              <a:schemeClr val="tx2">
+                <a:tint val="45000"/>
+                <a:satMod val="400000"/>
+              </a:schemeClr>
+            </a:duotone>
+            <a:alphaModFix amt="35000"/>
+            <a:extLst>
+              <a:ext uri="{28A0092B-C50C-407E-A947-70E740481C1C}">
+                <a14:useLocalDpi xmlns:a14="http://schemas.microsoft.com/office/drawing/2010/main" val="0"/>
+              </a:ext>
+            </a:extLst>
+          </a:blip>
+          <a:srcRect t="13681" b="2075"/>
+          <a:stretch/>
+        </p:blipFill>
+        <p:spPr>
+          <a:xfrm>
+            <a:off x="-1" y="0"/>
+            <a:ext cx="12192000" cy="6857990"/>
+          </a:xfrm>
+          <a:prstGeom prst="rect">
+            <a:avLst/>
+          </a:prstGeom>
+        </p:spPr>
+      </p:pic>
+      <p:sp>
+        <p:nvSpPr>
+          <p:cNvPr id="51" name="Freeform 49">
+            <a:extLst>
+              <a:ext uri="{FF2B5EF4-FFF2-40B4-BE49-F238E27FC236}">
+                <a16:creationId xmlns:a16="http://schemas.microsoft.com/office/drawing/2014/main" id="{EF9B8DF2-C3F5-49A2-94D2-F7B65A0F1F15}"/>
+              </a:ext>
+            </a:extLst>
+          </p:cNvPr>
+          <p:cNvSpPr>
+            <a:spLocks noGrp="1" noRot="1" noChangeAspect="1" noMove="1" noResize="1" noEditPoints="1" noAdjustHandles="1" noChangeArrowheads="1" noChangeShapeType="1" noTextEdit="1"/>
+          </p:cNvSpPr>
+          <p:nvPr>
+            <p:extLst>
+              <p:ext uri="{386F3935-93C4-4BCD-93E2-E3B085C9AB24}">
+                <p16:designElem xmlns:p16="http://schemas.microsoft.com/office/powerpoint/2015/main" val="1"/>
+              </p:ext>
+            </p:extLst>
+          </p:nvPr>
+        </p:nvSpPr>
+        <p:spPr>
+          <a:xfrm flipH="1">
+            <a:off x="6713914" y="581159"/>
+            <a:ext cx="5478085" cy="6276841"/>
+          </a:xfrm>
+          <a:custGeom>
+            <a:avLst/>
+            <a:gdLst>
+              <a:gd name="connsiteX0" fmla="*/ 2178155 w 5478085"/>
+              <a:gd name="connsiteY0" fmla="*/ 0 h 6276841"/>
+              <a:gd name="connsiteX1" fmla="*/ 5478085 w 5478085"/>
+              <a:gd name="connsiteY1" fmla="*/ 3299930 h 6276841"/>
+              <a:gd name="connsiteX2" fmla="*/ 3751098 w 5478085"/>
+              <a:gd name="connsiteY2" fmla="*/ 6201577 h 6276841"/>
+              <a:gd name="connsiteX3" fmla="*/ 3594858 w 5478085"/>
+              <a:gd name="connsiteY3" fmla="*/ 6276841 h 6276841"/>
+              <a:gd name="connsiteX4" fmla="*/ 761453 w 5478085"/>
+              <a:gd name="connsiteY4" fmla="*/ 6276841 h 6276841"/>
+              <a:gd name="connsiteX5" fmla="*/ 605213 w 5478085"/>
+              <a:gd name="connsiteY5" fmla="*/ 6201577 h 6276841"/>
+              <a:gd name="connsiteX6" fmla="*/ 79093 w 5478085"/>
+              <a:gd name="connsiteY6" fmla="*/ 5846317 h 6276841"/>
+              <a:gd name="connsiteX7" fmla="*/ 0 w 5478085"/>
+              <a:gd name="connsiteY7" fmla="*/ 5774432 h 6276841"/>
+              <a:gd name="connsiteX8" fmla="*/ 0 w 5478085"/>
+              <a:gd name="connsiteY8" fmla="*/ 825429 h 6276841"/>
+              <a:gd name="connsiteX9" fmla="*/ 79093 w 5478085"/>
+              <a:gd name="connsiteY9" fmla="*/ 753544 h 6276841"/>
+              <a:gd name="connsiteX10" fmla="*/ 2178155 w 5478085"/>
+              <a:gd name="connsiteY10" fmla="*/ 0 h 6276841"/>
+            </a:gdLst>
+            <a:ahLst/>
+            <a:cxnLst>
+              <a:cxn ang="0">
+                <a:pos x="connsiteX0" y="connsiteY0"/>
+              </a:cxn>
+              <a:cxn ang="0">
+                <a:pos x="connsiteX1" y="connsiteY1"/>
+              </a:cxn>
+              <a:cxn ang="0">
+                <a:pos x="connsiteX2" y="connsiteY2"/>
+              </a:cxn>
+              <a:cxn ang="0">
+                <a:pos x="connsiteX3" y="connsiteY3"/>
+              </a:cxn>
+              <a:cxn ang="0">
+                <a:pos x="connsiteX4" y="connsiteY4"/>
+              </a:cxn>
+              <a:cxn ang="0">
+                <a:pos x="connsiteX5" y="connsiteY5"/>
+              </a:cxn>
+              <a:cxn ang="0">
+                <a:pos x="connsiteX6" y="connsiteY6"/>
+              </a:cxn>
+              <a:cxn ang="0">
+                <a:pos x="connsiteX7" y="connsiteY7"/>
+              </a:cxn>
+              <a:cxn ang="0">
+                <a:pos x="connsiteX8" y="connsiteY8"/>
+              </a:cxn>
+              <a:cxn ang="0">
+                <a:pos x="connsiteX9" y="connsiteY9"/>
+              </a:cxn>
+              <a:cxn ang="0">
+                <a:pos x="connsiteX10" y="connsiteY10"/>
+              </a:cxn>
+            </a:cxnLst>
+            <a:rect l="l" t="t" r="r" b="b"/>
+            <a:pathLst>
+              <a:path w="5478085" h="6276841">
+                <a:moveTo>
+                  <a:pt x="2178155" y="0"/>
+                </a:moveTo>
+                <a:cubicBezTo>
+                  <a:pt x="4000656" y="0"/>
+                  <a:pt x="5478085" y="1477429"/>
+                  <a:pt x="5478085" y="3299930"/>
+                </a:cubicBezTo>
+                <a:cubicBezTo>
+                  <a:pt x="5478085" y="4552900"/>
+                  <a:pt x="4779769" y="5642769"/>
+                  <a:pt x="3751098" y="6201577"/>
+                </a:cubicBezTo>
+                <a:lnTo>
+                  <a:pt x="3594858" y="6276841"/>
+                </a:lnTo>
+                <a:lnTo>
+                  <a:pt x="761453" y="6276841"/>
+                </a:lnTo>
+                <a:lnTo>
+                  <a:pt x="605213" y="6201577"/>
+                </a:lnTo>
+                <a:cubicBezTo>
+                  <a:pt x="418182" y="6099975"/>
+                  <a:pt x="242071" y="5980818"/>
+                  <a:pt x="79093" y="5846317"/>
+                </a:cubicBezTo>
+                <a:lnTo>
+                  <a:pt x="0" y="5774432"/>
+                </a:lnTo>
+                <a:lnTo>
+                  <a:pt x="0" y="825429"/>
+                </a:lnTo>
+                <a:lnTo>
+                  <a:pt x="79093" y="753544"/>
+                </a:lnTo>
+                <a:cubicBezTo>
+                  <a:pt x="649516" y="282789"/>
+                  <a:pt x="1380811" y="0"/>
+                  <a:pt x="2178155" y="0"/>
+                </a:cubicBezTo>
+                <a:close/>
+              </a:path>
+            </a:pathLst>
+          </a:custGeom>
+          <a:solidFill>
+            <a:srgbClr val="FFFFFF">
+              <a:alpha val="80000"/>
+            </a:srgbClr>
+          </a:solidFill>
+          <a:ln w="31750">
+            <a:noFill/>
+          </a:ln>
+        </p:spPr>
+        <p:style>
+          <a:lnRef idx="2">
+            <a:schemeClr val="accent1">
+              <a:shade val="50000"/>
+            </a:schemeClr>
+          </a:lnRef>
+          <a:fillRef idx="1">
+            <a:schemeClr val="accent1"/>
+          </a:fillRef>
+          <a:effectRef idx="0">
+            <a:schemeClr val="accent1"/>
+          </a:effectRef>
+          <a:fontRef idx="minor">
+            <a:schemeClr val="lt1"/>
+          </a:fontRef>
+        </p:style>
+        <p:txBody>
+          <a:bodyPr wrap="square" rtlCol="0" anchor="ctr">
+            <a:noAutofit/>
+          </a:bodyPr>
+          <a:lstStyle/>
+          <a:p>
+            <a:pPr marL="0" marR="0" lvl="0" indent="0" algn="ctr" defTabSz="914400" rtl="0" eaLnBrk="1" fontAlgn="auto" latinLnBrk="0" hangingPunct="1">
+              <a:lnSpc>
+                <a:spcPct val="100000"/>
+              </a:lnSpc>
+              <a:spcBef>
+                <a:spcPts val="0"/>
+              </a:spcBef>
+              <a:spcAft>
+                <a:spcPts val="0"/>
+              </a:spcAft>
+              <a:buClrTx/>
+              <a:buSzTx/>
+              <a:buFontTx/>
+              <a:buNone/>
+              <a:tabLst/>
+              <a:defRPr/>
+            </a:pPr>
+            <a:endParaRPr kumimoji="0" lang="en-US" sz="1800" b="0" i="0" u="none" strike="noStrike" kern="1200" cap="none" spc="0" normalizeH="0" baseline="0" noProof="0">
+              <a:ln>
+                <a:noFill/>
+              </a:ln>
+              <a:solidFill>
+                <a:prstClr val="white"/>
+              </a:solidFill>
+              <a:effectLst/>
+              <a:uLnTx/>
+              <a:uFillTx/>
+              <a:latin typeface="Calibri" panose="020F0502020204030204"/>
+              <a:ea typeface="+mn-ea"/>
+              <a:cs typeface="+mn-cs"/>
+            </a:endParaRPr>
+          </a:p>
+        </p:txBody>
+      </p:sp>
+      <p:pic>
+        <p:nvPicPr>
+          <p:cNvPr id="9" name="Picture 8" descr="A picture containing building&#10;&#10;Description generated with high confidence">
+            <a:extLst>
+              <a:ext uri="{FF2B5EF4-FFF2-40B4-BE49-F238E27FC236}">
+                <a16:creationId xmlns:a16="http://schemas.microsoft.com/office/drawing/2014/main" id="{12ED8CBA-3DDA-400E-B2EE-7748A997FAC8}"/>
+              </a:ext>
+            </a:extLst>
+          </p:cNvPr>
+          <p:cNvPicPr>
+            <a:picLocks noChangeAspect="1"/>
+          </p:cNvPicPr>
+          <p:nvPr/>
+        </p:nvPicPr>
+        <p:blipFill rotWithShape="1">
+          <a:blip r:embed="rId3">
+            <a:extLst>
+              <a:ext uri="{28A0092B-C50C-407E-A947-70E740481C1C}">
+                <a14:useLocalDpi xmlns:a14="http://schemas.microsoft.com/office/drawing/2010/main" val="0"/>
+              </a:ext>
+            </a:extLst>
+          </a:blip>
+          <a:srcRect l="18375" r="23620" b="1"/>
+          <a:stretch/>
+        </p:blipFill>
+        <p:spPr>
+          <a:xfrm>
+            <a:off x="6893342" y="760562"/>
+            <a:ext cx="5298683" cy="6097438"/>
+          </a:xfrm>
+          <a:custGeom>
+            <a:avLst/>
+            <a:gdLst>
+              <a:gd name="connsiteX0" fmla="*/ 3120528 w 5298683"/>
+              <a:gd name="connsiteY0" fmla="*/ 0 h 6097438"/>
+              <a:gd name="connsiteX1" fmla="*/ 5105473 w 5298683"/>
+              <a:gd name="connsiteY1" fmla="*/ 712577 h 6097438"/>
+              <a:gd name="connsiteX2" fmla="*/ 5298683 w 5298683"/>
+              <a:gd name="connsiteY2" fmla="*/ 888178 h 6097438"/>
+              <a:gd name="connsiteX3" fmla="*/ 5298683 w 5298683"/>
+              <a:gd name="connsiteY3" fmla="*/ 5352876 h 6097438"/>
+              <a:gd name="connsiteX4" fmla="*/ 5105473 w 5298683"/>
+              <a:gd name="connsiteY4" fmla="*/ 5528477 h 6097438"/>
+              <a:gd name="connsiteX5" fmla="*/ 4335177 w 5298683"/>
+              <a:gd name="connsiteY5" fmla="*/ 5995828 h 6097438"/>
+              <a:gd name="connsiteX6" fmla="*/ 4057556 w 5298683"/>
+              <a:gd name="connsiteY6" fmla="*/ 6097438 h 6097438"/>
+              <a:gd name="connsiteX7" fmla="*/ 2183499 w 5298683"/>
+              <a:gd name="connsiteY7" fmla="*/ 6097438 h 6097438"/>
+              <a:gd name="connsiteX8" fmla="*/ 1905878 w 5298683"/>
+              <a:gd name="connsiteY8" fmla="*/ 5995828 h 6097438"/>
+              <a:gd name="connsiteX9" fmla="*/ 0 w 5298683"/>
+              <a:gd name="connsiteY9" fmla="*/ 3120527 h 6097438"/>
+              <a:gd name="connsiteX10" fmla="*/ 3120528 w 5298683"/>
+              <a:gd name="connsiteY10" fmla="*/ 0 h 6097438"/>
+            </a:gdLst>
+            <a:ahLst/>
+            <a:cxnLst>
+              <a:cxn ang="0">
+                <a:pos x="connsiteX0" y="connsiteY0"/>
+              </a:cxn>
+              <a:cxn ang="0">
+                <a:pos x="connsiteX1" y="connsiteY1"/>
+              </a:cxn>
+              <a:cxn ang="0">
+                <a:pos x="connsiteX2" y="connsiteY2"/>
+              </a:cxn>
+              <a:cxn ang="0">
+                <a:pos x="connsiteX3" y="connsiteY3"/>
+              </a:cxn>
+              <a:cxn ang="0">
+                <a:pos x="connsiteX4" y="connsiteY4"/>
+              </a:cxn>
+              <a:cxn ang="0">
+                <a:pos x="connsiteX5" y="connsiteY5"/>
+              </a:cxn>
+              <a:cxn ang="0">
+                <a:pos x="connsiteX6" y="connsiteY6"/>
+              </a:cxn>
+              <a:cxn ang="0">
+                <a:pos x="connsiteX7" y="connsiteY7"/>
+              </a:cxn>
+              <a:cxn ang="0">
+                <a:pos x="connsiteX8" y="connsiteY8"/>
+              </a:cxn>
+              <a:cxn ang="0">
+                <a:pos x="connsiteX9" y="connsiteY9"/>
+              </a:cxn>
+              <a:cxn ang="0">
+                <a:pos x="connsiteX10" y="connsiteY10"/>
+              </a:cxn>
+            </a:cxnLst>
+            <a:rect l="l" t="t" r="r" b="b"/>
+            <a:pathLst>
+              <a:path w="5298683" h="6097438">
+                <a:moveTo>
+                  <a:pt x="3120528" y="0"/>
+                </a:moveTo>
+                <a:cubicBezTo>
+                  <a:pt x="3874524" y="0"/>
+                  <a:pt x="4566062" y="267415"/>
+                  <a:pt x="5105473" y="712577"/>
+                </a:cubicBezTo>
+                <a:lnTo>
+                  <a:pt x="5298683" y="888178"/>
+                </a:lnTo>
+                <a:lnTo>
+                  <a:pt x="5298683" y="5352876"/>
+                </a:lnTo>
+                <a:lnTo>
+                  <a:pt x="5105473" y="5528477"/>
+                </a:lnTo>
+                <a:cubicBezTo>
+                  <a:pt x="4874296" y="5719261"/>
+                  <a:pt x="4615179" y="5877397"/>
+                  <a:pt x="4335177" y="5995828"/>
+                </a:cubicBezTo>
+                <a:lnTo>
+                  <a:pt x="4057556" y="6097438"/>
+                </a:lnTo>
+                <a:lnTo>
+                  <a:pt x="2183499" y="6097438"/>
+                </a:lnTo>
+                <a:lnTo>
+                  <a:pt x="1905878" y="5995828"/>
+                </a:lnTo>
+                <a:cubicBezTo>
+                  <a:pt x="785873" y="5522106"/>
+                  <a:pt x="0" y="4413092"/>
+                  <a:pt x="0" y="3120527"/>
+                </a:cubicBezTo>
+                <a:cubicBezTo>
+                  <a:pt x="0" y="1397108"/>
+                  <a:pt x="1397108" y="0"/>
+                  <a:pt x="3120528" y="0"/>
+                </a:cubicBezTo>
+                <a:close/>
+              </a:path>
+            </a:pathLst>
+          </a:custGeom>
+        </p:spPr>
+      </p:pic>
+      <p:sp>
+        <p:nvSpPr>
+          <p:cNvPr id="2" name="Title 1">
+            <a:extLst>
+              <a:ext uri="{FF2B5EF4-FFF2-40B4-BE49-F238E27FC236}">
+                <a16:creationId xmlns:a16="http://schemas.microsoft.com/office/drawing/2014/main" id="{7035F1BC-202E-45ED-A443-7B13BF42F19C}"/>
+              </a:ext>
+            </a:extLst>
+          </p:cNvPr>
+          <p:cNvSpPr>
+            <a:spLocks noGrp="1"/>
+          </p:cNvSpPr>
+          <p:nvPr>
+            <p:ph type="title"/>
+          </p:nvPr>
+        </p:nvSpPr>
+        <p:spPr>
+          <a:xfrm>
+            <a:off x="612252" y="581159"/>
+            <a:ext cx="5277333" cy="1325563"/>
+          </a:xfrm>
+        </p:spPr>
+        <p:txBody>
+          <a:bodyPr>
+            <a:normAutofit/>
+          </a:bodyPr>
+          <a:lstStyle/>
+          <a:p>
+            <a:r>
+              <a:rPr lang="en-IN" b="1" dirty="0">
+                <a:latin typeface="AR JULIAN" panose="02000000000000000000" pitchFamily="2" charset="0"/>
+                <a:cs typeface="Aharoni" panose="02010803020104030203" pitchFamily="2" charset="-79"/>
+              </a:rPr>
+              <a:t>Types of Ticket</a:t>
+            </a:r>
+          </a:p>
+        </p:txBody>
+      </p:sp>
+      <p:sp>
+        <p:nvSpPr>
+          <p:cNvPr id="3" name="Content Placeholder 2">
+            <a:extLst>
+              <a:ext uri="{FF2B5EF4-FFF2-40B4-BE49-F238E27FC236}">
+                <a16:creationId xmlns:a16="http://schemas.microsoft.com/office/drawing/2014/main" id="{D7859ED5-771F-4FFC-AC08-C6A010E59617}"/>
+              </a:ext>
+            </a:extLst>
+          </p:cNvPr>
+          <p:cNvSpPr>
+            <a:spLocks noGrp="1"/>
+          </p:cNvSpPr>
+          <p:nvPr>
+            <p:ph idx="1"/>
+          </p:nvPr>
+        </p:nvSpPr>
+        <p:spPr>
+          <a:xfrm>
+            <a:off x="511875" y="1613303"/>
+            <a:ext cx="5478085" cy="586837"/>
+          </a:xfrm>
+        </p:spPr>
+        <p:txBody>
+          <a:bodyPr anchor="t">
+            <a:normAutofit/>
+          </a:bodyPr>
+          <a:lstStyle/>
+          <a:p>
+            <a:pPr marL="0" indent="0">
+              <a:buNone/>
+            </a:pPr>
+            <a:endParaRPr lang="en-IN" b="1" dirty="0"/>
+          </a:p>
+          <a:p>
+            <a:endParaRPr lang="en-IN" b="1" dirty="0"/>
+          </a:p>
+        </p:txBody>
+      </p:sp>
+      <p:sp>
+        <p:nvSpPr>
+          <p:cNvPr id="8" name="Content Placeholder 2">
+            <a:extLst>
+              <a:ext uri="{FF2B5EF4-FFF2-40B4-BE49-F238E27FC236}">
+                <a16:creationId xmlns:a16="http://schemas.microsoft.com/office/drawing/2014/main" id="{56265BA1-11EF-4264-8D67-2143C5B311E6}"/>
+              </a:ext>
+            </a:extLst>
+          </p:cNvPr>
+          <p:cNvSpPr txBox="1">
+            <a:spLocks/>
+          </p:cNvSpPr>
+          <p:nvPr/>
+        </p:nvSpPr>
+        <p:spPr>
+          <a:xfrm>
+            <a:off x="587917" y="2382633"/>
+            <a:ext cx="5478085" cy="556233"/>
+          </a:xfrm>
+          <a:prstGeom prst="rect">
+            <a:avLst/>
+          </a:prstGeom>
+        </p:spPr>
+        <p:txBody>
+          <a:bodyPr vert="horz" lIns="91440" tIns="45720" rIns="91440" bIns="45720" rtlCol="0" anchor="t">
+            <a:normAutofit/>
+          </a:bodyPr>
+          <a:lstStyle>
+            <a:lvl1pPr marL="228600" indent="-228600" algn="l" defTabSz="914400" rtl="0" eaLnBrk="1" latinLnBrk="0" hangingPunct="1">
+              <a:lnSpc>
+                <a:spcPct val="90000"/>
+              </a:lnSpc>
+              <a:spcBef>
+                <a:spcPts val="1000"/>
+              </a:spcBef>
+              <a:buFont typeface="Arial" panose="020B0604020202020204" pitchFamily="34" charset="0"/>
+              <a:buChar char="•"/>
+              <a:defRPr sz="2800" kern="1200">
+                <a:solidFill>
+                  <a:schemeClr val="tx1"/>
+                </a:solidFill>
+                <a:latin typeface="+mn-lt"/>
+                <a:ea typeface="+mn-ea"/>
+                <a:cs typeface="+mn-cs"/>
+              </a:defRPr>
+            </a:lvl1pPr>
+            <a:lvl2pPr marL="685800" indent="-228600" algn="l" defTabSz="914400" rtl="0" eaLnBrk="1" latinLnBrk="0" hangingPunct="1">
+              <a:lnSpc>
+                <a:spcPct val="90000"/>
+              </a:lnSpc>
+              <a:spcBef>
+                <a:spcPts val="500"/>
+              </a:spcBef>
+              <a:buFont typeface="Arial" panose="020B0604020202020204" pitchFamily="34" charset="0"/>
+              <a:buChar char="•"/>
+              <a:defRPr sz="2400" kern="1200">
+                <a:solidFill>
+                  <a:schemeClr val="tx1"/>
+                </a:solidFill>
+                <a:latin typeface="+mn-lt"/>
+                <a:ea typeface="+mn-ea"/>
+                <a:cs typeface="+mn-cs"/>
+              </a:defRPr>
+            </a:lvl2pPr>
+            <a:lvl3pPr marL="1143000" indent="-228600" algn="l" defTabSz="914400" rtl="0" eaLnBrk="1" latinLnBrk="0" hangingPunct="1">
+              <a:lnSpc>
+                <a:spcPct val="90000"/>
+              </a:lnSpc>
+              <a:spcBef>
+                <a:spcPts val="500"/>
+              </a:spcBef>
+              <a:buFont typeface="Arial" panose="020B0604020202020204" pitchFamily="34" charset="0"/>
+              <a:buChar char="•"/>
+              <a:defRPr sz="2000" kern="1200">
+                <a:solidFill>
+                  <a:schemeClr val="tx1"/>
+                </a:solidFill>
+                <a:latin typeface="+mn-lt"/>
+                <a:ea typeface="+mn-ea"/>
+                <a:cs typeface="+mn-cs"/>
+              </a:defRPr>
+            </a:lvl3pPr>
+            <a:lvl4pPr marL="1600200" indent="-228600" algn="l" defTabSz="914400" rtl="0" eaLnBrk="1" latinLnBrk="0" hangingPunct="1">
+              <a:lnSpc>
+                <a:spcPct val="90000"/>
+              </a:lnSpc>
+              <a:spcBef>
+                <a:spcPts val="500"/>
+              </a:spcBef>
+              <a:buFont typeface="Arial" panose="020B0604020202020204" pitchFamily="34" charset="0"/>
+              <a:buChar char="•"/>
+              <a:defRPr sz="1800" kern="1200">
+                <a:solidFill>
+                  <a:schemeClr val="tx1"/>
+                </a:solidFill>
+                <a:latin typeface="+mn-lt"/>
+                <a:ea typeface="+mn-ea"/>
+                <a:cs typeface="+mn-cs"/>
+              </a:defRPr>
+            </a:lvl4pPr>
+            <a:lvl5pPr marL="2057400" indent="-228600" algn="l" defTabSz="914400" rtl="0" eaLnBrk="1" latinLnBrk="0" hangingPunct="1">
+              <a:lnSpc>
+                <a:spcPct val="90000"/>
+              </a:lnSpc>
+              <a:spcBef>
+                <a:spcPts val="500"/>
+              </a:spcBef>
+              <a:buFont typeface="Arial" panose="020B0604020202020204" pitchFamily="34" charset="0"/>
+              <a:buChar char="•"/>
+              <a:defRPr sz="1800" kern="1200">
+                <a:solidFill>
+                  <a:schemeClr val="tx1"/>
+                </a:solidFill>
+                <a:latin typeface="+mn-lt"/>
+                <a:ea typeface="+mn-ea"/>
+                <a:cs typeface="+mn-cs"/>
+              </a:defRPr>
+            </a:lvl5pPr>
+            <a:lvl6pPr marL="2514600" indent="-228600" algn="l" defTabSz="914400" rtl="0" eaLnBrk="1" latinLnBrk="0" hangingPunct="1">
+              <a:lnSpc>
+                <a:spcPct val="90000"/>
+              </a:lnSpc>
+              <a:spcBef>
+                <a:spcPts val="500"/>
+              </a:spcBef>
+              <a:buFont typeface="Arial" panose="020B0604020202020204" pitchFamily="34" charset="0"/>
+              <a:buChar char="•"/>
+              <a:defRPr sz="1800" kern="1200">
+                <a:solidFill>
+                  <a:schemeClr val="tx1"/>
+                </a:solidFill>
+                <a:latin typeface="+mn-lt"/>
+                <a:ea typeface="+mn-ea"/>
+                <a:cs typeface="+mn-cs"/>
+              </a:defRPr>
+            </a:lvl6pPr>
+            <a:lvl7pPr marL="2971800" indent="-228600" algn="l" defTabSz="914400" rtl="0" eaLnBrk="1" latinLnBrk="0" hangingPunct="1">
+              <a:lnSpc>
+                <a:spcPct val="90000"/>
+              </a:lnSpc>
+              <a:spcBef>
+                <a:spcPts val="500"/>
+              </a:spcBef>
+              <a:buFont typeface="Arial" panose="020B0604020202020204" pitchFamily="34" charset="0"/>
+              <a:buChar char="•"/>
+              <a:defRPr sz="1800" kern="1200">
+                <a:solidFill>
+                  <a:schemeClr val="tx1"/>
+                </a:solidFill>
+                <a:latin typeface="+mn-lt"/>
+                <a:ea typeface="+mn-ea"/>
+                <a:cs typeface="+mn-cs"/>
+              </a:defRPr>
+            </a:lvl7pPr>
+            <a:lvl8pPr marL="3429000" indent="-228600" algn="l" defTabSz="914400" rtl="0" eaLnBrk="1" latinLnBrk="0" hangingPunct="1">
+              <a:lnSpc>
+                <a:spcPct val="90000"/>
+              </a:lnSpc>
+              <a:spcBef>
+                <a:spcPts val="500"/>
+              </a:spcBef>
+              <a:buFont typeface="Arial" panose="020B0604020202020204" pitchFamily="34" charset="0"/>
+              <a:buChar char="•"/>
+              <a:defRPr sz="1800" kern="1200">
+                <a:solidFill>
+                  <a:schemeClr val="tx1"/>
+                </a:solidFill>
+                <a:latin typeface="+mn-lt"/>
+                <a:ea typeface="+mn-ea"/>
+                <a:cs typeface="+mn-cs"/>
+              </a:defRPr>
+            </a:lvl8pPr>
+            <a:lvl9pPr marL="3886200" indent="-228600" algn="l" defTabSz="914400" rtl="0" eaLnBrk="1" latinLnBrk="0" hangingPunct="1">
+              <a:lnSpc>
+                <a:spcPct val="90000"/>
+              </a:lnSpc>
+              <a:spcBef>
+                <a:spcPts val="500"/>
+              </a:spcBef>
+              <a:buFont typeface="Arial" panose="020B0604020202020204" pitchFamily="34" charset="0"/>
+              <a:buChar char="•"/>
+              <a:defRPr sz="1800" kern="1200">
+                <a:solidFill>
+                  <a:schemeClr val="tx1"/>
+                </a:solidFill>
+                <a:latin typeface="+mn-lt"/>
+                <a:ea typeface="+mn-ea"/>
+                <a:cs typeface="+mn-cs"/>
+              </a:defRPr>
+            </a:lvl9pPr>
+          </a:lstStyle>
+          <a:p>
+            <a:pPr marL="0" indent="0">
+              <a:buFont typeface="Arial" panose="020B0604020202020204" pitchFamily="34" charset="0"/>
+              <a:buNone/>
+            </a:pPr>
+            <a:endParaRPr lang="en-IN" sz="2600" b="1" dirty="0"/>
+          </a:p>
+          <a:p>
+            <a:endParaRPr lang="en-IN" b="1" dirty="0"/>
+          </a:p>
+        </p:txBody>
+      </p:sp>
+      <p:pic>
+        <p:nvPicPr>
+          <p:cNvPr id="10" name="Picture 9" descr="A close up of a screen&#10;&#10;Description generated with very high confidence">
+            <a:extLst>
+              <a:ext uri="{FF2B5EF4-FFF2-40B4-BE49-F238E27FC236}">
+                <a16:creationId xmlns:a16="http://schemas.microsoft.com/office/drawing/2014/main" id="{E21BB978-F058-49FD-80EE-DFEC55DD8248}"/>
+              </a:ext>
+            </a:extLst>
+          </p:cNvPr>
+          <p:cNvPicPr>
+            <a:picLocks noChangeAspect="1"/>
+          </p:cNvPicPr>
+          <p:nvPr/>
+        </p:nvPicPr>
+        <p:blipFill>
+          <a:blip r:embed="rId4">
+            <a:extLst>
+              <a:ext uri="{28A0092B-C50C-407E-A947-70E740481C1C}">
+                <a14:useLocalDpi xmlns:a14="http://schemas.microsoft.com/office/drawing/2010/main" val="0"/>
+              </a:ext>
+            </a:extLst>
+          </a:blip>
+          <a:stretch>
+            <a:fillRect/>
+          </a:stretch>
+        </p:blipFill>
+        <p:spPr>
+          <a:xfrm>
+            <a:off x="511875" y="3520487"/>
+            <a:ext cx="4642694" cy="1873327"/>
+          </a:xfrm>
+          <a:prstGeom prst="rect">
+            <a:avLst/>
+          </a:prstGeom>
+        </p:spPr>
+      </p:pic>
+      <p:sp>
+        <p:nvSpPr>
+          <p:cNvPr id="12" name="Content Placeholder 2">
+            <a:extLst>
+              <a:ext uri="{FF2B5EF4-FFF2-40B4-BE49-F238E27FC236}">
+                <a16:creationId xmlns:a16="http://schemas.microsoft.com/office/drawing/2014/main" id="{37EF4B77-4D86-41BD-8799-0028EDCC60E1}"/>
+              </a:ext>
+            </a:extLst>
+          </p:cNvPr>
+          <p:cNvSpPr txBox="1">
+            <a:spLocks/>
+          </p:cNvSpPr>
+          <p:nvPr/>
+        </p:nvSpPr>
+        <p:spPr>
+          <a:xfrm>
+            <a:off x="664275" y="2332234"/>
+            <a:ext cx="5478085" cy="977496"/>
+          </a:xfrm>
+          <a:prstGeom prst="rect">
+            <a:avLst/>
+          </a:prstGeom>
+        </p:spPr>
+        <p:txBody>
+          <a:bodyPr vert="horz" lIns="91440" tIns="45720" rIns="91440" bIns="45720" rtlCol="0" anchor="t">
+            <a:normAutofit fontScale="92500"/>
+          </a:bodyPr>
+          <a:lstStyle>
+            <a:lvl1pPr marL="228600" indent="-228600" algn="l" defTabSz="914400" rtl="0" eaLnBrk="1" latinLnBrk="0" hangingPunct="1">
+              <a:lnSpc>
+                <a:spcPct val="90000"/>
+              </a:lnSpc>
+              <a:spcBef>
+                <a:spcPts val="1000"/>
+              </a:spcBef>
+              <a:buFont typeface="Arial" panose="020B0604020202020204" pitchFamily="34" charset="0"/>
+              <a:buChar char="•"/>
+              <a:defRPr sz="2800" kern="1200">
+                <a:solidFill>
+                  <a:schemeClr val="tx1"/>
+                </a:solidFill>
+                <a:latin typeface="+mn-lt"/>
+                <a:ea typeface="+mn-ea"/>
+                <a:cs typeface="+mn-cs"/>
+              </a:defRPr>
+            </a:lvl1pPr>
+            <a:lvl2pPr marL="685800" indent="-228600" algn="l" defTabSz="914400" rtl="0" eaLnBrk="1" latinLnBrk="0" hangingPunct="1">
+              <a:lnSpc>
+                <a:spcPct val="90000"/>
+              </a:lnSpc>
+              <a:spcBef>
+                <a:spcPts val="500"/>
+              </a:spcBef>
+              <a:buFont typeface="Arial" panose="020B0604020202020204" pitchFamily="34" charset="0"/>
+              <a:buChar char="•"/>
+              <a:defRPr sz="2400" kern="1200">
+                <a:solidFill>
+                  <a:schemeClr val="tx1"/>
+                </a:solidFill>
+                <a:latin typeface="+mn-lt"/>
+                <a:ea typeface="+mn-ea"/>
+                <a:cs typeface="+mn-cs"/>
+              </a:defRPr>
+            </a:lvl2pPr>
+            <a:lvl3pPr marL="1143000" indent="-228600" algn="l" defTabSz="914400" rtl="0" eaLnBrk="1" latinLnBrk="0" hangingPunct="1">
+              <a:lnSpc>
+                <a:spcPct val="90000"/>
+              </a:lnSpc>
+              <a:spcBef>
+                <a:spcPts val="500"/>
+              </a:spcBef>
+              <a:buFont typeface="Arial" panose="020B0604020202020204" pitchFamily="34" charset="0"/>
+              <a:buChar char="•"/>
+              <a:defRPr sz="2000" kern="1200">
+                <a:solidFill>
+                  <a:schemeClr val="tx1"/>
+                </a:solidFill>
+                <a:latin typeface="+mn-lt"/>
+                <a:ea typeface="+mn-ea"/>
+                <a:cs typeface="+mn-cs"/>
+              </a:defRPr>
+            </a:lvl3pPr>
+            <a:lvl4pPr marL="1600200" indent="-228600" algn="l" defTabSz="914400" rtl="0" eaLnBrk="1" latinLnBrk="0" hangingPunct="1">
+              <a:lnSpc>
+                <a:spcPct val="90000"/>
+              </a:lnSpc>
+              <a:spcBef>
+                <a:spcPts val="500"/>
+              </a:spcBef>
+              <a:buFont typeface="Arial" panose="020B0604020202020204" pitchFamily="34" charset="0"/>
+              <a:buChar char="•"/>
+              <a:defRPr sz="1800" kern="1200">
+                <a:solidFill>
+                  <a:schemeClr val="tx1"/>
+                </a:solidFill>
+                <a:latin typeface="+mn-lt"/>
+                <a:ea typeface="+mn-ea"/>
+                <a:cs typeface="+mn-cs"/>
+              </a:defRPr>
+            </a:lvl4pPr>
+            <a:lvl5pPr marL="2057400" indent="-228600" algn="l" defTabSz="914400" rtl="0" eaLnBrk="1" latinLnBrk="0" hangingPunct="1">
+              <a:lnSpc>
+                <a:spcPct val="90000"/>
+              </a:lnSpc>
+              <a:spcBef>
+                <a:spcPts val="500"/>
+              </a:spcBef>
+              <a:buFont typeface="Arial" panose="020B0604020202020204" pitchFamily="34" charset="0"/>
+              <a:buChar char="•"/>
+              <a:defRPr sz="1800" kern="1200">
+                <a:solidFill>
+                  <a:schemeClr val="tx1"/>
+                </a:solidFill>
+                <a:latin typeface="+mn-lt"/>
+                <a:ea typeface="+mn-ea"/>
+                <a:cs typeface="+mn-cs"/>
+              </a:defRPr>
+            </a:lvl5pPr>
+            <a:lvl6pPr marL="2514600" indent="-228600" algn="l" defTabSz="914400" rtl="0" eaLnBrk="1" latinLnBrk="0" hangingPunct="1">
+              <a:lnSpc>
+                <a:spcPct val="90000"/>
+              </a:lnSpc>
+              <a:spcBef>
+                <a:spcPts val="500"/>
+              </a:spcBef>
+              <a:buFont typeface="Arial" panose="020B0604020202020204" pitchFamily="34" charset="0"/>
+              <a:buChar char="•"/>
+              <a:defRPr sz="1800" kern="1200">
+                <a:solidFill>
+                  <a:schemeClr val="tx1"/>
+                </a:solidFill>
+                <a:latin typeface="+mn-lt"/>
+                <a:ea typeface="+mn-ea"/>
+                <a:cs typeface="+mn-cs"/>
+              </a:defRPr>
+            </a:lvl6pPr>
+            <a:lvl7pPr marL="2971800" indent="-228600" algn="l" defTabSz="914400" rtl="0" eaLnBrk="1" latinLnBrk="0" hangingPunct="1">
+              <a:lnSpc>
+                <a:spcPct val="90000"/>
+              </a:lnSpc>
+              <a:spcBef>
+                <a:spcPts val="500"/>
+              </a:spcBef>
+              <a:buFont typeface="Arial" panose="020B0604020202020204" pitchFamily="34" charset="0"/>
+              <a:buChar char="•"/>
+              <a:defRPr sz="1800" kern="1200">
+                <a:solidFill>
+                  <a:schemeClr val="tx1"/>
+                </a:solidFill>
+                <a:latin typeface="+mn-lt"/>
+                <a:ea typeface="+mn-ea"/>
+                <a:cs typeface="+mn-cs"/>
+              </a:defRPr>
+            </a:lvl7pPr>
+            <a:lvl8pPr marL="3429000" indent="-228600" algn="l" defTabSz="914400" rtl="0" eaLnBrk="1" latinLnBrk="0" hangingPunct="1">
+              <a:lnSpc>
+                <a:spcPct val="90000"/>
+              </a:lnSpc>
+              <a:spcBef>
+                <a:spcPts val="500"/>
+              </a:spcBef>
+              <a:buFont typeface="Arial" panose="020B0604020202020204" pitchFamily="34" charset="0"/>
+              <a:buChar char="•"/>
+              <a:defRPr sz="1800" kern="1200">
+                <a:solidFill>
+                  <a:schemeClr val="tx1"/>
+                </a:solidFill>
+                <a:latin typeface="+mn-lt"/>
+                <a:ea typeface="+mn-ea"/>
+                <a:cs typeface="+mn-cs"/>
+              </a:defRPr>
+            </a:lvl8pPr>
+            <a:lvl9pPr marL="3886200" indent="-228600" algn="l" defTabSz="914400" rtl="0" eaLnBrk="1" latinLnBrk="0" hangingPunct="1">
+              <a:lnSpc>
+                <a:spcPct val="90000"/>
+              </a:lnSpc>
+              <a:spcBef>
+                <a:spcPts val="500"/>
+              </a:spcBef>
+              <a:buFont typeface="Arial" panose="020B0604020202020204" pitchFamily="34" charset="0"/>
+              <a:buChar char="•"/>
+              <a:defRPr sz="1800" kern="1200">
+                <a:solidFill>
+                  <a:schemeClr val="tx1"/>
+                </a:solidFill>
+                <a:latin typeface="+mn-lt"/>
+                <a:ea typeface="+mn-ea"/>
+                <a:cs typeface="+mn-cs"/>
+              </a:defRPr>
+            </a:lvl9pPr>
+          </a:lstStyle>
+          <a:p>
+            <a:pPr marL="0" indent="0">
+              <a:buFont typeface="Arial" panose="020B0604020202020204" pitchFamily="34" charset="0"/>
+              <a:buNone/>
+            </a:pPr>
+            <a:r>
+              <a:rPr lang="en-IN" sz="2600" b="1" dirty="0"/>
+              <a:t>2. Lucky Star Ticket</a:t>
+            </a:r>
+          </a:p>
+          <a:p>
+            <a:pPr marL="0" indent="0">
+              <a:buFont typeface="Arial" panose="020B0604020202020204" pitchFamily="34" charset="0"/>
+              <a:buNone/>
+            </a:pPr>
+            <a:r>
+              <a:rPr lang="en-IN" sz="2600" b="1" dirty="0"/>
+              <a:t>It has a randomly selected lucky number</a:t>
+            </a:r>
+          </a:p>
+          <a:p>
+            <a:pPr marL="0" indent="0">
+              <a:buFont typeface="Arial" panose="020B0604020202020204" pitchFamily="34" charset="0"/>
+              <a:buNone/>
+            </a:pPr>
+            <a:endParaRPr lang="en-IN" sz="2600" b="1" dirty="0"/>
+          </a:p>
+          <a:p>
+            <a:endParaRPr lang="en-IN" sz="2600" b="1" dirty="0"/>
+          </a:p>
+        </p:txBody>
+      </p:sp>
+      <p:sp>
+        <p:nvSpPr>
+          <p:cNvPr id="13" name="Content Placeholder 2">
+            <a:extLst>
+              <a:ext uri="{FF2B5EF4-FFF2-40B4-BE49-F238E27FC236}">
+                <a16:creationId xmlns:a16="http://schemas.microsoft.com/office/drawing/2014/main" id="{3A8078F4-0AA8-4C4D-BC64-A4B240A062F0}"/>
+              </a:ext>
+            </a:extLst>
+          </p:cNvPr>
+          <p:cNvSpPr txBox="1">
+            <a:spLocks/>
+          </p:cNvSpPr>
+          <p:nvPr/>
+        </p:nvSpPr>
+        <p:spPr>
+          <a:xfrm>
+            <a:off x="612252" y="5542353"/>
+            <a:ext cx="6205848" cy="1381694"/>
+          </a:xfrm>
+          <a:prstGeom prst="rect">
+            <a:avLst/>
+          </a:prstGeom>
+        </p:spPr>
+        <p:txBody>
+          <a:bodyPr vert="horz" lIns="91440" tIns="45720" rIns="91440" bIns="45720" rtlCol="0" anchor="t">
+            <a:normAutofit/>
+          </a:bodyPr>
+          <a:lstStyle>
+            <a:lvl1pPr marL="228600" indent="-228600" algn="l" defTabSz="914400" rtl="0" eaLnBrk="1" latinLnBrk="0" hangingPunct="1">
+              <a:lnSpc>
+                <a:spcPct val="90000"/>
+              </a:lnSpc>
+              <a:spcBef>
+                <a:spcPts val="1000"/>
+              </a:spcBef>
+              <a:buFont typeface="Arial" panose="020B0604020202020204" pitchFamily="34" charset="0"/>
+              <a:buChar char="•"/>
+              <a:defRPr sz="2800" kern="1200">
+                <a:solidFill>
+                  <a:schemeClr val="tx1"/>
+                </a:solidFill>
+                <a:latin typeface="+mn-lt"/>
+                <a:ea typeface="+mn-ea"/>
+                <a:cs typeface="+mn-cs"/>
+              </a:defRPr>
+            </a:lvl1pPr>
+            <a:lvl2pPr marL="685800" indent="-228600" algn="l" defTabSz="914400" rtl="0" eaLnBrk="1" latinLnBrk="0" hangingPunct="1">
+              <a:lnSpc>
+                <a:spcPct val="90000"/>
+              </a:lnSpc>
+              <a:spcBef>
+                <a:spcPts val="500"/>
+              </a:spcBef>
+              <a:buFont typeface="Arial" panose="020B0604020202020204" pitchFamily="34" charset="0"/>
+              <a:buChar char="•"/>
+              <a:defRPr sz="2400" kern="1200">
+                <a:solidFill>
+                  <a:schemeClr val="tx1"/>
+                </a:solidFill>
+                <a:latin typeface="+mn-lt"/>
+                <a:ea typeface="+mn-ea"/>
+                <a:cs typeface="+mn-cs"/>
+              </a:defRPr>
+            </a:lvl2pPr>
+            <a:lvl3pPr marL="1143000" indent="-228600" algn="l" defTabSz="914400" rtl="0" eaLnBrk="1" latinLnBrk="0" hangingPunct="1">
+              <a:lnSpc>
+                <a:spcPct val="90000"/>
+              </a:lnSpc>
+              <a:spcBef>
+                <a:spcPts val="500"/>
+              </a:spcBef>
+              <a:buFont typeface="Arial" panose="020B0604020202020204" pitchFamily="34" charset="0"/>
+              <a:buChar char="•"/>
+              <a:defRPr sz="2000" kern="1200">
+                <a:solidFill>
+                  <a:schemeClr val="tx1"/>
+                </a:solidFill>
+                <a:latin typeface="+mn-lt"/>
+                <a:ea typeface="+mn-ea"/>
+                <a:cs typeface="+mn-cs"/>
+              </a:defRPr>
+            </a:lvl3pPr>
+            <a:lvl4pPr marL="1600200" indent="-228600" algn="l" defTabSz="914400" rtl="0" eaLnBrk="1" latinLnBrk="0" hangingPunct="1">
+              <a:lnSpc>
+                <a:spcPct val="90000"/>
+              </a:lnSpc>
+              <a:spcBef>
+                <a:spcPts val="500"/>
+              </a:spcBef>
+              <a:buFont typeface="Arial" panose="020B0604020202020204" pitchFamily="34" charset="0"/>
+              <a:buChar char="•"/>
+              <a:defRPr sz="1800" kern="1200">
+                <a:solidFill>
+                  <a:schemeClr val="tx1"/>
+                </a:solidFill>
+                <a:latin typeface="+mn-lt"/>
+                <a:ea typeface="+mn-ea"/>
+                <a:cs typeface="+mn-cs"/>
+              </a:defRPr>
+            </a:lvl4pPr>
+            <a:lvl5pPr marL="2057400" indent="-228600" algn="l" defTabSz="914400" rtl="0" eaLnBrk="1" latinLnBrk="0" hangingPunct="1">
+              <a:lnSpc>
+                <a:spcPct val="90000"/>
+              </a:lnSpc>
+              <a:spcBef>
+                <a:spcPts val="500"/>
+              </a:spcBef>
+              <a:buFont typeface="Arial" panose="020B0604020202020204" pitchFamily="34" charset="0"/>
+              <a:buChar char="•"/>
+              <a:defRPr sz="1800" kern="1200">
+                <a:solidFill>
+                  <a:schemeClr val="tx1"/>
+                </a:solidFill>
+                <a:latin typeface="+mn-lt"/>
+                <a:ea typeface="+mn-ea"/>
+                <a:cs typeface="+mn-cs"/>
+              </a:defRPr>
+            </a:lvl5pPr>
+            <a:lvl6pPr marL="2514600" indent="-228600" algn="l" defTabSz="914400" rtl="0" eaLnBrk="1" latinLnBrk="0" hangingPunct="1">
+              <a:lnSpc>
+                <a:spcPct val="90000"/>
+              </a:lnSpc>
+              <a:spcBef>
+                <a:spcPts val="500"/>
+              </a:spcBef>
+              <a:buFont typeface="Arial" panose="020B0604020202020204" pitchFamily="34" charset="0"/>
+              <a:buChar char="•"/>
+              <a:defRPr sz="1800" kern="1200">
+                <a:solidFill>
+                  <a:schemeClr val="tx1"/>
+                </a:solidFill>
+                <a:latin typeface="+mn-lt"/>
+                <a:ea typeface="+mn-ea"/>
+                <a:cs typeface="+mn-cs"/>
+              </a:defRPr>
+            </a:lvl6pPr>
+            <a:lvl7pPr marL="2971800" indent="-228600" algn="l" defTabSz="914400" rtl="0" eaLnBrk="1" latinLnBrk="0" hangingPunct="1">
+              <a:lnSpc>
+                <a:spcPct val="90000"/>
+              </a:lnSpc>
+              <a:spcBef>
+                <a:spcPts val="500"/>
+              </a:spcBef>
+              <a:buFont typeface="Arial" panose="020B0604020202020204" pitchFamily="34" charset="0"/>
+              <a:buChar char="•"/>
+              <a:defRPr sz="1800" kern="1200">
+                <a:solidFill>
+                  <a:schemeClr val="tx1"/>
+                </a:solidFill>
+                <a:latin typeface="+mn-lt"/>
+                <a:ea typeface="+mn-ea"/>
+                <a:cs typeface="+mn-cs"/>
+              </a:defRPr>
+            </a:lvl7pPr>
+            <a:lvl8pPr marL="3429000" indent="-228600" algn="l" defTabSz="914400" rtl="0" eaLnBrk="1" latinLnBrk="0" hangingPunct="1">
+              <a:lnSpc>
+                <a:spcPct val="90000"/>
+              </a:lnSpc>
+              <a:spcBef>
+                <a:spcPts val="500"/>
+              </a:spcBef>
+              <a:buFont typeface="Arial" panose="020B0604020202020204" pitchFamily="34" charset="0"/>
+              <a:buChar char="•"/>
+              <a:defRPr sz="1800" kern="1200">
+                <a:solidFill>
+                  <a:schemeClr val="tx1"/>
+                </a:solidFill>
+                <a:latin typeface="+mn-lt"/>
+                <a:ea typeface="+mn-ea"/>
+                <a:cs typeface="+mn-cs"/>
+              </a:defRPr>
+            </a:lvl8pPr>
+            <a:lvl9pPr marL="3886200" indent="-228600" algn="l" defTabSz="914400" rtl="0" eaLnBrk="1" latinLnBrk="0" hangingPunct="1">
+              <a:lnSpc>
+                <a:spcPct val="90000"/>
+              </a:lnSpc>
+              <a:spcBef>
+                <a:spcPts val="500"/>
+              </a:spcBef>
+              <a:buFont typeface="Arial" panose="020B0604020202020204" pitchFamily="34" charset="0"/>
+              <a:buChar char="•"/>
+              <a:defRPr sz="1800" kern="1200">
+                <a:solidFill>
+                  <a:schemeClr val="tx1"/>
+                </a:solidFill>
+                <a:latin typeface="+mn-lt"/>
+                <a:ea typeface="+mn-ea"/>
+                <a:cs typeface="+mn-cs"/>
+              </a:defRPr>
+            </a:lvl9pPr>
+          </a:lstStyle>
+          <a:p>
+            <a:pPr marL="0" indent="0">
+              <a:buFont typeface="Arial" panose="020B0604020202020204" pitchFamily="34" charset="0"/>
+              <a:buNone/>
+            </a:pPr>
+            <a:r>
+              <a:rPr lang="en-IN" sz="2600" b="1" dirty="0"/>
+              <a:t>Cost - £ 15</a:t>
+            </a:r>
+          </a:p>
+          <a:p>
+            <a:pPr marL="0" indent="0">
+              <a:buFont typeface="Arial" panose="020B0604020202020204" pitchFamily="34" charset="0"/>
+              <a:buNone/>
+            </a:pPr>
+            <a:r>
+              <a:rPr lang="en-IN" sz="2600" b="1" dirty="0"/>
+              <a:t>Associated Windfall – Bingo Bonus  £ 1000</a:t>
+            </a:r>
+          </a:p>
+          <a:p>
+            <a:endParaRPr lang="en-IN" sz="2600" b="1" dirty="0"/>
+          </a:p>
+        </p:txBody>
+      </p:sp>
+      <p:sp>
+        <p:nvSpPr>
+          <p:cNvPr id="4" name="Star: 5 Points 3">
+            <a:extLst>
+              <a:ext uri="{FF2B5EF4-FFF2-40B4-BE49-F238E27FC236}">
+                <a16:creationId xmlns:a16="http://schemas.microsoft.com/office/drawing/2014/main" id="{89E2E037-4F47-4BF5-A25E-4C36239CCF61}"/>
+              </a:ext>
+            </a:extLst>
+          </p:cNvPr>
+          <p:cNvSpPr/>
+          <p:nvPr/>
+        </p:nvSpPr>
+        <p:spPr>
+          <a:xfrm>
+            <a:off x="4181684" y="4532364"/>
+            <a:ext cx="1048127" cy="763737"/>
+          </a:xfrm>
+          <a:prstGeom prst="star5">
+            <a:avLst/>
+          </a:prstGeom>
+          <a:solidFill>
+            <a:schemeClr val="accent4">
+              <a:alpha val="50000"/>
+            </a:schemeClr>
+          </a:solidFill>
+          <a:ln>
+            <a:noFill/>
+          </a:ln>
+        </p:spPr>
+        <p:style>
+          <a:lnRef idx="0">
+            <a:scrgbClr r="0" g="0" b="0"/>
+          </a:lnRef>
+          <a:fillRef idx="0">
+            <a:scrgbClr r="0" g="0" b="0"/>
+          </a:fillRef>
+          <a:effectRef idx="0">
+            <a:scrgbClr r="0" g="0" b="0"/>
+          </a:effectRef>
+          <a:fontRef idx="minor">
+            <a:schemeClr val="lt1"/>
+          </a:fontRef>
+        </p:style>
+        <p:txBody>
+          <a:bodyPr rtlCol="0" anchor="ctr"/>
+          <a:lstStyle/>
+          <a:p>
+            <a:pPr algn="ctr"/>
+            <a:endParaRPr lang="en-IN" dirty="0"/>
+          </a:p>
+        </p:txBody>
+      </p:sp>
+      <p:cxnSp>
+        <p:nvCxnSpPr>
+          <p:cNvPr id="6" name="Straight Arrow Connector 5">
+            <a:extLst>
+              <a:ext uri="{FF2B5EF4-FFF2-40B4-BE49-F238E27FC236}">
+                <a16:creationId xmlns:a16="http://schemas.microsoft.com/office/drawing/2014/main" id="{A78E82D5-208C-4CBA-A55D-C49371B7E95E}"/>
+              </a:ext>
+            </a:extLst>
+          </p:cNvPr>
+          <p:cNvCxnSpPr>
+            <a:cxnSpLocks/>
+          </p:cNvCxnSpPr>
+          <p:nvPr/>
+        </p:nvCxnSpPr>
+        <p:spPr>
+          <a:xfrm flipH="1" flipV="1">
+            <a:off x="4989817" y="5071974"/>
+            <a:ext cx="685493" cy="321840"/>
+          </a:xfrm>
+          <a:prstGeom prst="straightConnector1">
+            <a:avLst/>
+          </a:prstGeom>
+          <a:ln w="57150">
+            <a:tailEnd type="triangle"/>
+          </a:ln>
+        </p:spPr>
+        <p:style>
+          <a:lnRef idx="3">
+            <a:schemeClr val="dk1"/>
+          </a:lnRef>
+          <a:fillRef idx="0">
+            <a:schemeClr val="dk1"/>
+          </a:fillRef>
+          <a:effectRef idx="2">
+            <a:schemeClr val="dk1"/>
+          </a:effectRef>
+          <a:fontRef idx="minor">
+            <a:schemeClr val="tx1"/>
+          </a:fontRef>
+        </p:style>
+      </p:cxnSp>
+      <p:sp>
+        <p:nvSpPr>
+          <p:cNvPr id="19" name="TextBox 18">
+            <a:extLst>
+              <a:ext uri="{FF2B5EF4-FFF2-40B4-BE49-F238E27FC236}">
+                <a16:creationId xmlns:a16="http://schemas.microsoft.com/office/drawing/2014/main" id="{45100183-522C-4DD8-9794-6E093F753513}"/>
+              </a:ext>
+            </a:extLst>
+          </p:cNvPr>
+          <p:cNvSpPr txBox="1"/>
+          <p:nvPr/>
+        </p:nvSpPr>
+        <p:spPr>
+          <a:xfrm>
+            <a:off x="4971502" y="5390701"/>
+            <a:ext cx="1814041" cy="369332"/>
+          </a:xfrm>
+          <a:prstGeom prst="rect">
+            <a:avLst/>
+          </a:prstGeom>
+          <a:noFill/>
+        </p:spPr>
+        <p:txBody>
+          <a:bodyPr wrap="square" rtlCol="0">
+            <a:spAutoFit/>
+          </a:bodyPr>
+          <a:lstStyle/>
+          <a:p>
+            <a:r>
+              <a:rPr lang="en-IN" dirty="0"/>
+              <a:t>Lucky Number</a:t>
+            </a:r>
+          </a:p>
+        </p:txBody>
+      </p:sp>
+    </p:spTree>
+    <p:extLst>
+      <p:ext uri="{BB962C8B-B14F-4D97-AF65-F5344CB8AC3E}">
+        <p14:creationId xmlns:p14="http://schemas.microsoft.com/office/powerpoint/2010/main" val="1956702963"/>
+      </p:ext>
+    </p:extLst>
+  </p:cSld>
+  <p:clrMapOvr>
+    <a:overrideClrMapping bg1="dk1" tx1="lt1" bg2="dk2" tx2="lt2" accent1="accent1" accent2="accent2" accent3="accent3" accent4="accent4" accent5="accent5" accent6="accent6" hlink="hlink" folHlink="folHlink"/>
+  </p:clrMapOvr>
+</p:sld>
+</file>
+
+<file path=ppt/slides/slide12.xml><?xml version="1.0" encoding="utf-8"?>
+<p:sld xmlns:a="http://schemas.openxmlformats.org/drawingml/2006/main" xmlns:r="http://schemas.openxmlformats.org/officeDocument/2006/relationships" xmlns:p="http://schemas.openxmlformats.org/presentationml/2006/main">
+  <p:cSld>
+    <p:bg>
+      <p:bgPr>
+        <a:solidFill>
+          <a:schemeClr val="bg1"/>
+        </a:solidFill>
+        <a:effectLst/>
+      </p:bgPr>
+    </p:bg>
+    <p:spTree>
+      <p:nvGrpSpPr>
+        <p:cNvPr id="1" name=""/>
+        <p:cNvGrpSpPr/>
+        <p:nvPr/>
+      </p:nvGrpSpPr>
+      <p:grpSpPr>
+        <a:xfrm>
+          <a:off x="0" y="0"/>
+          <a:ext cx="0" cy="0"/>
+          <a:chOff x="0" y="0"/>
+          <a:chExt cx="0" cy="0"/>
+        </a:xfrm>
+      </p:grpSpPr>
+      <p:pic>
+        <p:nvPicPr>
+          <p:cNvPr id="7" name="Picture 6">
+            <a:extLst>
+              <a:ext uri="{FF2B5EF4-FFF2-40B4-BE49-F238E27FC236}">
+                <a16:creationId xmlns:a16="http://schemas.microsoft.com/office/drawing/2014/main" id="{8BA2A080-19F8-4969-A685-C648FF8CD3CE}"/>
+              </a:ext>
+            </a:extLst>
+          </p:cNvPr>
+          <p:cNvPicPr>
+            <a:picLocks noChangeAspect="1"/>
+          </p:cNvPicPr>
+          <p:nvPr/>
+        </p:nvPicPr>
+        <p:blipFill rotWithShape="1">
+          <a:blip r:embed="rId2">
+            <a:duotone>
+              <a:prstClr val="black"/>
+              <a:schemeClr val="tx2">
+                <a:tint val="45000"/>
+                <a:satMod val="400000"/>
+              </a:schemeClr>
+            </a:duotone>
+            <a:alphaModFix amt="35000"/>
+            <a:extLst>
+              <a:ext uri="{28A0092B-C50C-407E-A947-70E740481C1C}">
+                <a14:useLocalDpi xmlns:a14="http://schemas.microsoft.com/office/drawing/2010/main" val="0"/>
+              </a:ext>
+            </a:extLst>
+          </a:blip>
+          <a:srcRect t="13681" b="2075"/>
+          <a:stretch/>
+        </p:blipFill>
+        <p:spPr>
+          <a:xfrm>
+            <a:off x="-29998" y="-21460"/>
+            <a:ext cx="12192000" cy="6857990"/>
+          </a:xfrm>
+          <a:prstGeom prst="rect">
+            <a:avLst/>
+          </a:prstGeom>
+        </p:spPr>
+      </p:pic>
+      <p:sp>
+        <p:nvSpPr>
+          <p:cNvPr id="51" name="Freeform 49">
+            <a:extLst>
+              <a:ext uri="{FF2B5EF4-FFF2-40B4-BE49-F238E27FC236}">
+                <a16:creationId xmlns:a16="http://schemas.microsoft.com/office/drawing/2014/main" id="{EF9B8DF2-C3F5-49A2-94D2-F7B65A0F1F15}"/>
+              </a:ext>
+            </a:extLst>
+          </p:cNvPr>
+          <p:cNvSpPr>
+            <a:spLocks noGrp="1" noRot="1" noChangeAspect="1" noMove="1" noResize="1" noEditPoints="1" noAdjustHandles="1" noChangeArrowheads="1" noChangeShapeType="1" noTextEdit="1"/>
+          </p:cNvSpPr>
+          <p:nvPr>
+            <p:extLst>
+              <p:ext uri="{386F3935-93C4-4BCD-93E2-E3B085C9AB24}">
+                <p16:designElem xmlns:p16="http://schemas.microsoft.com/office/powerpoint/2015/main" val="1"/>
+              </p:ext>
+            </p:extLst>
+          </p:nvPr>
+        </p:nvSpPr>
+        <p:spPr>
+          <a:xfrm flipH="1">
+            <a:off x="6713914" y="581159"/>
+            <a:ext cx="5478085" cy="6276841"/>
+          </a:xfrm>
+          <a:custGeom>
+            <a:avLst/>
+            <a:gdLst>
+              <a:gd name="connsiteX0" fmla="*/ 2178155 w 5478085"/>
+              <a:gd name="connsiteY0" fmla="*/ 0 h 6276841"/>
+              <a:gd name="connsiteX1" fmla="*/ 5478085 w 5478085"/>
+              <a:gd name="connsiteY1" fmla="*/ 3299930 h 6276841"/>
+              <a:gd name="connsiteX2" fmla="*/ 3751098 w 5478085"/>
+              <a:gd name="connsiteY2" fmla="*/ 6201577 h 6276841"/>
+              <a:gd name="connsiteX3" fmla="*/ 3594858 w 5478085"/>
+              <a:gd name="connsiteY3" fmla="*/ 6276841 h 6276841"/>
+              <a:gd name="connsiteX4" fmla="*/ 761453 w 5478085"/>
+              <a:gd name="connsiteY4" fmla="*/ 6276841 h 6276841"/>
+              <a:gd name="connsiteX5" fmla="*/ 605213 w 5478085"/>
+              <a:gd name="connsiteY5" fmla="*/ 6201577 h 6276841"/>
+              <a:gd name="connsiteX6" fmla="*/ 79093 w 5478085"/>
+              <a:gd name="connsiteY6" fmla="*/ 5846317 h 6276841"/>
+              <a:gd name="connsiteX7" fmla="*/ 0 w 5478085"/>
+              <a:gd name="connsiteY7" fmla="*/ 5774432 h 6276841"/>
+              <a:gd name="connsiteX8" fmla="*/ 0 w 5478085"/>
+              <a:gd name="connsiteY8" fmla="*/ 825429 h 6276841"/>
+              <a:gd name="connsiteX9" fmla="*/ 79093 w 5478085"/>
+              <a:gd name="connsiteY9" fmla="*/ 753544 h 6276841"/>
+              <a:gd name="connsiteX10" fmla="*/ 2178155 w 5478085"/>
+              <a:gd name="connsiteY10" fmla="*/ 0 h 6276841"/>
+            </a:gdLst>
+            <a:ahLst/>
+            <a:cxnLst>
+              <a:cxn ang="0">
+                <a:pos x="connsiteX0" y="connsiteY0"/>
+              </a:cxn>
+              <a:cxn ang="0">
+                <a:pos x="connsiteX1" y="connsiteY1"/>
+              </a:cxn>
+              <a:cxn ang="0">
+                <a:pos x="connsiteX2" y="connsiteY2"/>
+              </a:cxn>
+              <a:cxn ang="0">
+                <a:pos x="connsiteX3" y="connsiteY3"/>
+              </a:cxn>
+              <a:cxn ang="0">
+                <a:pos x="connsiteX4" y="connsiteY4"/>
+              </a:cxn>
+              <a:cxn ang="0">
+                <a:pos x="connsiteX5" y="connsiteY5"/>
+              </a:cxn>
+              <a:cxn ang="0">
+                <a:pos x="connsiteX6" y="connsiteY6"/>
+              </a:cxn>
+              <a:cxn ang="0">
+                <a:pos x="connsiteX7" y="connsiteY7"/>
+              </a:cxn>
+              <a:cxn ang="0">
+                <a:pos x="connsiteX8" y="connsiteY8"/>
+              </a:cxn>
+              <a:cxn ang="0">
+                <a:pos x="connsiteX9" y="connsiteY9"/>
+              </a:cxn>
+              <a:cxn ang="0">
+                <a:pos x="connsiteX10" y="connsiteY10"/>
+              </a:cxn>
+            </a:cxnLst>
+            <a:rect l="l" t="t" r="r" b="b"/>
+            <a:pathLst>
+              <a:path w="5478085" h="6276841">
+                <a:moveTo>
+                  <a:pt x="2178155" y="0"/>
+                </a:moveTo>
+                <a:cubicBezTo>
+                  <a:pt x="4000656" y="0"/>
+                  <a:pt x="5478085" y="1477429"/>
+                  <a:pt x="5478085" y="3299930"/>
+                </a:cubicBezTo>
+                <a:cubicBezTo>
+                  <a:pt x="5478085" y="4552900"/>
+                  <a:pt x="4779769" y="5642769"/>
+                  <a:pt x="3751098" y="6201577"/>
+                </a:cubicBezTo>
+                <a:lnTo>
+                  <a:pt x="3594858" y="6276841"/>
+                </a:lnTo>
+                <a:lnTo>
+                  <a:pt x="761453" y="6276841"/>
+                </a:lnTo>
+                <a:lnTo>
+                  <a:pt x="605213" y="6201577"/>
+                </a:lnTo>
+                <a:cubicBezTo>
+                  <a:pt x="418182" y="6099975"/>
+                  <a:pt x="242071" y="5980818"/>
+                  <a:pt x="79093" y="5846317"/>
+                </a:cubicBezTo>
+                <a:lnTo>
+                  <a:pt x="0" y="5774432"/>
+                </a:lnTo>
+                <a:lnTo>
+                  <a:pt x="0" y="825429"/>
+                </a:lnTo>
+                <a:lnTo>
+                  <a:pt x="79093" y="753544"/>
+                </a:lnTo>
+                <a:cubicBezTo>
+                  <a:pt x="649516" y="282789"/>
+                  <a:pt x="1380811" y="0"/>
+                  <a:pt x="2178155" y="0"/>
+                </a:cubicBezTo>
+                <a:close/>
+              </a:path>
+            </a:pathLst>
+          </a:custGeom>
+          <a:solidFill>
+            <a:srgbClr val="FFFFFF">
+              <a:alpha val="80000"/>
+            </a:srgbClr>
+          </a:solidFill>
+          <a:ln w="31750">
+            <a:noFill/>
+          </a:ln>
+        </p:spPr>
+        <p:style>
+          <a:lnRef idx="2">
+            <a:schemeClr val="accent1">
+              <a:shade val="50000"/>
+            </a:schemeClr>
+          </a:lnRef>
+          <a:fillRef idx="1">
+            <a:schemeClr val="accent1"/>
+          </a:fillRef>
+          <a:effectRef idx="0">
+            <a:schemeClr val="accent1"/>
+          </a:effectRef>
+          <a:fontRef idx="minor">
+            <a:schemeClr val="lt1"/>
+          </a:fontRef>
+        </p:style>
+        <p:txBody>
+          <a:bodyPr wrap="square" rtlCol="0" anchor="ctr">
+            <a:noAutofit/>
+          </a:bodyPr>
+          <a:lstStyle/>
+          <a:p>
+            <a:pPr marL="0" marR="0" lvl="0" indent="0" algn="ctr" defTabSz="914400" rtl="0" eaLnBrk="1" fontAlgn="auto" latinLnBrk="0" hangingPunct="1">
+              <a:lnSpc>
+                <a:spcPct val="100000"/>
+              </a:lnSpc>
+              <a:spcBef>
+                <a:spcPts val="0"/>
+              </a:spcBef>
+              <a:spcAft>
+                <a:spcPts val="0"/>
+              </a:spcAft>
+              <a:buClrTx/>
+              <a:buSzTx/>
+              <a:buFontTx/>
+              <a:buNone/>
+              <a:tabLst/>
+              <a:defRPr/>
+            </a:pPr>
+            <a:endParaRPr kumimoji="0" lang="en-US" sz="1800" b="0" i="0" u="none" strike="noStrike" kern="1200" cap="none" spc="0" normalizeH="0" baseline="0" noProof="0">
+              <a:ln>
+                <a:noFill/>
+              </a:ln>
+              <a:solidFill>
+                <a:prstClr val="white"/>
+              </a:solidFill>
+              <a:effectLst/>
+              <a:uLnTx/>
+              <a:uFillTx/>
+              <a:latin typeface="Calibri" panose="020F0502020204030204"/>
+              <a:ea typeface="+mn-ea"/>
+              <a:cs typeface="+mn-cs"/>
+            </a:endParaRPr>
+          </a:p>
+        </p:txBody>
+      </p:sp>
+      <p:pic>
+        <p:nvPicPr>
+          <p:cNvPr id="9" name="Picture 8" descr="A picture containing building&#10;&#10;Description generated with high confidence">
+            <a:extLst>
+              <a:ext uri="{FF2B5EF4-FFF2-40B4-BE49-F238E27FC236}">
+                <a16:creationId xmlns:a16="http://schemas.microsoft.com/office/drawing/2014/main" id="{12ED8CBA-3DDA-400E-B2EE-7748A997FAC8}"/>
+              </a:ext>
+            </a:extLst>
+          </p:cNvPr>
+          <p:cNvPicPr>
+            <a:picLocks noChangeAspect="1"/>
+          </p:cNvPicPr>
+          <p:nvPr/>
+        </p:nvPicPr>
+        <p:blipFill rotWithShape="1">
+          <a:blip r:embed="rId3">
+            <a:extLst>
+              <a:ext uri="{28A0092B-C50C-407E-A947-70E740481C1C}">
+                <a14:useLocalDpi xmlns:a14="http://schemas.microsoft.com/office/drawing/2010/main" val="0"/>
+              </a:ext>
+            </a:extLst>
+          </a:blip>
+          <a:srcRect l="18375" r="23620" b="1"/>
+          <a:stretch/>
+        </p:blipFill>
+        <p:spPr>
+          <a:xfrm>
+            <a:off x="6893342" y="760562"/>
+            <a:ext cx="5298683" cy="6097438"/>
+          </a:xfrm>
+          <a:custGeom>
+            <a:avLst/>
+            <a:gdLst>
+              <a:gd name="connsiteX0" fmla="*/ 3120528 w 5298683"/>
+              <a:gd name="connsiteY0" fmla="*/ 0 h 6097438"/>
+              <a:gd name="connsiteX1" fmla="*/ 5105473 w 5298683"/>
+              <a:gd name="connsiteY1" fmla="*/ 712577 h 6097438"/>
+              <a:gd name="connsiteX2" fmla="*/ 5298683 w 5298683"/>
+              <a:gd name="connsiteY2" fmla="*/ 888178 h 6097438"/>
+              <a:gd name="connsiteX3" fmla="*/ 5298683 w 5298683"/>
+              <a:gd name="connsiteY3" fmla="*/ 5352876 h 6097438"/>
+              <a:gd name="connsiteX4" fmla="*/ 5105473 w 5298683"/>
+              <a:gd name="connsiteY4" fmla="*/ 5528477 h 6097438"/>
+              <a:gd name="connsiteX5" fmla="*/ 4335177 w 5298683"/>
+              <a:gd name="connsiteY5" fmla="*/ 5995828 h 6097438"/>
+              <a:gd name="connsiteX6" fmla="*/ 4057556 w 5298683"/>
+              <a:gd name="connsiteY6" fmla="*/ 6097438 h 6097438"/>
+              <a:gd name="connsiteX7" fmla="*/ 2183499 w 5298683"/>
+              <a:gd name="connsiteY7" fmla="*/ 6097438 h 6097438"/>
+              <a:gd name="connsiteX8" fmla="*/ 1905878 w 5298683"/>
+              <a:gd name="connsiteY8" fmla="*/ 5995828 h 6097438"/>
+              <a:gd name="connsiteX9" fmla="*/ 0 w 5298683"/>
+              <a:gd name="connsiteY9" fmla="*/ 3120527 h 6097438"/>
+              <a:gd name="connsiteX10" fmla="*/ 3120528 w 5298683"/>
+              <a:gd name="connsiteY10" fmla="*/ 0 h 6097438"/>
+            </a:gdLst>
+            <a:ahLst/>
+            <a:cxnLst>
+              <a:cxn ang="0">
+                <a:pos x="connsiteX0" y="connsiteY0"/>
+              </a:cxn>
+              <a:cxn ang="0">
+                <a:pos x="connsiteX1" y="connsiteY1"/>
+              </a:cxn>
+              <a:cxn ang="0">
+                <a:pos x="connsiteX2" y="connsiteY2"/>
+              </a:cxn>
+              <a:cxn ang="0">
+                <a:pos x="connsiteX3" y="connsiteY3"/>
+              </a:cxn>
+              <a:cxn ang="0">
+                <a:pos x="connsiteX4" y="connsiteY4"/>
+              </a:cxn>
+              <a:cxn ang="0">
+                <a:pos x="connsiteX5" y="connsiteY5"/>
+              </a:cxn>
+              <a:cxn ang="0">
+                <a:pos x="connsiteX6" y="connsiteY6"/>
+              </a:cxn>
+              <a:cxn ang="0">
+                <a:pos x="connsiteX7" y="connsiteY7"/>
+              </a:cxn>
+              <a:cxn ang="0">
+                <a:pos x="connsiteX8" y="connsiteY8"/>
+              </a:cxn>
+              <a:cxn ang="0">
+                <a:pos x="connsiteX9" y="connsiteY9"/>
+              </a:cxn>
+              <a:cxn ang="0">
+                <a:pos x="connsiteX10" y="connsiteY10"/>
+              </a:cxn>
+            </a:cxnLst>
+            <a:rect l="l" t="t" r="r" b="b"/>
+            <a:pathLst>
+              <a:path w="5298683" h="6097438">
+                <a:moveTo>
+                  <a:pt x="3120528" y="0"/>
+                </a:moveTo>
+                <a:cubicBezTo>
+                  <a:pt x="3874524" y="0"/>
+                  <a:pt x="4566062" y="267415"/>
+                  <a:pt x="5105473" y="712577"/>
+                </a:cubicBezTo>
+                <a:lnTo>
+                  <a:pt x="5298683" y="888178"/>
+                </a:lnTo>
+                <a:lnTo>
+                  <a:pt x="5298683" y="5352876"/>
+                </a:lnTo>
+                <a:lnTo>
+                  <a:pt x="5105473" y="5528477"/>
+                </a:lnTo>
+                <a:cubicBezTo>
+                  <a:pt x="4874296" y="5719261"/>
+                  <a:pt x="4615179" y="5877397"/>
+                  <a:pt x="4335177" y="5995828"/>
+                </a:cubicBezTo>
+                <a:lnTo>
+                  <a:pt x="4057556" y="6097438"/>
+                </a:lnTo>
+                <a:lnTo>
+                  <a:pt x="2183499" y="6097438"/>
+                </a:lnTo>
+                <a:lnTo>
+                  <a:pt x="1905878" y="5995828"/>
+                </a:lnTo>
+                <a:cubicBezTo>
+                  <a:pt x="785873" y="5522106"/>
+                  <a:pt x="0" y="4413092"/>
+                  <a:pt x="0" y="3120527"/>
+                </a:cubicBezTo>
+                <a:cubicBezTo>
+                  <a:pt x="0" y="1397108"/>
+                  <a:pt x="1397108" y="0"/>
+                  <a:pt x="3120528" y="0"/>
+                </a:cubicBezTo>
+                <a:close/>
+              </a:path>
+            </a:pathLst>
+          </a:custGeom>
+        </p:spPr>
+      </p:pic>
+      <p:sp>
+        <p:nvSpPr>
+          <p:cNvPr id="2" name="Title 1">
+            <a:extLst>
+              <a:ext uri="{FF2B5EF4-FFF2-40B4-BE49-F238E27FC236}">
+                <a16:creationId xmlns:a16="http://schemas.microsoft.com/office/drawing/2014/main" id="{7035F1BC-202E-45ED-A443-7B13BF42F19C}"/>
+              </a:ext>
+            </a:extLst>
+          </p:cNvPr>
+          <p:cNvSpPr>
+            <a:spLocks noGrp="1"/>
+          </p:cNvSpPr>
+          <p:nvPr>
+            <p:ph type="title"/>
+          </p:nvPr>
+        </p:nvSpPr>
+        <p:spPr>
+          <a:xfrm>
+            <a:off x="612252" y="581159"/>
+            <a:ext cx="5277333" cy="1325563"/>
+          </a:xfrm>
+        </p:spPr>
+        <p:txBody>
+          <a:bodyPr>
+            <a:normAutofit/>
+          </a:bodyPr>
+          <a:lstStyle/>
+          <a:p>
+            <a:r>
+              <a:rPr lang="en-IN" b="1" dirty="0">
+                <a:latin typeface="AR JULIAN" panose="02000000000000000000" pitchFamily="2" charset="0"/>
+                <a:cs typeface="Aharoni" panose="02010803020104030203" pitchFamily="2" charset="-79"/>
+              </a:rPr>
+              <a:t>Types of Ticket</a:t>
+            </a:r>
+          </a:p>
+        </p:txBody>
+      </p:sp>
+      <p:sp>
+        <p:nvSpPr>
+          <p:cNvPr id="3" name="Content Placeholder 2">
+            <a:extLst>
+              <a:ext uri="{FF2B5EF4-FFF2-40B4-BE49-F238E27FC236}">
+                <a16:creationId xmlns:a16="http://schemas.microsoft.com/office/drawing/2014/main" id="{D7859ED5-771F-4FFC-AC08-C6A010E59617}"/>
+              </a:ext>
+            </a:extLst>
+          </p:cNvPr>
+          <p:cNvSpPr>
+            <a:spLocks noGrp="1"/>
+          </p:cNvSpPr>
+          <p:nvPr>
+            <p:ph idx="1"/>
+          </p:nvPr>
+        </p:nvSpPr>
+        <p:spPr>
+          <a:xfrm>
+            <a:off x="511875" y="1613303"/>
+            <a:ext cx="5478085" cy="586837"/>
+          </a:xfrm>
+        </p:spPr>
+        <p:txBody>
+          <a:bodyPr anchor="t">
+            <a:normAutofit/>
+          </a:bodyPr>
+          <a:lstStyle/>
+          <a:p>
+            <a:pPr marL="0" indent="0">
+              <a:buNone/>
+            </a:pPr>
+            <a:endParaRPr lang="en-IN" b="1" dirty="0"/>
+          </a:p>
+          <a:p>
+            <a:endParaRPr lang="en-IN" b="1" dirty="0"/>
+          </a:p>
+        </p:txBody>
+      </p:sp>
+      <p:sp>
+        <p:nvSpPr>
+          <p:cNvPr id="8" name="Content Placeholder 2">
+            <a:extLst>
+              <a:ext uri="{FF2B5EF4-FFF2-40B4-BE49-F238E27FC236}">
+                <a16:creationId xmlns:a16="http://schemas.microsoft.com/office/drawing/2014/main" id="{56265BA1-11EF-4264-8D67-2143C5B311E6}"/>
+              </a:ext>
+            </a:extLst>
+          </p:cNvPr>
+          <p:cNvSpPr txBox="1">
+            <a:spLocks/>
+          </p:cNvSpPr>
+          <p:nvPr/>
+        </p:nvSpPr>
+        <p:spPr>
+          <a:xfrm>
+            <a:off x="587917" y="2382633"/>
+            <a:ext cx="5478085" cy="556233"/>
+          </a:xfrm>
+          <a:prstGeom prst="rect">
+            <a:avLst/>
+          </a:prstGeom>
+        </p:spPr>
+        <p:txBody>
+          <a:bodyPr vert="horz" lIns="91440" tIns="45720" rIns="91440" bIns="45720" rtlCol="0" anchor="t">
+            <a:normAutofit/>
+          </a:bodyPr>
+          <a:lstStyle>
+            <a:lvl1pPr marL="228600" indent="-228600" algn="l" defTabSz="914400" rtl="0" eaLnBrk="1" latinLnBrk="0" hangingPunct="1">
+              <a:lnSpc>
+                <a:spcPct val="90000"/>
+              </a:lnSpc>
+              <a:spcBef>
+                <a:spcPts val="1000"/>
+              </a:spcBef>
+              <a:buFont typeface="Arial" panose="020B0604020202020204" pitchFamily="34" charset="0"/>
+              <a:buChar char="•"/>
+              <a:defRPr sz="2800" kern="1200">
+                <a:solidFill>
+                  <a:schemeClr val="tx1"/>
+                </a:solidFill>
+                <a:latin typeface="+mn-lt"/>
+                <a:ea typeface="+mn-ea"/>
+                <a:cs typeface="+mn-cs"/>
+              </a:defRPr>
+            </a:lvl1pPr>
+            <a:lvl2pPr marL="685800" indent="-228600" algn="l" defTabSz="914400" rtl="0" eaLnBrk="1" latinLnBrk="0" hangingPunct="1">
+              <a:lnSpc>
+                <a:spcPct val="90000"/>
+              </a:lnSpc>
+              <a:spcBef>
+                <a:spcPts val="500"/>
+              </a:spcBef>
+              <a:buFont typeface="Arial" panose="020B0604020202020204" pitchFamily="34" charset="0"/>
+              <a:buChar char="•"/>
+              <a:defRPr sz="2400" kern="1200">
+                <a:solidFill>
+                  <a:schemeClr val="tx1"/>
+                </a:solidFill>
+                <a:latin typeface="+mn-lt"/>
+                <a:ea typeface="+mn-ea"/>
+                <a:cs typeface="+mn-cs"/>
+              </a:defRPr>
+            </a:lvl2pPr>
+            <a:lvl3pPr marL="1143000" indent="-228600" algn="l" defTabSz="914400" rtl="0" eaLnBrk="1" latinLnBrk="0" hangingPunct="1">
+              <a:lnSpc>
+                <a:spcPct val="90000"/>
+              </a:lnSpc>
+              <a:spcBef>
+                <a:spcPts val="500"/>
+              </a:spcBef>
+              <a:buFont typeface="Arial" panose="020B0604020202020204" pitchFamily="34" charset="0"/>
+              <a:buChar char="•"/>
+              <a:defRPr sz="2000" kern="1200">
+                <a:solidFill>
+                  <a:schemeClr val="tx1"/>
+                </a:solidFill>
+                <a:latin typeface="+mn-lt"/>
+                <a:ea typeface="+mn-ea"/>
+                <a:cs typeface="+mn-cs"/>
+              </a:defRPr>
+            </a:lvl3pPr>
+            <a:lvl4pPr marL="1600200" indent="-228600" algn="l" defTabSz="914400" rtl="0" eaLnBrk="1" latinLnBrk="0" hangingPunct="1">
+              <a:lnSpc>
+                <a:spcPct val="90000"/>
+              </a:lnSpc>
+              <a:spcBef>
+                <a:spcPts val="500"/>
+              </a:spcBef>
+              <a:buFont typeface="Arial" panose="020B0604020202020204" pitchFamily="34" charset="0"/>
+              <a:buChar char="•"/>
+              <a:defRPr sz="1800" kern="1200">
+                <a:solidFill>
+                  <a:schemeClr val="tx1"/>
+                </a:solidFill>
+                <a:latin typeface="+mn-lt"/>
+                <a:ea typeface="+mn-ea"/>
+                <a:cs typeface="+mn-cs"/>
+              </a:defRPr>
+            </a:lvl4pPr>
+            <a:lvl5pPr marL="2057400" indent="-228600" algn="l" defTabSz="914400" rtl="0" eaLnBrk="1" latinLnBrk="0" hangingPunct="1">
+              <a:lnSpc>
+                <a:spcPct val="90000"/>
+              </a:lnSpc>
+              <a:spcBef>
+                <a:spcPts val="500"/>
+              </a:spcBef>
+              <a:buFont typeface="Arial" panose="020B0604020202020204" pitchFamily="34" charset="0"/>
+              <a:buChar char="•"/>
+              <a:defRPr sz="1800" kern="1200">
+                <a:solidFill>
+                  <a:schemeClr val="tx1"/>
+                </a:solidFill>
+                <a:latin typeface="+mn-lt"/>
+                <a:ea typeface="+mn-ea"/>
+                <a:cs typeface="+mn-cs"/>
+              </a:defRPr>
+            </a:lvl5pPr>
+            <a:lvl6pPr marL="2514600" indent="-228600" algn="l" defTabSz="914400" rtl="0" eaLnBrk="1" latinLnBrk="0" hangingPunct="1">
+              <a:lnSpc>
+                <a:spcPct val="90000"/>
+              </a:lnSpc>
+              <a:spcBef>
+                <a:spcPts val="500"/>
+              </a:spcBef>
+              <a:buFont typeface="Arial" panose="020B0604020202020204" pitchFamily="34" charset="0"/>
+              <a:buChar char="•"/>
+              <a:defRPr sz="1800" kern="1200">
+                <a:solidFill>
+                  <a:schemeClr val="tx1"/>
+                </a:solidFill>
+                <a:latin typeface="+mn-lt"/>
+                <a:ea typeface="+mn-ea"/>
+                <a:cs typeface="+mn-cs"/>
+              </a:defRPr>
+            </a:lvl6pPr>
+            <a:lvl7pPr marL="2971800" indent="-228600" algn="l" defTabSz="914400" rtl="0" eaLnBrk="1" latinLnBrk="0" hangingPunct="1">
+              <a:lnSpc>
+                <a:spcPct val="90000"/>
+              </a:lnSpc>
+              <a:spcBef>
+                <a:spcPts val="500"/>
+              </a:spcBef>
+              <a:buFont typeface="Arial" panose="020B0604020202020204" pitchFamily="34" charset="0"/>
+              <a:buChar char="•"/>
+              <a:defRPr sz="1800" kern="1200">
+                <a:solidFill>
+                  <a:schemeClr val="tx1"/>
+                </a:solidFill>
+                <a:latin typeface="+mn-lt"/>
+                <a:ea typeface="+mn-ea"/>
+                <a:cs typeface="+mn-cs"/>
+              </a:defRPr>
+            </a:lvl7pPr>
+            <a:lvl8pPr marL="3429000" indent="-228600" algn="l" defTabSz="914400" rtl="0" eaLnBrk="1" latinLnBrk="0" hangingPunct="1">
+              <a:lnSpc>
+                <a:spcPct val="90000"/>
+              </a:lnSpc>
+              <a:spcBef>
+                <a:spcPts val="500"/>
+              </a:spcBef>
+              <a:buFont typeface="Arial" panose="020B0604020202020204" pitchFamily="34" charset="0"/>
+              <a:buChar char="•"/>
+              <a:defRPr sz="1800" kern="1200">
+                <a:solidFill>
+                  <a:schemeClr val="tx1"/>
+                </a:solidFill>
+                <a:latin typeface="+mn-lt"/>
+                <a:ea typeface="+mn-ea"/>
+                <a:cs typeface="+mn-cs"/>
+              </a:defRPr>
+            </a:lvl8pPr>
+            <a:lvl9pPr marL="3886200" indent="-228600" algn="l" defTabSz="914400" rtl="0" eaLnBrk="1" latinLnBrk="0" hangingPunct="1">
+              <a:lnSpc>
+                <a:spcPct val="90000"/>
+              </a:lnSpc>
+              <a:spcBef>
+                <a:spcPts val="500"/>
+              </a:spcBef>
+              <a:buFont typeface="Arial" panose="020B0604020202020204" pitchFamily="34" charset="0"/>
+              <a:buChar char="•"/>
+              <a:defRPr sz="1800" kern="1200">
+                <a:solidFill>
+                  <a:schemeClr val="tx1"/>
+                </a:solidFill>
+                <a:latin typeface="+mn-lt"/>
+                <a:ea typeface="+mn-ea"/>
+                <a:cs typeface="+mn-cs"/>
+              </a:defRPr>
+            </a:lvl9pPr>
+          </a:lstStyle>
+          <a:p>
+            <a:pPr marL="0" marR="0" lvl="0" indent="0" algn="l" defTabSz="914400" rtl="0" eaLnBrk="1" fontAlgn="auto" latinLnBrk="0" hangingPunct="1">
+              <a:lnSpc>
+                <a:spcPct val="90000"/>
+              </a:lnSpc>
+              <a:spcBef>
+                <a:spcPts val="1000"/>
+              </a:spcBef>
+              <a:spcAft>
+                <a:spcPts val="0"/>
+              </a:spcAft>
+              <a:buClrTx/>
+              <a:buSzTx/>
+              <a:buFont typeface="Arial" panose="020B0604020202020204" pitchFamily="34" charset="0"/>
+              <a:buNone/>
+              <a:tabLst/>
+              <a:defRPr/>
+            </a:pPr>
+            <a:r>
+              <a:rPr lang="en-IN" sz="2600" b="1" dirty="0">
+                <a:solidFill>
+                  <a:prstClr val="white"/>
+                </a:solidFill>
+                <a:latin typeface="Calibri" panose="020F0502020204030204"/>
+              </a:rPr>
+              <a:t>3. Special</a:t>
+            </a:r>
+            <a:r>
+              <a:rPr kumimoji="0" lang="en-IN" sz="2600" b="1" i="0" u="none" strike="noStrike" kern="1200" cap="none" spc="0" normalizeH="0" baseline="0" noProof="0" dirty="0">
+                <a:ln>
+                  <a:noFill/>
+                </a:ln>
+                <a:solidFill>
+                  <a:prstClr val="white"/>
+                </a:solidFill>
+                <a:effectLst/>
+                <a:uLnTx/>
+                <a:uFillTx/>
+                <a:latin typeface="Calibri" panose="020F0502020204030204"/>
+                <a:ea typeface="+mn-ea"/>
+                <a:cs typeface="+mn-cs"/>
+              </a:rPr>
+              <a:t> Ticket</a:t>
+            </a:r>
+          </a:p>
+          <a:p>
+            <a:pPr marL="514350" marR="0" lvl="0" indent="-514350" algn="l" defTabSz="914400" rtl="0" eaLnBrk="1" fontAlgn="auto" latinLnBrk="0" hangingPunct="1">
+              <a:lnSpc>
+                <a:spcPct val="90000"/>
+              </a:lnSpc>
+              <a:spcBef>
+                <a:spcPts val="1000"/>
+              </a:spcBef>
+              <a:spcAft>
+                <a:spcPts val="0"/>
+              </a:spcAft>
+              <a:buClrTx/>
+              <a:buSzTx/>
+              <a:buFont typeface="Arial" panose="020B0604020202020204" pitchFamily="34" charset="0"/>
+              <a:buAutoNum type="arabicPeriod"/>
+              <a:tabLst/>
+              <a:defRPr/>
+            </a:pPr>
+            <a:endParaRPr kumimoji="0" lang="en-IN" sz="2800" b="1" i="0" u="none" strike="noStrike" kern="1200" cap="none" spc="0" normalizeH="0" baseline="0" noProof="0" dirty="0">
+              <a:ln>
+                <a:noFill/>
+              </a:ln>
+              <a:solidFill>
+                <a:prstClr val="white"/>
+              </a:solidFill>
+              <a:effectLst/>
+              <a:uLnTx/>
+              <a:uFillTx/>
+              <a:latin typeface="Calibri" panose="020F0502020204030204"/>
+              <a:ea typeface="+mn-ea"/>
+              <a:cs typeface="+mn-cs"/>
+            </a:endParaRPr>
+          </a:p>
+          <a:p>
+            <a:pPr marL="514350" marR="0" lvl="0" indent="-514350" algn="l" defTabSz="914400" rtl="0" eaLnBrk="1" fontAlgn="auto" latinLnBrk="0" hangingPunct="1">
+              <a:lnSpc>
+                <a:spcPct val="90000"/>
+              </a:lnSpc>
+              <a:spcBef>
+                <a:spcPts val="1000"/>
+              </a:spcBef>
+              <a:spcAft>
+                <a:spcPts val="0"/>
+              </a:spcAft>
+              <a:buClrTx/>
+              <a:buSzTx/>
+              <a:buFont typeface="Arial" panose="020B0604020202020204" pitchFamily="34" charset="0"/>
+              <a:buAutoNum type="arabicPeriod"/>
+              <a:tabLst/>
+              <a:defRPr/>
+            </a:pPr>
+            <a:endParaRPr kumimoji="0" lang="en-IN" sz="2800" b="1" i="0" u="none" strike="noStrike" kern="1200" cap="none" spc="0" normalizeH="0" baseline="0" noProof="0" dirty="0">
+              <a:ln>
+                <a:noFill/>
+              </a:ln>
+              <a:solidFill>
+                <a:prstClr val="white"/>
+              </a:solidFill>
+              <a:effectLst/>
+              <a:uLnTx/>
+              <a:uFillTx/>
+              <a:latin typeface="Calibri" panose="020F0502020204030204"/>
+              <a:ea typeface="+mn-ea"/>
+              <a:cs typeface="+mn-cs"/>
+            </a:endParaRPr>
+          </a:p>
+          <a:p>
+            <a:pPr marL="0" marR="0" lvl="0" indent="0" algn="l" defTabSz="914400" rtl="0" eaLnBrk="1" fontAlgn="auto" latinLnBrk="0" hangingPunct="1">
+              <a:lnSpc>
+                <a:spcPct val="90000"/>
+              </a:lnSpc>
+              <a:spcBef>
+                <a:spcPts val="1000"/>
+              </a:spcBef>
+              <a:spcAft>
+                <a:spcPts val="0"/>
+              </a:spcAft>
+              <a:buClrTx/>
+              <a:buSzTx/>
+              <a:buFont typeface="Arial" panose="020B0604020202020204" pitchFamily="34" charset="0"/>
+              <a:buNone/>
+              <a:tabLst/>
+              <a:defRPr/>
+            </a:pPr>
+            <a:endParaRPr kumimoji="0" lang="en-IN" sz="2800" b="1" i="0" u="none" strike="noStrike" kern="1200" cap="none" spc="0" normalizeH="0" baseline="0" noProof="0" dirty="0">
+              <a:ln>
+                <a:noFill/>
+              </a:ln>
+              <a:solidFill>
+                <a:prstClr val="white"/>
+              </a:solidFill>
+              <a:effectLst/>
+              <a:uLnTx/>
+              <a:uFillTx/>
+              <a:latin typeface="Calibri" panose="020F0502020204030204"/>
+              <a:ea typeface="+mn-ea"/>
+              <a:cs typeface="+mn-cs"/>
+            </a:endParaRPr>
+          </a:p>
+          <a:p>
+            <a:pPr marL="228600" marR="0" lvl="0" indent="-228600" algn="l" defTabSz="914400" rtl="0" eaLnBrk="1" fontAlgn="auto" latinLnBrk="0" hangingPunct="1">
+              <a:lnSpc>
+                <a:spcPct val="90000"/>
+              </a:lnSpc>
+              <a:spcBef>
+                <a:spcPts val="1000"/>
+              </a:spcBef>
+              <a:spcAft>
+                <a:spcPts val="0"/>
+              </a:spcAft>
+              <a:buClrTx/>
+              <a:buSzTx/>
+              <a:buFont typeface="Arial" panose="020B0604020202020204" pitchFamily="34" charset="0"/>
+              <a:buChar char="•"/>
+              <a:tabLst/>
+              <a:defRPr/>
+            </a:pPr>
+            <a:endParaRPr kumimoji="0" lang="en-IN" sz="2800" b="1" i="0" u="none" strike="noStrike" kern="1200" cap="none" spc="0" normalizeH="0" baseline="0" noProof="0" dirty="0">
+              <a:ln>
+                <a:noFill/>
+              </a:ln>
+              <a:solidFill>
+                <a:prstClr val="white"/>
+              </a:solidFill>
+              <a:effectLst/>
+              <a:uLnTx/>
+              <a:uFillTx/>
+              <a:latin typeface="Calibri" panose="020F0502020204030204"/>
+              <a:ea typeface="+mn-ea"/>
+              <a:cs typeface="+mn-cs"/>
+            </a:endParaRPr>
+          </a:p>
+        </p:txBody>
+      </p:sp>
+      <p:pic>
+        <p:nvPicPr>
+          <p:cNvPr id="10" name="Picture 9" descr="A close up of a screen&#10;&#10;Description generated with very high confidence">
+            <a:extLst>
+              <a:ext uri="{FF2B5EF4-FFF2-40B4-BE49-F238E27FC236}">
+                <a16:creationId xmlns:a16="http://schemas.microsoft.com/office/drawing/2014/main" id="{5C2FAE6B-9873-47D7-9F32-4673B1D92CDF}"/>
+              </a:ext>
+            </a:extLst>
+          </p:cNvPr>
+          <p:cNvPicPr>
+            <a:picLocks noChangeAspect="1"/>
+          </p:cNvPicPr>
+          <p:nvPr/>
+        </p:nvPicPr>
+        <p:blipFill>
+          <a:blip r:embed="rId4">
+            <a:extLst>
+              <a:ext uri="{28A0092B-C50C-407E-A947-70E740481C1C}">
+                <a14:useLocalDpi xmlns:a14="http://schemas.microsoft.com/office/drawing/2010/main" val="0"/>
+              </a:ext>
+            </a:extLst>
+          </a:blip>
+          <a:stretch>
+            <a:fillRect/>
+          </a:stretch>
+        </p:blipFill>
+        <p:spPr>
+          <a:xfrm>
+            <a:off x="511875" y="3112152"/>
+            <a:ext cx="4642694" cy="1873327"/>
+          </a:xfrm>
+          <a:prstGeom prst="rect">
+            <a:avLst/>
+          </a:prstGeom>
+        </p:spPr>
+      </p:pic>
+      <p:sp>
+        <p:nvSpPr>
+          <p:cNvPr id="11" name="Content Placeholder 2">
+            <a:extLst>
+              <a:ext uri="{FF2B5EF4-FFF2-40B4-BE49-F238E27FC236}">
+                <a16:creationId xmlns:a16="http://schemas.microsoft.com/office/drawing/2014/main" id="{F59725FE-C0D6-46BB-9A96-B3F01376AEDE}"/>
+              </a:ext>
+            </a:extLst>
+          </p:cNvPr>
+          <p:cNvSpPr txBox="1">
+            <a:spLocks/>
+          </p:cNvSpPr>
+          <p:nvPr/>
+        </p:nvSpPr>
+        <p:spPr>
+          <a:xfrm>
+            <a:off x="647915" y="5197525"/>
+            <a:ext cx="5478085" cy="586837"/>
+          </a:xfrm>
+          <a:prstGeom prst="rect">
+            <a:avLst/>
+          </a:prstGeom>
+        </p:spPr>
+        <p:txBody>
+          <a:bodyPr vert="horz" lIns="91440" tIns="45720" rIns="91440" bIns="45720" rtlCol="0" anchor="t">
+            <a:normAutofit/>
+          </a:bodyPr>
+          <a:lstStyle>
+            <a:lvl1pPr marL="228600" indent="-228600" algn="l" defTabSz="914400" rtl="0" eaLnBrk="1" latinLnBrk="0" hangingPunct="1">
+              <a:lnSpc>
+                <a:spcPct val="90000"/>
+              </a:lnSpc>
+              <a:spcBef>
+                <a:spcPts val="1000"/>
+              </a:spcBef>
+              <a:buFont typeface="Arial" panose="020B0604020202020204" pitchFamily="34" charset="0"/>
+              <a:buChar char="•"/>
+              <a:defRPr sz="2800" kern="1200">
+                <a:solidFill>
+                  <a:schemeClr val="tx1"/>
+                </a:solidFill>
+                <a:latin typeface="+mn-lt"/>
+                <a:ea typeface="+mn-ea"/>
+                <a:cs typeface="+mn-cs"/>
+              </a:defRPr>
+            </a:lvl1pPr>
+            <a:lvl2pPr marL="685800" indent="-228600" algn="l" defTabSz="914400" rtl="0" eaLnBrk="1" latinLnBrk="0" hangingPunct="1">
+              <a:lnSpc>
+                <a:spcPct val="90000"/>
+              </a:lnSpc>
+              <a:spcBef>
+                <a:spcPts val="500"/>
+              </a:spcBef>
+              <a:buFont typeface="Arial" panose="020B0604020202020204" pitchFamily="34" charset="0"/>
+              <a:buChar char="•"/>
+              <a:defRPr sz="2400" kern="1200">
+                <a:solidFill>
+                  <a:schemeClr val="tx1"/>
+                </a:solidFill>
+                <a:latin typeface="+mn-lt"/>
+                <a:ea typeface="+mn-ea"/>
+                <a:cs typeface="+mn-cs"/>
+              </a:defRPr>
+            </a:lvl2pPr>
+            <a:lvl3pPr marL="1143000" indent="-228600" algn="l" defTabSz="914400" rtl="0" eaLnBrk="1" latinLnBrk="0" hangingPunct="1">
+              <a:lnSpc>
+                <a:spcPct val="90000"/>
+              </a:lnSpc>
+              <a:spcBef>
+                <a:spcPts val="500"/>
+              </a:spcBef>
+              <a:buFont typeface="Arial" panose="020B0604020202020204" pitchFamily="34" charset="0"/>
+              <a:buChar char="•"/>
+              <a:defRPr sz="2000" kern="1200">
+                <a:solidFill>
+                  <a:schemeClr val="tx1"/>
+                </a:solidFill>
+                <a:latin typeface="+mn-lt"/>
+                <a:ea typeface="+mn-ea"/>
+                <a:cs typeface="+mn-cs"/>
+              </a:defRPr>
+            </a:lvl3pPr>
+            <a:lvl4pPr marL="1600200" indent="-228600" algn="l" defTabSz="914400" rtl="0" eaLnBrk="1" latinLnBrk="0" hangingPunct="1">
+              <a:lnSpc>
+                <a:spcPct val="90000"/>
+              </a:lnSpc>
+              <a:spcBef>
+                <a:spcPts val="500"/>
+              </a:spcBef>
+              <a:buFont typeface="Arial" panose="020B0604020202020204" pitchFamily="34" charset="0"/>
+              <a:buChar char="•"/>
+              <a:defRPr sz="1800" kern="1200">
+                <a:solidFill>
+                  <a:schemeClr val="tx1"/>
+                </a:solidFill>
+                <a:latin typeface="+mn-lt"/>
+                <a:ea typeface="+mn-ea"/>
+                <a:cs typeface="+mn-cs"/>
+              </a:defRPr>
+            </a:lvl4pPr>
+            <a:lvl5pPr marL="2057400" indent="-228600" algn="l" defTabSz="914400" rtl="0" eaLnBrk="1" latinLnBrk="0" hangingPunct="1">
+              <a:lnSpc>
+                <a:spcPct val="90000"/>
+              </a:lnSpc>
+              <a:spcBef>
+                <a:spcPts val="500"/>
+              </a:spcBef>
+              <a:buFont typeface="Arial" panose="020B0604020202020204" pitchFamily="34" charset="0"/>
+              <a:buChar char="•"/>
+              <a:defRPr sz="1800" kern="1200">
+                <a:solidFill>
+                  <a:schemeClr val="tx1"/>
+                </a:solidFill>
+                <a:latin typeface="+mn-lt"/>
+                <a:ea typeface="+mn-ea"/>
+                <a:cs typeface="+mn-cs"/>
+              </a:defRPr>
+            </a:lvl5pPr>
+            <a:lvl6pPr marL="2514600" indent="-228600" algn="l" defTabSz="914400" rtl="0" eaLnBrk="1" latinLnBrk="0" hangingPunct="1">
+              <a:lnSpc>
+                <a:spcPct val="90000"/>
+              </a:lnSpc>
+              <a:spcBef>
+                <a:spcPts val="500"/>
+              </a:spcBef>
+              <a:buFont typeface="Arial" panose="020B0604020202020204" pitchFamily="34" charset="0"/>
+              <a:buChar char="•"/>
+              <a:defRPr sz="1800" kern="1200">
+                <a:solidFill>
+                  <a:schemeClr val="tx1"/>
+                </a:solidFill>
+                <a:latin typeface="+mn-lt"/>
+                <a:ea typeface="+mn-ea"/>
+                <a:cs typeface="+mn-cs"/>
+              </a:defRPr>
+            </a:lvl6pPr>
+            <a:lvl7pPr marL="2971800" indent="-228600" algn="l" defTabSz="914400" rtl="0" eaLnBrk="1" latinLnBrk="0" hangingPunct="1">
+              <a:lnSpc>
+                <a:spcPct val="90000"/>
+              </a:lnSpc>
+              <a:spcBef>
+                <a:spcPts val="500"/>
+              </a:spcBef>
+              <a:buFont typeface="Arial" panose="020B0604020202020204" pitchFamily="34" charset="0"/>
+              <a:buChar char="•"/>
+              <a:defRPr sz="1800" kern="1200">
+                <a:solidFill>
+                  <a:schemeClr val="tx1"/>
+                </a:solidFill>
+                <a:latin typeface="+mn-lt"/>
+                <a:ea typeface="+mn-ea"/>
+                <a:cs typeface="+mn-cs"/>
+              </a:defRPr>
+            </a:lvl7pPr>
+            <a:lvl8pPr marL="3429000" indent="-228600" algn="l" defTabSz="914400" rtl="0" eaLnBrk="1" latinLnBrk="0" hangingPunct="1">
+              <a:lnSpc>
+                <a:spcPct val="90000"/>
+              </a:lnSpc>
+              <a:spcBef>
+                <a:spcPts val="500"/>
+              </a:spcBef>
+              <a:buFont typeface="Arial" panose="020B0604020202020204" pitchFamily="34" charset="0"/>
+              <a:buChar char="•"/>
+              <a:defRPr sz="1800" kern="1200">
+                <a:solidFill>
+                  <a:schemeClr val="tx1"/>
+                </a:solidFill>
+                <a:latin typeface="+mn-lt"/>
+                <a:ea typeface="+mn-ea"/>
+                <a:cs typeface="+mn-cs"/>
+              </a:defRPr>
+            </a:lvl8pPr>
+            <a:lvl9pPr marL="3886200" indent="-228600" algn="l" defTabSz="914400" rtl="0" eaLnBrk="1" latinLnBrk="0" hangingPunct="1">
+              <a:lnSpc>
+                <a:spcPct val="90000"/>
+              </a:lnSpc>
+              <a:spcBef>
+                <a:spcPts val="500"/>
+              </a:spcBef>
+              <a:buFont typeface="Arial" panose="020B0604020202020204" pitchFamily="34" charset="0"/>
+              <a:buChar char="•"/>
+              <a:defRPr sz="1800" kern="1200">
+                <a:solidFill>
+                  <a:schemeClr val="tx1"/>
+                </a:solidFill>
+                <a:latin typeface="+mn-lt"/>
+                <a:ea typeface="+mn-ea"/>
+                <a:cs typeface="+mn-cs"/>
+              </a:defRPr>
+            </a:lvl9pPr>
+          </a:lstStyle>
+          <a:p>
+            <a:pPr marL="0" marR="0" lvl="0" indent="0" algn="l" defTabSz="914400" rtl="0" eaLnBrk="1" fontAlgn="auto" latinLnBrk="0" hangingPunct="1">
+              <a:lnSpc>
+                <a:spcPct val="90000"/>
+              </a:lnSpc>
+              <a:spcBef>
+                <a:spcPts val="1000"/>
+              </a:spcBef>
+              <a:spcAft>
+                <a:spcPts val="0"/>
+              </a:spcAft>
+              <a:buClrTx/>
+              <a:buSzTx/>
+              <a:buFont typeface="Arial" panose="020B0604020202020204" pitchFamily="34" charset="0"/>
+              <a:buNone/>
+              <a:tabLst/>
+              <a:defRPr/>
+            </a:pPr>
+            <a:endParaRPr kumimoji="0" lang="en-IN" sz="2800" b="1" i="0" u="none" strike="noStrike" kern="1200" cap="none" spc="0" normalizeH="0" baseline="0" noProof="0" dirty="0">
+              <a:ln>
+                <a:noFill/>
+              </a:ln>
+              <a:solidFill>
+                <a:prstClr val="white"/>
+              </a:solidFill>
+              <a:effectLst/>
+              <a:uLnTx/>
+              <a:uFillTx/>
+              <a:latin typeface="Calibri" panose="020F0502020204030204"/>
+              <a:ea typeface="+mn-ea"/>
+              <a:cs typeface="+mn-cs"/>
+            </a:endParaRPr>
+          </a:p>
+          <a:p>
+            <a:pPr marL="228600" marR="0" lvl="0" indent="-228600" algn="l" defTabSz="914400" rtl="0" eaLnBrk="1" fontAlgn="auto" latinLnBrk="0" hangingPunct="1">
+              <a:lnSpc>
+                <a:spcPct val="90000"/>
+              </a:lnSpc>
+              <a:spcBef>
+                <a:spcPts val="1000"/>
+              </a:spcBef>
+              <a:spcAft>
+                <a:spcPts val="0"/>
+              </a:spcAft>
+              <a:buClrTx/>
+              <a:buSzTx/>
+              <a:buFont typeface="Arial" panose="020B0604020202020204" pitchFamily="34" charset="0"/>
+              <a:buChar char="•"/>
+              <a:tabLst/>
+              <a:defRPr/>
+            </a:pPr>
+            <a:endParaRPr kumimoji="0" lang="en-IN" sz="2800" b="1" i="0" u="none" strike="noStrike" kern="1200" cap="none" spc="0" normalizeH="0" baseline="0" noProof="0" dirty="0">
+              <a:ln>
+                <a:noFill/>
+              </a:ln>
+              <a:solidFill>
+                <a:prstClr val="white"/>
+              </a:solidFill>
+              <a:effectLst/>
+              <a:uLnTx/>
+              <a:uFillTx/>
+              <a:latin typeface="Calibri" panose="020F0502020204030204"/>
+              <a:ea typeface="+mn-ea"/>
+              <a:cs typeface="+mn-cs"/>
+            </a:endParaRPr>
+          </a:p>
+        </p:txBody>
+      </p:sp>
+      <p:sp>
+        <p:nvSpPr>
+          <p:cNvPr id="12" name="Content Placeholder 2">
+            <a:extLst>
+              <a:ext uri="{FF2B5EF4-FFF2-40B4-BE49-F238E27FC236}">
+                <a16:creationId xmlns:a16="http://schemas.microsoft.com/office/drawing/2014/main" id="{A6BFCEDB-56E4-45E6-8469-7A477D45EE35}"/>
+              </a:ext>
+            </a:extLst>
+          </p:cNvPr>
+          <p:cNvSpPr txBox="1">
+            <a:spLocks/>
+          </p:cNvSpPr>
+          <p:nvPr/>
+        </p:nvSpPr>
+        <p:spPr>
+          <a:xfrm>
+            <a:off x="740317" y="5188775"/>
+            <a:ext cx="6210012" cy="1450564"/>
+          </a:xfrm>
+          <a:prstGeom prst="rect">
+            <a:avLst/>
+          </a:prstGeom>
+        </p:spPr>
+        <p:txBody>
+          <a:bodyPr vert="horz" lIns="91440" tIns="45720" rIns="91440" bIns="45720" rtlCol="0" anchor="t">
+            <a:normAutofit/>
+          </a:bodyPr>
+          <a:lstStyle>
+            <a:lvl1pPr marL="228600" indent="-228600" algn="l" defTabSz="914400" rtl="0" eaLnBrk="1" latinLnBrk="0" hangingPunct="1">
+              <a:lnSpc>
+                <a:spcPct val="90000"/>
+              </a:lnSpc>
+              <a:spcBef>
+                <a:spcPts val="1000"/>
+              </a:spcBef>
+              <a:buFont typeface="Arial" panose="020B0604020202020204" pitchFamily="34" charset="0"/>
+              <a:buChar char="•"/>
+              <a:defRPr sz="2800" kern="1200">
+                <a:solidFill>
+                  <a:schemeClr val="tx1"/>
+                </a:solidFill>
+                <a:latin typeface="+mn-lt"/>
+                <a:ea typeface="+mn-ea"/>
+                <a:cs typeface="+mn-cs"/>
+              </a:defRPr>
+            </a:lvl1pPr>
+            <a:lvl2pPr marL="685800" indent="-228600" algn="l" defTabSz="914400" rtl="0" eaLnBrk="1" latinLnBrk="0" hangingPunct="1">
+              <a:lnSpc>
+                <a:spcPct val="90000"/>
+              </a:lnSpc>
+              <a:spcBef>
+                <a:spcPts val="500"/>
+              </a:spcBef>
+              <a:buFont typeface="Arial" panose="020B0604020202020204" pitchFamily="34" charset="0"/>
+              <a:buChar char="•"/>
+              <a:defRPr sz="2400" kern="1200">
+                <a:solidFill>
+                  <a:schemeClr val="tx1"/>
+                </a:solidFill>
+                <a:latin typeface="+mn-lt"/>
+                <a:ea typeface="+mn-ea"/>
+                <a:cs typeface="+mn-cs"/>
+              </a:defRPr>
+            </a:lvl2pPr>
+            <a:lvl3pPr marL="1143000" indent="-228600" algn="l" defTabSz="914400" rtl="0" eaLnBrk="1" latinLnBrk="0" hangingPunct="1">
+              <a:lnSpc>
+                <a:spcPct val="90000"/>
+              </a:lnSpc>
+              <a:spcBef>
+                <a:spcPts val="500"/>
+              </a:spcBef>
+              <a:buFont typeface="Arial" panose="020B0604020202020204" pitchFamily="34" charset="0"/>
+              <a:buChar char="•"/>
+              <a:defRPr sz="2000" kern="1200">
+                <a:solidFill>
+                  <a:schemeClr val="tx1"/>
+                </a:solidFill>
+                <a:latin typeface="+mn-lt"/>
+                <a:ea typeface="+mn-ea"/>
+                <a:cs typeface="+mn-cs"/>
+              </a:defRPr>
+            </a:lvl3pPr>
+            <a:lvl4pPr marL="1600200" indent="-228600" algn="l" defTabSz="914400" rtl="0" eaLnBrk="1" latinLnBrk="0" hangingPunct="1">
+              <a:lnSpc>
+                <a:spcPct val="90000"/>
+              </a:lnSpc>
+              <a:spcBef>
+                <a:spcPts val="500"/>
+              </a:spcBef>
+              <a:buFont typeface="Arial" panose="020B0604020202020204" pitchFamily="34" charset="0"/>
+              <a:buChar char="•"/>
+              <a:defRPr sz="1800" kern="1200">
+                <a:solidFill>
+                  <a:schemeClr val="tx1"/>
+                </a:solidFill>
+                <a:latin typeface="+mn-lt"/>
+                <a:ea typeface="+mn-ea"/>
+                <a:cs typeface="+mn-cs"/>
+              </a:defRPr>
+            </a:lvl4pPr>
+            <a:lvl5pPr marL="2057400" indent="-228600" algn="l" defTabSz="914400" rtl="0" eaLnBrk="1" latinLnBrk="0" hangingPunct="1">
+              <a:lnSpc>
+                <a:spcPct val="90000"/>
+              </a:lnSpc>
+              <a:spcBef>
+                <a:spcPts val="500"/>
+              </a:spcBef>
+              <a:buFont typeface="Arial" panose="020B0604020202020204" pitchFamily="34" charset="0"/>
+              <a:buChar char="•"/>
+              <a:defRPr sz="1800" kern="1200">
+                <a:solidFill>
+                  <a:schemeClr val="tx1"/>
+                </a:solidFill>
+                <a:latin typeface="+mn-lt"/>
+                <a:ea typeface="+mn-ea"/>
+                <a:cs typeface="+mn-cs"/>
+              </a:defRPr>
+            </a:lvl5pPr>
+            <a:lvl6pPr marL="2514600" indent="-228600" algn="l" defTabSz="914400" rtl="0" eaLnBrk="1" latinLnBrk="0" hangingPunct="1">
+              <a:lnSpc>
+                <a:spcPct val="90000"/>
+              </a:lnSpc>
+              <a:spcBef>
+                <a:spcPts val="500"/>
+              </a:spcBef>
+              <a:buFont typeface="Arial" panose="020B0604020202020204" pitchFamily="34" charset="0"/>
+              <a:buChar char="•"/>
+              <a:defRPr sz="1800" kern="1200">
+                <a:solidFill>
+                  <a:schemeClr val="tx1"/>
+                </a:solidFill>
+                <a:latin typeface="+mn-lt"/>
+                <a:ea typeface="+mn-ea"/>
+                <a:cs typeface="+mn-cs"/>
+              </a:defRPr>
+            </a:lvl6pPr>
+            <a:lvl7pPr marL="2971800" indent="-228600" algn="l" defTabSz="914400" rtl="0" eaLnBrk="1" latinLnBrk="0" hangingPunct="1">
+              <a:lnSpc>
+                <a:spcPct val="90000"/>
+              </a:lnSpc>
+              <a:spcBef>
+                <a:spcPts val="500"/>
+              </a:spcBef>
+              <a:buFont typeface="Arial" panose="020B0604020202020204" pitchFamily="34" charset="0"/>
+              <a:buChar char="•"/>
+              <a:defRPr sz="1800" kern="1200">
+                <a:solidFill>
+                  <a:schemeClr val="tx1"/>
+                </a:solidFill>
+                <a:latin typeface="+mn-lt"/>
+                <a:ea typeface="+mn-ea"/>
+                <a:cs typeface="+mn-cs"/>
+              </a:defRPr>
+            </a:lvl7pPr>
+            <a:lvl8pPr marL="3429000" indent="-228600" algn="l" defTabSz="914400" rtl="0" eaLnBrk="1" latinLnBrk="0" hangingPunct="1">
+              <a:lnSpc>
+                <a:spcPct val="90000"/>
+              </a:lnSpc>
+              <a:spcBef>
+                <a:spcPts val="500"/>
+              </a:spcBef>
+              <a:buFont typeface="Arial" panose="020B0604020202020204" pitchFamily="34" charset="0"/>
+              <a:buChar char="•"/>
+              <a:defRPr sz="1800" kern="1200">
+                <a:solidFill>
+                  <a:schemeClr val="tx1"/>
+                </a:solidFill>
+                <a:latin typeface="+mn-lt"/>
+                <a:ea typeface="+mn-ea"/>
+                <a:cs typeface="+mn-cs"/>
+              </a:defRPr>
+            </a:lvl8pPr>
+            <a:lvl9pPr marL="3886200" indent="-228600" algn="l" defTabSz="914400" rtl="0" eaLnBrk="1" latinLnBrk="0" hangingPunct="1">
+              <a:lnSpc>
+                <a:spcPct val="90000"/>
+              </a:lnSpc>
+              <a:spcBef>
+                <a:spcPts val="500"/>
+              </a:spcBef>
+              <a:buFont typeface="Arial" panose="020B0604020202020204" pitchFamily="34" charset="0"/>
+              <a:buChar char="•"/>
+              <a:defRPr sz="1800" kern="1200">
+                <a:solidFill>
+                  <a:schemeClr val="tx1"/>
+                </a:solidFill>
+                <a:latin typeface="+mn-lt"/>
+                <a:ea typeface="+mn-ea"/>
+                <a:cs typeface="+mn-cs"/>
+              </a:defRPr>
+            </a:lvl9pPr>
+          </a:lstStyle>
+          <a:p>
+            <a:pPr marL="0" marR="0" lvl="0" indent="0" algn="l" defTabSz="914400" rtl="0" eaLnBrk="1" fontAlgn="auto" latinLnBrk="0" hangingPunct="1">
+              <a:lnSpc>
+                <a:spcPct val="90000"/>
+              </a:lnSpc>
+              <a:spcBef>
+                <a:spcPts val="1000"/>
+              </a:spcBef>
+              <a:spcAft>
+                <a:spcPts val="0"/>
+              </a:spcAft>
+              <a:buClrTx/>
+              <a:buSzTx/>
+              <a:buFont typeface="Arial" panose="020B0604020202020204" pitchFamily="34" charset="0"/>
+              <a:buNone/>
+              <a:tabLst/>
+              <a:defRPr/>
+            </a:pPr>
+            <a:r>
+              <a:rPr kumimoji="0" lang="en-IN" sz="2600" b="1" i="0" u="none" strike="noStrike" kern="1200" cap="none" spc="0" normalizeH="0" baseline="0" noProof="0" dirty="0">
+                <a:ln>
+                  <a:noFill/>
+                </a:ln>
+                <a:solidFill>
+                  <a:prstClr val="white"/>
+                </a:solidFill>
+                <a:effectLst/>
+                <a:uLnTx/>
+                <a:uFillTx/>
+                <a:latin typeface="Calibri" panose="020F0502020204030204"/>
+                <a:ea typeface="+mn-ea"/>
+                <a:cs typeface="+mn-cs"/>
+              </a:rPr>
+              <a:t>Cost - £ </a:t>
+            </a:r>
+            <a:r>
+              <a:rPr lang="en-IN" sz="2600" b="1" dirty="0">
+                <a:solidFill>
+                  <a:prstClr val="white"/>
+                </a:solidFill>
+                <a:latin typeface="Calibri" panose="020F0502020204030204"/>
+              </a:rPr>
+              <a:t>25</a:t>
+            </a:r>
+            <a:endParaRPr kumimoji="0" lang="en-IN" sz="2600" b="1" i="0" u="none" strike="noStrike" kern="1200" cap="none" spc="0" normalizeH="0" baseline="0" noProof="0" dirty="0">
+              <a:ln>
+                <a:noFill/>
+              </a:ln>
+              <a:solidFill>
+                <a:prstClr val="white"/>
+              </a:solidFill>
+              <a:effectLst/>
+              <a:uLnTx/>
+              <a:uFillTx/>
+              <a:latin typeface="Calibri" panose="020F0502020204030204"/>
+              <a:ea typeface="+mn-ea"/>
+              <a:cs typeface="+mn-cs"/>
+            </a:endParaRPr>
+          </a:p>
+          <a:p>
+            <a:pPr marL="0" marR="0" lvl="0" indent="0" algn="l" defTabSz="914400" rtl="0" eaLnBrk="1" fontAlgn="auto" latinLnBrk="0" hangingPunct="1">
+              <a:lnSpc>
+                <a:spcPct val="90000"/>
+              </a:lnSpc>
+              <a:spcBef>
+                <a:spcPts val="1000"/>
+              </a:spcBef>
+              <a:spcAft>
+                <a:spcPts val="0"/>
+              </a:spcAft>
+              <a:buClrTx/>
+              <a:buSzTx/>
+              <a:buFont typeface="Arial" panose="020B0604020202020204" pitchFamily="34" charset="0"/>
+              <a:buNone/>
+              <a:tabLst/>
+              <a:defRPr/>
+            </a:pPr>
+            <a:r>
+              <a:rPr kumimoji="0" lang="en-IN" sz="2600" b="1" i="0" u="none" strike="noStrike" kern="1200" cap="none" spc="0" normalizeH="0" baseline="0" noProof="0" dirty="0">
+                <a:ln>
+                  <a:noFill/>
+                </a:ln>
+                <a:solidFill>
+                  <a:prstClr val="white"/>
+                </a:solidFill>
+                <a:effectLst/>
+                <a:uLnTx/>
+                <a:uFillTx/>
+                <a:latin typeface="Calibri" panose="020F0502020204030204"/>
+                <a:ea typeface="+mn-ea"/>
+                <a:cs typeface="+mn-cs"/>
+              </a:rPr>
+              <a:t>Associated Windfall – </a:t>
+            </a:r>
+            <a:r>
+              <a:rPr lang="en-IN" sz="2600" b="1" dirty="0">
+                <a:solidFill>
+                  <a:prstClr val="white"/>
+                </a:solidFill>
+                <a:latin typeface="Calibri" panose="020F0502020204030204"/>
+              </a:rPr>
+              <a:t>Jackpot £ 10,000</a:t>
+            </a:r>
+            <a:endParaRPr kumimoji="0" lang="en-IN" sz="2600" b="1" i="0" u="none" strike="noStrike" kern="1200" cap="none" spc="0" normalizeH="0" baseline="0" noProof="0" dirty="0">
+              <a:ln>
+                <a:noFill/>
+              </a:ln>
+              <a:solidFill>
+                <a:prstClr val="white"/>
+              </a:solidFill>
+              <a:effectLst/>
+              <a:uLnTx/>
+              <a:uFillTx/>
+              <a:latin typeface="Calibri" panose="020F0502020204030204"/>
+              <a:ea typeface="+mn-ea"/>
+              <a:cs typeface="+mn-cs"/>
+            </a:endParaRPr>
+          </a:p>
+          <a:p>
+            <a:pPr marL="0" marR="0" lvl="0" indent="0" algn="l" defTabSz="914400" rtl="0" eaLnBrk="1" fontAlgn="auto" latinLnBrk="0" hangingPunct="1">
+              <a:lnSpc>
+                <a:spcPct val="90000"/>
+              </a:lnSpc>
+              <a:spcBef>
+                <a:spcPts val="1000"/>
+              </a:spcBef>
+              <a:spcAft>
+                <a:spcPts val="0"/>
+              </a:spcAft>
+              <a:buClrTx/>
+              <a:buSzTx/>
+              <a:buFont typeface="Arial" panose="020B0604020202020204" pitchFamily="34" charset="0"/>
+              <a:buNone/>
+              <a:tabLst/>
+              <a:defRPr/>
+            </a:pPr>
+            <a:endParaRPr kumimoji="0" lang="en-IN" sz="2600" b="1" i="0" u="none" strike="noStrike" kern="1200" cap="none" spc="0" normalizeH="0" baseline="0" noProof="0" dirty="0">
+              <a:ln>
+                <a:noFill/>
+              </a:ln>
+              <a:solidFill>
+                <a:prstClr val="white"/>
+              </a:solidFill>
+              <a:effectLst/>
+              <a:uLnTx/>
+              <a:uFillTx/>
+              <a:latin typeface="Calibri" panose="020F0502020204030204"/>
+              <a:ea typeface="+mn-ea"/>
+              <a:cs typeface="+mn-cs"/>
+            </a:endParaRPr>
+          </a:p>
+          <a:p>
+            <a:pPr marL="0" marR="0" lvl="0" indent="0" algn="l" defTabSz="914400" rtl="0" eaLnBrk="1" fontAlgn="auto" latinLnBrk="0" hangingPunct="1">
+              <a:lnSpc>
+                <a:spcPct val="90000"/>
+              </a:lnSpc>
+              <a:spcBef>
+                <a:spcPts val="1000"/>
+              </a:spcBef>
+              <a:spcAft>
+                <a:spcPts val="0"/>
+              </a:spcAft>
+              <a:buClrTx/>
+              <a:buSzTx/>
+              <a:buFont typeface="Arial" panose="020B0604020202020204" pitchFamily="34" charset="0"/>
+              <a:buNone/>
+              <a:tabLst/>
+              <a:defRPr/>
+            </a:pPr>
+            <a:endParaRPr kumimoji="0" lang="en-IN" sz="2600" b="1" i="0" u="none" strike="noStrike" kern="1200" cap="none" spc="0" normalizeH="0" baseline="0" noProof="0" dirty="0">
+              <a:ln>
+                <a:noFill/>
+              </a:ln>
+              <a:solidFill>
+                <a:prstClr val="white"/>
+              </a:solidFill>
+              <a:effectLst/>
+              <a:uLnTx/>
+              <a:uFillTx/>
+              <a:latin typeface="Calibri" panose="020F0502020204030204"/>
+              <a:ea typeface="+mn-ea"/>
+              <a:cs typeface="+mn-cs"/>
+            </a:endParaRPr>
+          </a:p>
+          <a:p>
+            <a:pPr marL="514350" marR="0" lvl="0" indent="-514350" algn="l" defTabSz="914400" rtl="0" eaLnBrk="1" fontAlgn="auto" latinLnBrk="0" hangingPunct="1">
+              <a:lnSpc>
+                <a:spcPct val="90000"/>
+              </a:lnSpc>
+              <a:spcBef>
+                <a:spcPts val="1000"/>
+              </a:spcBef>
+              <a:spcAft>
+                <a:spcPts val="0"/>
+              </a:spcAft>
+              <a:buClrTx/>
+              <a:buSzTx/>
+              <a:buFont typeface="Arial" panose="020B0604020202020204" pitchFamily="34" charset="0"/>
+              <a:buAutoNum type="arabicPeriod"/>
+              <a:tabLst/>
+              <a:defRPr/>
+            </a:pPr>
+            <a:endParaRPr kumimoji="0" lang="en-IN" sz="2800" b="1" i="0" u="none" strike="noStrike" kern="1200" cap="none" spc="0" normalizeH="0" baseline="0" noProof="0" dirty="0">
+              <a:ln>
+                <a:noFill/>
+              </a:ln>
+              <a:solidFill>
+                <a:prstClr val="white"/>
+              </a:solidFill>
+              <a:effectLst/>
+              <a:uLnTx/>
+              <a:uFillTx/>
+              <a:latin typeface="Calibri" panose="020F0502020204030204"/>
+              <a:ea typeface="+mn-ea"/>
+              <a:cs typeface="+mn-cs"/>
+            </a:endParaRPr>
+          </a:p>
+          <a:p>
+            <a:pPr marL="514350" marR="0" lvl="0" indent="-514350" algn="l" defTabSz="914400" rtl="0" eaLnBrk="1" fontAlgn="auto" latinLnBrk="0" hangingPunct="1">
+              <a:lnSpc>
+                <a:spcPct val="90000"/>
+              </a:lnSpc>
+              <a:spcBef>
+                <a:spcPts val="1000"/>
+              </a:spcBef>
+              <a:spcAft>
+                <a:spcPts val="0"/>
+              </a:spcAft>
+              <a:buClrTx/>
+              <a:buSzTx/>
+              <a:buFont typeface="Arial" panose="020B0604020202020204" pitchFamily="34" charset="0"/>
+              <a:buAutoNum type="arabicPeriod"/>
+              <a:tabLst/>
+              <a:defRPr/>
+            </a:pPr>
+            <a:endParaRPr kumimoji="0" lang="en-IN" sz="2800" b="1" i="0" u="none" strike="noStrike" kern="1200" cap="none" spc="0" normalizeH="0" baseline="0" noProof="0" dirty="0">
+              <a:ln>
+                <a:noFill/>
+              </a:ln>
+              <a:solidFill>
+                <a:prstClr val="white"/>
+              </a:solidFill>
+              <a:effectLst/>
+              <a:uLnTx/>
+              <a:uFillTx/>
+              <a:latin typeface="Calibri" panose="020F0502020204030204"/>
+              <a:ea typeface="+mn-ea"/>
+              <a:cs typeface="+mn-cs"/>
+            </a:endParaRPr>
+          </a:p>
+          <a:p>
+            <a:pPr marL="0" marR="0" lvl="0" indent="0" algn="l" defTabSz="914400" rtl="0" eaLnBrk="1" fontAlgn="auto" latinLnBrk="0" hangingPunct="1">
+              <a:lnSpc>
+                <a:spcPct val="90000"/>
+              </a:lnSpc>
+              <a:spcBef>
+                <a:spcPts val="1000"/>
+              </a:spcBef>
+              <a:spcAft>
+                <a:spcPts val="0"/>
+              </a:spcAft>
+              <a:buClrTx/>
+              <a:buSzTx/>
+              <a:buFont typeface="Arial" panose="020B0604020202020204" pitchFamily="34" charset="0"/>
+              <a:buNone/>
+              <a:tabLst/>
+              <a:defRPr/>
+            </a:pPr>
+            <a:endParaRPr kumimoji="0" lang="en-IN" sz="2800" b="1" i="0" u="none" strike="noStrike" kern="1200" cap="none" spc="0" normalizeH="0" baseline="0" noProof="0" dirty="0">
+              <a:ln>
+                <a:noFill/>
+              </a:ln>
+              <a:solidFill>
+                <a:prstClr val="white"/>
+              </a:solidFill>
+              <a:effectLst/>
+              <a:uLnTx/>
+              <a:uFillTx/>
+              <a:latin typeface="Calibri" panose="020F0502020204030204"/>
+              <a:ea typeface="+mn-ea"/>
+              <a:cs typeface="+mn-cs"/>
+            </a:endParaRPr>
+          </a:p>
+          <a:p>
+            <a:pPr marL="228600" marR="0" lvl="0" indent="-228600" algn="l" defTabSz="914400" rtl="0" eaLnBrk="1" fontAlgn="auto" latinLnBrk="0" hangingPunct="1">
+              <a:lnSpc>
+                <a:spcPct val="90000"/>
+              </a:lnSpc>
+              <a:spcBef>
+                <a:spcPts val="1000"/>
+              </a:spcBef>
+              <a:spcAft>
+                <a:spcPts val="0"/>
+              </a:spcAft>
+              <a:buClrTx/>
+              <a:buSzTx/>
+              <a:buFont typeface="Arial" panose="020B0604020202020204" pitchFamily="34" charset="0"/>
+              <a:buChar char="•"/>
+              <a:tabLst/>
+              <a:defRPr/>
+            </a:pPr>
+            <a:endParaRPr kumimoji="0" lang="en-IN" sz="2800" b="1" i="0" u="none" strike="noStrike" kern="1200" cap="none" spc="0" normalizeH="0" baseline="0" noProof="0" dirty="0">
+              <a:ln>
+                <a:noFill/>
+              </a:ln>
+              <a:solidFill>
+                <a:prstClr val="white"/>
+              </a:solidFill>
+              <a:effectLst/>
+              <a:uLnTx/>
+              <a:uFillTx/>
+              <a:latin typeface="Calibri" panose="020F0502020204030204"/>
+              <a:ea typeface="+mn-ea"/>
+              <a:cs typeface="+mn-cs"/>
+            </a:endParaRPr>
+          </a:p>
+        </p:txBody>
+      </p:sp>
+    </p:spTree>
+    <p:extLst>
+      <p:ext uri="{BB962C8B-B14F-4D97-AF65-F5344CB8AC3E}">
+        <p14:creationId xmlns:p14="http://schemas.microsoft.com/office/powerpoint/2010/main" val="566649158"/>
+      </p:ext>
+    </p:extLst>
+  </p:cSld>
+  <p:clrMapOvr>
+    <a:overrideClrMapping bg1="dk1" tx1="lt1" bg2="dk2" tx2="lt2" accent1="accent1" accent2="accent2" accent3="accent3" accent4="accent4" accent5="accent5" accent6="accent6" hlink="hlink" folHlink="folHlink"/>
+  </p:clrMapOvr>
+</p:sld>
+</file>
+
+<file path=ppt/slides/slide13.xml><?xml version="1.0" encoding="utf-8"?>
+<p:sld xmlns:a="http://schemas.openxmlformats.org/drawingml/2006/main" xmlns:r="http://schemas.openxmlformats.org/officeDocument/2006/relationships" xmlns:p="http://schemas.openxmlformats.org/presentationml/2006/main">
+  <p:cSld>
+    <p:bg>
+      <p:bgPr>
+        <a:solidFill>
+          <a:schemeClr val="bg1"/>
+        </a:solidFill>
+        <a:effectLst/>
+      </p:bgPr>
+    </p:bg>
+    <p:spTree>
+      <p:nvGrpSpPr>
+        <p:cNvPr id="1" name=""/>
+        <p:cNvGrpSpPr/>
+        <p:nvPr/>
+      </p:nvGrpSpPr>
+      <p:grpSpPr>
+        <a:xfrm>
+          <a:off x="0" y="0"/>
+          <a:ext cx="0" cy="0"/>
+          <a:chOff x="0" y="0"/>
+          <a:chExt cx="0" cy="0"/>
+        </a:xfrm>
+      </p:grpSpPr>
+      <p:pic>
+        <p:nvPicPr>
+          <p:cNvPr id="7" name="Picture 6">
+            <a:extLst>
+              <a:ext uri="{FF2B5EF4-FFF2-40B4-BE49-F238E27FC236}">
+                <a16:creationId xmlns:a16="http://schemas.microsoft.com/office/drawing/2014/main" id="{8BA2A080-19F8-4969-A685-C648FF8CD3CE}"/>
+              </a:ext>
+            </a:extLst>
+          </p:cNvPr>
+          <p:cNvPicPr>
+            <a:picLocks noChangeAspect="1"/>
+          </p:cNvPicPr>
+          <p:nvPr/>
+        </p:nvPicPr>
+        <p:blipFill rotWithShape="1">
+          <a:blip r:embed="rId2">
+            <a:duotone>
+              <a:prstClr val="black"/>
+              <a:schemeClr val="tx2">
+                <a:tint val="45000"/>
+                <a:satMod val="400000"/>
+              </a:schemeClr>
+            </a:duotone>
+            <a:alphaModFix amt="35000"/>
+            <a:extLst>
+              <a:ext uri="{28A0092B-C50C-407E-A947-70E740481C1C}">
+                <a14:useLocalDpi xmlns:a14="http://schemas.microsoft.com/office/drawing/2010/main" val="0"/>
+              </a:ext>
+            </a:extLst>
+          </a:blip>
+          <a:srcRect t="13681" b="2075"/>
+          <a:stretch/>
+        </p:blipFill>
+        <p:spPr>
+          <a:xfrm>
+            <a:off x="0" y="0"/>
+            <a:ext cx="12192000" cy="6857990"/>
+          </a:xfrm>
+          <a:prstGeom prst="rect">
+            <a:avLst/>
+          </a:prstGeom>
+        </p:spPr>
+      </p:pic>
+      <p:sp>
+        <p:nvSpPr>
+          <p:cNvPr id="51" name="Freeform 49">
+            <a:extLst>
+              <a:ext uri="{FF2B5EF4-FFF2-40B4-BE49-F238E27FC236}">
+                <a16:creationId xmlns:a16="http://schemas.microsoft.com/office/drawing/2014/main" id="{EF9B8DF2-C3F5-49A2-94D2-F7B65A0F1F15}"/>
+              </a:ext>
+            </a:extLst>
+          </p:cNvPr>
+          <p:cNvSpPr>
+            <a:spLocks noGrp="1" noRot="1" noChangeAspect="1" noMove="1" noResize="1" noEditPoints="1" noAdjustHandles="1" noChangeArrowheads="1" noChangeShapeType="1" noTextEdit="1"/>
+          </p:cNvSpPr>
+          <p:nvPr>
+            <p:extLst>
+              <p:ext uri="{386F3935-93C4-4BCD-93E2-E3B085C9AB24}">
+                <p16:designElem xmlns:p16="http://schemas.microsoft.com/office/powerpoint/2015/main" val="1"/>
+              </p:ext>
+            </p:extLst>
+          </p:nvPr>
+        </p:nvSpPr>
+        <p:spPr>
+          <a:xfrm flipH="1">
+            <a:off x="6713914" y="581159"/>
+            <a:ext cx="5478085" cy="6276841"/>
+          </a:xfrm>
+          <a:custGeom>
+            <a:avLst/>
+            <a:gdLst>
+              <a:gd name="connsiteX0" fmla="*/ 2178155 w 5478085"/>
+              <a:gd name="connsiteY0" fmla="*/ 0 h 6276841"/>
+              <a:gd name="connsiteX1" fmla="*/ 5478085 w 5478085"/>
+              <a:gd name="connsiteY1" fmla="*/ 3299930 h 6276841"/>
+              <a:gd name="connsiteX2" fmla="*/ 3751098 w 5478085"/>
+              <a:gd name="connsiteY2" fmla="*/ 6201577 h 6276841"/>
+              <a:gd name="connsiteX3" fmla="*/ 3594858 w 5478085"/>
+              <a:gd name="connsiteY3" fmla="*/ 6276841 h 6276841"/>
+              <a:gd name="connsiteX4" fmla="*/ 761453 w 5478085"/>
+              <a:gd name="connsiteY4" fmla="*/ 6276841 h 6276841"/>
+              <a:gd name="connsiteX5" fmla="*/ 605213 w 5478085"/>
+              <a:gd name="connsiteY5" fmla="*/ 6201577 h 6276841"/>
+              <a:gd name="connsiteX6" fmla="*/ 79093 w 5478085"/>
+              <a:gd name="connsiteY6" fmla="*/ 5846317 h 6276841"/>
+              <a:gd name="connsiteX7" fmla="*/ 0 w 5478085"/>
+              <a:gd name="connsiteY7" fmla="*/ 5774432 h 6276841"/>
+              <a:gd name="connsiteX8" fmla="*/ 0 w 5478085"/>
+              <a:gd name="connsiteY8" fmla="*/ 825429 h 6276841"/>
+              <a:gd name="connsiteX9" fmla="*/ 79093 w 5478085"/>
+              <a:gd name="connsiteY9" fmla="*/ 753544 h 6276841"/>
+              <a:gd name="connsiteX10" fmla="*/ 2178155 w 5478085"/>
+              <a:gd name="connsiteY10" fmla="*/ 0 h 6276841"/>
+            </a:gdLst>
+            <a:ahLst/>
+            <a:cxnLst>
+              <a:cxn ang="0">
+                <a:pos x="connsiteX0" y="connsiteY0"/>
+              </a:cxn>
+              <a:cxn ang="0">
+                <a:pos x="connsiteX1" y="connsiteY1"/>
+              </a:cxn>
+              <a:cxn ang="0">
+                <a:pos x="connsiteX2" y="connsiteY2"/>
+              </a:cxn>
+              <a:cxn ang="0">
+                <a:pos x="connsiteX3" y="connsiteY3"/>
+              </a:cxn>
+              <a:cxn ang="0">
+                <a:pos x="connsiteX4" y="connsiteY4"/>
+              </a:cxn>
+              <a:cxn ang="0">
+                <a:pos x="connsiteX5" y="connsiteY5"/>
+              </a:cxn>
+              <a:cxn ang="0">
+                <a:pos x="connsiteX6" y="connsiteY6"/>
+              </a:cxn>
+              <a:cxn ang="0">
+                <a:pos x="connsiteX7" y="connsiteY7"/>
+              </a:cxn>
+              <a:cxn ang="0">
+                <a:pos x="connsiteX8" y="connsiteY8"/>
+              </a:cxn>
+              <a:cxn ang="0">
+                <a:pos x="connsiteX9" y="connsiteY9"/>
+              </a:cxn>
+              <a:cxn ang="0">
+                <a:pos x="connsiteX10" y="connsiteY10"/>
+              </a:cxn>
+            </a:cxnLst>
+            <a:rect l="l" t="t" r="r" b="b"/>
+            <a:pathLst>
+              <a:path w="5478085" h="6276841">
+                <a:moveTo>
+                  <a:pt x="2178155" y="0"/>
+                </a:moveTo>
+                <a:cubicBezTo>
+                  <a:pt x="4000656" y="0"/>
+                  <a:pt x="5478085" y="1477429"/>
+                  <a:pt x="5478085" y="3299930"/>
+                </a:cubicBezTo>
+                <a:cubicBezTo>
+                  <a:pt x="5478085" y="4552900"/>
+                  <a:pt x="4779769" y="5642769"/>
+                  <a:pt x="3751098" y="6201577"/>
+                </a:cubicBezTo>
+                <a:lnTo>
+                  <a:pt x="3594858" y="6276841"/>
+                </a:lnTo>
+                <a:lnTo>
+                  <a:pt x="761453" y="6276841"/>
+                </a:lnTo>
+                <a:lnTo>
+                  <a:pt x="605213" y="6201577"/>
+                </a:lnTo>
+                <a:cubicBezTo>
+                  <a:pt x="418182" y="6099975"/>
+                  <a:pt x="242071" y="5980818"/>
+                  <a:pt x="79093" y="5846317"/>
+                </a:cubicBezTo>
+                <a:lnTo>
+                  <a:pt x="0" y="5774432"/>
+                </a:lnTo>
+                <a:lnTo>
+                  <a:pt x="0" y="825429"/>
+                </a:lnTo>
+                <a:lnTo>
+                  <a:pt x="79093" y="753544"/>
+                </a:lnTo>
+                <a:cubicBezTo>
+                  <a:pt x="649516" y="282789"/>
+                  <a:pt x="1380811" y="0"/>
+                  <a:pt x="2178155" y="0"/>
+                </a:cubicBezTo>
+                <a:close/>
+              </a:path>
+            </a:pathLst>
+          </a:custGeom>
+          <a:solidFill>
+            <a:srgbClr val="FFFFFF">
+              <a:alpha val="80000"/>
+            </a:srgbClr>
+          </a:solidFill>
+          <a:ln w="31750">
+            <a:noFill/>
+          </a:ln>
+        </p:spPr>
+        <p:style>
+          <a:lnRef idx="2">
+            <a:schemeClr val="accent1">
+              <a:shade val="50000"/>
+            </a:schemeClr>
+          </a:lnRef>
+          <a:fillRef idx="1">
+            <a:schemeClr val="accent1"/>
+          </a:fillRef>
+          <a:effectRef idx="0">
+            <a:schemeClr val="accent1"/>
+          </a:effectRef>
+          <a:fontRef idx="minor">
+            <a:schemeClr val="lt1"/>
+          </a:fontRef>
+        </p:style>
+        <p:txBody>
+          <a:bodyPr wrap="square" rtlCol="0" anchor="ctr">
+            <a:noAutofit/>
+          </a:bodyPr>
+          <a:lstStyle/>
+          <a:p>
+            <a:pPr marL="0" marR="0" lvl="0" indent="0" algn="ctr" defTabSz="914400" rtl="0" eaLnBrk="1" fontAlgn="auto" latinLnBrk="0" hangingPunct="1">
+              <a:lnSpc>
+                <a:spcPct val="100000"/>
+              </a:lnSpc>
+              <a:spcBef>
+                <a:spcPts val="0"/>
+              </a:spcBef>
+              <a:spcAft>
+                <a:spcPts val="0"/>
+              </a:spcAft>
+              <a:buClrTx/>
+              <a:buSzTx/>
+              <a:buFontTx/>
+              <a:buNone/>
+              <a:tabLst/>
+              <a:defRPr/>
+            </a:pPr>
+            <a:endParaRPr kumimoji="0" lang="en-US" sz="1800" b="0" i="0" u="none" strike="noStrike" kern="1200" cap="none" spc="0" normalizeH="0" baseline="0" noProof="0">
+              <a:ln>
+                <a:noFill/>
+              </a:ln>
+              <a:solidFill>
+                <a:prstClr val="white"/>
+              </a:solidFill>
+              <a:effectLst/>
+              <a:uLnTx/>
+              <a:uFillTx/>
+              <a:latin typeface="Calibri" panose="020F0502020204030204"/>
+              <a:ea typeface="+mn-ea"/>
+              <a:cs typeface="+mn-cs"/>
+            </a:endParaRPr>
+          </a:p>
+        </p:txBody>
+      </p:sp>
+      <p:pic>
+        <p:nvPicPr>
+          <p:cNvPr id="9" name="Picture 8" descr="A picture containing building&#10;&#10;Description generated with high confidence">
+            <a:extLst>
+              <a:ext uri="{FF2B5EF4-FFF2-40B4-BE49-F238E27FC236}">
+                <a16:creationId xmlns:a16="http://schemas.microsoft.com/office/drawing/2014/main" id="{12ED8CBA-3DDA-400E-B2EE-7748A997FAC8}"/>
+              </a:ext>
+            </a:extLst>
+          </p:cNvPr>
+          <p:cNvPicPr>
+            <a:picLocks noChangeAspect="1"/>
+          </p:cNvPicPr>
+          <p:nvPr/>
+        </p:nvPicPr>
+        <p:blipFill rotWithShape="1">
+          <a:blip r:embed="rId3">
+            <a:extLst>
+              <a:ext uri="{28A0092B-C50C-407E-A947-70E740481C1C}">
+                <a14:useLocalDpi xmlns:a14="http://schemas.microsoft.com/office/drawing/2010/main" val="0"/>
+              </a:ext>
+            </a:extLst>
+          </a:blip>
+          <a:srcRect l="18375" r="23620" b="1"/>
+          <a:stretch/>
+        </p:blipFill>
+        <p:spPr>
+          <a:xfrm>
+            <a:off x="6893342" y="760562"/>
+            <a:ext cx="5298683" cy="6097438"/>
+          </a:xfrm>
+          <a:custGeom>
+            <a:avLst/>
+            <a:gdLst>
+              <a:gd name="connsiteX0" fmla="*/ 3120528 w 5298683"/>
+              <a:gd name="connsiteY0" fmla="*/ 0 h 6097438"/>
+              <a:gd name="connsiteX1" fmla="*/ 5105473 w 5298683"/>
+              <a:gd name="connsiteY1" fmla="*/ 712577 h 6097438"/>
+              <a:gd name="connsiteX2" fmla="*/ 5298683 w 5298683"/>
+              <a:gd name="connsiteY2" fmla="*/ 888178 h 6097438"/>
+              <a:gd name="connsiteX3" fmla="*/ 5298683 w 5298683"/>
+              <a:gd name="connsiteY3" fmla="*/ 5352876 h 6097438"/>
+              <a:gd name="connsiteX4" fmla="*/ 5105473 w 5298683"/>
+              <a:gd name="connsiteY4" fmla="*/ 5528477 h 6097438"/>
+              <a:gd name="connsiteX5" fmla="*/ 4335177 w 5298683"/>
+              <a:gd name="connsiteY5" fmla="*/ 5995828 h 6097438"/>
+              <a:gd name="connsiteX6" fmla="*/ 4057556 w 5298683"/>
+              <a:gd name="connsiteY6" fmla="*/ 6097438 h 6097438"/>
+              <a:gd name="connsiteX7" fmla="*/ 2183499 w 5298683"/>
+              <a:gd name="connsiteY7" fmla="*/ 6097438 h 6097438"/>
+              <a:gd name="connsiteX8" fmla="*/ 1905878 w 5298683"/>
+              <a:gd name="connsiteY8" fmla="*/ 5995828 h 6097438"/>
+              <a:gd name="connsiteX9" fmla="*/ 0 w 5298683"/>
+              <a:gd name="connsiteY9" fmla="*/ 3120527 h 6097438"/>
+              <a:gd name="connsiteX10" fmla="*/ 3120528 w 5298683"/>
+              <a:gd name="connsiteY10" fmla="*/ 0 h 6097438"/>
+            </a:gdLst>
+            <a:ahLst/>
+            <a:cxnLst>
+              <a:cxn ang="0">
+                <a:pos x="connsiteX0" y="connsiteY0"/>
+              </a:cxn>
+              <a:cxn ang="0">
+                <a:pos x="connsiteX1" y="connsiteY1"/>
+              </a:cxn>
+              <a:cxn ang="0">
+                <a:pos x="connsiteX2" y="connsiteY2"/>
+              </a:cxn>
+              <a:cxn ang="0">
+                <a:pos x="connsiteX3" y="connsiteY3"/>
+              </a:cxn>
+              <a:cxn ang="0">
+                <a:pos x="connsiteX4" y="connsiteY4"/>
+              </a:cxn>
+              <a:cxn ang="0">
+                <a:pos x="connsiteX5" y="connsiteY5"/>
+              </a:cxn>
+              <a:cxn ang="0">
+                <a:pos x="connsiteX6" y="connsiteY6"/>
+              </a:cxn>
+              <a:cxn ang="0">
+                <a:pos x="connsiteX7" y="connsiteY7"/>
+              </a:cxn>
+              <a:cxn ang="0">
+                <a:pos x="connsiteX8" y="connsiteY8"/>
+              </a:cxn>
+              <a:cxn ang="0">
+                <a:pos x="connsiteX9" y="connsiteY9"/>
+              </a:cxn>
+              <a:cxn ang="0">
+                <a:pos x="connsiteX10" y="connsiteY10"/>
+              </a:cxn>
+            </a:cxnLst>
+            <a:rect l="l" t="t" r="r" b="b"/>
+            <a:pathLst>
+              <a:path w="5298683" h="6097438">
+                <a:moveTo>
+                  <a:pt x="3120528" y="0"/>
+                </a:moveTo>
+                <a:cubicBezTo>
+                  <a:pt x="3874524" y="0"/>
+                  <a:pt x="4566062" y="267415"/>
+                  <a:pt x="5105473" y="712577"/>
+                </a:cubicBezTo>
+                <a:lnTo>
+                  <a:pt x="5298683" y="888178"/>
+                </a:lnTo>
+                <a:lnTo>
+                  <a:pt x="5298683" y="5352876"/>
+                </a:lnTo>
+                <a:lnTo>
+                  <a:pt x="5105473" y="5528477"/>
+                </a:lnTo>
+                <a:cubicBezTo>
+                  <a:pt x="4874296" y="5719261"/>
+                  <a:pt x="4615179" y="5877397"/>
+                  <a:pt x="4335177" y="5995828"/>
+                </a:cubicBezTo>
+                <a:lnTo>
+                  <a:pt x="4057556" y="6097438"/>
+                </a:lnTo>
+                <a:lnTo>
+                  <a:pt x="2183499" y="6097438"/>
+                </a:lnTo>
+                <a:lnTo>
+                  <a:pt x="1905878" y="5995828"/>
+                </a:lnTo>
+                <a:cubicBezTo>
+                  <a:pt x="785873" y="5522106"/>
+                  <a:pt x="0" y="4413092"/>
+                  <a:pt x="0" y="3120527"/>
+                </a:cubicBezTo>
+                <a:cubicBezTo>
+                  <a:pt x="0" y="1397108"/>
+                  <a:pt x="1397108" y="0"/>
+                  <a:pt x="3120528" y="0"/>
+                </a:cubicBezTo>
+                <a:close/>
+              </a:path>
+            </a:pathLst>
+          </a:custGeom>
+        </p:spPr>
+      </p:pic>
+      <p:sp>
+        <p:nvSpPr>
+          <p:cNvPr id="2" name="Title 1">
+            <a:extLst>
+              <a:ext uri="{FF2B5EF4-FFF2-40B4-BE49-F238E27FC236}">
+                <a16:creationId xmlns:a16="http://schemas.microsoft.com/office/drawing/2014/main" id="{7035F1BC-202E-45ED-A443-7B13BF42F19C}"/>
+              </a:ext>
+            </a:extLst>
+          </p:cNvPr>
+          <p:cNvSpPr>
+            <a:spLocks noGrp="1"/>
+          </p:cNvSpPr>
+          <p:nvPr>
+            <p:ph type="title"/>
+          </p:nvPr>
+        </p:nvSpPr>
+        <p:spPr>
+          <a:xfrm>
+            <a:off x="612252" y="581159"/>
+            <a:ext cx="6593618" cy="1406667"/>
+          </a:xfrm>
+        </p:spPr>
+        <p:txBody>
+          <a:bodyPr>
+            <a:normAutofit/>
+          </a:bodyPr>
+          <a:lstStyle/>
+          <a:p>
+            <a:r>
+              <a:rPr lang="en-IN" b="1" dirty="0">
+                <a:latin typeface="AR JULIAN" panose="02000000000000000000" pitchFamily="2" charset="0"/>
+                <a:cs typeface="Aharoni" panose="02010803020104030203" pitchFamily="2" charset="-79"/>
+              </a:rPr>
+              <a:t>Pay-outs</a:t>
+            </a:r>
+          </a:p>
+        </p:txBody>
+      </p:sp>
+      <p:sp>
+        <p:nvSpPr>
+          <p:cNvPr id="3" name="Content Placeholder 2">
+            <a:extLst>
+              <a:ext uri="{FF2B5EF4-FFF2-40B4-BE49-F238E27FC236}">
+                <a16:creationId xmlns:a16="http://schemas.microsoft.com/office/drawing/2014/main" id="{D7859ED5-771F-4FFC-AC08-C6A010E59617}"/>
+              </a:ext>
+            </a:extLst>
+          </p:cNvPr>
+          <p:cNvSpPr>
+            <a:spLocks noGrp="1"/>
+          </p:cNvSpPr>
+          <p:nvPr>
+            <p:ph idx="1"/>
+          </p:nvPr>
+        </p:nvSpPr>
+        <p:spPr>
+          <a:xfrm>
+            <a:off x="511877" y="2086788"/>
+            <a:ext cx="6202011" cy="3856812"/>
+          </a:xfrm>
+        </p:spPr>
+        <p:txBody>
+          <a:bodyPr anchor="t">
+            <a:normAutofit/>
+          </a:bodyPr>
+          <a:lstStyle/>
+          <a:p>
+            <a:pPr marL="0" indent="0">
+              <a:buNone/>
+            </a:pPr>
+            <a:endParaRPr lang="en-IN" sz="2400" b="1" dirty="0"/>
+          </a:p>
+          <a:p>
+            <a:pPr marL="0" indent="0">
+              <a:buNone/>
+            </a:pPr>
+            <a:r>
+              <a:rPr lang="en-IN" sz="2400" b="1" dirty="0"/>
+              <a:t>	1. Single line 		£ 40</a:t>
+            </a:r>
+          </a:p>
+          <a:p>
+            <a:pPr marL="0" indent="0">
+              <a:buNone/>
+            </a:pPr>
+            <a:r>
+              <a:rPr lang="en-IN" sz="2400" b="1" dirty="0"/>
+              <a:t>	2. Double line		£ 60</a:t>
+            </a:r>
+          </a:p>
+          <a:p>
+            <a:pPr marL="0" indent="0">
+              <a:buNone/>
+            </a:pPr>
+            <a:r>
+              <a:rPr lang="en-IN" sz="2400" b="1" dirty="0"/>
+              <a:t>	3. Four Corners  	£ 50</a:t>
+            </a:r>
+          </a:p>
+          <a:p>
+            <a:pPr marL="0" indent="0">
+              <a:buNone/>
+            </a:pPr>
+            <a:r>
+              <a:rPr lang="en-IN" sz="2400" b="1" dirty="0"/>
+              <a:t>	4. Full house		£ 70</a:t>
+            </a:r>
+          </a:p>
+          <a:p>
+            <a:pPr lvl="3">
+              <a:buFont typeface="Wingdings" panose="05000000000000000000" pitchFamily="2" charset="2"/>
+              <a:buChar char="Ø"/>
+            </a:pPr>
+            <a:r>
+              <a:rPr lang="en-IN" sz="2400" b="1" dirty="0"/>
+              <a:t>Bingo Bonus 	£ 1000</a:t>
+            </a:r>
+          </a:p>
+          <a:p>
+            <a:pPr lvl="3">
+              <a:buFont typeface="Wingdings" panose="05000000000000000000" pitchFamily="2" charset="2"/>
+              <a:buChar char="Ø"/>
+            </a:pPr>
+            <a:r>
+              <a:rPr lang="en-IN" sz="2400" b="1" dirty="0"/>
+              <a:t>Jackpot 		£ 10,000 </a:t>
+            </a:r>
+            <a:r>
+              <a:rPr lang="en-IN" sz="1400" b="1" dirty="0"/>
+              <a:t>	</a:t>
+            </a:r>
+          </a:p>
+        </p:txBody>
+      </p:sp>
+    </p:spTree>
+    <p:extLst>
+      <p:ext uri="{BB962C8B-B14F-4D97-AF65-F5344CB8AC3E}">
+        <p14:creationId xmlns:p14="http://schemas.microsoft.com/office/powerpoint/2010/main" val="2520733135"/>
+      </p:ext>
+    </p:extLst>
+  </p:cSld>
+  <p:clrMapOvr>
+    <a:overrideClrMapping bg1="dk1" tx1="lt1" bg2="dk2" tx2="lt2" accent1="accent1" accent2="accent2" accent3="accent3" accent4="accent4" accent5="accent5" accent6="accent6" hlink="hlink" folHlink="folHlink"/>
+  </p:clrMapOvr>
+</p:sld>
+</file>
+
+<file path=ppt/slides/slide14.xml><?xml version="1.0" encoding="utf-8"?>
+<p:sld xmlns:a="http://schemas.openxmlformats.org/drawingml/2006/main" xmlns:r="http://schemas.openxmlformats.org/officeDocument/2006/relationships" xmlns:p="http://schemas.openxmlformats.org/presentationml/2006/main">
+  <p:cSld>
+    <p:bg>
+      <p:bgPr>
+        <a:solidFill>
+          <a:schemeClr val="bg1"/>
+        </a:solidFill>
+        <a:effectLst/>
+      </p:bgPr>
+    </p:bg>
+    <p:spTree>
+      <p:nvGrpSpPr>
+        <p:cNvPr id="1" name=""/>
+        <p:cNvGrpSpPr/>
+        <p:nvPr/>
+      </p:nvGrpSpPr>
+      <p:grpSpPr>
+        <a:xfrm>
+          <a:off x="0" y="0"/>
+          <a:ext cx="0" cy="0"/>
+          <a:chOff x="0" y="0"/>
+          <a:chExt cx="0" cy="0"/>
+        </a:xfrm>
+      </p:grpSpPr>
+      <p:pic>
+        <p:nvPicPr>
+          <p:cNvPr id="7" name="Picture 6">
+            <a:extLst>
+              <a:ext uri="{FF2B5EF4-FFF2-40B4-BE49-F238E27FC236}">
+                <a16:creationId xmlns:a16="http://schemas.microsoft.com/office/drawing/2014/main" id="{8BA2A080-19F8-4969-A685-C648FF8CD3CE}"/>
+              </a:ext>
+            </a:extLst>
+          </p:cNvPr>
+          <p:cNvPicPr>
+            <a:picLocks noChangeAspect="1"/>
+          </p:cNvPicPr>
+          <p:nvPr/>
+        </p:nvPicPr>
+        <p:blipFill rotWithShape="1">
+          <a:blip r:embed="rId2">
+            <a:duotone>
+              <a:prstClr val="black"/>
+              <a:schemeClr val="tx2">
+                <a:tint val="45000"/>
+                <a:satMod val="400000"/>
+              </a:schemeClr>
+            </a:duotone>
+            <a:alphaModFix amt="35000"/>
+            <a:extLst>
+              <a:ext uri="{28A0092B-C50C-407E-A947-70E740481C1C}">
+                <a14:useLocalDpi xmlns:a14="http://schemas.microsoft.com/office/drawing/2010/main" val="0"/>
+              </a:ext>
+            </a:extLst>
+          </a:blip>
+          <a:srcRect t="13681" b="2075"/>
+          <a:stretch/>
+        </p:blipFill>
+        <p:spPr>
+          <a:xfrm>
             <a:off x="-1" y="0"/>
             <a:ext cx="12192000" cy="6857990"/>
           </a:xfrm>
@@ -4673,7 +9424,7 @@
     </p:spTree>
     <p:extLst>
       <p:ext uri="{BB962C8B-B14F-4D97-AF65-F5344CB8AC3E}">
-        <p14:creationId xmlns:p14="http://schemas.microsoft.com/office/powerpoint/2010/main" val="2520733135"/>
+        <p14:creationId xmlns:p14="http://schemas.microsoft.com/office/powerpoint/2010/main" val="3440755000"/>
       </p:ext>
     </p:extLst>
   </p:cSld>
@@ -4683,7 +9434,7 @@
 </p:sld>
 </file>
 
-<file path=ppt/slides/slide11.xml><?xml version="1.0" encoding="utf-8"?>
+<file path=ppt/slides/slide15.xml><?xml version="1.0" encoding="utf-8"?>
 <p:sld xmlns:a="http://schemas.openxmlformats.org/drawingml/2006/main" xmlns:r="http://schemas.openxmlformats.org/officeDocument/2006/relationships" xmlns:p="http://schemas.openxmlformats.org/presentationml/2006/main">
   <p:cSld>
     <p:bg>
@@ -5162,16 +9913,16 @@
             <a:pPr marL="0" indent="0">
               <a:buNone/>
             </a:pPr>
-            <a:endParaRPr lang="en-IN" b="1" dirty="0"/>
+            <a:endParaRPr lang="en-IN" sz="2000" b="1" dirty="0"/>
           </a:p>
           <a:p>
             <a:r>
-              <a:rPr lang="en-IN" b="1" dirty="0"/>
-              <a:t>The code is expected to attain the following functionalities:</a:t>
+              <a:rPr lang="en-IN" sz="2400" b="1" dirty="0"/>
+              <a:t>The code attains the following functionalities:</a:t>
             </a:r>
           </a:p>
           <a:p>
-            <a:endParaRPr lang="en-IN" b="1" dirty="0"/>
+            <a:endParaRPr lang="en-IN" sz="2400" b="1" dirty="0"/>
           </a:p>
           <a:p>
             <a:pPr lvl="1">
@@ -5218,10 +9969,10 @@
             </a:r>
           </a:p>
           <a:p>
-            <a:endParaRPr lang="en-IN" b="1" dirty="0"/>
-          </a:p>
-          <a:p>
-            <a:endParaRPr lang="en-IN" b="1" dirty="0"/>
+            <a:endParaRPr lang="en-IN" sz="2000" b="1" dirty="0"/>
+          </a:p>
+          <a:p>
+            <a:endParaRPr lang="en-IN" sz="2000" b="1" dirty="0"/>
           </a:p>
         </p:txBody>
       </p:sp>
@@ -5238,7 +9989,7 @@
 </p:sld>
 </file>
 
-<file path=ppt/slides/slide12.xml><?xml version="1.0" encoding="utf-8"?>
+<file path=ppt/slides/slide16.xml><?xml version="1.0" encoding="utf-8"?>
 <p:sld xmlns:a="http://schemas.openxmlformats.org/drawingml/2006/main" xmlns:r="http://schemas.openxmlformats.org/officeDocument/2006/relationships" xmlns:p="http://schemas.openxmlformats.org/presentationml/2006/main">
   <p:cSld>
     <p:bg>
@@ -5298,7 +10049,7 @@
         </p:blipFill>
         <p:spPr>
           <a:xfrm>
-            <a:off x="-1" y="0"/>
+            <a:off x="0" y="24985"/>
             <a:ext cx="12192000" cy="6857990"/>
           </a:xfrm>
           <a:prstGeom prst="rect">
@@ -5666,7 +10417,7 @@
         </p:nvSpPr>
         <p:spPr>
           <a:xfrm>
-            <a:off x="612252" y="581159"/>
+            <a:off x="299698" y="77097"/>
             <a:ext cx="6593618" cy="1406667"/>
           </a:xfrm>
         </p:spPr>
@@ -5681,7 +10432,7 @@
                 <a:latin typeface="AR JULIAN" panose="02000000000000000000" pitchFamily="2" charset="0"/>
                 <a:cs typeface="Aharoni" panose="02010803020104030203" pitchFamily="2" charset="-79"/>
               </a:rPr>
-              <a:t>Result</a:t>
+              <a:t>Code Execution</a:t>
             </a:r>
           </a:p>
         </p:txBody>
@@ -5704,8 +10455,8 @@
         </p:nvSpPr>
         <p:spPr>
           <a:xfrm>
-            <a:off x="372729" y="1555255"/>
-            <a:ext cx="5478085" cy="3747479"/>
+            <a:off x="353808" y="1481213"/>
+            <a:ext cx="5478085" cy="601466"/>
           </a:xfrm>
         </p:spPr>
         <p:txBody>
@@ -5714,24 +10465,532 @@
           </a:bodyPr>
           <a:lstStyle/>
           <a:p>
-            <a:pPr marL="0" indent="0">
-              <a:buNone/>
-            </a:pPr>
-            <a:endParaRPr lang="en-IN" b="1" dirty="0"/>
-          </a:p>
-          <a:p>
-            <a:pPr marL="0" indent="0">
-              <a:buNone/>
-            </a:pPr>
-            <a:endParaRPr lang="en-IN" b="1" dirty="0"/>
-          </a:p>
-          <a:p>
-            <a:pPr marL="0" indent="0">
-              <a:buNone/>
-            </a:pPr>
             <a:r>
-              <a:rPr lang="en-IN" b="1" dirty="0"/>
-              <a:t>I expect that the simulation results will help the bingo club to decide what pay-out amount is safe such that the it never looses money even when the chances of profit are uncertain</a:t>
+              <a:rPr lang="en-IN" sz="2000" b="1" dirty="0"/>
+              <a:t>Running simulation requires three python files</a:t>
+            </a:r>
+          </a:p>
+        </p:txBody>
+      </p:sp>
+      <p:grpSp>
+        <p:nvGrpSpPr>
+          <p:cNvPr id="10" name="Group 9" descr="M">
+            <a:extLst>
+              <a:ext uri="{FF2B5EF4-FFF2-40B4-BE49-F238E27FC236}">
+                <a16:creationId xmlns:a16="http://schemas.microsoft.com/office/drawing/2014/main" id="{A53956CE-D567-45A3-89CE-46C3EA57A3D9}"/>
+              </a:ext>
+            </a:extLst>
+          </p:cNvPr>
+          <p:cNvGrpSpPr/>
+          <p:nvPr/>
+        </p:nvGrpSpPr>
+        <p:grpSpPr>
+          <a:xfrm>
+            <a:off x="922509" y="2177143"/>
+            <a:ext cx="1910406" cy="1924264"/>
+            <a:chOff x="2733141" y="3088063"/>
+            <a:chExt cx="1497753" cy="1721555"/>
+          </a:xfrm>
+          <a:solidFill>
+            <a:schemeClr val="accent2"/>
+          </a:solidFill>
+        </p:grpSpPr>
+        <p:sp>
+          <p:nvSpPr>
+            <p:cNvPr id="11" name="Hexagon 10">
+              <a:extLst>
+                <a:ext uri="{FF2B5EF4-FFF2-40B4-BE49-F238E27FC236}">
+                  <a16:creationId xmlns:a16="http://schemas.microsoft.com/office/drawing/2014/main" id="{3A4306D8-9C11-4BCE-A6ED-990F0E00F137}"/>
+                </a:ext>
+              </a:extLst>
+            </p:cNvPr>
+            <p:cNvSpPr/>
+            <p:nvPr/>
+          </p:nvSpPr>
+          <p:spPr>
+            <a:xfrm rot="5400000">
+              <a:off x="2621240" y="3199964"/>
+              <a:ext cx="1721555" cy="1497753"/>
+            </a:xfrm>
+            <a:prstGeom prst="hexagon">
+              <a:avLst>
+                <a:gd name="adj" fmla="val 25000"/>
+                <a:gd name="vf" fmla="val 115470"/>
+              </a:avLst>
+            </a:prstGeom>
+            <a:grpFill/>
+          </p:spPr>
+          <p:style>
+            <a:lnRef idx="2">
+              <a:schemeClr val="lt1">
+                <a:hueOff val="0"/>
+                <a:satOff val="0"/>
+                <a:lumOff val="0"/>
+                <a:alphaOff val="0"/>
+              </a:schemeClr>
+            </a:lnRef>
+            <a:fillRef idx="1">
+              <a:schemeClr val="accent1">
+                <a:hueOff val="0"/>
+                <a:satOff val="0"/>
+                <a:lumOff val="0"/>
+                <a:alphaOff val="0"/>
+              </a:schemeClr>
+            </a:fillRef>
+            <a:effectRef idx="0">
+              <a:schemeClr val="accent1">
+                <a:hueOff val="0"/>
+                <a:satOff val="0"/>
+                <a:lumOff val="0"/>
+                <a:alphaOff val="0"/>
+              </a:schemeClr>
+            </a:effectRef>
+            <a:fontRef idx="minor">
+              <a:schemeClr val="lt1"/>
+            </a:fontRef>
+          </p:style>
+        </p:sp>
+        <p:sp>
+          <p:nvSpPr>
+            <p:cNvPr id="12" name="Hexagon 4" descr="Bingo_Ticket.py">
+              <a:extLst>
+                <a:ext uri="{FF2B5EF4-FFF2-40B4-BE49-F238E27FC236}">
+                  <a16:creationId xmlns:a16="http://schemas.microsoft.com/office/drawing/2014/main" id="{5988B769-56D9-4BEF-8B62-C1FDD4597DF5}"/>
+                </a:ext>
+              </a:extLst>
+            </p:cNvPr>
+            <p:cNvSpPr txBox="1"/>
+            <p:nvPr/>
+          </p:nvSpPr>
+          <p:spPr>
+            <a:xfrm>
+              <a:off x="2966541" y="3356339"/>
+              <a:ext cx="1030953" cy="1185003"/>
+            </a:xfrm>
+            <a:prstGeom prst="rect">
+              <a:avLst/>
+            </a:prstGeom>
+            <a:grpFill/>
+          </p:spPr>
+          <p:style>
+            <a:lnRef idx="0">
+              <a:scrgbClr r="0" g="0" b="0"/>
+            </a:lnRef>
+            <a:fillRef idx="0">
+              <a:scrgbClr r="0" g="0" b="0"/>
+            </a:fillRef>
+            <a:effectRef idx="0">
+              <a:scrgbClr r="0" g="0" b="0"/>
+            </a:effectRef>
+            <a:fontRef idx="minor">
+              <a:schemeClr val="lt1"/>
+            </a:fontRef>
+          </p:style>
+          <p:txBody>
+            <a:bodyPr spcFirstLastPara="0" vert="horz" wrap="square" lIns="106680" tIns="106680" rIns="106680" bIns="106680" numCol="1" spcCol="1270" anchor="ctr" anchorCtr="0">
+              <a:noAutofit/>
+            </a:bodyPr>
+            <a:lstStyle/>
+            <a:p>
+              <a:pPr marL="0" lvl="0" indent="0" algn="ctr" defTabSz="1244600">
+                <a:lnSpc>
+                  <a:spcPct val="90000"/>
+                </a:lnSpc>
+                <a:spcBef>
+                  <a:spcPct val="0"/>
+                </a:spcBef>
+                <a:spcAft>
+                  <a:spcPct val="35000"/>
+                </a:spcAft>
+                <a:buNone/>
+              </a:pPr>
+              <a:endParaRPr lang="en-IN" sz="2800" kern="1200" dirty="0"/>
+            </a:p>
+          </p:txBody>
+        </p:sp>
+      </p:grpSp>
+      <p:grpSp>
+        <p:nvGrpSpPr>
+          <p:cNvPr id="13" name="Group 12">
+            <a:extLst>
+              <a:ext uri="{FF2B5EF4-FFF2-40B4-BE49-F238E27FC236}">
+                <a16:creationId xmlns:a16="http://schemas.microsoft.com/office/drawing/2014/main" id="{5EDAE554-308F-43AD-AFE0-9FB30F7E7811}"/>
+              </a:ext>
+            </a:extLst>
+          </p:cNvPr>
+          <p:cNvGrpSpPr/>
+          <p:nvPr/>
+        </p:nvGrpSpPr>
+        <p:grpSpPr>
+          <a:xfrm>
+            <a:off x="2004544" y="3918361"/>
+            <a:ext cx="1910406" cy="1924264"/>
+            <a:chOff x="2733141" y="3088063"/>
+            <a:chExt cx="1497753" cy="1721555"/>
+          </a:xfrm>
+        </p:grpSpPr>
+        <p:sp>
+          <p:nvSpPr>
+            <p:cNvPr id="14" name="Hexagon 13">
+              <a:extLst>
+                <a:ext uri="{FF2B5EF4-FFF2-40B4-BE49-F238E27FC236}">
+                  <a16:creationId xmlns:a16="http://schemas.microsoft.com/office/drawing/2014/main" id="{F167ADE1-E974-466B-9756-2E9FD9331361}"/>
+                </a:ext>
+              </a:extLst>
+            </p:cNvPr>
+            <p:cNvSpPr/>
+            <p:nvPr/>
+          </p:nvSpPr>
+          <p:spPr>
+            <a:xfrm rot="5400000">
+              <a:off x="2621240" y="3199964"/>
+              <a:ext cx="1721555" cy="1497753"/>
+            </a:xfrm>
+            <a:prstGeom prst="hexagon">
+              <a:avLst>
+                <a:gd name="adj" fmla="val 25000"/>
+                <a:gd name="vf" fmla="val 115470"/>
+              </a:avLst>
+            </a:prstGeom>
+          </p:spPr>
+          <p:style>
+            <a:lnRef idx="2">
+              <a:schemeClr val="lt1">
+                <a:hueOff val="0"/>
+                <a:satOff val="0"/>
+                <a:lumOff val="0"/>
+                <a:alphaOff val="0"/>
+              </a:schemeClr>
+            </a:lnRef>
+            <a:fillRef idx="1">
+              <a:schemeClr val="accent1">
+                <a:hueOff val="0"/>
+                <a:satOff val="0"/>
+                <a:lumOff val="0"/>
+                <a:alphaOff val="0"/>
+              </a:schemeClr>
+            </a:fillRef>
+            <a:effectRef idx="0">
+              <a:schemeClr val="accent1">
+                <a:hueOff val="0"/>
+                <a:satOff val="0"/>
+                <a:lumOff val="0"/>
+                <a:alphaOff val="0"/>
+              </a:schemeClr>
+            </a:effectRef>
+            <a:fontRef idx="minor">
+              <a:schemeClr val="lt1"/>
+            </a:fontRef>
+          </p:style>
+        </p:sp>
+        <p:sp>
+          <p:nvSpPr>
+            <p:cNvPr id="15" name="Hexagon 4">
+              <a:extLst>
+                <a:ext uri="{FF2B5EF4-FFF2-40B4-BE49-F238E27FC236}">
+                  <a16:creationId xmlns:a16="http://schemas.microsoft.com/office/drawing/2014/main" id="{E8EF78E8-47CF-4887-8CC6-336ED3F3F75A}"/>
+                </a:ext>
+              </a:extLst>
+            </p:cNvPr>
+            <p:cNvSpPr txBox="1"/>
+            <p:nvPr/>
+          </p:nvSpPr>
+          <p:spPr>
+            <a:xfrm>
+              <a:off x="2966541" y="3356339"/>
+              <a:ext cx="1030953" cy="1185003"/>
+            </a:xfrm>
+            <a:prstGeom prst="rect">
+              <a:avLst/>
+            </a:prstGeom>
+          </p:spPr>
+          <p:style>
+            <a:lnRef idx="0">
+              <a:scrgbClr r="0" g="0" b="0"/>
+            </a:lnRef>
+            <a:fillRef idx="0">
+              <a:scrgbClr r="0" g="0" b="0"/>
+            </a:fillRef>
+            <a:effectRef idx="0">
+              <a:scrgbClr r="0" g="0" b="0"/>
+            </a:effectRef>
+            <a:fontRef idx="minor">
+              <a:schemeClr val="lt1"/>
+            </a:fontRef>
+          </p:style>
+          <p:txBody>
+            <a:bodyPr spcFirstLastPara="0" vert="horz" wrap="square" lIns="106680" tIns="106680" rIns="106680" bIns="106680" numCol="1" spcCol="1270" anchor="ctr" anchorCtr="0">
+              <a:noAutofit/>
+            </a:bodyPr>
+            <a:lstStyle/>
+            <a:p>
+              <a:pPr marL="0" lvl="0" indent="0" algn="ctr" defTabSz="1244600">
+                <a:lnSpc>
+                  <a:spcPct val="90000"/>
+                </a:lnSpc>
+                <a:spcBef>
+                  <a:spcPct val="0"/>
+                </a:spcBef>
+                <a:spcAft>
+                  <a:spcPct val="35000"/>
+                </a:spcAft>
+                <a:buNone/>
+              </a:pPr>
+              <a:endParaRPr lang="en-IN" sz="2800" kern="1200"/>
+            </a:p>
+          </p:txBody>
+        </p:sp>
+      </p:grpSp>
+      <p:grpSp>
+        <p:nvGrpSpPr>
+          <p:cNvPr id="16" name="Group 15">
+            <a:extLst>
+              <a:ext uri="{FF2B5EF4-FFF2-40B4-BE49-F238E27FC236}">
+                <a16:creationId xmlns:a16="http://schemas.microsoft.com/office/drawing/2014/main" id="{C59B5501-A964-4707-AD5B-81AE347966B4}"/>
+              </a:ext>
+            </a:extLst>
+          </p:cNvPr>
+          <p:cNvGrpSpPr/>
+          <p:nvPr/>
+        </p:nvGrpSpPr>
+        <p:grpSpPr>
+          <a:xfrm>
+            <a:off x="3085007" y="2177143"/>
+            <a:ext cx="1910406" cy="1924264"/>
+            <a:chOff x="2733141" y="3088063"/>
+            <a:chExt cx="1497753" cy="1721555"/>
+          </a:xfrm>
+          <a:solidFill>
+            <a:srgbClr val="FFC000"/>
+          </a:solidFill>
+        </p:grpSpPr>
+        <p:sp>
+          <p:nvSpPr>
+            <p:cNvPr id="17" name="Hexagon 16">
+              <a:extLst>
+                <a:ext uri="{FF2B5EF4-FFF2-40B4-BE49-F238E27FC236}">
+                  <a16:creationId xmlns:a16="http://schemas.microsoft.com/office/drawing/2014/main" id="{6C56D75E-0CC1-488A-A0B2-ACA4D0A5041F}"/>
+                </a:ext>
+              </a:extLst>
+            </p:cNvPr>
+            <p:cNvSpPr/>
+            <p:nvPr/>
+          </p:nvSpPr>
+          <p:spPr>
+            <a:xfrm rot="5400000">
+              <a:off x="2621240" y="3199964"/>
+              <a:ext cx="1721555" cy="1497753"/>
+            </a:xfrm>
+            <a:prstGeom prst="hexagon">
+              <a:avLst>
+                <a:gd name="adj" fmla="val 25000"/>
+                <a:gd name="vf" fmla="val 115470"/>
+              </a:avLst>
+            </a:prstGeom>
+            <a:grpFill/>
+          </p:spPr>
+          <p:style>
+            <a:lnRef idx="2">
+              <a:schemeClr val="lt1">
+                <a:hueOff val="0"/>
+                <a:satOff val="0"/>
+                <a:lumOff val="0"/>
+                <a:alphaOff val="0"/>
+              </a:schemeClr>
+            </a:lnRef>
+            <a:fillRef idx="1">
+              <a:schemeClr val="accent1">
+                <a:hueOff val="0"/>
+                <a:satOff val="0"/>
+                <a:lumOff val="0"/>
+                <a:alphaOff val="0"/>
+              </a:schemeClr>
+            </a:fillRef>
+            <a:effectRef idx="0">
+              <a:schemeClr val="accent1">
+                <a:hueOff val="0"/>
+                <a:satOff val="0"/>
+                <a:lumOff val="0"/>
+                <a:alphaOff val="0"/>
+              </a:schemeClr>
+            </a:effectRef>
+            <a:fontRef idx="minor">
+              <a:schemeClr val="lt1"/>
+            </a:fontRef>
+          </p:style>
+        </p:sp>
+        <p:sp>
+          <p:nvSpPr>
+            <p:cNvPr id="18" name="Hexagon 4">
+              <a:extLst>
+                <a:ext uri="{FF2B5EF4-FFF2-40B4-BE49-F238E27FC236}">
+                  <a16:creationId xmlns:a16="http://schemas.microsoft.com/office/drawing/2014/main" id="{35D96E3E-9139-4865-BEE6-9B8896F88592}"/>
+                </a:ext>
+              </a:extLst>
+            </p:cNvPr>
+            <p:cNvSpPr txBox="1"/>
+            <p:nvPr/>
+          </p:nvSpPr>
+          <p:spPr>
+            <a:xfrm>
+              <a:off x="2966541" y="3356339"/>
+              <a:ext cx="1030953" cy="1185003"/>
+            </a:xfrm>
+            <a:prstGeom prst="rect">
+              <a:avLst/>
+            </a:prstGeom>
+            <a:grpFill/>
+          </p:spPr>
+          <p:style>
+            <a:lnRef idx="0">
+              <a:scrgbClr r="0" g="0" b="0"/>
+            </a:lnRef>
+            <a:fillRef idx="0">
+              <a:scrgbClr r="0" g="0" b="0"/>
+            </a:fillRef>
+            <a:effectRef idx="0">
+              <a:scrgbClr r="0" g="0" b="0"/>
+            </a:effectRef>
+            <a:fontRef idx="minor">
+              <a:schemeClr val="lt1"/>
+            </a:fontRef>
+          </p:style>
+          <p:txBody>
+            <a:bodyPr spcFirstLastPara="0" vert="horz" wrap="square" lIns="106680" tIns="106680" rIns="106680" bIns="106680" numCol="1" spcCol="1270" anchor="ctr" anchorCtr="0">
+              <a:noAutofit/>
+            </a:bodyPr>
+            <a:lstStyle/>
+            <a:p>
+              <a:pPr marL="0" lvl="0" indent="0" algn="ctr" defTabSz="1244600">
+                <a:lnSpc>
+                  <a:spcPct val="90000"/>
+                </a:lnSpc>
+                <a:spcBef>
+                  <a:spcPct val="0"/>
+                </a:spcBef>
+                <a:spcAft>
+                  <a:spcPct val="35000"/>
+                </a:spcAft>
+                <a:buNone/>
+              </a:pPr>
+              <a:endParaRPr lang="en-IN" sz="2800" kern="1200" dirty="0"/>
+            </a:p>
+          </p:txBody>
+        </p:sp>
+      </p:grpSp>
+      <p:sp>
+        <p:nvSpPr>
+          <p:cNvPr id="6" name="TextBox 5">
+            <a:extLst>
+              <a:ext uri="{FF2B5EF4-FFF2-40B4-BE49-F238E27FC236}">
+                <a16:creationId xmlns:a16="http://schemas.microsoft.com/office/drawing/2014/main" id="{F21E47AC-C46F-4959-BA07-CBEF0440F7C0}"/>
+              </a:ext>
+            </a:extLst>
+          </p:cNvPr>
+          <p:cNvSpPr txBox="1"/>
+          <p:nvPr/>
+        </p:nvSpPr>
+        <p:spPr>
+          <a:xfrm rot="10800000" flipH="1" flipV="1">
+            <a:off x="970686" y="2954609"/>
+            <a:ext cx="1721770" cy="369332"/>
+          </a:xfrm>
+          <a:prstGeom prst="rect">
+            <a:avLst/>
+          </a:prstGeom>
+          <a:noFill/>
+        </p:spPr>
+        <p:txBody>
+          <a:bodyPr wrap="square" rtlCol="0">
+            <a:spAutoFit/>
+          </a:bodyPr>
+          <a:lstStyle/>
+          <a:p>
+            <a:r>
+              <a:rPr lang="en-IN" b="1" dirty="0">
+                <a:solidFill>
+                  <a:schemeClr val="bg1"/>
+                </a:solidFill>
+              </a:rPr>
+              <a:t>Bingo_Ticket.py</a:t>
+            </a:r>
+          </a:p>
+        </p:txBody>
+      </p:sp>
+      <p:sp>
+        <p:nvSpPr>
+          <p:cNvPr id="19" name="TextBox 18">
+            <a:extLst>
+              <a:ext uri="{FF2B5EF4-FFF2-40B4-BE49-F238E27FC236}">
+                <a16:creationId xmlns:a16="http://schemas.microsoft.com/office/drawing/2014/main" id="{873602D4-FF27-42C2-8FA2-9875D5B19224}"/>
+              </a:ext>
+            </a:extLst>
+          </p:cNvPr>
+          <p:cNvSpPr txBox="1"/>
+          <p:nvPr/>
+        </p:nvSpPr>
+        <p:spPr>
+          <a:xfrm rot="10800000" flipH="1" flipV="1">
+            <a:off x="2126942" y="4697268"/>
+            <a:ext cx="1721770" cy="369332"/>
+          </a:xfrm>
+          <a:prstGeom prst="rect">
+            <a:avLst/>
+          </a:prstGeom>
+          <a:noFill/>
+        </p:spPr>
+        <p:txBody>
+          <a:bodyPr wrap="square" rtlCol="0">
+            <a:spAutoFit/>
+          </a:bodyPr>
+          <a:lstStyle/>
+          <a:p>
+            <a:r>
+              <a:rPr lang="en-IN" b="1" dirty="0">
+                <a:solidFill>
+                  <a:schemeClr val="bg1"/>
+                </a:solidFill>
+              </a:rPr>
+              <a:t>Bingo_Main.py</a:t>
+            </a:r>
+          </a:p>
+        </p:txBody>
+      </p:sp>
+      <p:sp>
+        <p:nvSpPr>
+          <p:cNvPr id="20" name="TextBox 19">
+            <a:extLst>
+              <a:ext uri="{FF2B5EF4-FFF2-40B4-BE49-F238E27FC236}">
+                <a16:creationId xmlns:a16="http://schemas.microsoft.com/office/drawing/2014/main" id="{364ABE0F-4FB6-469E-9969-FEF04737FCE7}"/>
+              </a:ext>
+            </a:extLst>
+          </p:cNvPr>
+          <p:cNvSpPr txBox="1"/>
+          <p:nvPr/>
+        </p:nvSpPr>
+        <p:spPr>
+          <a:xfrm rot="10800000" flipH="1" flipV="1">
+            <a:off x="3144039" y="2951299"/>
+            <a:ext cx="1721770" cy="369332"/>
+          </a:xfrm>
+          <a:prstGeom prst="rect">
+            <a:avLst/>
+          </a:prstGeom>
+          <a:noFill/>
+        </p:spPr>
+        <p:txBody>
+          <a:bodyPr wrap="square" rtlCol="0">
+            <a:spAutoFit/>
+          </a:bodyPr>
+          <a:lstStyle/>
+          <a:p>
+            <a:r>
+              <a:rPr lang="en-IN" b="1" dirty="0">
+                <a:solidFill>
+                  <a:schemeClr val="bg1"/>
+                </a:solidFill>
+              </a:rPr>
+              <a:t>Bingo_Game.py</a:t>
             </a:r>
           </a:p>
         </p:txBody>
@@ -5739,7 +10998,7 @@
     </p:spTree>
     <p:extLst>
       <p:ext uri="{BB962C8B-B14F-4D97-AF65-F5344CB8AC3E}">
-        <p14:creationId xmlns:p14="http://schemas.microsoft.com/office/powerpoint/2010/main" val="2540271209"/>
+        <p14:creationId xmlns:p14="http://schemas.microsoft.com/office/powerpoint/2010/main" val="2693678671"/>
       </p:ext>
     </p:extLst>
   </p:cSld>
@@ -5749,7 +11008,7 @@
 </p:sld>
 </file>
 
-<file path=ppt/slides/slide13.xml><?xml version="1.0" encoding="utf-8"?>
+<file path=ppt/slides/slide17.xml><?xml version="1.0" encoding="utf-8"?>
 <p:sld xmlns:a="http://schemas.openxmlformats.org/drawingml/2006/main" xmlns:r="http://schemas.openxmlformats.org/officeDocument/2006/relationships" xmlns:p="http://schemas.openxmlformats.org/presentationml/2006/main">
   <p:cSld>
     <p:bg>
@@ -6177,6 +11436,2686 @@
         </p:nvSpPr>
         <p:spPr>
           <a:xfrm>
+            <a:off x="612252" y="581159"/>
+            <a:ext cx="6593618" cy="1406667"/>
+          </a:xfrm>
+        </p:spPr>
+        <p:txBody>
+          <a:bodyPr>
+            <a:normAutofit/>
+          </a:bodyPr>
+          <a:lstStyle/>
+          <a:p>
+            <a:r>
+              <a:rPr lang="en-IN" b="1" dirty="0">
+                <a:latin typeface="AR JULIAN" panose="02000000000000000000" pitchFamily="2" charset="0"/>
+                <a:cs typeface="Aharoni" panose="02010803020104030203" pitchFamily="2" charset="-79"/>
+              </a:rPr>
+              <a:t>Results</a:t>
+            </a:r>
+          </a:p>
+        </p:txBody>
+      </p:sp>
+      <p:sp>
+        <p:nvSpPr>
+          <p:cNvPr id="3" name="Content Placeholder 2">
+            <a:extLst>
+              <a:ext uri="{FF2B5EF4-FFF2-40B4-BE49-F238E27FC236}">
+                <a16:creationId xmlns:a16="http://schemas.microsoft.com/office/drawing/2014/main" id="{D7859ED5-771F-4FFC-AC08-C6A010E59617}"/>
+              </a:ext>
+            </a:extLst>
+          </p:cNvPr>
+          <p:cNvSpPr>
+            <a:spLocks noGrp="1"/>
+          </p:cNvSpPr>
+          <p:nvPr>
+            <p:ph idx="1"/>
+          </p:nvPr>
+        </p:nvSpPr>
+        <p:spPr>
+          <a:xfrm>
+            <a:off x="372729" y="1962760"/>
+            <a:ext cx="5478085" cy="3931144"/>
+          </a:xfrm>
+        </p:spPr>
+        <p:txBody>
+          <a:bodyPr anchor="t">
+            <a:normAutofit/>
+          </a:bodyPr>
+          <a:lstStyle/>
+          <a:p>
+            <a:r>
+              <a:rPr lang="en-IN" sz="2400" b="1" dirty="0"/>
+              <a:t>Simulation results helped to adjust the pay-out amount such that club earns a fair amount of profit</a:t>
+            </a:r>
+          </a:p>
+          <a:p>
+            <a:endParaRPr lang="en-IN" sz="2400" b="1" dirty="0"/>
+          </a:p>
+          <a:p>
+            <a:r>
+              <a:rPr lang="en-IN" sz="2400" b="1" dirty="0"/>
+              <a:t>A Bingo Bonus of £</a:t>
+            </a:r>
+            <a:r>
+              <a:rPr lang="ja-JP" altLang="en-US" sz="2400" b="1" dirty="0"/>
+              <a:t> </a:t>
+            </a:r>
+            <a:r>
+              <a:rPr lang="en-IN" altLang="ja-JP" sz="2400" b="1" dirty="0"/>
+              <a:t>1000</a:t>
+            </a:r>
+            <a:r>
+              <a:rPr lang="ja-JP" altLang="en-US" sz="2400" b="1" dirty="0"/>
+              <a:t> </a:t>
+            </a:r>
+            <a:r>
+              <a:rPr lang="en-IN" altLang="ja-JP" sz="2400" b="1" dirty="0"/>
+              <a:t>and</a:t>
+            </a:r>
+            <a:r>
+              <a:rPr lang="ja-JP" altLang="en-US" sz="2400" b="1" dirty="0"/>
+              <a:t> </a:t>
+            </a:r>
+            <a:r>
+              <a:rPr lang="en-IN" altLang="ja-JP" sz="2400" b="1" dirty="0"/>
+              <a:t>Jackpot</a:t>
+            </a:r>
+            <a:r>
+              <a:rPr lang="ja-JP" altLang="en-US" sz="2400" b="1" dirty="0"/>
+              <a:t> </a:t>
+            </a:r>
+            <a:r>
+              <a:rPr lang="en-IN" altLang="ja-JP" sz="2400" b="1" dirty="0"/>
+              <a:t>of</a:t>
+            </a:r>
+            <a:r>
+              <a:rPr lang="ja-JP" altLang="en-US" sz="2400" b="1" dirty="0"/>
+              <a:t> </a:t>
+            </a:r>
+            <a:r>
+              <a:rPr lang="en-IN" sz="2400" b="1" dirty="0"/>
+              <a:t>£</a:t>
+            </a:r>
+            <a:r>
+              <a:rPr lang="ja-JP" altLang="en-US" sz="2400" b="1" dirty="0"/>
+              <a:t> </a:t>
+            </a:r>
+            <a:r>
+              <a:rPr lang="en-IN" altLang="ja-JP" sz="2400" b="1" dirty="0"/>
+              <a:t>10,000 is a safe pay-out amount</a:t>
+            </a:r>
+          </a:p>
+          <a:p>
+            <a:endParaRPr lang="en-IN" sz="2400" b="1" dirty="0"/>
+          </a:p>
+          <a:p>
+            <a:r>
+              <a:rPr lang="en-IN" sz="2400" b="1" dirty="0"/>
+              <a:t>The initial hypothesis is thus, rejected based on results</a:t>
+            </a:r>
+          </a:p>
+        </p:txBody>
+      </p:sp>
+    </p:spTree>
+    <p:extLst>
+      <p:ext uri="{BB962C8B-B14F-4D97-AF65-F5344CB8AC3E}">
+        <p14:creationId xmlns:p14="http://schemas.microsoft.com/office/powerpoint/2010/main" val="2540271209"/>
+      </p:ext>
+    </p:extLst>
+  </p:cSld>
+  <p:clrMapOvr>
+    <a:overrideClrMapping bg1="dk1" tx1="lt1" bg2="dk2" tx2="lt2" accent1="accent1" accent2="accent2" accent3="accent3" accent4="accent4" accent5="accent5" accent6="accent6" hlink="hlink" folHlink="folHlink"/>
+  </p:clrMapOvr>
+</p:sld>
+</file>
+
+<file path=ppt/slides/slide18.xml><?xml version="1.0" encoding="utf-8"?>
+<p:sld xmlns:a="http://schemas.openxmlformats.org/drawingml/2006/main" xmlns:r="http://schemas.openxmlformats.org/officeDocument/2006/relationships" xmlns:p="http://schemas.openxmlformats.org/presentationml/2006/main">
+  <p:cSld>
+    <p:bg>
+      <p:bgPr>
+        <a:solidFill>
+          <a:schemeClr val="bg1"/>
+        </a:solidFill>
+        <a:effectLst/>
+      </p:bgPr>
+    </p:bg>
+    <p:spTree>
+      <p:nvGrpSpPr>
+        <p:cNvPr id="1" name=""/>
+        <p:cNvGrpSpPr/>
+        <p:nvPr/>
+      </p:nvGrpSpPr>
+      <p:grpSpPr>
+        <a:xfrm>
+          <a:off x="0" y="0"/>
+          <a:ext cx="0" cy="0"/>
+          <a:chOff x="0" y="0"/>
+          <a:chExt cx="0" cy="0"/>
+        </a:xfrm>
+      </p:grpSpPr>
+      <p:pic>
+        <p:nvPicPr>
+          <p:cNvPr id="7" name="Picture 6">
+            <a:extLst>
+              <a:ext uri="{FF2B5EF4-FFF2-40B4-BE49-F238E27FC236}">
+                <a16:creationId xmlns:a16="http://schemas.microsoft.com/office/drawing/2014/main" id="{8BA2A080-19F8-4969-A685-C648FF8CD3CE}"/>
+              </a:ext>
+            </a:extLst>
+          </p:cNvPr>
+          <p:cNvPicPr>
+            <a:picLocks noChangeAspect="1"/>
+          </p:cNvPicPr>
+          <p:nvPr/>
+        </p:nvPicPr>
+        <p:blipFill rotWithShape="1">
+          <a:blip r:embed="rId2">
+            <a:duotone>
+              <a:prstClr val="black"/>
+              <a:schemeClr val="tx2">
+                <a:tint val="45000"/>
+                <a:satMod val="400000"/>
+              </a:schemeClr>
+            </a:duotone>
+            <a:alphaModFix amt="35000"/>
+            <a:extLst>
+              <a:ext uri="{28A0092B-C50C-407E-A947-70E740481C1C}">
+                <a14:useLocalDpi xmlns:a14="http://schemas.microsoft.com/office/drawing/2010/main" val="0"/>
+              </a:ext>
+            </a:extLst>
+          </a:blip>
+          <a:srcRect t="13681" b="2075"/>
+          <a:stretch/>
+        </p:blipFill>
+        <p:spPr>
+          <a:xfrm>
+            <a:off x="-1" y="-69065"/>
+            <a:ext cx="12192000" cy="6857990"/>
+          </a:xfrm>
+          <a:prstGeom prst="rect">
+            <a:avLst/>
+          </a:prstGeom>
+        </p:spPr>
+      </p:pic>
+      <p:sp>
+        <p:nvSpPr>
+          <p:cNvPr id="51" name="Freeform 49">
+            <a:extLst>
+              <a:ext uri="{FF2B5EF4-FFF2-40B4-BE49-F238E27FC236}">
+                <a16:creationId xmlns:a16="http://schemas.microsoft.com/office/drawing/2014/main" id="{EF9B8DF2-C3F5-49A2-94D2-F7B65A0F1F15}"/>
+              </a:ext>
+            </a:extLst>
+          </p:cNvPr>
+          <p:cNvSpPr>
+            <a:spLocks noGrp="1" noRot="1" noChangeAspect="1" noMove="1" noResize="1" noEditPoints="1" noAdjustHandles="1" noChangeArrowheads="1" noChangeShapeType="1" noTextEdit="1"/>
+          </p:cNvSpPr>
+          <p:nvPr>
+            <p:extLst>
+              <p:ext uri="{386F3935-93C4-4BCD-93E2-E3B085C9AB24}">
+                <p16:designElem xmlns:p16="http://schemas.microsoft.com/office/powerpoint/2015/main" val="1"/>
+              </p:ext>
+            </p:extLst>
+          </p:nvPr>
+        </p:nvSpPr>
+        <p:spPr>
+          <a:xfrm flipH="1">
+            <a:off x="6713914" y="581159"/>
+            <a:ext cx="5478085" cy="6276841"/>
+          </a:xfrm>
+          <a:custGeom>
+            <a:avLst/>
+            <a:gdLst>
+              <a:gd name="connsiteX0" fmla="*/ 2178155 w 5478085"/>
+              <a:gd name="connsiteY0" fmla="*/ 0 h 6276841"/>
+              <a:gd name="connsiteX1" fmla="*/ 5478085 w 5478085"/>
+              <a:gd name="connsiteY1" fmla="*/ 3299930 h 6276841"/>
+              <a:gd name="connsiteX2" fmla="*/ 3751098 w 5478085"/>
+              <a:gd name="connsiteY2" fmla="*/ 6201577 h 6276841"/>
+              <a:gd name="connsiteX3" fmla="*/ 3594858 w 5478085"/>
+              <a:gd name="connsiteY3" fmla="*/ 6276841 h 6276841"/>
+              <a:gd name="connsiteX4" fmla="*/ 761453 w 5478085"/>
+              <a:gd name="connsiteY4" fmla="*/ 6276841 h 6276841"/>
+              <a:gd name="connsiteX5" fmla="*/ 605213 w 5478085"/>
+              <a:gd name="connsiteY5" fmla="*/ 6201577 h 6276841"/>
+              <a:gd name="connsiteX6" fmla="*/ 79093 w 5478085"/>
+              <a:gd name="connsiteY6" fmla="*/ 5846317 h 6276841"/>
+              <a:gd name="connsiteX7" fmla="*/ 0 w 5478085"/>
+              <a:gd name="connsiteY7" fmla="*/ 5774432 h 6276841"/>
+              <a:gd name="connsiteX8" fmla="*/ 0 w 5478085"/>
+              <a:gd name="connsiteY8" fmla="*/ 825429 h 6276841"/>
+              <a:gd name="connsiteX9" fmla="*/ 79093 w 5478085"/>
+              <a:gd name="connsiteY9" fmla="*/ 753544 h 6276841"/>
+              <a:gd name="connsiteX10" fmla="*/ 2178155 w 5478085"/>
+              <a:gd name="connsiteY10" fmla="*/ 0 h 6276841"/>
+            </a:gdLst>
+            <a:ahLst/>
+            <a:cxnLst>
+              <a:cxn ang="0">
+                <a:pos x="connsiteX0" y="connsiteY0"/>
+              </a:cxn>
+              <a:cxn ang="0">
+                <a:pos x="connsiteX1" y="connsiteY1"/>
+              </a:cxn>
+              <a:cxn ang="0">
+                <a:pos x="connsiteX2" y="connsiteY2"/>
+              </a:cxn>
+              <a:cxn ang="0">
+                <a:pos x="connsiteX3" y="connsiteY3"/>
+              </a:cxn>
+              <a:cxn ang="0">
+                <a:pos x="connsiteX4" y="connsiteY4"/>
+              </a:cxn>
+              <a:cxn ang="0">
+                <a:pos x="connsiteX5" y="connsiteY5"/>
+              </a:cxn>
+              <a:cxn ang="0">
+                <a:pos x="connsiteX6" y="connsiteY6"/>
+              </a:cxn>
+              <a:cxn ang="0">
+                <a:pos x="connsiteX7" y="connsiteY7"/>
+              </a:cxn>
+              <a:cxn ang="0">
+                <a:pos x="connsiteX8" y="connsiteY8"/>
+              </a:cxn>
+              <a:cxn ang="0">
+                <a:pos x="connsiteX9" y="connsiteY9"/>
+              </a:cxn>
+              <a:cxn ang="0">
+                <a:pos x="connsiteX10" y="connsiteY10"/>
+              </a:cxn>
+            </a:cxnLst>
+            <a:rect l="l" t="t" r="r" b="b"/>
+            <a:pathLst>
+              <a:path w="5478085" h="6276841">
+                <a:moveTo>
+                  <a:pt x="2178155" y="0"/>
+                </a:moveTo>
+                <a:cubicBezTo>
+                  <a:pt x="4000656" y="0"/>
+                  <a:pt x="5478085" y="1477429"/>
+                  <a:pt x="5478085" y="3299930"/>
+                </a:cubicBezTo>
+                <a:cubicBezTo>
+                  <a:pt x="5478085" y="4552900"/>
+                  <a:pt x="4779769" y="5642769"/>
+                  <a:pt x="3751098" y="6201577"/>
+                </a:cubicBezTo>
+                <a:lnTo>
+                  <a:pt x="3594858" y="6276841"/>
+                </a:lnTo>
+                <a:lnTo>
+                  <a:pt x="761453" y="6276841"/>
+                </a:lnTo>
+                <a:lnTo>
+                  <a:pt x="605213" y="6201577"/>
+                </a:lnTo>
+                <a:cubicBezTo>
+                  <a:pt x="418182" y="6099975"/>
+                  <a:pt x="242071" y="5980818"/>
+                  <a:pt x="79093" y="5846317"/>
+                </a:cubicBezTo>
+                <a:lnTo>
+                  <a:pt x="0" y="5774432"/>
+                </a:lnTo>
+                <a:lnTo>
+                  <a:pt x="0" y="825429"/>
+                </a:lnTo>
+                <a:lnTo>
+                  <a:pt x="79093" y="753544"/>
+                </a:lnTo>
+                <a:cubicBezTo>
+                  <a:pt x="649516" y="282789"/>
+                  <a:pt x="1380811" y="0"/>
+                  <a:pt x="2178155" y="0"/>
+                </a:cubicBezTo>
+                <a:close/>
+              </a:path>
+            </a:pathLst>
+          </a:custGeom>
+          <a:solidFill>
+            <a:srgbClr val="FFFFFF">
+              <a:alpha val="80000"/>
+            </a:srgbClr>
+          </a:solidFill>
+          <a:ln w="31750">
+            <a:noFill/>
+          </a:ln>
+        </p:spPr>
+        <p:style>
+          <a:lnRef idx="2">
+            <a:schemeClr val="accent1">
+              <a:shade val="50000"/>
+            </a:schemeClr>
+          </a:lnRef>
+          <a:fillRef idx="1">
+            <a:schemeClr val="accent1"/>
+          </a:fillRef>
+          <a:effectRef idx="0">
+            <a:schemeClr val="accent1"/>
+          </a:effectRef>
+          <a:fontRef idx="minor">
+            <a:schemeClr val="lt1"/>
+          </a:fontRef>
+        </p:style>
+        <p:txBody>
+          <a:bodyPr wrap="square" rtlCol="0" anchor="ctr">
+            <a:noAutofit/>
+          </a:bodyPr>
+          <a:lstStyle/>
+          <a:p>
+            <a:pPr marL="0" marR="0" lvl="0" indent="0" algn="ctr" defTabSz="914400" rtl="0" eaLnBrk="1" fontAlgn="auto" latinLnBrk="0" hangingPunct="1">
+              <a:lnSpc>
+                <a:spcPct val="100000"/>
+              </a:lnSpc>
+              <a:spcBef>
+                <a:spcPts val="0"/>
+              </a:spcBef>
+              <a:spcAft>
+                <a:spcPts val="0"/>
+              </a:spcAft>
+              <a:buClrTx/>
+              <a:buSzTx/>
+              <a:buFontTx/>
+              <a:buNone/>
+              <a:tabLst/>
+              <a:defRPr/>
+            </a:pPr>
+            <a:endParaRPr kumimoji="0" lang="en-US" sz="1800" b="0" i="0" u="none" strike="noStrike" kern="1200" cap="none" spc="0" normalizeH="0" baseline="0" noProof="0">
+              <a:ln>
+                <a:noFill/>
+              </a:ln>
+              <a:solidFill>
+                <a:prstClr val="white"/>
+              </a:solidFill>
+              <a:effectLst/>
+              <a:uLnTx/>
+              <a:uFillTx/>
+              <a:latin typeface="Calibri" panose="020F0502020204030204"/>
+              <a:ea typeface="+mn-ea"/>
+              <a:cs typeface="+mn-cs"/>
+            </a:endParaRPr>
+          </a:p>
+        </p:txBody>
+      </p:sp>
+      <p:pic>
+        <p:nvPicPr>
+          <p:cNvPr id="9" name="Picture 8" descr="A picture containing building&#10;&#10;Description generated with high confidence">
+            <a:extLst>
+              <a:ext uri="{FF2B5EF4-FFF2-40B4-BE49-F238E27FC236}">
+                <a16:creationId xmlns:a16="http://schemas.microsoft.com/office/drawing/2014/main" id="{12ED8CBA-3DDA-400E-B2EE-7748A997FAC8}"/>
+              </a:ext>
+            </a:extLst>
+          </p:cNvPr>
+          <p:cNvPicPr>
+            <a:picLocks noChangeAspect="1"/>
+          </p:cNvPicPr>
+          <p:nvPr/>
+        </p:nvPicPr>
+        <p:blipFill rotWithShape="1">
+          <a:blip r:embed="rId3">
+            <a:extLst>
+              <a:ext uri="{28A0092B-C50C-407E-A947-70E740481C1C}">
+                <a14:useLocalDpi xmlns:a14="http://schemas.microsoft.com/office/drawing/2010/main" val="0"/>
+              </a:ext>
+            </a:extLst>
+          </a:blip>
+          <a:srcRect l="18375" r="23620" b="1"/>
+          <a:stretch/>
+        </p:blipFill>
+        <p:spPr>
+          <a:xfrm>
+            <a:off x="6893342" y="760562"/>
+            <a:ext cx="5298683" cy="6097438"/>
+          </a:xfrm>
+          <a:custGeom>
+            <a:avLst/>
+            <a:gdLst>
+              <a:gd name="connsiteX0" fmla="*/ 3120528 w 5298683"/>
+              <a:gd name="connsiteY0" fmla="*/ 0 h 6097438"/>
+              <a:gd name="connsiteX1" fmla="*/ 5105473 w 5298683"/>
+              <a:gd name="connsiteY1" fmla="*/ 712577 h 6097438"/>
+              <a:gd name="connsiteX2" fmla="*/ 5298683 w 5298683"/>
+              <a:gd name="connsiteY2" fmla="*/ 888178 h 6097438"/>
+              <a:gd name="connsiteX3" fmla="*/ 5298683 w 5298683"/>
+              <a:gd name="connsiteY3" fmla="*/ 5352876 h 6097438"/>
+              <a:gd name="connsiteX4" fmla="*/ 5105473 w 5298683"/>
+              <a:gd name="connsiteY4" fmla="*/ 5528477 h 6097438"/>
+              <a:gd name="connsiteX5" fmla="*/ 4335177 w 5298683"/>
+              <a:gd name="connsiteY5" fmla="*/ 5995828 h 6097438"/>
+              <a:gd name="connsiteX6" fmla="*/ 4057556 w 5298683"/>
+              <a:gd name="connsiteY6" fmla="*/ 6097438 h 6097438"/>
+              <a:gd name="connsiteX7" fmla="*/ 2183499 w 5298683"/>
+              <a:gd name="connsiteY7" fmla="*/ 6097438 h 6097438"/>
+              <a:gd name="connsiteX8" fmla="*/ 1905878 w 5298683"/>
+              <a:gd name="connsiteY8" fmla="*/ 5995828 h 6097438"/>
+              <a:gd name="connsiteX9" fmla="*/ 0 w 5298683"/>
+              <a:gd name="connsiteY9" fmla="*/ 3120527 h 6097438"/>
+              <a:gd name="connsiteX10" fmla="*/ 3120528 w 5298683"/>
+              <a:gd name="connsiteY10" fmla="*/ 0 h 6097438"/>
+            </a:gdLst>
+            <a:ahLst/>
+            <a:cxnLst>
+              <a:cxn ang="0">
+                <a:pos x="connsiteX0" y="connsiteY0"/>
+              </a:cxn>
+              <a:cxn ang="0">
+                <a:pos x="connsiteX1" y="connsiteY1"/>
+              </a:cxn>
+              <a:cxn ang="0">
+                <a:pos x="connsiteX2" y="connsiteY2"/>
+              </a:cxn>
+              <a:cxn ang="0">
+                <a:pos x="connsiteX3" y="connsiteY3"/>
+              </a:cxn>
+              <a:cxn ang="0">
+                <a:pos x="connsiteX4" y="connsiteY4"/>
+              </a:cxn>
+              <a:cxn ang="0">
+                <a:pos x="connsiteX5" y="connsiteY5"/>
+              </a:cxn>
+              <a:cxn ang="0">
+                <a:pos x="connsiteX6" y="connsiteY6"/>
+              </a:cxn>
+              <a:cxn ang="0">
+                <a:pos x="connsiteX7" y="connsiteY7"/>
+              </a:cxn>
+              <a:cxn ang="0">
+                <a:pos x="connsiteX8" y="connsiteY8"/>
+              </a:cxn>
+              <a:cxn ang="0">
+                <a:pos x="connsiteX9" y="connsiteY9"/>
+              </a:cxn>
+              <a:cxn ang="0">
+                <a:pos x="connsiteX10" y="connsiteY10"/>
+              </a:cxn>
+            </a:cxnLst>
+            <a:rect l="l" t="t" r="r" b="b"/>
+            <a:pathLst>
+              <a:path w="5298683" h="6097438">
+                <a:moveTo>
+                  <a:pt x="3120528" y="0"/>
+                </a:moveTo>
+                <a:cubicBezTo>
+                  <a:pt x="3874524" y="0"/>
+                  <a:pt x="4566062" y="267415"/>
+                  <a:pt x="5105473" y="712577"/>
+                </a:cubicBezTo>
+                <a:lnTo>
+                  <a:pt x="5298683" y="888178"/>
+                </a:lnTo>
+                <a:lnTo>
+                  <a:pt x="5298683" y="5352876"/>
+                </a:lnTo>
+                <a:lnTo>
+                  <a:pt x="5105473" y="5528477"/>
+                </a:lnTo>
+                <a:cubicBezTo>
+                  <a:pt x="4874296" y="5719261"/>
+                  <a:pt x="4615179" y="5877397"/>
+                  <a:pt x="4335177" y="5995828"/>
+                </a:cubicBezTo>
+                <a:lnTo>
+                  <a:pt x="4057556" y="6097438"/>
+                </a:lnTo>
+                <a:lnTo>
+                  <a:pt x="2183499" y="6097438"/>
+                </a:lnTo>
+                <a:lnTo>
+                  <a:pt x="1905878" y="5995828"/>
+                </a:lnTo>
+                <a:cubicBezTo>
+                  <a:pt x="785873" y="5522106"/>
+                  <a:pt x="0" y="4413092"/>
+                  <a:pt x="0" y="3120527"/>
+                </a:cubicBezTo>
+                <a:cubicBezTo>
+                  <a:pt x="0" y="1397108"/>
+                  <a:pt x="1397108" y="0"/>
+                  <a:pt x="3120528" y="0"/>
+                </a:cubicBezTo>
+                <a:close/>
+              </a:path>
+            </a:pathLst>
+          </a:custGeom>
+        </p:spPr>
+      </p:pic>
+      <p:sp>
+        <p:nvSpPr>
+          <p:cNvPr id="2" name="Title 1">
+            <a:extLst>
+              <a:ext uri="{FF2B5EF4-FFF2-40B4-BE49-F238E27FC236}">
+                <a16:creationId xmlns:a16="http://schemas.microsoft.com/office/drawing/2014/main" id="{7035F1BC-202E-45ED-A443-7B13BF42F19C}"/>
+              </a:ext>
+            </a:extLst>
+          </p:cNvPr>
+          <p:cNvSpPr>
+            <a:spLocks noGrp="1"/>
+          </p:cNvSpPr>
+          <p:nvPr>
+            <p:ph type="title"/>
+          </p:nvPr>
+        </p:nvSpPr>
+        <p:spPr>
+          <a:xfrm>
+            <a:off x="612252" y="581159"/>
+            <a:ext cx="6593618" cy="1406667"/>
+          </a:xfrm>
+        </p:spPr>
+        <p:txBody>
+          <a:bodyPr>
+            <a:normAutofit/>
+          </a:bodyPr>
+          <a:lstStyle/>
+          <a:p>
+            <a:r>
+              <a:rPr lang="en-IN" b="1" dirty="0">
+                <a:latin typeface="AR JULIAN" panose="02000000000000000000" pitchFamily="2" charset="0"/>
+                <a:cs typeface="Aharoni" panose="02010803020104030203" pitchFamily="2" charset="-79"/>
+              </a:rPr>
+              <a:t>Result</a:t>
+            </a:r>
+          </a:p>
+        </p:txBody>
+      </p:sp>
+      <p:sp>
+        <p:nvSpPr>
+          <p:cNvPr id="3" name="Content Placeholder 2">
+            <a:extLst>
+              <a:ext uri="{FF2B5EF4-FFF2-40B4-BE49-F238E27FC236}">
+                <a16:creationId xmlns:a16="http://schemas.microsoft.com/office/drawing/2014/main" id="{D7859ED5-771F-4FFC-AC08-C6A010E59617}"/>
+              </a:ext>
+            </a:extLst>
+          </p:cNvPr>
+          <p:cNvSpPr>
+            <a:spLocks noGrp="1"/>
+          </p:cNvSpPr>
+          <p:nvPr>
+            <p:ph idx="1"/>
+          </p:nvPr>
+        </p:nvSpPr>
+        <p:spPr>
+          <a:xfrm>
+            <a:off x="372729" y="1555255"/>
+            <a:ext cx="5478085" cy="432571"/>
+          </a:xfrm>
+        </p:spPr>
+        <p:txBody>
+          <a:bodyPr anchor="t">
+            <a:normAutofit/>
+          </a:bodyPr>
+          <a:lstStyle/>
+          <a:p>
+            <a:pPr marL="0" indent="0">
+              <a:buNone/>
+            </a:pPr>
+            <a:r>
+              <a:rPr lang="en-IN" sz="2400" b="1" dirty="0"/>
+              <a:t>Statistical Summary for 1000 games</a:t>
+            </a:r>
+          </a:p>
+        </p:txBody>
+      </p:sp>
+      <p:pic>
+        <p:nvPicPr>
+          <p:cNvPr id="5" name="Picture 4" descr="A screenshot of a computer&#10;&#10;Description generated with very high confidence">
+            <a:extLst>
+              <a:ext uri="{FF2B5EF4-FFF2-40B4-BE49-F238E27FC236}">
+                <a16:creationId xmlns:a16="http://schemas.microsoft.com/office/drawing/2014/main" id="{72BCE705-1AB6-41A0-8682-AEB4FC482314}"/>
+              </a:ext>
+            </a:extLst>
+          </p:cNvPr>
+          <p:cNvPicPr>
+            <a:picLocks noChangeAspect="1"/>
+          </p:cNvPicPr>
+          <p:nvPr/>
+        </p:nvPicPr>
+        <p:blipFill>
+          <a:blip r:embed="rId4">
+            <a:extLst>
+              <a:ext uri="{28A0092B-C50C-407E-A947-70E740481C1C}">
+                <a14:useLocalDpi xmlns:a14="http://schemas.microsoft.com/office/drawing/2010/main" val="0"/>
+              </a:ext>
+            </a:extLst>
+          </a:blip>
+          <a:stretch>
+            <a:fillRect/>
+          </a:stretch>
+        </p:blipFill>
+        <p:spPr>
+          <a:xfrm>
+            <a:off x="18798" y="2137412"/>
+            <a:ext cx="6676317" cy="4278324"/>
+          </a:xfrm>
+          <a:prstGeom prst="rect">
+            <a:avLst/>
+          </a:prstGeom>
+        </p:spPr>
+      </p:pic>
+    </p:spTree>
+    <p:extLst>
+      <p:ext uri="{BB962C8B-B14F-4D97-AF65-F5344CB8AC3E}">
+        <p14:creationId xmlns:p14="http://schemas.microsoft.com/office/powerpoint/2010/main" val="2121173743"/>
+      </p:ext>
+    </p:extLst>
+  </p:cSld>
+  <p:clrMapOvr>
+    <a:overrideClrMapping bg1="dk1" tx1="lt1" bg2="dk2" tx2="lt2" accent1="accent1" accent2="accent2" accent3="accent3" accent4="accent4" accent5="accent5" accent6="accent6" hlink="hlink" folHlink="folHlink"/>
+  </p:clrMapOvr>
+</p:sld>
+</file>
+
+<file path=ppt/slides/slide19.xml><?xml version="1.0" encoding="utf-8"?>
+<p:sld xmlns:a="http://schemas.openxmlformats.org/drawingml/2006/main" xmlns:r="http://schemas.openxmlformats.org/officeDocument/2006/relationships" xmlns:p="http://schemas.openxmlformats.org/presentationml/2006/main">
+  <p:cSld>
+    <p:bg>
+      <p:bgPr>
+        <a:solidFill>
+          <a:schemeClr val="bg1"/>
+        </a:solidFill>
+        <a:effectLst/>
+      </p:bgPr>
+    </p:bg>
+    <p:spTree>
+      <p:nvGrpSpPr>
+        <p:cNvPr id="1" name=""/>
+        <p:cNvGrpSpPr/>
+        <p:nvPr/>
+      </p:nvGrpSpPr>
+      <p:grpSpPr>
+        <a:xfrm>
+          <a:off x="0" y="0"/>
+          <a:ext cx="0" cy="0"/>
+          <a:chOff x="0" y="0"/>
+          <a:chExt cx="0" cy="0"/>
+        </a:xfrm>
+      </p:grpSpPr>
+      <p:pic>
+        <p:nvPicPr>
+          <p:cNvPr id="7" name="Picture 6">
+            <a:extLst>
+              <a:ext uri="{FF2B5EF4-FFF2-40B4-BE49-F238E27FC236}">
+                <a16:creationId xmlns:a16="http://schemas.microsoft.com/office/drawing/2014/main" id="{8BA2A080-19F8-4969-A685-C648FF8CD3CE}"/>
+              </a:ext>
+            </a:extLst>
+          </p:cNvPr>
+          <p:cNvPicPr>
+            <a:picLocks noChangeAspect="1"/>
+          </p:cNvPicPr>
+          <p:nvPr/>
+        </p:nvPicPr>
+        <p:blipFill rotWithShape="1">
+          <a:blip r:embed="rId2">
+            <a:duotone>
+              <a:prstClr val="black"/>
+              <a:schemeClr val="tx2">
+                <a:tint val="45000"/>
+                <a:satMod val="400000"/>
+              </a:schemeClr>
+            </a:duotone>
+            <a:alphaModFix amt="35000"/>
+            <a:extLst>
+              <a:ext uri="{28A0092B-C50C-407E-A947-70E740481C1C}">
+                <a14:useLocalDpi xmlns:a14="http://schemas.microsoft.com/office/drawing/2010/main" val="0"/>
+              </a:ext>
+            </a:extLst>
+          </a:blip>
+          <a:srcRect t="13681" b="2075"/>
+          <a:stretch/>
+        </p:blipFill>
+        <p:spPr>
+          <a:xfrm>
+            <a:off x="-1" y="-69065"/>
+            <a:ext cx="12192000" cy="6857990"/>
+          </a:xfrm>
+          <a:prstGeom prst="rect">
+            <a:avLst/>
+          </a:prstGeom>
+        </p:spPr>
+      </p:pic>
+      <p:sp>
+        <p:nvSpPr>
+          <p:cNvPr id="51" name="Freeform 49">
+            <a:extLst>
+              <a:ext uri="{FF2B5EF4-FFF2-40B4-BE49-F238E27FC236}">
+                <a16:creationId xmlns:a16="http://schemas.microsoft.com/office/drawing/2014/main" id="{EF9B8DF2-C3F5-49A2-94D2-F7B65A0F1F15}"/>
+              </a:ext>
+            </a:extLst>
+          </p:cNvPr>
+          <p:cNvSpPr>
+            <a:spLocks noGrp="1" noRot="1" noChangeAspect="1" noMove="1" noResize="1" noEditPoints="1" noAdjustHandles="1" noChangeArrowheads="1" noChangeShapeType="1" noTextEdit="1"/>
+          </p:cNvSpPr>
+          <p:nvPr>
+            <p:extLst>
+              <p:ext uri="{386F3935-93C4-4BCD-93E2-E3B085C9AB24}">
+                <p16:designElem xmlns:p16="http://schemas.microsoft.com/office/powerpoint/2015/main" val="1"/>
+              </p:ext>
+            </p:extLst>
+          </p:nvPr>
+        </p:nvSpPr>
+        <p:spPr>
+          <a:xfrm flipH="1">
+            <a:off x="6713914" y="581159"/>
+            <a:ext cx="5478085" cy="6276841"/>
+          </a:xfrm>
+          <a:custGeom>
+            <a:avLst/>
+            <a:gdLst>
+              <a:gd name="connsiteX0" fmla="*/ 2178155 w 5478085"/>
+              <a:gd name="connsiteY0" fmla="*/ 0 h 6276841"/>
+              <a:gd name="connsiteX1" fmla="*/ 5478085 w 5478085"/>
+              <a:gd name="connsiteY1" fmla="*/ 3299930 h 6276841"/>
+              <a:gd name="connsiteX2" fmla="*/ 3751098 w 5478085"/>
+              <a:gd name="connsiteY2" fmla="*/ 6201577 h 6276841"/>
+              <a:gd name="connsiteX3" fmla="*/ 3594858 w 5478085"/>
+              <a:gd name="connsiteY3" fmla="*/ 6276841 h 6276841"/>
+              <a:gd name="connsiteX4" fmla="*/ 761453 w 5478085"/>
+              <a:gd name="connsiteY4" fmla="*/ 6276841 h 6276841"/>
+              <a:gd name="connsiteX5" fmla="*/ 605213 w 5478085"/>
+              <a:gd name="connsiteY5" fmla="*/ 6201577 h 6276841"/>
+              <a:gd name="connsiteX6" fmla="*/ 79093 w 5478085"/>
+              <a:gd name="connsiteY6" fmla="*/ 5846317 h 6276841"/>
+              <a:gd name="connsiteX7" fmla="*/ 0 w 5478085"/>
+              <a:gd name="connsiteY7" fmla="*/ 5774432 h 6276841"/>
+              <a:gd name="connsiteX8" fmla="*/ 0 w 5478085"/>
+              <a:gd name="connsiteY8" fmla="*/ 825429 h 6276841"/>
+              <a:gd name="connsiteX9" fmla="*/ 79093 w 5478085"/>
+              <a:gd name="connsiteY9" fmla="*/ 753544 h 6276841"/>
+              <a:gd name="connsiteX10" fmla="*/ 2178155 w 5478085"/>
+              <a:gd name="connsiteY10" fmla="*/ 0 h 6276841"/>
+            </a:gdLst>
+            <a:ahLst/>
+            <a:cxnLst>
+              <a:cxn ang="0">
+                <a:pos x="connsiteX0" y="connsiteY0"/>
+              </a:cxn>
+              <a:cxn ang="0">
+                <a:pos x="connsiteX1" y="connsiteY1"/>
+              </a:cxn>
+              <a:cxn ang="0">
+                <a:pos x="connsiteX2" y="connsiteY2"/>
+              </a:cxn>
+              <a:cxn ang="0">
+                <a:pos x="connsiteX3" y="connsiteY3"/>
+              </a:cxn>
+              <a:cxn ang="0">
+                <a:pos x="connsiteX4" y="connsiteY4"/>
+              </a:cxn>
+              <a:cxn ang="0">
+                <a:pos x="connsiteX5" y="connsiteY5"/>
+              </a:cxn>
+              <a:cxn ang="0">
+                <a:pos x="connsiteX6" y="connsiteY6"/>
+              </a:cxn>
+              <a:cxn ang="0">
+                <a:pos x="connsiteX7" y="connsiteY7"/>
+              </a:cxn>
+              <a:cxn ang="0">
+                <a:pos x="connsiteX8" y="connsiteY8"/>
+              </a:cxn>
+              <a:cxn ang="0">
+                <a:pos x="connsiteX9" y="connsiteY9"/>
+              </a:cxn>
+              <a:cxn ang="0">
+                <a:pos x="connsiteX10" y="connsiteY10"/>
+              </a:cxn>
+            </a:cxnLst>
+            <a:rect l="l" t="t" r="r" b="b"/>
+            <a:pathLst>
+              <a:path w="5478085" h="6276841">
+                <a:moveTo>
+                  <a:pt x="2178155" y="0"/>
+                </a:moveTo>
+                <a:cubicBezTo>
+                  <a:pt x="4000656" y="0"/>
+                  <a:pt x="5478085" y="1477429"/>
+                  <a:pt x="5478085" y="3299930"/>
+                </a:cubicBezTo>
+                <a:cubicBezTo>
+                  <a:pt x="5478085" y="4552900"/>
+                  <a:pt x="4779769" y="5642769"/>
+                  <a:pt x="3751098" y="6201577"/>
+                </a:cubicBezTo>
+                <a:lnTo>
+                  <a:pt x="3594858" y="6276841"/>
+                </a:lnTo>
+                <a:lnTo>
+                  <a:pt x="761453" y="6276841"/>
+                </a:lnTo>
+                <a:lnTo>
+                  <a:pt x="605213" y="6201577"/>
+                </a:lnTo>
+                <a:cubicBezTo>
+                  <a:pt x="418182" y="6099975"/>
+                  <a:pt x="242071" y="5980818"/>
+                  <a:pt x="79093" y="5846317"/>
+                </a:cubicBezTo>
+                <a:lnTo>
+                  <a:pt x="0" y="5774432"/>
+                </a:lnTo>
+                <a:lnTo>
+                  <a:pt x="0" y="825429"/>
+                </a:lnTo>
+                <a:lnTo>
+                  <a:pt x="79093" y="753544"/>
+                </a:lnTo>
+                <a:cubicBezTo>
+                  <a:pt x="649516" y="282789"/>
+                  <a:pt x="1380811" y="0"/>
+                  <a:pt x="2178155" y="0"/>
+                </a:cubicBezTo>
+                <a:close/>
+              </a:path>
+            </a:pathLst>
+          </a:custGeom>
+          <a:solidFill>
+            <a:srgbClr val="FFFFFF">
+              <a:alpha val="80000"/>
+            </a:srgbClr>
+          </a:solidFill>
+          <a:ln w="31750">
+            <a:noFill/>
+          </a:ln>
+        </p:spPr>
+        <p:style>
+          <a:lnRef idx="2">
+            <a:schemeClr val="accent1">
+              <a:shade val="50000"/>
+            </a:schemeClr>
+          </a:lnRef>
+          <a:fillRef idx="1">
+            <a:schemeClr val="accent1"/>
+          </a:fillRef>
+          <a:effectRef idx="0">
+            <a:schemeClr val="accent1"/>
+          </a:effectRef>
+          <a:fontRef idx="minor">
+            <a:schemeClr val="lt1"/>
+          </a:fontRef>
+        </p:style>
+        <p:txBody>
+          <a:bodyPr wrap="square" rtlCol="0" anchor="ctr">
+            <a:noAutofit/>
+          </a:bodyPr>
+          <a:lstStyle/>
+          <a:p>
+            <a:pPr marL="0" marR="0" lvl="0" indent="0" algn="ctr" defTabSz="914400" rtl="0" eaLnBrk="1" fontAlgn="auto" latinLnBrk="0" hangingPunct="1">
+              <a:lnSpc>
+                <a:spcPct val="100000"/>
+              </a:lnSpc>
+              <a:spcBef>
+                <a:spcPts val="0"/>
+              </a:spcBef>
+              <a:spcAft>
+                <a:spcPts val="0"/>
+              </a:spcAft>
+              <a:buClrTx/>
+              <a:buSzTx/>
+              <a:buFontTx/>
+              <a:buNone/>
+              <a:tabLst/>
+              <a:defRPr/>
+            </a:pPr>
+            <a:endParaRPr kumimoji="0" lang="en-US" sz="1800" b="0" i="0" u="none" strike="noStrike" kern="1200" cap="none" spc="0" normalizeH="0" baseline="0" noProof="0">
+              <a:ln>
+                <a:noFill/>
+              </a:ln>
+              <a:solidFill>
+                <a:prstClr val="white"/>
+              </a:solidFill>
+              <a:effectLst/>
+              <a:uLnTx/>
+              <a:uFillTx/>
+              <a:latin typeface="Calibri" panose="020F0502020204030204"/>
+              <a:ea typeface="+mn-ea"/>
+              <a:cs typeface="+mn-cs"/>
+            </a:endParaRPr>
+          </a:p>
+        </p:txBody>
+      </p:sp>
+      <p:pic>
+        <p:nvPicPr>
+          <p:cNvPr id="9" name="Picture 8" descr="A picture containing building&#10;&#10;Description generated with high confidence">
+            <a:extLst>
+              <a:ext uri="{FF2B5EF4-FFF2-40B4-BE49-F238E27FC236}">
+                <a16:creationId xmlns:a16="http://schemas.microsoft.com/office/drawing/2014/main" id="{12ED8CBA-3DDA-400E-B2EE-7748A997FAC8}"/>
+              </a:ext>
+            </a:extLst>
+          </p:cNvPr>
+          <p:cNvPicPr>
+            <a:picLocks noChangeAspect="1"/>
+          </p:cNvPicPr>
+          <p:nvPr/>
+        </p:nvPicPr>
+        <p:blipFill rotWithShape="1">
+          <a:blip r:embed="rId3">
+            <a:extLst>
+              <a:ext uri="{28A0092B-C50C-407E-A947-70E740481C1C}">
+                <a14:useLocalDpi xmlns:a14="http://schemas.microsoft.com/office/drawing/2010/main" val="0"/>
+              </a:ext>
+            </a:extLst>
+          </a:blip>
+          <a:srcRect l="18375" r="23620" b="1"/>
+          <a:stretch/>
+        </p:blipFill>
+        <p:spPr>
+          <a:xfrm>
+            <a:off x="6893342" y="760562"/>
+            <a:ext cx="5298683" cy="6097438"/>
+          </a:xfrm>
+          <a:custGeom>
+            <a:avLst/>
+            <a:gdLst>
+              <a:gd name="connsiteX0" fmla="*/ 3120528 w 5298683"/>
+              <a:gd name="connsiteY0" fmla="*/ 0 h 6097438"/>
+              <a:gd name="connsiteX1" fmla="*/ 5105473 w 5298683"/>
+              <a:gd name="connsiteY1" fmla="*/ 712577 h 6097438"/>
+              <a:gd name="connsiteX2" fmla="*/ 5298683 w 5298683"/>
+              <a:gd name="connsiteY2" fmla="*/ 888178 h 6097438"/>
+              <a:gd name="connsiteX3" fmla="*/ 5298683 w 5298683"/>
+              <a:gd name="connsiteY3" fmla="*/ 5352876 h 6097438"/>
+              <a:gd name="connsiteX4" fmla="*/ 5105473 w 5298683"/>
+              <a:gd name="connsiteY4" fmla="*/ 5528477 h 6097438"/>
+              <a:gd name="connsiteX5" fmla="*/ 4335177 w 5298683"/>
+              <a:gd name="connsiteY5" fmla="*/ 5995828 h 6097438"/>
+              <a:gd name="connsiteX6" fmla="*/ 4057556 w 5298683"/>
+              <a:gd name="connsiteY6" fmla="*/ 6097438 h 6097438"/>
+              <a:gd name="connsiteX7" fmla="*/ 2183499 w 5298683"/>
+              <a:gd name="connsiteY7" fmla="*/ 6097438 h 6097438"/>
+              <a:gd name="connsiteX8" fmla="*/ 1905878 w 5298683"/>
+              <a:gd name="connsiteY8" fmla="*/ 5995828 h 6097438"/>
+              <a:gd name="connsiteX9" fmla="*/ 0 w 5298683"/>
+              <a:gd name="connsiteY9" fmla="*/ 3120527 h 6097438"/>
+              <a:gd name="connsiteX10" fmla="*/ 3120528 w 5298683"/>
+              <a:gd name="connsiteY10" fmla="*/ 0 h 6097438"/>
+            </a:gdLst>
+            <a:ahLst/>
+            <a:cxnLst>
+              <a:cxn ang="0">
+                <a:pos x="connsiteX0" y="connsiteY0"/>
+              </a:cxn>
+              <a:cxn ang="0">
+                <a:pos x="connsiteX1" y="connsiteY1"/>
+              </a:cxn>
+              <a:cxn ang="0">
+                <a:pos x="connsiteX2" y="connsiteY2"/>
+              </a:cxn>
+              <a:cxn ang="0">
+                <a:pos x="connsiteX3" y="connsiteY3"/>
+              </a:cxn>
+              <a:cxn ang="0">
+                <a:pos x="connsiteX4" y="connsiteY4"/>
+              </a:cxn>
+              <a:cxn ang="0">
+                <a:pos x="connsiteX5" y="connsiteY5"/>
+              </a:cxn>
+              <a:cxn ang="0">
+                <a:pos x="connsiteX6" y="connsiteY6"/>
+              </a:cxn>
+              <a:cxn ang="0">
+                <a:pos x="connsiteX7" y="connsiteY7"/>
+              </a:cxn>
+              <a:cxn ang="0">
+                <a:pos x="connsiteX8" y="connsiteY8"/>
+              </a:cxn>
+              <a:cxn ang="0">
+                <a:pos x="connsiteX9" y="connsiteY9"/>
+              </a:cxn>
+              <a:cxn ang="0">
+                <a:pos x="connsiteX10" y="connsiteY10"/>
+              </a:cxn>
+            </a:cxnLst>
+            <a:rect l="l" t="t" r="r" b="b"/>
+            <a:pathLst>
+              <a:path w="5298683" h="6097438">
+                <a:moveTo>
+                  <a:pt x="3120528" y="0"/>
+                </a:moveTo>
+                <a:cubicBezTo>
+                  <a:pt x="3874524" y="0"/>
+                  <a:pt x="4566062" y="267415"/>
+                  <a:pt x="5105473" y="712577"/>
+                </a:cubicBezTo>
+                <a:lnTo>
+                  <a:pt x="5298683" y="888178"/>
+                </a:lnTo>
+                <a:lnTo>
+                  <a:pt x="5298683" y="5352876"/>
+                </a:lnTo>
+                <a:lnTo>
+                  <a:pt x="5105473" y="5528477"/>
+                </a:lnTo>
+                <a:cubicBezTo>
+                  <a:pt x="4874296" y="5719261"/>
+                  <a:pt x="4615179" y="5877397"/>
+                  <a:pt x="4335177" y="5995828"/>
+                </a:cubicBezTo>
+                <a:lnTo>
+                  <a:pt x="4057556" y="6097438"/>
+                </a:lnTo>
+                <a:lnTo>
+                  <a:pt x="2183499" y="6097438"/>
+                </a:lnTo>
+                <a:lnTo>
+                  <a:pt x="1905878" y="5995828"/>
+                </a:lnTo>
+                <a:cubicBezTo>
+                  <a:pt x="785873" y="5522106"/>
+                  <a:pt x="0" y="4413092"/>
+                  <a:pt x="0" y="3120527"/>
+                </a:cubicBezTo>
+                <a:cubicBezTo>
+                  <a:pt x="0" y="1397108"/>
+                  <a:pt x="1397108" y="0"/>
+                  <a:pt x="3120528" y="0"/>
+                </a:cubicBezTo>
+                <a:close/>
+              </a:path>
+            </a:pathLst>
+          </a:custGeom>
+        </p:spPr>
+      </p:pic>
+      <p:sp>
+        <p:nvSpPr>
+          <p:cNvPr id="2" name="Title 1">
+            <a:extLst>
+              <a:ext uri="{FF2B5EF4-FFF2-40B4-BE49-F238E27FC236}">
+                <a16:creationId xmlns:a16="http://schemas.microsoft.com/office/drawing/2014/main" id="{7035F1BC-202E-45ED-A443-7B13BF42F19C}"/>
+              </a:ext>
+            </a:extLst>
+          </p:cNvPr>
+          <p:cNvSpPr>
+            <a:spLocks noGrp="1"/>
+          </p:cNvSpPr>
+          <p:nvPr>
+            <p:ph type="title"/>
+          </p:nvPr>
+        </p:nvSpPr>
+        <p:spPr>
+          <a:xfrm>
+            <a:off x="120270" y="39762"/>
+            <a:ext cx="6593618" cy="1406667"/>
+          </a:xfrm>
+        </p:spPr>
+        <p:txBody>
+          <a:bodyPr>
+            <a:normAutofit/>
+          </a:bodyPr>
+          <a:lstStyle/>
+          <a:p>
+            <a:r>
+              <a:rPr lang="en-IN" b="1" dirty="0">
+                <a:latin typeface="AR JULIAN" panose="02000000000000000000" pitchFamily="2" charset="0"/>
+                <a:cs typeface="Aharoni" panose="02010803020104030203" pitchFamily="2" charset="-79"/>
+              </a:rPr>
+              <a:t>Result</a:t>
+            </a:r>
+          </a:p>
+        </p:txBody>
+      </p:sp>
+      <p:sp>
+        <p:nvSpPr>
+          <p:cNvPr id="3" name="Content Placeholder 2">
+            <a:extLst>
+              <a:ext uri="{FF2B5EF4-FFF2-40B4-BE49-F238E27FC236}">
+                <a16:creationId xmlns:a16="http://schemas.microsoft.com/office/drawing/2014/main" id="{D7859ED5-771F-4FFC-AC08-C6A010E59617}"/>
+              </a:ext>
+            </a:extLst>
+          </p:cNvPr>
+          <p:cNvSpPr>
+            <a:spLocks noGrp="1"/>
+          </p:cNvSpPr>
+          <p:nvPr>
+            <p:ph idx="1"/>
+          </p:nvPr>
+        </p:nvSpPr>
+        <p:spPr>
+          <a:xfrm>
+            <a:off x="303155" y="1082962"/>
+            <a:ext cx="5478085" cy="432571"/>
+          </a:xfrm>
+        </p:spPr>
+        <p:txBody>
+          <a:bodyPr anchor="t">
+            <a:normAutofit/>
+          </a:bodyPr>
+          <a:lstStyle/>
+          <a:p>
+            <a:pPr marL="0" indent="0">
+              <a:buNone/>
+            </a:pPr>
+            <a:r>
+              <a:rPr lang="en-IN" sz="2400" b="1" dirty="0"/>
+              <a:t>Plot for 1000 games</a:t>
+            </a:r>
+          </a:p>
+        </p:txBody>
+      </p:sp>
+      <p:pic>
+        <p:nvPicPr>
+          <p:cNvPr id="6" name="Picture 5" descr="A close up of text on a white background&#10;&#10;Description generated with high confidence">
+            <a:extLst>
+              <a:ext uri="{FF2B5EF4-FFF2-40B4-BE49-F238E27FC236}">
+                <a16:creationId xmlns:a16="http://schemas.microsoft.com/office/drawing/2014/main" id="{B3CF0FA1-B0A3-4DE9-B6A9-8E8FAF9D6A44}"/>
+              </a:ext>
+            </a:extLst>
+          </p:cNvPr>
+          <p:cNvPicPr>
+            <a:picLocks noChangeAspect="1"/>
+          </p:cNvPicPr>
+          <p:nvPr/>
+        </p:nvPicPr>
+        <p:blipFill>
+          <a:blip r:embed="rId4">
+            <a:extLst>
+              <a:ext uri="{28A0092B-C50C-407E-A947-70E740481C1C}">
+                <a14:useLocalDpi xmlns:a14="http://schemas.microsoft.com/office/drawing/2010/main" val="0"/>
+              </a:ext>
+            </a:extLst>
+          </a:blip>
+          <a:stretch>
+            <a:fillRect/>
+          </a:stretch>
+        </p:blipFill>
+        <p:spPr>
+          <a:xfrm>
+            <a:off x="534219" y="1598789"/>
+            <a:ext cx="5896398" cy="4968671"/>
+          </a:xfrm>
+          <a:prstGeom prst="rect">
+            <a:avLst/>
+          </a:prstGeom>
+        </p:spPr>
+      </p:pic>
+    </p:spTree>
+    <p:extLst>
+      <p:ext uri="{BB962C8B-B14F-4D97-AF65-F5344CB8AC3E}">
+        <p14:creationId xmlns:p14="http://schemas.microsoft.com/office/powerpoint/2010/main" val="4261328932"/>
+      </p:ext>
+    </p:extLst>
+  </p:cSld>
+  <p:clrMapOvr>
+    <a:overrideClrMapping bg1="dk1" tx1="lt1" bg2="dk2" tx2="lt2" accent1="accent1" accent2="accent2" accent3="accent3" accent4="accent4" accent5="accent5" accent6="accent6" hlink="hlink" folHlink="folHlink"/>
+  </p:clrMapOvr>
+</p:sld>
+</file>
+
+<file path=ppt/slides/slide2.xml><?xml version="1.0" encoding="utf-8"?>
+<p:sld xmlns:a="http://schemas.openxmlformats.org/drawingml/2006/main" xmlns:r="http://schemas.openxmlformats.org/officeDocument/2006/relationships" xmlns:p="http://schemas.openxmlformats.org/presentationml/2006/main">
+  <p:cSld>
+    <p:bg>
+      <p:bgPr>
+        <a:solidFill>
+          <a:schemeClr val="bg1"/>
+        </a:solidFill>
+        <a:effectLst/>
+      </p:bgPr>
+    </p:bg>
+    <p:spTree>
+      <p:nvGrpSpPr>
+        <p:cNvPr id="1" name=""/>
+        <p:cNvGrpSpPr/>
+        <p:nvPr/>
+      </p:nvGrpSpPr>
+      <p:grpSpPr>
+        <a:xfrm>
+          <a:off x="0" y="0"/>
+          <a:ext cx="0" cy="0"/>
+          <a:chOff x="0" y="0"/>
+          <a:chExt cx="0" cy="0"/>
+        </a:xfrm>
+      </p:grpSpPr>
+      <p:pic>
+        <p:nvPicPr>
+          <p:cNvPr id="7" name="Picture 6">
+            <a:extLst>
+              <a:ext uri="{FF2B5EF4-FFF2-40B4-BE49-F238E27FC236}">
+                <a16:creationId xmlns:a16="http://schemas.microsoft.com/office/drawing/2014/main" id="{8BA2A080-19F8-4969-A685-C648FF8CD3CE}"/>
+              </a:ext>
+            </a:extLst>
+          </p:cNvPr>
+          <p:cNvPicPr>
+            <a:picLocks noChangeAspect="1"/>
+          </p:cNvPicPr>
+          <p:nvPr/>
+        </p:nvPicPr>
+        <p:blipFill rotWithShape="1">
+          <a:blip r:embed="rId2">
+            <a:duotone>
+              <a:prstClr val="black"/>
+              <a:schemeClr val="tx2">
+                <a:tint val="45000"/>
+                <a:satMod val="400000"/>
+              </a:schemeClr>
+            </a:duotone>
+            <a:alphaModFix amt="35000"/>
+            <a:extLst>
+              <a:ext uri="{28A0092B-C50C-407E-A947-70E740481C1C}">
+                <a14:useLocalDpi xmlns:a14="http://schemas.microsoft.com/office/drawing/2010/main" val="0"/>
+              </a:ext>
+            </a:extLst>
+          </a:blip>
+          <a:srcRect t="13681" b="2075"/>
+          <a:stretch/>
+        </p:blipFill>
+        <p:spPr>
+          <a:xfrm>
+            <a:off x="0" y="10"/>
+            <a:ext cx="12192000" cy="6857990"/>
+          </a:xfrm>
+          <a:prstGeom prst="rect">
+            <a:avLst/>
+          </a:prstGeom>
+        </p:spPr>
+      </p:pic>
+      <p:sp>
+        <p:nvSpPr>
+          <p:cNvPr id="51" name="Freeform 49">
+            <a:extLst>
+              <a:ext uri="{FF2B5EF4-FFF2-40B4-BE49-F238E27FC236}">
+                <a16:creationId xmlns:a16="http://schemas.microsoft.com/office/drawing/2014/main" id="{EF9B8DF2-C3F5-49A2-94D2-F7B65A0F1F15}"/>
+              </a:ext>
+            </a:extLst>
+          </p:cNvPr>
+          <p:cNvSpPr>
+            <a:spLocks noGrp="1" noRot="1" noChangeAspect="1" noMove="1" noResize="1" noEditPoints="1" noAdjustHandles="1" noChangeArrowheads="1" noChangeShapeType="1" noTextEdit="1"/>
+          </p:cNvSpPr>
+          <p:nvPr>
+            <p:extLst>
+              <p:ext uri="{386F3935-93C4-4BCD-93E2-E3B085C9AB24}">
+                <p16:designElem xmlns:p16="http://schemas.microsoft.com/office/powerpoint/2015/main" val="1"/>
+              </p:ext>
+            </p:extLst>
+          </p:nvPr>
+        </p:nvSpPr>
+        <p:spPr>
+          <a:xfrm flipH="1">
+            <a:off x="6713914" y="581159"/>
+            <a:ext cx="5478085" cy="6276841"/>
+          </a:xfrm>
+          <a:custGeom>
+            <a:avLst/>
+            <a:gdLst>
+              <a:gd name="connsiteX0" fmla="*/ 2178155 w 5478085"/>
+              <a:gd name="connsiteY0" fmla="*/ 0 h 6276841"/>
+              <a:gd name="connsiteX1" fmla="*/ 5478085 w 5478085"/>
+              <a:gd name="connsiteY1" fmla="*/ 3299930 h 6276841"/>
+              <a:gd name="connsiteX2" fmla="*/ 3751098 w 5478085"/>
+              <a:gd name="connsiteY2" fmla="*/ 6201577 h 6276841"/>
+              <a:gd name="connsiteX3" fmla="*/ 3594858 w 5478085"/>
+              <a:gd name="connsiteY3" fmla="*/ 6276841 h 6276841"/>
+              <a:gd name="connsiteX4" fmla="*/ 761453 w 5478085"/>
+              <a:gd name="connsiteY4" fmla="*/ 6276841 h 6276841"/>
+              <a:gd name="connsiteX5" fmla="*/ 605213 w 5478085"/>
+              <a:gd name="connsiteY5" fmla="*/ 6201577 h 6276841"/>
+              <a:gd name="connsiteX6" fmla="*/ 79093 w 5478085"/>
+              <a:gd name="connsiteY6" fmla="*/ 5846317 h 6276841"/>
+              <a:gd name="connsiteX7" fmla="*/ 0 w 5478085"/>
+              <a:gd name="connsiteY7" fmla="*/ 5774432 h 6276841"/>
+              <a:gd name="connsiteX8" fmla="*/ 0 w 5478085"/>
+              <a:gd name="connsiteY8" fmla="*/ 825429 h 6276841"/>
+              <a:gd name="connsiteX9" fmla="*/ 79093 w 5478085"/>
+              <a:gd name="connsiteY9" fmla="*/ 753544 h 6276841"/>
+              <a:gd name="connsiteX10" fmla="*/ 2178155 w 5478085"/>
+              <a:gd name="connsiteY10" fmla="*/ 0 h 6276841"/>
+            </a:gdLst>
+            <a:ahLst/>
+            <a:cxnLst>
+              <a:cxn ang="0">
+                <a:pos x="connsiteX0" y="connsiteY0"/>
+              </a:cxn>
+              <a:cxn ang="0">
+                <a:pos x="connsiteX1" y="connsiteY1"/>
+              </a:cxn>
+              <a:cxn ang="0">
+                <a:pos x="connsiteX2" y="connsiteY2"/>
+              </a:cxn>
+              <a:cxn ang="0">
+                <a:pos x="connsiteX3" y="connsiteY3"/>
+              </a:cxn>
+              <a:cxn ang="0">
+                <a:pos x="connsiteX4" y="connsiteY4"/>
+              </a:cxn>
+              <a:cxn ang="0">
+                <a:pos x="connsiteX5" y="connsiteY5"/>
+              </a:cxn>
+              <a:cxn ang="0">
+                <a:pos x="connsiteX6" y="connsiteY6"/>
+              </a:cxn>
+              <a:cxn ang="0">
+                <a:pos x="connsiteX7" y="connsiteY7"/>
+              </a:cxn>
+              <a:cxn ang="0">
+                <a:pos x="connsiteX8" y="connsiteY8"/>
+              </a:cxn>
+              <a:cxn ang="0">
+                <a:pos x="connsiteX9" y="connsiteY9"/>
+              </a:cxn>
+              <a:cxn ang="0">
+                <a:pos x="connsiteX10" y="connsiteY10"/>
+              </a:cxn>
+            </a:cxnLst>
+            <a:rect l="l" t="t" r="r" b="b"/>
+            <a:pathLst>
+              <a:path w="5478085" h="6276841">
+                <a:moveTo>
+                  <a:pt x="2178155" y="0"/>
+                </a:moveTo>
+                <a:cubicBezTo>
+                  <a:pt x="4000656" y="0"/>
+                  <a:pt x="5478085" y="1477429"/>
+                  <a:pt x="5478085" y="3299930"/>
+                </a:cubicBezTo>
+                <a:cubicBezTo>
+                  <a:pt x="5478085" y="4552900"/>
+                  <a:pt x="4779769" y="5642769"/>
+                  <a:pt x="3751098" y="6201577"/>
+                </a:cubicBezTo>
+                <a:lnTo>
+                  <a:pt x="3594858" y="6276841"/>
+                </a:lnTo>
+                <a:lnTo>
+                  <a:pt x="761453" y="6276841"/>
+                </a:lnTo>
+                <a:lnTo>
+                  <a:pt x="605213" y="6201577"/>
+                </a:lnTo>
+                <a:cubicBezTo>
+                  <a:pt x="418182" y="6099975"/>
+                  <a:pt x="242071" y="5980818"/>
+                  <a:pt x="79093" y="5846317"/>
+                </a:cubicBezTo>
+                <a:lnTo>
+                  <a:pt x="0" y="5774432"/>
+                </a:lnTo>
+                <a:lnTo>
+                  <a:pt x="0" y="825429"/>
+                </a:lnTo>
+                <a:lnTo>
+                  <a:pt x="79093" y="753544"/>
+                </a:lnTo>
+                <a:cubicBezTo>
+                  <a:pt x="649516" y="282789"/>
+                  <a:pt x="1380811" y="0"/>
+                  <a:pt x="2178155" y="0"/>
+                </a:cubicBezTo>
+                <a:close/>
+              </a:path>
+            </a:pathLst>
+          </a:custGeom>
+          <a:solidFill>
+            <a:srgbClr val="FFFFFF">
+              <a:alpha val="80000"/>
+            </a:srgbClr>
+          </a:solidFill>
+          <a:ln w="31750">
+            <a:noFill/>
+          </a:ln>
+        </p:spPr>
+        <p:style>
+          <a:lnRef idx="2">
+            <a:schemeClr val="accent1">
+              <a:shade val="50000"/>
+            </a:schemeClr>
+          </a:lnRef>
+          <a:fillRef idx="1">
+            <a:schemeClr val="accent1"/>
+          </a:fillRef>
+          <a:effectRef idx="0">
+            <a:schemeClr val="accent1"/>
+          </a:effectRef>
+          <a:fontRef idx="minor">
+            <a:schemeClr val="lt1"/>
+          </a:fontRef>
+        </p:style>
+        <p:txBody>
+          <a:bodyPr wrap="square" rtlCol="0" anchor="ctr">
+            <a:noAutofit/>
+          </a:bodyPr>
+          <a:lstStyle/>
+          <a:p>
+            <a:pPr marL="0" marR="0" lvl="0" indent="0" algn="ctr" defTabSz="914400" rtl="0" eaLnBrk="1" fontAlgn="auto" latinLnBrk="0" hangingPunct="1">
+              <a:lnSpc>
+                <a:spcPct val="100000"/>
+              </a:lnSpc>
+              <a:spcBef>
+                <a:spcPts val="0"/>
+              </a:spcBef>
+              <a:spcAft>
+                <a:spcPts val="0"/>
+              </a:spcAft>
+              <a:buClrTx/>
+              <a:buSzTx/>
+              <a:buFontTx/>
+              <a:buNone/>
+              <a:tabLst/>
+              <a:defRPr/>
+            </a:pPr>
+            <a:endParaRPr kumimoji="0" lang="en-US" sz="1800" b="0" i="0" u="none" strike="noStrike" kern="1200" cap="none" spc="0" normalizeH="0" baseline="0" noProof="0">
+              <a:ln>
+                <a:noFill/>
+              </a:ln>
+              <a:solidFill>
+                <a:prstClr val="white"/>
+              </a:solidFill>
+              <a:effectLst/>
+              <a:uLnTx/>
+              <a:uFillTx/>
+              <a:latin typeface="Calibri" panose="020F0502020204030204"/>
+              <a:ea typeface="+mn-ea"/>
+              <a:cs typeface="+mn-cs"/>
+            </a:endParaRPr>
+          </a:p>
+        </p:txBody>
+      </p:sp>
+      <p:pic>
+        <p:nvPicPr>
+          <p:cNvPr id="9" name="Picture 8" descr="A picture containing building&#10;&#10;Description generated with high confidence">
+            <a:extLst>
+              <a:ext uri="{FF2B5EF4-FFF2-40B4-BE49-F238E27FC236}">
+                <a16:creationId xmlns:a16="http://schemas.microsoft.com/office/drawing/2014/main" id="{12ED8CBA-3DDA-400E-B2EE-7748A997FAC8}"/>
+              </a:ext>
+            </a:extLst>
+          </p:cNvPr>
+          <p:cNvPicPr>
+            <a:picLocks noChangeAspect="1"/>
+          </p:cNvPicPr>
+          <p:nvPr/>
+        </p:nvPicPr>
+        <p:blipFill rotWithShape="1">
+          <a:blip r:embed="rId3">
+            <a:extLst>
+              <a:ext uri="{28A0092B-C50C-407E-A947-70E740481C1C}">
+                <a14:useLocalDpi xmlns:a14="http://schemas.microsoft.com/office/drawing/2010/main" val="0"/>
+              </a:ext>
+            </a:extLst>
+          </a:blip>
+          <a:srcRect l="18375" r="23620" b="1"/>
+          <a:stretch/>
+        </p:blipFill>
+        <p:spPr>
+          <a:xfrm>
+            <a:off x="6893342" y="760562"/>
+            <a:ext cx="5298683" cy="6097438"/>
+          </a:xfrm>
+          <a:custGeom>
+            <a:avLst/>
+            <a:gdLst>
+              <a:gd name="connsiteX0" fmla="*/ 3120528 w 5298683"/>
+              <a:gd name="connsiteY0" fmla="*/ 0 h 6097438"/>
+              <a:gd name="connsiteX1" fmla="*/ 5105473 w 5298683"/>
+              <a:gd name="connsiteY1" fmla="*/ 712577 h 6097438"/>
+              <a:gd name="connsiteX2" fmla="*/ 5298683 w 5298683"/>
+              <a:gd name="connsiteY2" fmla="*/ 888178 h 6097438"/>
+              <a:gd name="connsiteX3" fmla="*/ 5298683 w 5298683"/>
+              <a:gd name="connsiteY3" fmla="*/ 5352876 h 6097438"/>
+              <a:gd name="connsiteX4" fmla="*/ 5105473 w 5298683"/>
+              <a:gd name="connsiteY4" fmla="*/ 5528477 h 6097438"/>
+              <a:gd name="connsiteX5" fmla="*/ 4335177 w 5298683"/>
+              <a:gd name="connsiteY5" fmla="*/ 5995828 h 6097438"/>
+              <a:gd name="connsiteX6" fmla="*/ 4057556 w 5298683"/>
+              <a:gd name="connsiteY6" fmla="*/ 6097438 h 6097438"/>
+              <a:gd name="connsiteX7" fmla="*/ 2183499 w 5298683"/>
+              <a:gd name="connsiteY7" fmla="*/ 6097438 h 6097438"/>
+              <a:gd name="connsiteX8" fmla="*/ 1905878 w 5298683"/>
+              <a:gd name="connsiteY8" fmla="*/ 5995828 h 6097438"/>
+              <a:gd name="connsiteX9" fmla="*/ 0 w 5298683"/>
+              <a:gd name="connsiteY9" fmla="*/ 3120527 h 6097438"/>
+              <a:gd name="connsiteX10" fmla="*/ 3120528 w 5298683"/>
+              <a:gd name="connsiteY10" fmla="*/ 0 h 6097438"/>
+            </a:gdLst>
+            <a:ahLst/>
+            <a:cxnLst>
+              <a:cxn ang="0">
+                <a:pos x="connsiteX0" y="connsiteY0"/>
+              </a:cxn>
+              <a:cxn ang="0">
+                <a:pos x="connsiteX1" y="connsiteY1"/>
+              </a:cxn>
+              <a:cxn ang="0">
+                <a:pos x="connsiteX2" y="connsiteY2"/>
+              </a:cxn>
+              <a:cxn ang="0">
+                <a:pos x="connsiteX3" y="connsiteY3"/>
+              </a:cxn>
+              <a:cxn ang="0">
+                <a:pos x="connsiteX4" y="connsiteY4"/>
+              </a:cxn>
+              <a:cxn ang="0">
+                <a:pos x="connsiteX5" y="connsiteY5"/>
+              </a:cxn>
+              <a:cxn ang="0">
+                <a:pos x="connsiteX6" y="connsiteY6"/>
+              </a:cxn>
+              <a:cxn ang="0">
+                <a:pos x="connsiteX7" y="connsiteY7"/>
+              </a:cxn>
+              <a:cxn ang="0">
+                <a:pos x="connsiteX8" y="connsiteY8"/>
+              </a:cxn>
+              <a:cxn ang="0">
+                <a:pos x="connsiteX9" y="connsiteY9"/>
+              </a:cxn>
+              <a:cxn ang="0">
+                <a:pos x="connsiteX10" y="connsiteY10"/>
+              </a:cxn>
+            </a:cxnLst>
+            <a:rect l="l" t="t" r="r" b="b"/>
+            <a:pathLst>
+              <a:path w="5298683" h="6097438">
+                <a:moveTo>
+                  <a:pt x="3120528" y="0"/>
+                </a:moveTo>
+                <a:cubicBezTo>
+                  <a:pt x="3874524" y="0"/>
+                  <a:pt x="4566062" y="267415"/>
+                  <a:pt x="5105473" y="712577"/>
+                </a:cubicBezTo>
+                <a:lnTo>
+                  <a:pt x="5298683" y="888178"/>
+                </a:lnTo>
+                <a:lnTo>
+                  <a:pt x="5298683" y="5352876"/>
+                </a:lnTo>
+                <a:lnTo>
+                  <a:pt x="5105473" y="5528477"/>
+                </a:lnTo>
+                <a:cubicBezTo>
+                  <a:pt x="4874296" y="5719261"/>
+                  <a:pt x="4615179" y="5877397"/>
+                  <a:pt x="4335177" y="5995828"/>
+                </a:cubicBezTo>
+                <a:lnTo>
+                  <a:pt x="4057556" y="6097438"/>
+                </a:lnTo>
+                <a:lnTo>
+                  <a:pt x="2183499" y="6097438"/>
+                </a:lnTo>
+                <a:lnTo>
+                  <a:pt x="1905878" y="5995828"/>
+                </a:lnTo>
+                <a:cubicBezTo>
+                  <a:pt x="785873" y="5522106"/>
+                  <a:pt x="0" y="4413092"/>
+                  <a:pt x="0" y="3120527"/>
+                </a:cubicBezTo>
+                <a:cubicBezTo>
+                  <a:pt x="0" y="1397108"/>
+                  <a:pt x="1397108" y="0"/>
+                  <a:pt x="3120528" y="0"/>
+                </a:cubicBezTo>
+                <a:close/>
+              </a:path>
+            </a:pathLst>
+          </a:custGeom>
+        </p:spPr>
+      </p:pic>
+      <p:sp>
+        <p:nvSpPr>
+          <p:cNvPr id="2" name="Title 1">
+            <a:extLst>
+              <a:ext uri="{FF2B5EF4-FFF2-40B4-BE49-F238E27FC236}">
+                <a16:creationId xmlns:a16="http://schemas.microsoft.com/office/drawing/2014/main" id="{7035F1BC-202E-45ED-A443-7B13BF42F19C}"/>
+              </a:ext>
+            </a:extLst>
+          </p:cNvPr>
+          <p:cNvSpPr>
+            <a:spLocks noGrp="1"/>
+          </p:cNvSpPr>
+          <p:nvPr>
+            <p:ph type="title"/>
+          </p:nvPr>
+        </p:nvSpPr>
+        <p:spPr>
+          <a:xfrm>
+            <a:off x="632133" y="506896"/>
+            <a:ext cx="5277333" cy="1325563"/>
+          </a:xfrm>
+        </p:spPr>
+        <p:txBody>
+          <a:bodyPr>
+            <a:normAutofit/>
+          </a:bodyPr>
+          <a:lstStyle/>
+          <a:p>
+            <a:r>
+              <a:rPr lang="en-IN" b="1" dirty="0">
+                <a:latin typeface="AR JULIAN" panose="02000000000000000000" pitchFamily="2" charset="0"/>
+                <a:cs typeface="Aharoni" panose="02010803020104030203" pitchFamily="2" charset="-79"/>
+              </a:rPr>
+              <a:t>Objective</a:t>
+            </a:r>
+          </a:p>
+        </p:txBody>
+      </p:sp>
+      <p:sp>
+        <p:nvSpPr>
+          <p:cNvPr id="3" name="Content Placeholder 2">
+            <a:extLst>
+              <a:ext uri="{FF2B5EF4-FFF2-40B4-BE49-F238E27FC236}">
+                <a16:creationId xmlns:a16="http://schemas.microsoft.com/office/drawing/2014/main" id="{D7859ED5-771F-4FFC-AC08-C6A010E59617}"/>
+              </a:ext>
+            </a:extLst>
+          </p:cNvPr>
+          <p:cNvSpPr>
+            <a:spLocks noGrp="1"/>
+          </p:cNvSpPr>
+          <p:nvPr>
+            <p:ph idx="1"/>
+          </p:nvPr>
+        </p:nvSpPr>
+        <p:spPr>
+          <a:xfrm>
+            <a:off x="632133" y="2069720"/>
+            <a:ext cx="5272888" cy="3479122"/>
+          </a:xfrm>
+        </p:spPr>
+        <p:txBody>
+          <a:bodyPr anchor="t">
+            <a:normAutofit/>
+          </a:bodyPr>
+          <a:lstStyle/>
+          <a:p>
+            <a:r>
+              <a:rPr lang="en-IN" b="1" dirty="0"/>
+              <a:t>Simulate a particular scenario of the game to understand Monte Carlo simulation and its application in real world</a:t>
+            </a:r>
+          </a:p>
+          <a:p>
+            <a:endParaRPr lang="en-IN" b="1" dirty="0"/>
+          </a:p>
+          <a:p>
+            <a:r>
+              <a:rPr lang="en-IN" b="1" dirty="0"/>
+              <a:t>Based on the results, take an informed decision</a:t>
+            </a:r>
+          </a:p>
+        </p:txBody>
+      </p:sp>
+    </p:spTree>
+    <p:extLst>
+      <p:ext uri="{BB962C8B-B14F-4D97-AF65-F5344CB8AC3E}">
+        <p14:creationId xmlns:p14="http://schemas.microsoft.com/office/powerpoint/2010/main" val="3569621365"/>
+      </p:ext>
+    </p:extLst>
+  </p:cSld>
+  <p:clrMapOvr>
+    <a:overrideClrMapping bg1="dk1" tx1="lt1" bg2="dk2" tx2="lt2" accent1="accent1" accent2="accent2" accent3="accent3" accent4="accent4" accent5="accent5" accent6="accent6" hlink="hlink" folHlink="folHlink"/>
+  </p:clrMapOvr>
+</p:sld>
+</file>
+
+<file path=ppt/slides/slide20.xml><?xml version="1.0" encoding="utf-8"?>
+<p:sld xmlns:a="http://schemas.openxmlformats.org/drawingml/2006/main" xmlns:r="http://schemas.openxmlformats.org/officeDocument/2006/relationships" xmlns:p="http://schemas.openxmlformats.org/presentationml/2006/main">
+  <p:cSld>
+    <p:bg>
+      <p:bgPr>
+        <a:solidFill>
+          <a:schemeClr val="bg1"/>
+        </a:solidFill>
+        <a:effectLst/>
+      </p:bgPr>
+    </p:bg>
+    <p:spTree>
+      <p:nvGrpSpPr>
+        <p:cNvPr id="1" name=""/>
+        <p:cNvGrpSpPr/>
+        <p:nvPr/>
+      </p:nvGrpSpPr>
+      <p:grpSpPr>
+        <a:xfrm>
+          <a:off x="0" y="0"/>
+          <a:ext cx="0" cy="0"/>
+          <a:chOff x="0" y="0"/>
+          <a:chExt cx="0" cy="0"/>
+        </a:xfrm>
+      </p:grpSpPr>
+      <p:pic>
+        <p:nvPicPr>
+          <p:cNvPr id="7" name="Picture 6">
+            <a:extLst>
+              <a:ext uri="{FF2B5EF4-FFF2-40B4-BE49-F238E27FC236}">
+                <a16:creationId xmlns:a16="http://schemas.microsoft.com/office/drawing/2014/main" id="{8BA2A080-19F8-4969-A685-C648FF8CD3CE}"/>
+              </a:ext>
+            </a:extLst>
+          </p:cNvPr>
+          <p:cNvPicPr>
+            <a:picLocks noChangeAspect="1"/>
+          </p:cNvPicPr>
+          <p:nvPr/>
+        </p:nvPicPr>
+        <p:blipFill rotWithShape="1">
+          <a:blip r:embed="rId2">
+            <a:duotone>
+              <a:prstClr val="black"/>
+              <a:schemeClr val="tx2">
+                <a:tint val="45000"/>
+                <a:satMod val="400000"/>
+              </a:schemeClr>
+            </a:duotone>
+            <a:alphaModFix amt="35000"/>
+            <a:extLst>
+              <a:ext uri="{28A0092B-C50C-407E-A947-70E740481C1C}">
+                <a14:useLocalDpi xmlns:a14="http://schemas.microsoft.com/office/drawing/2010/main" val="0"/>
+              </a:ext>
+            </a:extLst>
+          </a:blip>
+          <a:srcRect t="13681" b="2075"/>
+          <a:stretch/>
+        </p:blipFill>
+        <p:spPr>
+          <a:xfrm>
+            <a:off x="0" y="-39752"/>
+            <a:ext cx="12192000" cy="6857990"/>
+          </a:xfrm>
+          <a:prstGeom prst="rect">
+            <a:avLst/>
+          </a:prstGeom>
+        </p:spPr>
+      </p:pic>
+      <p:sp>
+        <p:nvSpPr>
+          <p:cNvPr id="51" name="Freeform 49">
+            <a:extLst>
+              <a:ext uri="{FF2B5EF4-FFF2-40B4-BE49-F238E27FC236}">
+                <a16:creationId xmlns:a16="http://schemas.microsoft.com/office/drawing/2014/main" id="{EF9B8DF2-C3F5-49A2-94D2-F7B65A0F1F15}"/>
+              </a:ext>
+            </a:extLst>
+          </p:cNvPr>
+          <p:cNvSpPr>
+            <a:spLocks noGrp="1" noRot="1" noChangeAspect="1" noMove="1" noResize="1" noEditPoints="1" noAdjustHandles="1" noChangeArrowheads="1" noChangeShapeType="1" noTextEdit="1"/>
+          </p:cNvSpPr>
+          <p:nvPr>
+            <p:extLst>
+              <p:ext uri="{386F3935-93C4-4BCD-93E2-E3B085C9AB24}">
+                <p16:designElem xmlns:p16="http://schemas.microsoft.com/office/powerpoint/2015/main" val="1"/>
+              </p:ext>
+            </p:extLst>
+          </p:nvPr>
+        </p:nvSpPr>
+        <p:spPr>
+          <a:xfrm flipH="1">
+            <a:off x="6713914" y="581159"/>
+            <a:ext cx="5478085" cy="6276841"/>
+          </a:xfrm>
+          <a:custGeom>
+            <a:avLst/>
+            <a:gdLst>
+              <a:gd name="connsiteX0" fmla="*/ 2178155 w 5478085"/>
+              <a:gd name="connsiteY0" fmla="*/ 0 h 6276841"/>
+              <a:gd name="connsiteX1" fmla="*/ 5478085 w 5478085"/>
+              <a:gd name="connsiteY1" fmla="*/ 3299930 h 6276841"/>
+              <a:gd name="connsiteX2" fmla="*/ 3751098 w 5478085"/>
+              <a:gd name="connsiteY2" fmla="*/ 6201577 h 6276841"/>
+              <a:gd name="connsiteX3" fmla="*/ 3594858 w 5478085"/>
+              <a:gd name="connsiteY3" fmla="*/ 6276841 h 6276841"/>
+              <a:gd name="connsiteX4" fmla="*/ 761453 w 5478085"/>
+              <a:gd name="connsiteY4" fmla="*/ 6276841 h 6276841"/>
+              <a:gd name="connsiteX5" fmla="*/ 605213 w 5478085"/>
+              <a:gd name="connsiteY5" fmla="*/ 6201577 h 6276841"/>
+              <a:gd name="connsiteX6" fmla="*/ 79093 w 5478085"/>
+              <a:gd name="connsiteY6" fmla="*/ 5846317 h 6276841"/>
+              <a:gd name="connsiteX7" fmla="*/ 0 w 5478085"/>
+              <a:gd name="connsiteY7" fmla="*/ 5774432 h 6276841"/>
+              <a:gd name="connsiteX8" fmla="*/ 0 w 5478085"/>
+              <a:gd name="connsiteY8" fmla="*/ 825429 h 6276841"/>
+              <a:gd name="connsiteX9" fmla="*/ 79093 w 5478085"/>
+              <a:gd name="connsiteY9" fmla="*/ 753544 h 6276841"/>
+              <a:gd name="connsiteX10" fmla="*/ 2178155 w 5478085"/>
+              <a:gd name="connsiteY10" fmla="*/ 0 h 6276841"/>
+            </a:gdLst>
+            <a:ahLst/>
+            <a:cxnLst>
+              <a:cxn ang="0">
+                <a:pos x="connsiteX0" y="connsiteY0"/>
+              </a:cxn>
+              <a:cxn ang="0">
+                <a:pos x="connsiteX1" y="connsiteY1"/>
+              </a:cxn>
+              <a:cxn ang="0">
+                <a:pos x="connsiteX2" y="connsiteY2"/>
+              </a:cxn>
+              <a:cxn ang="0">
+                <a:pos x="connsiteX3" y="connsiteY3"/>
+              </a:cxn>
+              <a:cxn ang="0">
+                <a:pos x="connsiteX4" y="connsiteY4"/>
+              </a:cxn>
+              <a:cxn ang="0">
+                <a:pos x="connsiteX5" y="connsiteY5"/>
+              </a:cxn>
+              <a:cxn ang="0">
+                <a:pos x="connsiteX6" y="connsiteY6"/>
+              </a:cxn>
+              <a:cxn ang="0">
+                <a:pos x="connsiteX7" y="connsiteY7"/>
+              </a:cxn>
+              <a:cxn ang="0">
+                <a:pos x="connsiteX8" y="connsiteY8"/>
+              </a:cxn>
+              <a:cxn ang="0">
+                <a:pos x="connsiteX9" y="connsiteY9"/>
+              </a:cxn>
+              <a:cxn ang="0">
+                <a:pos x="connsiteX10" y="connsiteY10"/>
+              </a:cxn>
+            </a:cxnLst>
+            <a:rect l="l" t="t" r="r" b="b"/>
+            <a:pathLst>
+              <a:path w="5478085" h="6276841">
+                <a:moveTo>
+                  <a:pt x="2178155" y="0"/>
+                </a:moveTo>
+                <a:cubicBezTo>
+                  <a:pt x="4000656" y="0"/>
+                  <a:pt x="5478085" y="1477429"/>
+                  <a:pt x="5478085" y="3299930"/>
+                </a:cubicBezTo>
+                <a:cubicBezTo>
+                  <a:pt x="5478085" y="4552900"/>
+                  <a:pt x="4779769" y="5642769"/>
+                  <a:pt x="3751098" y="6201577"/>
+                </a:cubicBezTo>
+                <a:lnTo>
+                  <a:pt x="3594858" y="6276841"/>
+                </a:lnTo>
+                <a:lnTo>
+                  <a:pt x="761453" y="6276841"/>
+                </a:lnTo>
+                <a:lnTo>
+                  <a:pt x="605213" y="6201577"/>
+                </a:lnTo>
+                <a:cubicBezTo>
+                  <a:pt x="418182" y="6099975"/>
+                  <a:pt x="242071" y="5980818"/>
+                  <a:pt x="79093" y="5846317"/>
+                </a:cubicBezTo>
+                <a:lnTo>
+                  <a:pt x="0" y="5774432"/>
+                </a:lnTo>
+                <a:lnTo>
+                  <a:pt x="0" y="825429"/>
+                </a:lnTo>
+                <a:lnTo>
+                  <a:pt x="79093" y="753544"/>
+                </a:lnTo>
+                <a:cubicBezTo>
+                  <a:pt x="649516" y="282789"/>
+                  <a:pt x="1380811" y="0"/>
+                  <a:pt x="2178155" y="0"/>
+                </a:cubicBezTo>
+                <a:close/>
+              </a:path>
+            </a:pathLst>
+          </a:custGeom>
+          <a:solidFill>
+            <a:srgbClr val="FFFFFF">
+              <a:alpha val="80000"/>
+            </a:srgbClr>
+          </a:solidFill>
+          <a:ln w="31750">
+            <a:noFill/>
+          </a:ln>
+        </p:spPr>
+        <p:style>
+          <a:lnRef idx="2">
+            <a:schemeClr val="accent1">
+              <a:shade val="50000"/>
+            </a:schemeClr>
+          </a:lnRef>
+          <a:fillRef idx="1">
+            <a:schemeClr val="accent1"/>
+          </a:fillRef>
+          <a:effectRef idx="0">
+            <a:schemeClr val="accent1"/>
+          </a:effectRef>
+          <a:fontRef idx="minor">
+            <a:schemeClr val="lt1"/>
+          </a:fontRef>
+        </p:style>
+        <p:txBody>
+          <a:bodyPr wrap="square" rtlCol="0" anchor="ctr">
+            <a:noAutofit/>
+          </a:bodyPr>
+          <a:lstStyle/>
+          <a:p>
+            <a:pPr marL="0" marR="0" lvl="0" indent="0" algn="ctr" defTabSz="914400" rtl="0" eaLnBrk="1" fontAlgn="auto" latinLnBrk="0" hangingPunct="1">
+              <a:lnSpc>
+                <a:spcPct val="100000"/>
+              </a:lnSpc>
+              <a:spcBef>
+                <a:spcPts val="0"/>
+              </a:spcBef>
+              <a:spcAft>
+                <a:spcPts val="0"/>
+              </a:spcAft>
+              <a:buClrTx/>
+              <a:buSzTx/>
+              <a:buFontTx/>
+              <a:buNone/>
+              <a:tabLst/>
+              <a:defRPr/>
+            </a:pPr>
+            <a:endParaRPr kumimoji="0" lang="en-US" sz="1800" b="0" i="0" u="none" strike="noStrike" kern="1200" cap="none" spc="0" normalizeH="0" baseline="0" noProof="0">
+              <a:ln>
+                <a:noFill/>
+              </a:ln>
+              <a:solidFill>
+                <a:prstClr val="white"/>
+              </a:solidFill>
+              <a:effectLst/>
+              <a:uLnTx/>
+              <a:uFillTx/>
+              <a:latin typeface="Calibri" panose="020F0502020204030204"/>
+              <a:ea typeface="+mn-ea"/>
+              <a:cs typeface="+mn-cs"/>
+            </a:endParaRPr>
+          </a:p>
+        </p:txBody>
+      </p:sp>
+      <p:pic>
+        <p:nvPicPr>
+          <p:cNvPr id="9" name="Picture 8" descr="A picture containing building&#10;&#10;Description generated with high confidence">
+            <a:extLst>
+              <a:ext uri="{FF2B5EF4-FFF2-40B4-BE49-F238E27FC236}">
+                <a16:creationId xmlns:a16="http://schemas.microsoft.com/office/drawing/2014/main" id="{12ED8CBA-3DDA-400E-B2EE-7748A997FAC8}"/>
+              </a:ext>
+            </a:extLst>
+          </p:cNvPr>
+          <p:cNvPicPr>
+            <a:picLocks noChangeAspect="1"/>
+          </p:cNvPicPr>
+          <p:nvPr/>
+        </p:nvPicPr>
+        <p:blipFill rotWithShape="1">
+          <a:blip r:embed="rId3">
+            <a:extLst>
+              <a:ext uri="{28A0092B-C50C-407E-A947-70E740481C1C}">
+                <a14:useLocalDpi xmlns:a14="http://schemas.microsoft.com/office/drawing/2010/main" val="0"/>
+              </a:ext>
+            </a:extLst>
+          </a:blip>
+          <a:srcRect l="18375" r="23620" b="1"/>
+          <a:stretch/>
+        </p:blipFill>
+        <p:spPr>
+          <a:xfrm>
+            <a:off x="6893342" y="760562"/>
+            <a:ext cx="5298683" cy="6097438"/>
+          </a:xfrm>
+          <a:custGeom>
+            <a:avLst/>
+            <a:gdLst>
+              <a:gd name="connsiteX0" fmla="*/ 3120528 w 5298683"/>
+              <a:gd name="connsiteY0" fmla="*/ 0 h 6097438"/>
+              <a:gd name="connsiteX1" fmla="*/ 5105473 w 5298683"/>
+              <a:gd name="connsiteY1" fmla="*/ 712577 h 6097438"/>
+              <a:gd name="connsiteX2" fmla="*/ 5298683 w 5298683"/>
+              <a:gd name="connsiteY2" fmla="*/ 888178 h 6097438"/>
+              <a:gd name="connsiteX3" fmla="*/ 5298683 w 5298683"/>
+              <a:gd name="connsiteY3" fmla="*/ 5352876 h 6097438"/>
+              <a:gd name="connsiteX4" fmla="*/ 5105473 w 5298683"/>
+              <a:gd name="connsiteY4" fmla="*/ 5528477 h 6097438"/>
+              <a:gd name="connsiteX5" fmla="*/ 4335177 w 5298683"/>
+              <a:gd name="connsiteY5" fmla="*/ 5995828 h 6097438"/>
+              <a:gd name="connsiteX6" fmla="*/ 4057556 w 5298683"/>
+              <a:gd name="connsiteY6" fmla="*/ 6097438 h 6097438"/>
+              <a:gd name="connsiteX7" fmla="*/ 2183499 w 5298683"/>
+              <a:gd name="connsiteY7" fmla="*/ 6097438 h 6097438"/>
+              <a:gd name="connsiteX8" fmla="*/ 1905878 w 5298683"/>
+              <a:gd name="connsiteY8" fmla="*/ 5995828 h 6097438"/>
+              <a:gd name="connsiteX9" fmla="*/ 0 w 5298683"/>
+              <a:gd name="connsiteY9" fmla="*/ 3120527 h 6097438"/>
+              <a:gd name="connsiteX10" fmla="*/ 3120528 w 5298683"/>
+              <a:gd name="connsiteY10" fmla="*/ 0 h 6097438"/>
+            </a:gdLst>
+            <a:ahLst/>
+            <a:cxnLst>
+              <a:cxn ang="0">
+                <a:pos x="connsiteX0" y="connsiteY0"/>
+              </a:cxn>
+              <a:cxn ang="0">
+                <a:pos x="connsiteX1" y="connsiteY1"/>
+              </a:cxn>
+              <a:cxn ang="0">
+                <a:pos x="connsiteX2" y="connsiteY2"/>
+              </a:cxn>
+              <a:cxn ang="0">
+                <a:pos x="connsiteX3" y="connsiteY3"/>
+              </a:cxn>
+              <a:cxn ang="0">
+                <a:pos x="connsiteX4" y="connsiteY4"/>
+              </a:cxn>
+              <a:cxn ang="0">
+                <a:pos x="connsiteX5" y="connsiteY5"/>
+              </a:cxn>
+              <a:cxn ang="0">
+                <a:pos x="connsiteX6" y="connsiteY6"/>
+              </a:cxn>
+              <a:cxn ang="0">
+                <a:pos x="connsiteX7" y="connsiteY7"/>
+              </a:cxn>
+              <a:cxn ang="0">
+                <a:pos x="connsiteX8" y="connsiteY8"/>
+              </a:cxn>
+              <a:cxn ang="0">
+                <a:pos x="connsiteX9" y="connsiteY9"/>
+              </a:cxn>
+              <a:cxn ang="0">
+                <a:pos x="connsiteX10" y="connsiteY10"/>
+              </a:cxn>
+            </a:cxnLst>
+            <a:rect l="l" t="t" r="r" b="b"/>
+            <a:pathLst>
+              <a:path w="5298683" h="6097438">
+                <a:moveTo>
+                  <a:pt x="3120528" y="0"/>
+                </a:moveTo>
+                <a:cubicBezTo>
+                  <a:pt x="3874524" y="0"/>
+                  <a:pt x="4566062" y="267415"/>
+                  <a:pt x="5105473" y="712577"/>
+                </a:cubicBezTo>
+                <a:lnTo>
+                  <a:pt x="5298683" y="888178"/>
+                </a:lnTo>
+                <a:lnTo>
+                  <a:pt x="5298683" y="5352876"/>
+                </a:lnTo>
+                <a:lnTo>
+                  <a:pt x="5105473" y="5528477"/>
+                </a:lnTo>
+                <a:cubicBezTo>
+                  <a:pt x="4874296" y="5719261"/>
+                  <a:pt x="4615179" y="5877397"/>
+                  <a:pt x="4335177" y="5995828"/>
+                </a:cubicBezTo>
+                <a:lnTo>
+                  <a:pt x="4057556" y="6097438"/>
+                </a:lnTo>
+                <a:lnTo>
+                  <a:pt x="2183499" y="6097438"/>
+                </a:lnTo>
+                <a:lnTo>
+                  <a:pt x="1905878" y="5995828"/>
+                </a:lnTo>
+                <a:cubicBezTo>
+                  <a:pt x="785873" y="5522106"/>
+                  <a:pt x="0" y="4413092"/>
+                  <a:pt x="0" y="3120527"/>
+                </a:cubicBezTo>
+                <a:cubicBezTo>
+                  <a:pt x="0" y="1397108"/>
+                  <a:pt x="1397108" y="0"/>
+                  <a:pt x="3120528" y="0"/>
+                </a:cubicBezTo>
+                <a:close/>
+              </a:path>
+            </a:pathLst>
+          </a:custGeom>
+        </p:spPr>
+      </p:pic>
+      <p:sp>
+        <p:nvSpPr>
+          <p:cNvPr id="2" name="Title 1">
+            <a:extLst>
+              <a:ext uri="{FF2B5EF4-FFF2-40B4-BE49-F238E27FC236}">
+                <a16:creationId xmlns:a16="http://schemas.microsoft.com/office/drawing/2014/main" id="{7035F1BC-202E-45ED-A443-7B13BF42F19C}"/>
+              </a:ext>
+            </a:extLst>
+          </p:cNvPr>
+          <p:cNvSpPr>
+            <a:spLocks noGrp="1"/>
+          </p:cNvSpPr>
+          <p:nvPr>
+            <p:ph type="title"/>
+          </p:nvPr>
+        </p:nvSpPr>
+        <p:spPr>
+          <a:xfrm>
+            <a:off x="249477" y="477080"/>
+            <a:ext cx="6593618" cy="1406667"/>
+          </a:xfrm>
+        </p:spPr>
+        <p:txBody>
+          <a:bodyPr>
+            <a:normAutofit/>
+          </a:bodyPr>
+          <a:lstStyle/>
+          <a:p>
+            <a:r>
+              <a:rPr lang="en-IN" b="1" dirty="0">
+                <a:latin typeface="AR JULIAN" panose="02000000000000000000" pitchFamily="2" charset="0"/>
+                <a:cs typeface="Aharoni" panose="02010803020104030203" pitchFamily="2" charset="-79"/>
+              </a:rPr>
+              <a:t>Limitations</a:t>
+            </a:r>
+          </a:p>
+        </p:txBody>
+      </p:sp>
+      <p:sp>
+        <p:nvSpPr>
+          <p:cNvPr id="3" name="Content Placeholder 2">
+            <a:extLst>
+              <a:ext uri="{FF2B5EF4-FFF2-40B4-BE49-F238E27FC236}">
+                <a16:creationId xmlns:a16="http://schemas.microsoft.com/office/drawing/2014/main" id="{D7859ED5-771F-4FFC-AC08-C6A010E59617}"/>
+              </a:ext>
+            </a:extLst>
+          </p:cNvPr>
+          <p:cNvSpPr>
+            <a:spLocks noGrp="1"/>
+          </p:cNvSpPr>
+          <p:nvPr>
+            <p:ph idx="1"/>
+          </p:nvPr>
+        </p:nvSpPr>
+        <p:spPr>
+          <a:xfrm>
+            <a:off x="303155" y="1897974"/>
+            <a:ext cx="6266610" cy="4045626"/>
+          </a:xfrm>
+        </p:spPr>
+        <p:txBody>
+          <a:bodyPr anchor="t">
+            <a:normAutofit/>
+          </a:bodyPr>
+          <a:lstStyle/>
+          <a:p>
+            <a:pPr marL="457200" indent="-457200">
+              <a:buFont typeface="+mj-lt"/>
+              <a:buAutoNum type="arabicPeriod"/>
+            </a:pPr>
+            <a:r>
+              <a:rPr lang="en-IN" sz="2400" dirty="0"/>
+              <a:t>Each participant buys only one ticket for a game.</a:t>
+            </a:r>
+          </a:p>
+          <a:p>
+            <a:pPr marL="457200" indent="-457200">
+              <a:buFont typeface="+mj-lt"/>
+              <a:buAutoNum type="arabicPeriod"/>
+            </a:pPr>
+            <a:r>
+              <a:rPr lang="en-IN" sz="2400" dirty="0"/>
+              <a:t>Minimum number of players in one game is 10.</a:t>
+            </a:r>
+          </a:p>
+          <a:p>
+            <a:pPr marL="457200" indent="-457200">
+              <a:buFont typeface="+mj-lt"/>
+              <a:buAutoNum type="arabicPeriod"/>
+            </a:pPr>
+            <a:r>
+              <a:rPr lang="en-IN" sz="2400" dirty="0"/>
+              <a:t>Maximum number of players in one game is 100.</a:t>
+            </a:r>
+          </a:p>
+          <a:p>
+            <a:pPr marL="457200" indent="-457200">
+              <a:buFont typeface="+mj-lt"/>
+              <a:buAutoNum type="arabicPeriod"/>
+            </a:pPr>
+            <a:r>
+              <a:rPr lang="en-IN" sz="2400" dirty="0"/>
+              <a:t>No coinciding winning occurs.</a:t>
+            </a:r>
+          </a:p>
+          <a:p>
+            <a:pPr marL="457200" indent="-457200">
+              <a:buFont typeface="+mj-lt"/>
+              <a:buAutoNum type="arabicPeriod"/>
+            </a:pPr>
+            <a:r>
+              <a:rPr lang="en-IN" sz="2400" dirty="0"/>
+              <a:t>This simulation is applicable to British Bingo only.</a:t>
+            </a:r>
+          </a:p>
+          <a:p>
+            <a:endParaRPr lang="en-IN" sz="2400" b="1" dirty="0"/>
+          </a:p>
+        </p:txBody>
+      </p:sp>
+    </p:spTree>
+    <p:extLst>
+      <p:ext uri="{BB962C8B-B14F-4D97-AF65-F5344CB8AC3E}">
+        <p14:creationId xmlns:p14="http://schemas.microsoft.com/office/powerpoint/2010/main" val="1796752725"/>
+      </p:ext>
+    </p:extLst>
+  </p:cSld>
+  <p:clrMapOvr>
+    <a:overrideClrMapping bg1="dk1" tx1="lt1" bg2="dk2" tx2="lt2" accent1="accent1" accent2="accent2" accent3="accent3" accent4="accent4" accent5="accent5" accent6="accent6" hlink="hlink" folHlink="folHlink"/>
+  </p:clrMapOvr>
+</p:sld>
+</file>
+
+<file path=ppt/slides/slide21.xml><?xml version="1.0" encoding="utf-8"?>
+<p:sld xmlns:a="http://schemas.openxmlformats.org/drawingml/2006/main" xmlns:r="http://schemas.openxmlformats.org/officeDocument/2006/relationships" xmlns:p="http://schemas.openxmlformats.org/presentationml/2006/main">
+  <p:cSld>
+    <p:bg>
+      <p:bgPr>
+        <a:solidFill>
+          <a:schemeClr val="bg1"/>
+        </a:solidFill>
+        <a:effectLst/>
+      </p:bgPr>
+    </p:bg>
+    <p:spTree>
+      <p:nvGrpSpPr>
+        <p:cNvPr id="1" name=""/>
+        <p:cNvGrpSpPr/>
+        <p:nvPr/>
+      </p:nvGrpSpPr>
+      <p:grpSpPr>
+        <a:xfrm>
+          <a:off x="0" y="0"/>
+          <a:ext cx="0" cy="0"/>
+          <a:chOff x="0" y="0"/>
+          <a:chExt cx="0" cy="0"/>
+        </a:xfrm>
+      </p:grpSpPr>
+      <p:pic>
+        <p:nvPicPr>
+          <p:cNvPr id="7" name="Picture 6">
+            <a:extLst>
+              <a:ext uri="{FF2B5EF4-FFF2-40B4-BE49-F238E27FC236}">
+                <a16:creationId xmlns:a16="http://schemas.microsoft.com/office/drawing/2014/main" id="{8BA2A080-19F8-4969-A685-C648FF8CD3CE}"/>
+              </a:ext>
+            </a:extLst>
+          </p:cNvPr>
+          <p:cNvPicPr>
+            <a:picLocks noChangeAspect="1"/>
+          </p:cNvPicPr>
+          <p:nvPr/>
+        </p:nvPicPr>
+        <p:blipFill rotWithShape="1">
+          <a:blip r:embed="rId2">
+            <a:duotone>
+              <a:prstClr val="black"/>
+              <a:schemeClr val="tx2">
+                <a:tint val="45000"/>
+                <a:satMod val="400000"/>
+              </a:schemeClr>
+            </a:duotone>
+            <a:alphaModFix amt="35000"/>
+            <a:extLst>
+              <a:ext uri="{28A0092B-C50C-407E-A947-70E740481C1C}">
+                <a14:useLocalDpi xmlns:a14="http://schemas.microsoft.com/office/drawing/2010/main" val="0"/>
+              </a:ext>
+            </a:extLst>
+          </a:blip>
+          <a:srcRect t="13681" b="2075"/>
+          <a:stretch/>
+        </p:blipFill>
+        <p:spPr>
+          <a:xfrm>
+            <a:off x="-1" y="0"/>
+            <a:ext cx="12192000" cy="6857990"/>
+          </a:xfrm>
+          <a:prstGeom prst="rect">
+            <a:avLst/>
+          </a:prstGeom>
+        </p:spPr>
+      </p:pic>
+      <p:sp>
+        <p:nvSpPr>
+          <p:cNvPr id="51" name="Freeform 49">
+            <a:extLst>
+              <a:ext uri="{FF2B5EF4-FFF2-40B4-BE49-F238E27FC236}">
+                <a16:creationId xmlns:a16="http://schemas.microsoft.com/office/drawing/2014/main" id="{EF9B8DF2-C3F5-49A2-94D2-F7B65A0F1F15}"/>
+              </a:ext>
+            </a:extLst>
+          </p:cNvPr>
+          <p:cNvSpPr>
+            <a:spLocks noGrp="1" noRot="1" noChangeAspect="1" noMove="1" noResize="1" noEditPoints="1" noAdjustHandles="1" noChangeArrowheads="1" noChangeShapeType="1" noTextEdit="1"/>
+          </p:cNvSpPr>
+          <p:nvPr>
+            <p:extLst>
+              <p:ext uri="{386F3935-93C4-4BCD-93E2-E3B085C9AB24}">
+                <p16:designElem xmlns:p16="http://schemas.microsoft.com/office/powerpoint/2015/main" val="1"/>
+              </p:ext>
+            </p:extLst>
+          </p:nvPr>
+        </p:nvSpPr>
+        <p:spPr>
+          <a:xfrm flipH="1">
+            <a:off x="6713914" y="581159"/>
+            <a:ext cx="5478085" cy="6276841"/>
+          </a:xfrm>
+          <a:custGeom>
+            <a:avLst/>
+            <a:gdLst>
+              <a:gd name="connsiteX0" fmla="*/ 2178155 w 5478085"/>
+              <a:gd name="connsiteY0" fmla="*/ 0 h 6276841"/>
+              <a:gd name="connsiteX1" fmla="*/ 5478085 w 5478085"/>
+              <a:gd name="connsiteY1" fmla="*/ 3299930 h 6276841"/>
+              <a:gd name="connsiteX2" fmla="*/ 3751098 w 5478085"/>
+              <a:gd name="connsiteY2" fmla="*/ 6201577 h 6276841"/>
+              <a:gd name="connsiteX3" fmla="*/ 3594858 w 5478085"/>
+              <a:gd name="connsiteY3" fmla="*/ 6276841 h 6276841"/>
+              <a:gd name="connsiteX4" fmla="*/ 761453 w 5478085"/>
+              <a:gd name="connsiteY4" fmla="*/ 6276841 h 6276841"/>
+              <a:gd name="connsiteX5" fmla="*/ 605213 w 5478085"/>
+              <a:gd name="connsiteY5" fmla="*/ 6201577 h 6276841"/>
+              <a:gd name="connsiteX6" fmla="*/ 79093 w 5478085"/>
+              <a:gd name="connsiteY6" fmla="*/ 5846317 h 6276841"/>
+              <a:gd name="connsiteX7" fmla="*/ 0 w 5478085"/>
+              <a:gd name="connsiteY7" fmla="*/ 5774432 h 6276841"/>
+              <a:gd name="connsiteX8" fmla="*/ 0 w 5478085"/>
+              <a:gd name="connsiteY8" fmla="*/ 825429 h 6276841"/>
+              <a:gd name="connsiteX9" fmla="*/ 79093 w 5478085"/>
+              <a:gd name="connsiteY9" fmla="*/ 753544 h 6276841"/>
+              <a:gd name="connsiteX10" fmla="*/ 2178155 w 5478085"/>
+              <a:gd name="connsiteY10" fmla="*/ 0 h 6276841"/>
+            </a:gdLst>
+            <a:ahLst/>
+            <a:cxnLst>
+              <a:cxn ang="0">
+                <a:pos x="connsiteX0" y="connsiteY0"/>
+              </a:cxn>
+              <a:cxn ang="0">
+                <a:pos x="connsiteX1" y="connsiteY1"/>
+              </a:cxn>
+              <a:cxn ang="0">
+                <a:pos x="connsiteX2" y="connsiteY2"/>
+              </a:cxn>
+              <a:cxn ang="0">
+                <a:pos x="connsiteX3" y="connsiteY3"/>
+              </a:cxn>
+              <a:cxn ang="0">
+                <a:pos x="connsiteX4" y="connsiteY4"/>
+              </a:cxn>
+              <a:cxn ang="0">
+                <a:pos x="connsiteX5" y="connsiteY5"/>
+              </a:cxn>
+              <a:cxn ang="0">
+                <a:pos x="connsiteX6" y="connsiteY6"/>
+              </a:cxn>
+              <a:cxn ang="0">
+                <a:pos x="connsiteX7" y="connsiteY7"/>
+              </a:cxn>
+              <a:cxn ang="0">
+                <a:pos x="connsiteX8" y="connsiteY8"/>
+              </a:cxn>
+              <a:cxn ang="0">
+                <a:pos x="connsiteX9" y="connsiteY9"/>
+              </a:cxn>
+              <a:cxn ang="0">
+                <a:pos x="connsiteX10" y="connsiteY10"/>
+              </a:cxn>
+            </a:cxnLst>
+            <a:rect l="l" t="t" r="r" b="b"/>
+            <a:pathLst>
+              <a:path w="5478085" h="6276841">
+                <a:moveTo>
+                  <a:pt x="2178155" y="0"/>
+                </a:moveTo>
+                <a:cubicBezTo>
+                  <a:pt x="4000656" y="0"/>
+                  <a:pt x="5478085" y="1477429"/>
+                  <a:pt x="5478085" y="3299930"/>
+                </a:cubicBezTo>
+                <a:cubicBezTo>
+                  <a:pt x="5478085" y="4552900"/>
+                  <a:pt x="4779769" y="5642769"/>
+                  <a:pt x="3751098" y="6201577"/>
+                </a:cubicBezTo>
+                <a:lnTo>
+                  <a:pt x="3594858" y="6276841"/>
+                </a:lnTo>
+                <a:lnTo>
+                  <a:pt x="761453" y="6276841"/>
+                </a:lnTo>
+                <a:lnTo>
+                  <a:pt x="605213" y="6201577"/>
+                </a:lnTo>
+                <a:cubicBezTo>
+                  <a:pt x="418182" y="6099975"/>
+                  <a:pt x="242071" y="5980818"/>
+                  <a:pt x="79093" y="5846317"/>
+                </a:cubicBezTo>
+                <a:lnTo>
+                  <a:pt x="0" y="5774432"/>
+                </a:lnTo>
+                <a:lnTo>
+                  <a:pt x="0" y="825429"/>
+                </a:lnTo>
+                <a:lnTo>
+                  <a:pt x="79093" y="753544"/>
+                </a:lnTo>
+                <a:cubicBezTo>
+                  <a:pt x="649516" y="282789"/>
+                  <a:pt x="1380811" y="0"/>
+                  <a:pt x="2178155" y="0"/>
+                </a:cubicBezTo>
+                <a:close/>
+              </a:path>
+            </a:pathLst>
+          </a:custGeom>
+          <a:solidFill>
+            <a:srgbClr val="FFFFFF">
+              <a:alpha val="80000"/>
+            </a:srgbClr>
+          </a:solidFill>
+          <a:ln w="31750">
+            <a:noFill/>
+          </a:ln>
+        </p:spPr>
+        <p:style>
+          <a:lnRef idx="2">
+            <a:schemeClr val="accent1">
+              <a:shade val="50000"/>
+            </a:schemeClr>
+          </a:lnRef>
+          <a:fillRef idx="1">
+            <a:schemeClr val="accent1"/>
+          </a:fillRef>
+          <a:effectRef idx="0">
+            <a:schemeClr val="accent1"/>
+          </a:effectRef>
+          <a:fontRef idx="minor">
+            <a:schemeClr val="lt1"/>
+          </a:fontRef>
+        </p:style>
+        <p:txBody>
+          <a:bodyPr wrap="square" rtlCol="0" anchor="ctr">
+            <a:noAutofit/>
+          </a:bodyPr>
+          <a:lstStyle/>
+          <a:p>
+            <a:pPr marL="0" marR="0" lvl="0" indent="0" algn="ctr" defTabSz="914400" rtl="0" eaLnBrk="1" fontAlgn="auto" latinLnBrk="0" hangingPunct="1">
+              <a:lnSpc>
+                <a:spcPct val="100000"/>
+              </a:lnSpc>
+              <a:spcBef>
+                <a:spcPts val="0"/>
+              </a:spcBef>
+              <a:spcAft>
+                <a:spcPts val="0"/>
+              </a:spcAft>
+              <a:buClrTx/>
+              <a:buSzTx/>
+              <a:buFontTx/>
+              <a:buNone/>
+              <a:tabLst/>
+              <a:defRPr/>
+            </a:pPr>
+            <a:endParaRPr kumimoji="0" lang="en-US" sz="1800" b="0" i="0" u="none" strike="noStrike" kern="1200" cap="none" spc="0" normalizeH="0" baseline="0" noProof="0">
+              <a:ln>
+                <a:noFill/>
+              </a:ln>
+              <a:solidFill>
+                <a:prstClr val="white"/>
+              </a:solidFill>
+              <a:effectLst/>
+              <a:uLnTx/>
+              <a:uFillTx/>
+              <a:latin typeface="Calibri" panose="020F0502020204030204"/>
+              <a:ea typeface="+mn-ea"/>
+              <a:cs typeface="+mn-cs"/>
+            </a:endParaRPr>
+          </a:p>
+        </p:txBody>
+      </p:sp>
+      <p:pic>
+        <p:nvPicPr>
+          <p:cNvPr id="9" name="Picture 8" descr="A picture containing building&#10;&#10;Description generated with high confidence">
+            <a:extLst>
+              <a:ext uri="{FF2B5EF4-FFF2-40B4-BE49-F238E27FC236}">
+                <a16:creationId xmlns:a16="http://schemas.microsoft.com/office/drawing/2014/main" id="{12ED8CBA-3DDA-400E-B2EE-7748A997FAC8}"/>
+              </a:ext>
+            </a:extLst>
+          </p:cNvPr>
+          <p:cNvPicPr>
+            <a:picLocks noChangeAspect="1"/>
+          </p:cNvPicPr>
+          <p:nvPr/>
+        </p:nvPicPr>
+        <p:blipFill rotWithShape="1">
+          <a:blip r:embed="rId3">
+            <a:extLst>
+              <a:ext uri="{28A0092B-C50C-407E-A947-70E740481C1C}">
+                <a14:useLocalDpi xmlns:a14="http://schemas.microsoft.com/office/drawing/2010/main" val="0"/>
+              </a:ext>
+            </a:extLst>
+          </a:blip>
+          <a:srcRect l="18375" r="23620" b="1"/>
+          <a:stretch/>
+        </p:blipFill>
+        <p:spPr>
+          <a:xfrm>
+            <a:off x="6893342" y="760562"/>
+            <a:ext cx="5298683" cy="6097438"/>
+          </a:xfrm>
+          <a:custGeom>
+            <a:avLst/>
+            <a:gdLst>
+              <a:gd name="connsiteX0" fmla="*/ 3120528 w 5298683"/>
+              <a:gd name="connsiteY0" fmla="*/ 0 h 6097438"/>
+              <a:gd name="connsiteX1" fmla="*/ 5105473 w 5298683"/>
+              <a:gd name="connsiteY1" fmla="*/ 712577 h 6097438"/>
+              <a:gd name="connsiteX2" fmla="*/ 5298683 w 5298683"/>
+              <a:gd name="connsiteY2" fmla="*/ 888178 h 6097438"/>
+              <a:gd name="connsiteX3" fmla="*/ 5298683 w 5298683"/>
+              <a:gd name="connsiteY3" fmla="*/ 5352876 h 6097438"/>
+              <a:gd name="connsiteX4" fmla="*/ 5105473 w 5298683"/>
+              <a:gd name="connsiteY4" fmla="*/ 5528477 h 6097438"/>
+              <a:gd name="connsiteX5" fmla="*/ 4335177 w 5298683"/>
+              <a:gd name="connsiteY5" fmla="*/ 5995828 h 6097438"/>
+              <a:gd name="connsiteX6" fmla="*/ 4057556 w 5298683"/>
+              <a:gd name="connsiteY6" fmla="*/ 6097438 h 6097438"/>
+              <a:gd name="connsiteX7" fmla="*/ 2183499 w 5298683"/>
+              <a:gd name="connsiteY7" fmla="*/ 6097438 h 6097438"/>
+              <a:gd name="connsiteX8" fmla="*/ 1905878 w 5298683"/>
+              <a:gd name="connsiteY8" fmla="*/ 5995828 h 6097438"/>
+              <a:gd name="connsiteX9" fmla="*/ 0 w 5298683"/>
+              <a:gd name="connsiteY9" fmla="*/ 3120527 h 6097438"/>
+              <a:gd name="connsiteX10" fmla="*/ 3120528 w 5298683"/>
+              <a:gd name="connsiteY10" fmla="*/ 0 h 6097438"/>
+            </a:gdLst>
+            <a:ahLst/>
+            <a:cxnLst>
+              <a:cxn ang="0">
+                <a:pos x="connsiteX0" y="connsiteY0"/>
+              </a:cxn>
+              <a:cxn ang="0">
+                <a:pos x="connsiteX1" y="connsiteY1"/>
+              </a:cxn>
+              <a:cxn ang="0">
+                <a:pos x="connsiteX2" y="connsiteY2"/>
+              </a:cxn>
+              <a:cxn ang="0">
+                <a:pos x="connsiteX3" y="connsiteY3"/>
+              </a:cxn>
+              <a:cxn ang="0">
+                <a:pos x="connsiteX4" y="connsiteY4"/>
+              </a:cxn>
+              <a:cxn ang="0">
+                <a:pos x="connsiteX5" y="connsiteY5"/>
+              </a:cxn>
+              <a:cxn ang="0">
+                <a:pos x="connsiteX6" y="connsiteY6"/>
+              </a:cxn>
+              <a:cxn ang="0">
+                <a:pos x="connsiteX7" y="connsiteY7"/>
+              </a:cxn>
+              <a:cxn ang="0">
+                <a:pos x="connsiteX8" y="connsiteY8"/>
+              </a:cxn>
+              <a:cxn ang="0">
+                <a:pos x="connsiteX9" y="connsiteY9"/>
+              </a:cxn>
+              <a:cxn ang="0">
+                <a:pos x="connsiteX10" y="connsiteY10"/>
+              </a:cxn>
+            </a:cxnLst>
+            <a:rect l="l" t="t" r="r" b="b"/>
+            <a:pathLst>
+              <a:path w="5298683" h="6097438">
+                <a:moveTo>
+                  <a:pt x="3120528" y="0"/>
+                </a:moveTo>
+                <a:cubicBezTo>
+                  <a:pt x="3874524" y="0"/>
+                  <a:pt x="4566062" y="267415"/>
+                  <a:pt x="5105473" y="712577"/>
+                </a:cubicBezTo>
+                <a:lnTo>
+                  <a:pt x="5298683" y="888178"/>
+                </a:lnTo>
+                <a:lnTo>
+                  <a:pt x="5298683" y="5352876"/>
+                </a:lnTo>
+                <a:lnTo>
+                  <a:pt x="5105473" y="5528477"/>
+                </a:lnTo>
+                <a:cubicBezTo>
+                  <a:pt x="4874296" y="5719261"/>
+                  <a:pt x="4615179" y="5877397"/>
+                  <a:pt x="4335177" y="5995828"/>
+                </a:cubicBezTo>
+                <a:lnTo>
+                  <a:pt x="4057556" y="6097438"/>
+                </a:lnTo>
+                <a:lnTo>
+                  <a:pt x="2183499" y="6097438"/>
+                </a:lnTo>
+                <a:lnTo>
+                  <a:pt x="1905878" y="5995828"/>
+                </a:lnTo>
+                <a:cubicBezTo>
+                  <a:pt x="785873" y="5522106"/>
+                  <a:pt x="0" y="4413092"/>
+                  <a:pt x="0" y="3120527"/>
+                </a:cubicBezTo>
+                <a:cubicBezTo>
+                  <a:pt x="0" y="1397108"/>
+                  <a:pt x="1397108" y="0"/>
+                  <a:pt x="3120528" y="0"/>
+                </a:cubicBezTo>
+                <a:close/>
+              </a:path>
+            </a:pathLst>
+          </a:custGeom>
+        </p:spPr>
+      </p:pic>
+      <p:sp>
+        <p:nvSpPr>
+          <p:cNvPr id="2" name="Title 1">
+            <a:extLst>
+              <a:ext uri="{FF2B5EF4-FFF2-40B4-BE49-F238E27FC236}">
+                <a16:creationId xmlns:a16="http://schemas.microsoft.com/office/drawing/2014/main" id="{7035F1BC-202E-45ED-A443-7B13BF42F19C}"/>
+              </a:ext>
+            </a:extLst>
+          </p:cNvPr>
+          <p:cNvSpPr>
+            <a:spLocks noGrp="1"/>
+          </p:cNvSpPr>
+          <p:nvPr>
+            <p:ph type="title"/>
+          </p:nvPr>
+        </p:nvSpPr>
+        <p:spPr>
+          <a:xfrm>
             <a:off x="0" y="1351686"/>
             <a:ext cx="7737651" cy="3955835"/>
           </a:xfrm>
@@ -6237,7 +14176,7 @@
 </p:sld>
 </file>
 
-<file path=ppt/slides/slide14.xml><?xml version="1.0" encoding="utf-8"?>
+<file path=ppt/slides/slide22.xml><?xml version="1.0" encoding="utf-8"?>
 <p:sld xmlns:a="http://schemas.openxmlformats.org/drawingml/2006/main" xmlns:r="http://schemas.openxmlformats.org/officeDocument/2006/relationships" xmlns:p="http://schemas.openxmlformats.org/presentationml/2006/main">
   <p:cSld>
     <p:bg>
@@ -6469,7 +14408,7 @@
 </p:sld>
 </file>
 
-<file path=ppt/slides/slide2.xml><?xml version="1.0" encoding="utf-8"?>
+<file path=ppt/slides/slide3.xml><?xml version="1.0" encoding="utf-8"?>
 <p:sld xmlns:a="http://schemas.openxmlformats.org/drawingml/2006/main" xmlns:r="http://schemas.openxmlformats.org/officeDocument/2006/relationships" xmlns:p="http://schemas.openxmlformats.org/presentationml/2006/main">
   <p:cSld>
     <p:bg>
@@ -6529,7 +14468,7 @@
         </p:blipFill>
         <p:spPr>
           <a:xfrm>
-            <a:off x="0" y="10"/>
+            <a:off x="0" y="0"/>
             <a:ext cx="12192000" cy="6857990"/>
           </a:xfrm>
           <a:prstGeom prst="rect">
@@ -6897,7 +14836,7 @@
         </p:nvSpPr>
         <p:spPr>
           <a:xfrm>
-            <a:off x="632133" y="506896"/>
+            <a:off x="718291" y="238540"/>
             <a:ext cx="5277333" cy="1325563"/>
           </a:xfrm>
         </p:spPr>
@@ -6912,7 +14851,7 @@
                 <a:latin typeface="AR JULIAN" panose="02000000000000000000" pitchFamily="2" charset="0"/>
                 <a:cs typeface="Aharoni" panose="02010803020104030203" pitchFamily="2" charset="-79"/>
               </a:rPr>
-              <a:t>Objective</a:t>
+              <a:t>Let’s Talk About the Game</a:t>
             </a:r>
           </a:p>
         </p:txBody>
@@ -6935,8 +14874,8 @@
         </p:nvSpPr>
         <p:spPr>
           <a:xfrm>
-            <a:off x="632133" y="2069720"/>
-            <a:ext cx="5272888" cy="3479122"/>
+            <a:off x="617915" y="1935541"/>
+            <a:ext cx="5478085" cy="4604407"/>
           </a:xfrm>
         </p:spPr>
         <p:txBody>
@@ -6946,25 +14885,58 @@
           <a:lstStyle/>
           <a:p>
             <a:r>
-              <a:rPr lang="en-IN" b="1" dirty="0"/>
-              <a:t>Simulate a particular scenario of the game to understand Monte Carlo simulation and its application in real world</a:t>
+              <a:rPr lang="en-IN" sz="2400" b="1" dirty="0"/>
+              <a:t>Bingo is a game of probability in which players mark off numbers on cards as the numbers are drawn randomly by a caller</a:t>
             </a:r>
           </a:p>
           <a:p>
-            <a:endParaRPr lang="en-IN" b="1" dirty="0"/>
+            <a:endParaRPr lang="en-IN" sz="2400" b="1" dirty="0"/>
           </a:p>
           <a:p>
             <a:r>
-              <a:rPr lang="en-IN" b="1" dirty="0"/>
-              <a:t>Based on the results, take an informed decision</a:t>
+              <a:rPr lang="en-IN" sz="2400" b="1" dirty="0"/>
+              <a:t>The person, who strikes off all or some numbers first, wins</a:t>
             </a:r>
+          </a:p>
+          <a:p>
+            <a:endParaRPr lang="en-IN" sz="2400" b="1" dirty="0"/>
+          </a:p>
+          <a:p>
+            <a:r>
+              <a:rPr lang="en-IN" sz="2400" b="1" dirty="0"/>
+              <a:t>Two variations of the game:</a:t>
+            </a:r>
+          </a:p>
+          <a:p>
+            <a:pPr marL="0" indent="0">
+              <a:buNone/>
+            </a:pPr>
+            <a:r>
+              <a:rPr lang="en-IN" sz="2400" b="1" dirty="0"/>
+              <a:t>	- American Bingo</a:t>
+            </a:r>
+          </a:p>
+          <a:p>
+            <a:pPr marL="0" indent="0">
+              <a:buNone/>
+            </a:pPr>
+            <a:r>
+              <a:rPr lang="en-IN" sz="2400" b="1" dirty="0"/>
+              <a:t>	- British Bingo</a:t>
+            </a:r>
+          </a:p>
+          <a:p>
+            <a:pPr marL="0" indent="0">
+              <a:buNone/>
+            </a:pPr>
+            <a:endParaRPr lang="en-IN" sz="2400" dirty="0"/>
           </a:p>
         </p:txBody>
       </p:sp>
     </p:spTree>
     <p:extLst>
       <p:ext uri="{BB962C8B-B14F-4D97-AF65-F5344CB8AC3E}">
-        <p14:creationId xmlns:p14="http://schemas.microsoft.com/office/powerpoint/2010/main" val="3569621365"/>
+        <p14:creationId xmlns:p14="http://schemas.microsoft.com/office/powerpoint/2010/main" val="2391320961"/>
       </p:ext>
     </p:extLst>
   </p:cSld>
@@ -6974,7 +14946,7 @@
 </p:sld>
 </file>
 
-<file path=ppt/slides/slide3.xml><?xml version="1.0" encoding="utf-8"?>
+<file path=ppt/slides/slide4.xml><?xml version="1.0" encoding="utf-8"?>
 <p:sld xmlns:a="http://schemas.openxmlformats.org/drawingml/2006/main" xmlns:r="http://schemas.openxmlformats.org/officeDocument/2006/relationships" xmlns:p="http://schemas.openxmlformats.org/presentationml/2006/main">
   <p:cSld>
     <p:bg>
@@ -7034,7 +15006,7 @@
         </p:blipFill>
         <p:spPr>
           <a:xfrm>
-            <a:off x="0" y="0"/>
+            <a:off x="0" y="10"/>
             <a:ext cx="12192000" cy="6857990"/>
           </a:xfrm>
           <a:prstGeom prst="rect">
@@ -7402,7 +15374,7 @@
         </p:nvSpPr>
         <p:spPr>
           <a:xfrm>
-            <a:off x="718291" y="238540"/>
+            <a:off x="537774" y="145428"/>
             <a:ext cx="5277333" cy="1325563"/>
           </a:xfrm>
         </p:spPr>
@@ -7417,7 +15389,7 @@
                 <a:latin typeface="AR JULIAN" panose="02000000000000000000" pitchFamily="2" charset="0"/>
                 <a:cs typeface="Aharoni" panose="02010803020104030203" pitchFamily="2" charset="-79"/>
               </a:rPr>
-              <a:t>Let’s Talk About the Game</a:t>
+              <a:t>British Bingo</a:t>
             </a:r>
           </a:p>
         </p:txBody>
@@ -7440,8 +15412,8 @@
         </p:nvSpPr>
         <p:spPr>
           <a:xfrm>
-            <a:off x="617915" y="1935541"/>
-            <a:ext cx="5478085" cy="4604407"/>
+            <a:off x="437397" y="1433614"/>
+            <a:ext cx="5478085" cy="4751333"/>
           </a:xfrm>
         </p:spPr>
         <p:txBody>
@@ -7452,57 +15424,253 @@
           <a:p>
             <a:r>
               <a:rPr lang="en-IN" sz="2400" b="1" dirty="0"/>
-              <a:t>Bingo is a game of probability in which players mark off numbers on cards as the numbers are drawn randomly by a caller</a:t>
+              <a:t>Each player first buys a ticket in order to participate in the game</a:t>
             </a:r>
           </a:p>
           <a:p>
             <a:endParaRPr lang="en-IN" sz="2400" b="1" dirty="0"/>
           </a:p>
           <a:p>
-            <a:r>
-              <a:rPr lang="en-IN" sz="2400" b="1" dirty="0"/>
-              <a:t>The person, who strikes off all or some numbers first, wins</a:t>
-            </a:r>
-          </a:p>
-          <a:p>
             <a:endParaRPr lang="en-IN" sz="2400" b="1" dirty="0"/>
           </a:p>
           <a:p>
-            <a:r>
-              <a:rPr lang="en-IN" sz="2400" b="1" dirty="0"/>
-              <a:t>Two variations of the game:</a:t>
-            </a:r>
+            <a:endParaRPr lang="en-IN" sz="2400" b="1" dirty="0"/>
+          </a:p>
+          <a:p>
+            <a:endParaRPr lang="en-IN" sz="2400" b="1" dirty="0"/>
+          </a:p>
+          <a:p>
+            <a:endParaRPr lang="en-IN" sz="2400" b="1" dirty="0"/>
+          </a:p>
+          <a:p>
+            <a:endParaRPr lang="en-IN" sz="2400" b="1" dirty="0"/>
           </a:p>
           <a:p>
             <a:pPr marL="0" indent="0">
               <a:buNone/>
             </a:pPr>
+            <a:endParaRPr lang="en-IN" sz="2400" b="1" dirty="0"/>
+          </a:p>
+          <a:p>
             <a:r>
               <a:rPr lang="en-IN" sz="2400" b="1" dirty="0"/>
-              <a:t>	- American Bingo</a:t>
+              <a:t>4 blanks and 5 random numbers in each row ranging between 1 and 90</a:t>
             </a:r>
           </a:p>
-          <a:p>
-            <a:pPr marL="0" indent="0">
-              <a:buNone/>
-            </a:pPr>
+        </p:txBody>
+      </p:sp>
+      <p:pic>
+        <p:nvPicPr>
+          <p:cNvPr id="5" name="Picture 4" descr="A close up of a screen&#10;&#10;Description generated with very high confidence">
+            <a:extLst>
+              <a:ext uri="{FF2B5EF4-FFF2-40B4-BE49-F238E27FC236}">
+                <a16:creationId xmlns:a16="http://schemas.microsoft.com/office/drawing/2014/main" id="{32058F50-9A5D-4C5B-B18F-DBAFF14149C2}"/>
+              </a:ext>
+            </a:extLst>
+          </p:cNvPr>
+          <p:cNvPicPr>
+            <a:picLocks noChangeAspect="1"/>
+          </p:cNvPicPr>
+          <p:nvPr/>
+        </p:nvPicPr>
+        <p:blipFill>
+          <a:blip r:embed="rId4">
+            <a:extLst>
+              <a:ext uri="{28A0092B-C50C-407E-A947-70E740481C1C}">
+                <a14:useLocalDpi xmlns:a14="http://schemas.microsoft.com/office/drawing/2010/main" val="0"/>
+              </a:ext>
+            </a:extLst>
+          </a:blip>
+          <a:stretch>
+            <a:fillRect/>
+          </a:stretch>
+        </p:blipFill>
+        <p:spPr>
+          <a:xfrm>
+            <a:off x="537774" y="2341591"/>
+            <a:ext cx="4642694" cy="1873327"/>
+          </a:xfrm>
+          <a:prstGeom prst="rect">
+            <a:avLst/>
+          </a:prstGeom>
+        </p:spPr>
+      </p:pic>
+      <p:sp>
+        <p:nvSpPr>
+          <p:cNvPr id="8" name="Right Brace 7">
+            <a:extLst>
+              <a:ext uri="{FF2B5EF4-FFF2-40B4-BE49-F238E27FC236}">
+                <a16:creationId xmlns:a16="http://schemas.microsoft.com/office/drawing/2014/main" id="{76211A73-C8F4-41BC-8C6B-1E94CA0FC8A0}"/>
+              </a:ext>
+            </a:extLst>
+          </p:cNvPr>
+          <p:cNvSpPr/>
+          <p:nvPr/>
+        </p:nvSpPr>
+        <p:spPr>
+          <a:xfrm>
+            <a:off x="4975022" y="2588324"/>
+            <a:ext cx="712161" cy="1373258"/>
+          </a:xfrm>
+          <a:prstGeom prst="rightBrace">
+            <a:avLst/>
+          </a:prstGeom>
+          <a:noFill/>
+          <a:ln w="19050">
+            <a:solidFill>
+              <a:schemeClr val="tx1"/>
+            </a:solidFill>
+          </a:ln>
+        </p:spPr>
+        <p:style>
+          <a:lnRef idx="1">
+            <a:schemeClr val="accent1"/>
+          </a:lnRef>
+          <a:fillRef idx="0">
+            <a:schemeClr val="accent1"/>
+          </a:fillRef>
+          <a:effectRef idx="0">
+            <a:schemeClr val="accent1"/>
+          </a:effectRef>
+          <a:fontRef idx="minor">
+            <a:schemeClr val="tx1"/>
+          </a:fontRef>
+        </p:style>
+        <p:txBody>
+          <a:bodyPr rtlCol="0" anchor="ctr"/>
+          <a:lstStyle/>
+          <a:p>
+            <a:pPr algn="ctr"/>
+            <a:endParaRPr lang="en-IN" dirty="0"/>
+          </a:p>
+        </p:txBody>
+      </p:sp>
+      <p:sp>
+        <p:nvSpPr>
+          <p:cNvPr id="10" name="Right Brace 9">
+            <a:extLst>
+              <a:ext uri="{FF2B5EF4-FFF2-40B4-BE49-F238E27FC236}">
+                <a16:creationId xmlns:a16="http://schemas.microsoft.com/office/drawing/2014/main" id="{7F895B6A-8167-416F-A92C-C020DA576432}"/>
+              </a:ext>
+            </a:extLst>
+          </p:cNvPr>
+          <p:cNvSpPr/>
+          <p:nvPr/>
+        </p:nvSpPr>
+        <p:spPr>
+          <a:xfrm rot="5400000">
+            <a:off x="2540239" y="2273949"/>
+            <a:ext cx="637762" cy="4153495"/>
+          </a:xfrm>
+          <a:prstGeom prst="rightBrace">
+            <a:avLst>
+              <a:gd name="adj1" fmla="val 8333"/>
+              <a:gd name="adj2" fmla="val 50323"/>
+            </a:avLst>
+          </a:prstGeom>
+          <a:ln w="19050">
+            <a:solidFill>
+              <a:schemeClr val="tx1"/>
+            </a:solidFill>
+          </a:ln>
+        </p:spPr>
+        <p:style>
+          <a:lnRef idx="1">
+            <a:schemeClr val="accent1"/>
+          </a:lnRef>
+          <a:fillRef idx="0">
+            <a:schemeClr val="accent1"/>
+          </a:fillRef>
+          <a:effectRef idx="0">
+            <a:schemeClr val="accent1"/>
+          </a:effectRef>
+          <a:fontRef idx="minor">
+            <a:schemeClr val="tx1"/>
+          </a:fontRef>
+        </p:style>
+        <p:txBody>
+          <a:bodyPr rtlCol="0" anchor="ctr"/>
+          <a:lstStyle/>
+          <a:p>
+            <a:pPr algn="ctr"/>
+            <a:endParaRPr lang="en-IN"/>
+          </a:p>
+        </p:txBody>
+      </p:sp>
+      <p:sp>
+        <p:nvSpPr>
+          <p:cNvPr id="11" name="TextBox 10">
+            <a:extLst>
+              <a:ext uri="{FF2B5EF4-FFF2-40B4-BE49-F238E27FC236}">
+                <a16:creationId xmlns:a16="http://schemas.microsoft.com/office/drawing/2014/main" id="{7782AC9D-CA76-4C60-9578-2408D253DE6F}"/>
+              </a:ext>
+            </a:extLst>
+          </p:cNvPr>
+          <p:cNvSpPr txBox="1"/>
+          <p:nvPr/>
+        </p:nvSpPr>
+        <p:spPr>
+          <a:xfrm>
+            <a:off x="5797753" y="3041422"/>
+            <a:ext cx="1054753" cy="400110"/>
+          </a:xfrm>
+          <a:prstGeom prst="rect">
+            <a:avLst/>
+          </a:prstGeom>
+          <a:noFill/>
+        </p:spPr>
+        <p:txBody>
+          <a:bodyPr wrap="square" rtlCol="0">
+            <a:spAutoFit/>
+          </a:bodyPr>
+          <a:lstStyle/>
+          <a:p>
             <a:r>
-              <a:rPr lang="en-IN" sz="2400" b="1" dirty="0"/>
-              <a:t>	- British Bingo</a:t>
+              <a:rPr lang="en-IN" sz="2000" dirty="0"/>
+              <a:t>3 rows</a:t>
             </a:r>
           </a:p>
-          <a:p>
-            <a:pPr marL="0" indent="0">
-              <a:buNone/>
-            </a:pPr>
-            <a:endParaRPr lang="en-IN" sz="2400" dirty="0"/>
+        </p:txBody>
+      </p:sp>
+      <p:sp>
+        <p:nvSpPr>
+          <p:cNvPr id="13" name="TextBox 12">
+            <a:extLst>
+              <a:ext uri="{FF2B5EF4-FFF2-40B4-BE49-F238E27FC236}">
+                <a16:creationId xmlns:a16="http://schemas.microsoft.com/office/drawing/2014/main" id="{B8E330A8-13F3-435B-918F-F34BEE8F5390}"/>
+              </a:ext>
+            </a:extLst>
+          </p:cNvPr>
+          <p:cNvSpPr txBox="1"/>
+          <p:nvPr/>
+        </p:nvSpPr>
+        <p:spPr>
+          <a:xfrm>
+            <a:off x="2235695" y="4685408"/>
+            <a:ext cx="1402027" cy="400110"/>
+          </a:xfrm>
+          <a:prstGeom prst="rect">
+            <a:avLst/>
+          </a:prstGeom>
+          <a:noFill/>
+        </p:spPr>
+        <p:txBody>
+          <a:bodyPr wrap="square" rtlCol="0">
+            <a:spAutoFit/>
+          </a:bodyPr>
+          <a:lstStyle/>
+          <a:p>
+            <a:r>
+              <a:rPr lang="en-IN" sz="2000" dirty="0"/>
+              <a:t>9 columns</a:t>
+            </a:r>
           </a:p>
         </p:txBody>
       </p:sp>
     </p:spTree>
     <p:extLst>
       <p:ext uri="{BB962C8B-B14F-4D97-AF65-F5344CB8AC3E}">
-        <p14:creationId xmlns:p14="http://schemas.microsoft.com/office/powerpoint/2010/main" val="2391320961"/>
+        <p14:creationId xmlns:p14="http://schemas.microsoft.com/office/powerpoint/2010/main" val="1168369243"/>
       </p:ext>
     </p:extLst>
   </p:cSld>
@@ -7512,7 +15680,7 @@
 </p:sld>
 </file>
 
-<file path=ppt/slides/slide4.xml><?xml version="1.0" encoding="utf-8"?>
+<file path=ppt/slides/slide5.xml><?xml version="1.0" encoding="utf-8"?>
 <p:sld xmlns:a="http://schemas.openxmlformats.org/drawingml/2006/main" xmlns:r="http://schemas.openxmlformats.org/officeDocument/2006/relationships" xmlns:p="http://schemas.openxmlformats.org/presentationml/2006/main">
   <p:cSld>
     <p:bg>
@@ -7572,7 +15740,7 @@
         </p:blipFill>
         <p:spPr>
           <a:xfrm>
-            <a:off x="0" y="10"/>
+            <a:off x="-1" y="10"/>
             <a:ext cx="12192000" cy="6857990"/>
           </a:xfrm>
           <a:prstGeom prst="rect">
@@ -7940,7 +16108,7 @@
         </p:nvSpPr>
         <p:spPr>
           <a:xfrm>
-            <a:off x="537774" y="145428"/>
+            <a:off x="612252" y="581159"/>
             <a:ext cx="5277333" cy="1325563"/>
           </a:xfrm>
         </p:spPr>
@@ -7978,257 +16146,61 @@
         </p:nvSpPr>
         <p:spPr>
           <a:xfrm>
-            <a:off x="437397" y="1433614"/>
-            <a:ext cx="5478085" cy="4751333"/>
+            <a:off x="511877" y="2086789"/>
+            <a:ext cx="5478085" cy="3747479"/>
           </a:xfrm>
         </p:spPr>
         <p:txBody>
           <a:bodyPr anchor="t">
-            <a:normAutofit/>
+            <a:noAutofit/>
           </a:bodyPr>
           <a:lstStyle/>
           <a:p>
             <a:r>
-              <a:rPr lang="en-IN" sz="2400" b="1" dirty="0"/>
-              <a:t>Each player first buys a ticket in order to participate in the game</a:t>
+              <a:rPr lang="en-IN" b="1" dirty="0"/>
+              <a:t>The usual winning combinations are:</a:t>
             </a:r>
-          </a:p>
-          <a:p>
-            <a:endParaRPr lang="en-IN" sz="2400" b="1" dirty="0"/>
-          </a:p>
-          <a:p>
-            <a:endParaRPr lang="en-IN" sz="2400" b="1" dirty="0"/>
-          </a:p>
-          <a:p>
-            <a:endParaRPr lang="en-IN" sz="2400" b="1" dirty="0"/>
-          </a:p>
-          <a:p>
-            <a:endParaRPr lang="en-IN" sz="2400" b="1" dirty="0"/>
-          </a:p>
-          <a:p>
-            <a:endParaRPr lang="en-IN" sz="2400" b="1" dirty="0"/>
-          </a:p>
-          <a:p>
-            <a:endParaRPr lang="en-IN" sz="2400" b="1" dirty="0"/>
           </a:p>
           <a:p>
             <a:pPr marL="0" indent="0">
               <a:buNone/>
             </a:pPr>
-            <a:endParaRPr lang="en-IN" sz="2400" b="1" dirty="0"/>
-          </a:p>
-          <a:p>
             <a:r>
-              <a:rPr lang="en-IN" sz="2400" b="1" dirty="0"/>
-              <a:t>4 blanks and 5 random numbers in each row ranging between 1 and 90</a:t>
+              <a:rPr lang="en-IN" b="1" dirty="0"/>
+              <a:t>	1. Single line</a:t>
             </a:r>
           </a:p>
-        </p:txBody>
-      </p:sp>
-      <p:pic>
-        <p:nvPicPr>
-          <p:cNvPr id="5" name="Picture 4" descr="A close up of a screen&#10;&#10;Description generated with very high confidence">
-            <a:extLst>
-              <a:ext uri="{FF2B5EF4-FFF2-40B4-BE49-F238E27FC236}">
-                <a16:creationId xmlns:a16="http://schemas.microsoft.com/office/drawing/2014/main" id="{32058F50-9A5D-4C5B-B18F-DBAFF14149C2}"/>
-              </a:ext>
-            </a:extLst>
-          </p:cNvPr>
-          <p:cNvPicPr>
-            <a:picLocks noChangeAspect="1"/>
-          </p:cNvPicPr>
-          <p:nvPr/>
-        </p:nvPicPr>
-        <p:blipFill>
-          <a:blip r:embed="rId4">
-            <a:extLst>
-              <a:ext uri="{28A0092B-C50C-407E-A947-70E740481C1C}">
-                <a14:useLocalDpi xmlns:a14="http://schemas.microsoft.com/office/drawing/2010/main" val="0"/>
-              </a:ext>
-            </a:extLst>
-          </a:blip>
-          <a:stretch>
-            <a:fillRect/>
-          </a:stretch>
-        </p:blipFill>
-        <p:spPr>
-          <a:xfrm>
-            <a:off x="537774" y="2341591"/>
-            <a:ext cx="4642694" cy="1873327"/>
-          </a:xfrm>
-          <a:prstGeom prst="rect">
-            <a:avLst/>
-          </a:prstGeom>
-        </p:spPr>
-      </p:pic>
-      <p:sp>
-        <p:nvSpPr>
-          <p:cNvPr id="8" name="Right Brace 7">
-            <a:extLst>
-              <a:ext uri="{FF2B5EF4-FFF2-40B4-BE49-F238E27FC236}">
-                <a16:creationId xmlns:a16="http://schemas.microsoft.com/office/drawing/2014/main" id="{76211A73-C8F4-41BC-8C6B-1E94CA0FC8A0}"/>
-              </a:ext>
-            </a:extLst>
-          </p:cNvPr>
-          <p:cNvSpPr/>
-          <p:nvPr/>
-        </p:nvSpPr>
-        <p:spPr>
-          <a:xfrm>
-            <a:off x="4975022" y="2588324"/>
-            <a:ext cx="712161" cy="1373258"/>
-          </a:xfrm>
-          <a:prstGeom prst="rightBrace">
-            <a:avLst/>
-          </a:prstGeom>
-          <a:noFill/>
-          <a:ln w="19050">
-            <a:solidFill>
-              <a:schemeClr val="tx1"/>
-            </a:solidFill>
-          </a:ln>
-        </p:spPr>
-        <p:style>
-          <a:lnRef idx="1">
-            <a:schemeClr val="accent1"/>
-          </a:lnRef>
-          <a:fillRef idx="0">
-            <a:schemeClr val="accent1"/>
-          </a:fillRef>
-          <a:effectRef idx="0">
-            <a:schemeClr val="accent1"/>
-          </a:effectRef>
-          <a:fontRef idx="minor">
-            <a:schemeClr val="tx1"/>
-          </a:fontRef>
-        </p:style>
-        <p:txBody>
-          <a:bodyPr rtlCol="0" anchor="ctr"/>
-          <a:lstStyle/>
-          <a:p>
-            <a:pPr algn="ctr"/>
-            <a:endParaRPr lang="en-IN" dirty="0"/>
-          </a:p>
-        </p:txBody>
-      </p:sp>
-      <p:sp>
-        <p:nvSpPr>
-          <p:cNvPr id="10" name="Right Brace 9">
-            <a:extLst>
-              <a:ext uri="{FF2B5EF4-FFF2-40B4-BE49-F238E27FC236}">
-                <a16:creationId xmlns:a16="http://schemas.microsoft.com/office/drawing/2014/main" id="{7F895B6A-8167-416F-A92C-C020DA576432}"/>
-              </a:ext>
-            </a:extLst>
-          </p:cNvPr>
-          <p:cNvSpPr/>
-          <p:nvPr/>
-        </p:nvSpPr>
-        <p:spPr>
-          <a:xfrm rot="5400000">
-            <a:off x="2540239" y="2273949"/>
-            <a:ext cx="637762" cy="4153495"/>
-          </a:xfrm>
-          <a:prstGeom prst="rightBrace">
-            <a:avLst>
-              <a:gd name="adj1" fmla="val 8333"/>
-              <a:gd name="adj2" fmla="val 50323"/>
-            </a:avLst>
-          </a:prstGeom>
-          <a:ln w="19050">
-            <a:solidFill>
-              <a:schemeClr val="tx1"/>
-            </a:solidFill>
-          </a:ln>
-        </p:spPr>
-        <p:style>
-          <a:lnRef idx="1">
-            <a:schemeClr val="accent1"/>
-          </a:lnRef>
-          <a:fillRef idx="0">
-            <a:schemeClr val="accent1"/>
-          </a:fillRef>
-          <a:effectRef idx="0">
-            <a:schemeClr val="accent1"/>
-          </a:effectRef>
-          <a:fontRef idx="minor">
-            <a:schemeClr val="tx1"/>
-          </a:fontRef>
-        </p:style>
-        <p:txBody>
-          <a:bodyPr rtlCol="0" anchor="ctr"/>
-          <a:lstStyle/>
-          <a:p>
-            <a:pPr algn="ctr"/>
-            <a:endParaRPr lang="en-IN"/>
-          </a:p>
-        </p:txBody>
-      </p:sp>
-      <p:sp>
-        <p:nvSpPr>
-          <p:cNvPr id="11" name="TextBox 10">
-            <a:extLst>
-              <a:ext uri="{FF2B5EF4-FFF2-40B4-BE49-F238E27FC236}">
-                <a16:creationId xmlns:a16="http://schemas.microsoft.com/office/drawing/2014/main" id="{7782AC9D-CA76-4C60-9578-2408D253DE6F}"/>
-              </a:ext>
-            </a:extLst>
-          </p:cNvPr>
-          <p:cNvSpPr txBox="1"/>
-          <p:nvPr/>
-        </p:nvSpPr>
-        <p:spPr>
-          <a:xfrm>
-            <a:off x="5797753" y="3041422"/>
-            <a:ext cx="1054753" cy="400110"/>
-          </a:xfrm>
-          <a:prstGeom prst="rect">
-            <a:avLst/>
-          </a:prstGeom>
-          <a:noFill/>
-        </p:spPr>
-        <p:txBody>
-          <a:bodyPr wrap="square" rtlCol="0">
-            <a:spAutoFit/>
-          </a:bodyPr>
-          <a:lstStyle/>
-          <a:p>
+          <a:p>
+            <a:pPr marL="0" indent="0">
+              <a:buNone/>
+            </a:pPr>
             <a:r>
-              <a:rPr lang="en-IN" sz="2000" dirty="0"/>
-              <a:t>3 rows</a:t>
+              <a:rPr lang="en-IN" b="1" dirty="0"/>
+              <a:t>	2. Double line</a:t>
             </a:r>
           </a:p>
-        </p:txBody>
-      </p:sp>
-      <p:sp>
-        <p:nvSpPr>
-          <p:cNvPr id="13" name="TextBox 12">
-            <a:extLst>
-              <a:ext uri="{FF2B5EF4-FFF2-40B4-BE49-F238E27FC236}">
-                <a16:creationId xmlns:a16="http://schemas.microsoft.com/office/drawing/2014/main" id="{B8E330A8-13F3-435B-918F-F34BEE8F5390}"/>
-              </a:ext>
-            </a:extLst>
-          </p:cNvPr>
-          <p:cNvSpPr txBox="1"/>
-          <p:nvPr/>
-        </p:nvSpPr>
-        <p:spPr>
-          <a:xfrm>
-            <a:off x="2235695" y="4685408"/>
-            <a:ext cx="1402027" cy="400110"/>
-          </a:xfrm>
-          <a:prstGeom prst="rect">
-            <a:avLst/>
-          </a:prstGeom>
-          <a:noFill/>
-        </p:spPr>
-        <p:txBody>
-          <a:bodyPr wrap="square" rtlCol="0">
-            <a:spAutoFit/>
-          </a:bodyPr>
-          <a:lstStyle/>
-          <a:p>
+          <a:p>
+            <a:pPr marL="0" indent="0">
+              <a:buNone/>
+            </a:pPr>
             <a:r>
-              <a:rPr lang="en-IN" sz="2000" dirty="0"/>
-              <a:t>9 columns</a:t>
+              <a:rPr lang="en-IN" b="1" dirty="0"/>
+              <a:t>	3. Four Corners</a:t>
+            </a:r>
+          </a:p>
+          <a:p>
+            <a:pPr marL="0" indent="0">
+              <a:buNone/>
+            </a:pPr>
+            <a:r>
+              <a:rPr lang="en-IN" b="1" dirty="0"/>
+              <a:t>	4. Full house</a:t>
+            </a:r>
+          </a:p>
+          <a:p>
+            <a:r>
+              <a:rPr lang="en-IN" b="1" dirty="0"/>
+              <a:t>Each winning combination is associated with a particular prize amount</a:t>
             </a:r>
           </a:p>
         </p:txBody>
@@ -8236,7 +16208,7 @@
     </p:spTree>
     <p:extLst>
       <p:ext uri="{BB962C8B-B14F-4D97-AF65-F5344CB8AC3E}">
-        <p14:creationId xmlns:p14="http://schemas.microsoft.com/office/powerpoint/2010/main" val="1168369243"/>
+        <p14:creationId xmlns:p14="http://schemas.microsoft.com/office/powerpoint/2010/main" val="1878666372"/>
       </p:ext>
     </p:extLst>
   </p:cSld>
@@ -8246,7 +16218,7 @@
 </p:sld>
 </file>
 
-<file path=ppt/slides/slide5.xml><?xml version="1.0" encoding="utf-8"?>
+<file path=ppt/slides/slide6.xml><?xml version="1.0" encoding="utf-8"?>
 <p:sld xmlns:a="http://schemas.openxmlformats.org/drawingml/2006/main" xmlns:r="http://schemas.openxmlformats.org/officeDocument/2006/relationships" xmlns:p="http://schemas.openxmlformats.org/presentationml/2006/main">
   <p:cSld>
     <p:bg>
@@ -8689,7 +16661,7 @@
                 <a:latin typeface="AR JULIAN" panose="02000000000000000000" pitchFamily="2" charset="0"/>
                 <a:cs typeface="Aharoni" panose="02010803020104030203" pitchFamily="2" charset="-79"/>
               </a:rPr>
-              <a:t>British Bingo</a:t>
+              <a:t>Scenario</a:t>
             </a:r>
           </a:p>
         </p:txBody>
@@ -8713,60 +16685,64 @@
         <p:spPr>
           <a:xfrm>
             <a:off x="511877" y="2086789"/>
-            <a:ext cx="5478085" cy="3747479"/>
+            <a:ext cx="5478085" cy="4190052"/>
           </a:xfrm>
         </p:spPr>
         <p:txBody>
           <a:bodyPr anchor="t">
-            <a:noAutofit/>
+            <a:normAutofit lnSpcReduction="10000"/>
           </a:bodyPr>
           <a:lstStyle/>
           <a:p>
             <a:r>
               <a:rPr lang="en-IN" b="1" dirty="0"/>
-              <a:t>The usual winning combinations are:</a:t>
+              <a:t>A Bingo Club is planning to make some changes to the game in order to attract more participants</a:t>
             </a:r>
           </a:p>
           <a:p>
-            <a:pPr marL="0" indent="0">
+            <a:endParaRPr lang="en-IN" b="1" dirty="0"/>
+          </a:p>
+          <a:p>
+            <a:r>
+              <a:rPr lang="en-IN" b="1" dirty="0"/>
+              <a:t>The idea is to introduce 2 new Windfalls:</a:t>
+            </a:r>
+          </a:p>
+          <a:p>
+            <a:endParaRPr lang="en-IN" b="1" dirty="0"/>
+          </a:p>
+          <a:p>
+            <a:pPr marL="457200" lvl="1" indent="0">
               <a:buNone/>
             </a:pPr>
             <a:r>
               <a:rPr lang="en-IN" b="1" dirty="0"/>
-              <a:t>	1. Single line</a:t>
+              <a:t>1. </a:t>
             </a:r>
-          </a:p>
-          <a:p>
-            <a:pPr marL="0" indent="0">
+            <a:r>
+              <a:rPr lang="en-IN" b="1" i="1" dirty="0"/>
+              <a:t>Bingo Bonus </a:t>
+            </a:r>
+            <a:r>
+              <a:rPr lang="en-IN" b="1" dirty="0"/>
+              <a:t>– requires buying a Lucky Star Ticket </a:t>
+            </a:r>
+          </a:p>
+          <a:p>
+            <a:pPr marL="457200" lvl="1" indent="0">
               <a:buNone/>
             </a:pPr>
             <a:r>
               <a:rPr lang="en-IN" b="1" dirty="0"/>
-              <a:t>	2. Double line</a:t>
+              <a:t>2. </a:t>
             </a:r>
-          </a:p>
-          <a:p>
-            <a:pPr marL="0" indent="0">
-              <a:buNone/>
-            </a:pPr>
+            <a:r>
+              <a:rPr lang="en-IN" b="1" i="1" dirty="0"/>
+              <a:t>Jackpot </a:t>
+            </a:r>
             <a:r>
               <a:rPr lang="en-IN" b="1" dirty="0"/>
-              <a:t>	3. Four Corners</a:t>
-            </a:r>
-          </a:p>
-          <a:p>
-            <a:pPr marL="0" indent="0">
-              <a:buNone/>
-            </a:pPr>
-            <a:r>
-              <a:rPr lang="en-IN" b="1" dirty="0"/>
-              <a:t>	4. Full house</a:t>
-            </a:r>
-          </a:p>
-          <a:p>
-            <a:r>
-              <a:rPr lang="en-IN" b="1" dirty="0"/>
-              <a:t>Each winning combination is associated with a particular prize amount</a:t>
+              <a:t>– requires buying a Special Ticket</a:t>
             </a:r>
           </a:p>
         </p:txBody>
@@ -8774,7 +16750,7 @@
     </p:spTree>
     <p:extLst>
       <p:ext uri="{BB962C8B-B14F-4D97-AF65-F5344CB8AC3E}">
-        <p14:creationId xmlns:p14="http://schemas.microsoft.com/office/powerpoint/2010/main" val="1878666372"/>
+        <p14:creationId xmlns:p14="http://schemas.microsoft.com/office/powerpoint/2010/main" val="4093451530"/>
       </p:ext>
     </p:extLst>
   </p:cSld>
@@ -8784,7 +16760,7 @@
 </p:sld>
 </file>
 
-<file path=ppt/slides/slide6.xml><?xml version="1.0" encoding="utf-8"?>
+<file path=ppt/slides/slide7.xml><?xml version="1.0" encoding="utf-8"?>
 <p:sld xmlns:a="http://schemas.openxmlformats.org/drawingml/2006/main" xmlns:r="http://schemas.openxmlformats.org/officeDocument/2006/relationships" xmlns:p="http://schemas.openxmlformats.org/presentationml/2006/main">
   <p:cSld>
     <p:bg>
@@ -8844,7 +16820,7 @@
         </p:blipFill>
         <p:spPr>
           <a:xfrm>
-            <a:off x="-1" y="10"/>
+            <a:off x="0" y="0"/>
             <a:ext cx="12192000" cy="6857990"/>
           </a:xfrm>
           <a:prstGeom prst="rect">
@@ -9251,7 +17227,7 @@
         <p:spPr>
           <a:xfrm>
             <a:off x="511877" y="2086789"/>
-            <a:ext cx="5478085" cy="4190052"/>
+            <a:ext cx="5478085" cy="4105289"/>
           </a:xfrm>
         </p:spPr>
         <p:txBody>
@@ -9261,62 +17237,28 @@
           <a:lstStyle/>
           <a:p>
             <a:r>
-              <a:rPr lang="en-IN" b="1" dirty="0"/>
-              <a:t>A Bingo Club is planning to make some changes to the game in order to attract more participants</a:t>
+              <a:rPr lang="en-IN" sz="3000" b="1" dirty="0"/>
+              <a:t>These tickets are such that they cost more as compared to normal tickets but offer chances of winning big prize amounts </a:t>
             </a:r>
           </a:p>
           <a:p>
-            <a:endParaRPr lang="en-IN" b="1" dirty="0"/>
+            <a:endParaRPr lang="en-IN" sz="3000" b="1" dirty="0"/>
           </a:p>
           <a:p>
             <a:r>
-              <a:rPr lang="en-IN" b="1" dirty="0"/>
-              <a:t>The idea is to introduce 2 new Windfalls:</a:t>
+              <a:rPr lang="en-IN" sz="3000" b="1" dirty="0"/>
+              <a:t> The profit perspective lies in the fact that it is highly uncertain whether a person, who bought these tickets, will win the jackpot amount</a:t>
             </a:r>
           </a:p>
           <a:p>
-            <a:endParaRPr lang="en-IN" b="1" dirty="0"/>
-          </a:p>
-          <a:p>
-            <a:pPr marL="457200" lvl="1" indent="0">
-              <a:buNone/>
-            </a:pPr>
-            <a:r>
-              <a:rPr lang="en-IN" b="1" dirty="0"/>
-              <a:t>1. </a:t>
-            </a:r>
-            <a:r>
-              <a:rPr lang="en-IN" b="1" i="1" dirty="0"/>
-              <a:t>Bingo Bonus </a:t>
-            </a:r>
-            <a:r>
-              <a:rPr lang="en-IN" b="1" dirty="0"/>
-              <a:t>– requires buying a Special Ticket</a:t>
-            </a:r>
-          </a:p>
-          <a:p>
-            <a:pPr marL="457200" lvl="1" indent="0">
-              <a:buNone/>
-            </a:pPr>
-            <a:r>
-              <a:rPr lang="en-IN" b="1" dirty="0"/>
-              <a:t>2. </a:t>
-            </a:r>
-            <a:r>
-              <a:rPr lang="en-IN" b="1" i="1" dirty="0"/>
-              <a:t>Lucky Star </a:t>
-            </a:r>
-            <a:r>
-              <a:rPr lang="en-IN" b="1" dirty="0"/>
-              <a:t>– requires buying a Lucky Star Ticket </a:t>
-            </a:r>
+            <a:endParaRPr lang="en-IN" sz="2400" dirty="0"/>
           </a:p>
         </p:txBody>
       </p:sp>
     </p:spTree>
     <p:extLst>
       <p:ext uri="{BB962C8B-B14F-4D97-AF65-F5344CB8AC3E}">
-        <p14:creationId xmlns:p14="http://schemas.microsoft.com/office/powerpoint/2010/main" val="4093451530"/>
+        <p14:creationId xmlns:p14="http://schemas.microsoft.com/office/powerpoint/2010/main" val="824751468"/>
       </p:ext>
     </p:extLst>
   </p:cSld>
@@ -9326,7 +17268,7 @@
 </p:sld>
 </file>
 
-<file path=ppt/slides/slide7.xml><?xml version="1.0" encoding="utf-8"?>
+<file path=ppt/slides/slide8.xml><?xml version="1.0" encoding="utf-8"?>
 <p:sld xmlns:a="http://schemas.openxmlformats.org/drawingml/2006/main" xmlns:r="http://schemas.openxmlformats.org/officeDocument/2006/relationships" xmlns:p="http://schemas.openxmlformats.org/presentationml/2006/main">
   <p:cSld>
     <p:bg>
@@ -9386,7 +17328,7 @@
         </p:blipFill>
         <p:spPr>
           <a:xfrm>
-            <a:off x="0" y="0"/>
+            <a:off x="-1" y="10"/>
             <a:ext cx="12192000" cy="6857990"/>
           </a:xfrm>
           <a:prstGeom prst="rect">
@@ -9793,38 +17735,35 @@
         <p:spPr>
           <a:xfrm>
             <a:off x="511877" y="2086789"/>
-            <a:ext cx="5478085" cy="4105289"/>
+            <a:ext cx="5478085" cy="4190052"/>
           </a:xfrm>
         </p:spPr>
         <p:txBody>
           <a:bodyPr anchor="t">
-            <a:normAutofit fontScale="92500" lnSpcReduction="10000"/>
+            <a:noAutofit/>
           </a:bodyPr>
           <a:lstStyle/>
           <a:p>
             <a:r>
-              <a:rPr lang="en-IN" sz="3000" b="1" dirty="0"/>
-              <a:t>These tickets are such that they cost more as compared to normal tickets but offer chances of winning big prize amounts </a:t>
+              <a:rPr lang="en-IN" b="1" dirty="0"/>
+              <a:t>Uncertainty is equally unfortunate / fortunate for either of the parties</a:t>
             </a:r>
           </a:p>
           <a:p>
-            <a:endParaRPr lang="en-IN" sz="3000" b="1" dirty="0"/>
+            <a:endParaRPr lang="en-IN" dirty="0"/>
           </a:p>
           <a:p>
             <a:r>
-              <a:rPr lang="en-IN" sz="3000" b="1" dirty="0"/>
-              <a:t> The profit perspective lies in the fact that it is highly uncertain whether a person, who bought these tickets, will win the jackpot amount</a:t>
+              <a:rPr lang="en-IN" b="1" dirty="0"/>
+              <a:t>The aim of the this simulation is to inform the decision of the club on what pay-out amount should be designated for winning each windfall</a:t>
             </a:r>
-          </a:p>
-          <a:p>
-            <a:endParaRPr lang="en-IN" sz="2400" dirty="0"/>
           </a:p>
         </p:txBody>
       </p:sp>
     </p:spTree>
     <p:extLst>
       <p:ext uri="{BB962C8B-B14F-4D97-AF65-F5344CB8AC3E}">
-        <p14:creationId xmlns:p14="http://schemas.microsoft.com/office/powerpoint/2010/main" val="3905859859"/>
+        <p14:creationId xmlns:p14="http://schemas.microsoft.com/office/powerpoint/2010/main" val="611416999"/>
       </p:ext>
     </p:extLst>
   </p:cSld>
@@ -9834,7 +17773,7 @@
 </p:sld>
 </file>
 
-<file path=ppt/slides/slide8.xml><?xml version="1.0" encoding="utf-8"?>
+<file path=ppt/slides/slide9.xml><?xml version="1.0" encoding="utf-8"?>
 <p:sld xmlns:a="http://schemas.openxmlformats.org/drawingml/2006/main" xmlns:r="http://schemas.openxmlformats.org/officeDocument/2006/relationships" xmlns:p="http://schemas.openxmlformats.org/presentationml/2006/main">
   <p:cSld>
     <p:bg>
@@ -10277,511 +18216,6 @@
                 <a:latin typeface="AR JULIAN" panose="02000000000000000000" pitchFamily="2" charset="0"/>
                 <a:cs typeface="Aharoni" panose="02010803020104030203" pitchFamily="2" charset="-79"/>
               </a:rPr>
-              <a:t>Scenario</a:t>
-            </a:r>
-          </a:p>
-        </p:txBody>
-      </p:sp>
-      <p:sp>
-        <p:nvSpPr>
-          <p:cNvPr id="3" name="Content Placeholder 2">
-            <a:extLst>
-              <a:ext uri="{FF2B5EF4-FFF2-40B4-BE49-F238E27FC236}">
-                <a16:creationId xmlns:a16="http://schemas.microsoft.com/office/drawing/2014/main" id="{D7859ED5-771F-4FFC-AC08-C6A010E59617}"/>
-              </a:ext>
-            </a:extLst>
-          </p:cNvPr>
-          <p:cNvSpPr>
-            <a:spLocks noGrp="1"/>
-          </p:cNvSpPr>
-          <p:nvPr>
-            <p:ph idx="1"/>
-          </p:nvPr>
-        </p:nvSpPr>
-        <p:spPr>
-          <a:xfrm>
-            <a:off x="511877" y="2086789"/>
-            <a:ext cx="5478085" cy="4190052"/>
-          </a:xfrm>
-        </p:spPr>
-        <p:txBody>
-          <a:bodyPr anchor="t">
-            <a:noAutofit/>
-          </a:bodyPr>
-          <a:lstStyle/>
-          <a:p>
-            <a:r>
-              <a:rPr lang="en-IN" b="1" dirty="0"/>
-              <a:t>Uncertainty is equally unfortunate / fortunate for either of the parties</a:t>
-            </a:r>
-          </a:p>
-          <a:p>
-            <a:endParaRPr lang="en-IN" dirty="0"/>
-          </a:p>
-          <a:p>
-            <a:r>
-              <a:rPr lang="en-IN" b="1" dirty="0"/>
-              <a:t>The aim of the this simulation is to inform the decision of the club on what pay-out amount should be designated for winning each windfall</a:t>
-            </a:r>
-          </a:p>
-        </p:txBody>
-      </p:sp>
-    </p:spTree>
-    <p:extLst>
-      <p:ext uri="{BB962C8B-B14F-4D97-AF65-F5344CB8AC3E}">
-        <p14:creationId xmlns:p14="http://schemas.microsoft.com/office/powerpoint/2010/main" val="476648140"/>
-      </p:ext>
-    </p:extLst>
-  </p:cSld>
-  <p:clrMapOvr>
-    <a:overrideClrMapping bg1="dk1" tx1="lt1" bg2="dk2" tx2="lt2" accent1="accent1" accent2="accent2" accent3="accent3" accent4="accent4" accent5="accent5" accent6="accent6" hlink="hlink" folHlink="folHlink"/>
-  </p:clrMapOvr>
-</p:sld>
-</file>
-
-<file path=ppt/slides/slide9.xml><?xml version="1.0" encoding="utf-8"?>
-<p:sld xmlns:a="http://schemas.openxmlformats.org/drawingml/2006/main" xmlns:r="http://schemas.openxmlformats.org/officeDocument/2006/relationships" xmlns:p="http://schemas.openxmlformats.org/presentationml/2006/main">
-  <p:cSld>
-    <p:bg>
-      <p:bgPr>
-        <a:solidFill>
-          <a:schemeClr val="bg1"/>
-        </a:solidFill>
-        <a:effectLst/>
-      </p:bgPr>
-    </p:bg>
-    <p:spTree>
-      <p:nvGrpSpPr>
-        <p:cNvPr id="1" name=""/>
-        <p:cNvGrpSpPr/>
-        <p:nvPr/>
-      </p:nvGrpSpPr>
-      <p:grpSpPr>
-        <a:xfrm>
-          <a:off x="0" y="0"/>
-          <a:ext cx="0" cy="0"/>
-          <a:chOff x="0" y="0"/>
-          <a:chExt cx="0" cy="0"/>
-        </a:xfrm>
-      </p:grpSpPr>
-      <p:pic>
-        <p:nvPicPr>
-          <p:cNvPr id="7" name="Picture 6">
-            <a:extLst>
-              <a:ext uri="{FF2B5EF4-FFF2-40B4-BE49-F238E27FC236}">
-                <a16:creationId xmlns:a16="http://schemas.microsoft.com/office/drawing/2014/main" id="{8BA2A080-19F8-4969-A685-C648FF8CD3CE}"/>
-              </a:ext>
-            </a:extLst>
-          </p:cNvPr>
-          <p:cNvPicPr>
-            <a:picLocks noChangeAspect="1"/>
-          </p:cNvPicPr>
-          <p:nvPr/>
-        </p:nvPicPr>
-        <p:blipFill rotWithShape="1">
-          <a:blip r:embed="rId2">
-            <a:duotone>
-              <a:prstClr val="black"/>
-              <a:schemeClr val="tx2">
-                <a:tint val="45000"/>
-                <a:satMod val="400000"/>
-              </a:schemeClr>
-            </a:duotone>
-            <a:alphaModFix amt="35000"/>
-            <a:extLst>
-              <a:ext uri="{28A0092B-C50C-407E-A947-70E740481C1C}">
-                <a14:useLocalDpi xmlns:a14="http://schemas.microsoft.com/office/drawing/2010/main" val="0"/>
-              </a:ext>
-            </a:extLst>
-          </a:blip>
-          <a:srcRect t="13681" b="2075"/>
-          <a:stretch/>
-        </p:blipFill>
-        <p:spPr>
-          <a:xfrm>
-            <a:off x="-1" y="10"/>
-            <a:ext cx="12192000" cy="6857990"/>
-          </a:xfrm>
-          <a:prstGeom prst="rect">
-            <a:avLst/>
-          </a:prstGeom>
-        </p:spPr>
-      </p:pic>
-      <p:sp>
-        <p:nvSpPr>
-          <p:cNvPr id="51" name="Freeform 49">
-            <a:extLst>
-              <a:ext uri="{FF2B5EF4-FFF2-40B4-BE49-F238E27FC236}">
-                <a16:creationId xmlns:a16="http://schemas.microsoft.com/office/drawing/2014/main" id="{EF9B8DF2-C3F5-49A2-94D2-F7B65A0F1F15}"/>
-              </a:ext>
-            </a:extLst>
-          </p:cNvPr>
-          <p:cNvSpPr>
-            <a:spLocks noGrp="1" noRot="1" noChangeAspect="1" noMove="1" noResize="1" noEditPoints="1" noAdjustHandles="1" noChangeArrowheads="1" noChangeShapeType="1" noTextEdit="1"/>
-          </p:cNvSpPr>
-          <p:nvPr>
-            <p:extLst>
-              <p:ext uri="{386F3935-93C4-4BCD-93E2-E3B085C9AB24}">
-                <p16:designElem xmlns:p16="http://schemas.microsoft.com/office/powerpoint/2015/main" val="1"/>
-              </p:ext>
-            </p:extLst>
-          </p:nvPr>
-        </p:nvSpPr>
-        <p:spPr>
-          <a:xfrm flipH="1">
-            <a:off x="6713914" y="581159"/>
-            <a:ext cx="5478085" cy="6276841"/>
-          </a:xfrm>
-          <a:custGeom>
-            <a:avLst/>
-            <a:gdLst>
-              <a:gd name="connsiteX0" fmla="*/ 2178155 w 5478085"/>
-              <a:gd name="connsiteY0" fmla="*/ 0 h 6276841"/>
-              <a:gd name="connsiteX1" fmla="*/ 5478085 w 5478085"/>
-              <a:gd name="connsiteY1" fmla="*/ 3299930 h 6276841"/>
-              <a:gd name="connsiteX2" fmla="*/ 3751098 w 5478085"/>
-              <a:gd name="connsiteY2" fmla="*/ 6201577 h 6276841"/>
-              <a:gd name="connsiteX3" fmla="*/ 3594858 w 5478085"/>
-              <a:gd name="connsiteY3" fmla="*/ 6276841 h 6276841"/>
-              <a:gd name="connsiteX4" fmla="*/ 761453 w 5478085"/>
-              <a:gd name="connsiteY4" fmla="*/ 6276841 h 6276841"/>
-              <a:gd name="connsiteX5" fmla="*/ 605213 w 5478085"/>
-              <a:gd name="connsiteY5" fmla="*/ 6201577 h 6276841"/>
-              <a:gd name="connsiteX6" fmla="*/ 79093 w 5478085"/>
-              <a:gd name="connsiteY6" fmla="*/ 5846317 h 6276841"/>
-              <a:gd name="connsiteX7" fmla="*/ 0 w 5478085"/>
-              <a:gd name="connsiteY7" fmla="*/ 5774432 h 6276841"/>
-              <a:gd name="connsiteX8" fmla="*/ 0 w 5478085"/>
-              <a:gd name="connsiteY8" fmla="*/ 825429 h 6276841"/>
-              <a:gd name="connsiteX9" fmla="*/ 79093 w 5478085"/>
-              <a:gd name="connsiteY9" fmla="*/ 753544 h 6276841"/>
-              <a:gd name="connsiteX10" fmla="*/ 2178155 w 5478085"/>
-              <a:gd name="connsiteY10" fmla="*/ 0 h 6276841"/>
-            </a:gdLst>
-            <a:ahLst/>
-            <a:cxnLst>
-              <a:cxn ang="0">
-                <a:pos x="connsiteX0" y="connsiteY0"/>
-              </a:cxn>
-              <a:cxn ang="0">
-                <a:pos x="connsiteX1" y="connsiteY1"/>
-              </a:cxn>
-              <a:cxn ang="0">
-                <a:pos x="connsiteX2" y="connsiteY2"/>
-              </a:cxn>
-              <a:cxn ang="0">
-                <a:pos x="connsiteX3" y="connsiteY3"/>
-              </a:cxn>
-              <a:cxn ang="0">
-                <a:pos x="connsiteX4" y="connsiteY4"/>
-              </a:cxn>
-              <a:cxn ang="0">
-                <a:pos x="connsiteX5" y="connsiteY5"/>
-              </a:cxn>
-              <a:cxn ang="0">
-                <a:pos x="connsiteX6" y="connsiteY6"/>
-              </a:cxn>
-              <a:cxn ang="0">
-                <a:pos x="connsiteX7" y="connsiteY7"/>
-              </a:cxn>
-              <a:cxn ang="0">
-                <a:pos x="connsiteX8" y="connsiteY8"/>
-              </a:cxn>
-              <a:cxn ang="0">
-                <a:pos x="connsiteX9" y="connsiteY9"/>
-              </a:cxn>
-              <a:cxn ang="0">
-                <a:pos x="connsiteX10" y="connsiteY10"/>
-              </a:cxn>
-            </a:cxnLst>
-            <a:rect l="l" t="t" r="r" b="b"/>
-            <a:pathLst>
-              <a:path w="5478085" h="6276841">
-                <a:moveTo>
-                  <a:pt x="2178155" y="0"/>
-                </a:moveTo>
-                <a:cubicBezTo>
-                  <a:pt x="4000656" y="0"/>
-                  <a:pt x="5478085" y="1477429"/>
-                  <a:pt x="5478085" y="3299930"/>
-                </a:cubicBezTo>
-                <a:cubicBezTo>
-                  <a:pt x="5478085" y="4552900"/>
-                  <a:pt x="4779769" y="5642769"/>
-                  <a:pt x="3751098" y="6201577"/>
-                </a:cubicBezTo>
-                <a:lnTo>
-                  <a:pt x="3594858" y="6276841"/>
-                </a:lnTo>
-                <a:lnTo>
-                  <a:pt x="761453" y="6276841"/>
-                </a:lnTo>
-                <a:lnTo>
-                  <a:pt x="605213" y="6201577"/>
-                </a:lnTo>
-                <a:cubicBezTo>
-                  <a:pt x="418182" y="6099975"/>
-                  <a:pt x="242071" y="5980818"/>
-                  <a:pt x="79093" y="5846317"/>
-                </a:cubicBezTo>
-                <a:lnTo>
-                  <a:pt x="0" y="5774432"/>
-                </a:lnTo>
-                <a:lnTo>
-                  <a:pt x="0" y="825429"/>
-                </a:lnTo>
-                <a:lnTo>
-                  <a:pt x="79093" y="753544"/>
-                </a:lnTo>
-                <a:cubicBezTo>
-                  <a:pt x="649516" y="282789"/>
-                  <a:pt x="1380811" y="0"/>
-                  <a:pt x="2178155" y="0"/>
-                </a:cubicBezTo>
-                <a:close/>
-              </a:path>
-            </a:pathLst>
-          </a:custGeom>
-          <a:solidFill>
-            <a:srgbClr val="FFFFFF">
-              <a:alpha val="80000"/>
-            </a:srgbClr>
-          </a:solidFill>
-          <a:ln w="31750">
-            <a:noFill/>
-          </a:ln>
-        </p:spPr>
-        <p:style>
-          <a:lnRef idx="2">
-            <a:schemeClr val="accent1">
-              <a:shade val="50000"/>
-            </a:schemeClr>
-          </a:lnRef>
-          <a:fillRef idx="1">
-            <a:schemeClr val="accent1"/>
-          </a:fillRef>
-          <a:effectRef idx="0">
-            <a:schemeClr val="accent1"/>
-          </a:effectRef>
-          <a:fontRef idx="minor">
-            <a:schemeClr val="lt1"/>
-          </a:fontRef>
-        </p:style>
-        <p:txBody>
-          <a:bodyPr wrap="square" rtlCol="0" anchor="ctr">
-            <a:noAutofit/>
-          </a:bodyPr>
-          <a:lstStyle/>
-          <a:p>
-            <a:pPr marL="0" marR="0" lvl="0" indent="0" algn="ctr" defTabSz="914400" rtl="0" eaLnBrk="1" fontAlgn="auto" latinLnBrk="0" hangingPunct="1">
-              <a:lnSpc>
-                <a:spcPct val="100000"/>
-              </a:lnSpc>
-              <a:spcBef>
-                <a:spcPts val="0"/>
-              </a:spcBef>
-              <a:spcAft>
-                <a:spcPts val="0"/>
-              </a:spcAft>
-              <a:buClrTx/>
-              <a:buSzTx/>
-              <a:buFontTx/>
-              <a:buNone/>
-              <a:tabLst/>
-              <a:defRPr/>
-            </a:pPr>
-            <a:endParaRPr kumimoji="0" lang="en-US" sz="1800" b="0" i="0" u="none" strike="noStrike" kern="1200" cap="none" spc="0" normalizeH="0" baseline="0" noProof="0">
-              <a:ln>
-                <a:noFill/>
-              </a:ln>
-              <a:solidFill>
-                <a:prstClr val="white"/>
-              </a:solidFill>
-              <a:effectLst/>
-              <a:uLnTx/>
-              <a:uFillTx/>
-              <a:latin typeface="Calibri" panose="020F0502020204030204"/>
-              <a:ea typeface="+mn-ea"/>
-              <a:cs typeface="+mn-cs"/>
-            </a:endParaRPr>
-          </a:p>
-        </p:txBody>
-      </p:sp>
-      <p:pic>
-        <p:nvPicPr>
-          <p:cNvPr id="9" name="Picture 8" descr="A picture containing building&#10;&#10;Description generated with high confidence">
-            <a:extLst>
-              <a:ext uri="{FF2B5EF4-FFF2-40B4-BE49-F238E27FC236}">
-                <a16:creationId xmlns:a16="http://schemas.microsoft.com/office/drawing/2014/main" id="{12ED8CBA-3DDA-400E-B2EE-7748A997FAC8}"/>
-              </a:ext>
-            </a:extLst>
-          </p:cNvPr>
-          <p:cNvPicPr>
-            <a:picLocks noChangeAspect="1"/>
-          </p:cNvPicPr>
-          <p:nvPr/>
-        </p:nvPicPr>
-        <p:blipFill rotWithShape="1">
-          <a:blip r:embed="rId3">
-            <a:extLst>
-              <a:ext uri="{28A0092B-C50C-407E-A947-70E740481C1C}">
-                <a14:useLocalDpi xmlns:a14="http://schemas.microsoft.com/office/drawing/2010/main" val="0"/>
-              </a:ext>
-            </a:extLst>
-          </a:blip>
-          <a:srcRect l="18375" r="23620" b="1"/>
-          <a:stretch/>
-        </p:blipFill>
-        <p:spPr>
-          <a:xfrm>
-            <a:off x="6893342" y="760562"/>
-            <a:ext cx="5298683" cy="6097438"/>
-          </a:xfrm>
-          <a:custGeom>
-            <a:avLst/>
-            <a:gdLst>
-              <a:gd name="connsiteX0" fmla="*/ 3120528 w 5298683"/>
-              <a:gd name="connsiteY0" fmla="*/ 0 h 6097438"/>
-              <a:gd name="connsiteX1" fmla="*/ 5105473 w 5298683"/>
-              <a:gd name="connsiteY1" fmla="*/ 712577 h 6097438"/>
-              <a:gd name="connsiteX2" fmla="*/ 5298683 w 5298683"/>
-              <a:gd name="connsiteY2" fmla="*/ 888178 h 6097438"/>
-              <a:gd name="connsiteX3" fmla="*/ 5298683 w 5298683"/>
-              <a:gd name="connsiteY3" fmla="*/ 5352876 h 6097438"/>
-              <a:gd name="connsiteX4" fmla="*/ 5105473 w 5298683"/>
-              <a:gd name="connsiteY4" fmla="*/ 5528477 h 6097438"/>
-              <a:gd name="connsiteX5" fmla="*/ 4335177 w 5298683"/>
-              <a:gd name="connsiteY5" fmla="*/ 5995828 h 6097438"/>
-              <a:gd name="connsiteX6" fmla="*/ 4057556 w 5298683"/>
-              <a:gd name="connsiteY6" fmla="*/ 6097438 h 6097438"/>
-              <a:gd name="connsiteX7" fmla="*/ 2183499 w 5298683"/>
-              <a:gd name="connsiteY7" fmla="*/ 6097438 h 6097438"/>
-              <a:gd name="connsiteX8" fmla="*/ 1905878 w 5298683"/>
-              <a:gd name="connsiteY8" fmla="*/ 5995828 h 6097438"/>
-              <a:gd name="connsiteX9" fmla="*/ 0 w 5298683"/>
-              <a:gd name="connsiteY9" fmla="*/ 3120527 h 6097438"/>
-              <a:gd name="connsiteX10" fmla="*/ 3120528 w 5298683"/>
-              <a:gd name="connsiteY10" fmla="*/ 0 h 6097438"/>
-            </a:gdLst>
-            <a:ahLst/>
-            <a:cxnLst>
-              <a:cxn ang="0">
-                <a:pos x="connsiteX0" y="connsiteY0"/>
-              </a:cxn>
-              <a:cxn ang="0">
-                <a:pos x="connsiteX1" y="connsiteY1"/>
-              </a:cxn>
-              <a:cxn ang="0">
-                <a:pos x="connsiteX2" y="connsiteY2"/>
-              </a:cxn>
-              <a:cxn ang="0">
-                <a:pos x="connsiteX3" y="connsiteY3"/>
-              </a:cxn>
-              <a:cxn ang="0">
-                <a:pos x="connsiteX4" y="connsiteY4"/>
-              </a:cxn>
-              <a:cxn ang="0">
-                <a:pos x="connsiteX5" y="connsiteY5"/>
-              </a:cxn>
-              <a:cxn ang="0">
-                <a:pos x="connsiteX6" y="connsiteY6"/>
-              </a:cxn>
-              <a:cxn ang="0">
-                <a:pos x="connsiteX7" y="connsiteY7"/>
-              </a:cxn>
-              <a:cxn ang="0">
-                <a:pos x="connsiteX8" y="connsiteY8"/>
-              </a:cxn>
-              <a:cxn ang="0">
-                <a:pos x="connsiteX9" y="connsiteY9"/>
-              </a:cxn>
-              <a:cxn ang="0">
-                <a:pos x="connsiteX10" y="connsiteY10"/>
-              </a:cxn>
-            </a:cxnLst>
-            <a:rect l="l" t="t" r="r" b="b"/>
-            <a:pathLst>
-              <a:path w="5298683" h="6097438">
-                <a:moveTo>
-                  <a:pt x="3120528" y="0"/>
-                </a:moveTo>
-                <a:cubicBezTo>
-                  <a:pt x="3874524" y="0"/>
-                  <a:pt x="4566062" y="267415"/>
-                  <a:pt x="5105473" y="712577"/>
-                </a:cubicBezTo>
-                <a:lnTo>
-                  <a:pt x="5298683" y="888178"/>
-                </a:lnTo>
-                <a:lnTo>
-                  <a:pt x="5298683" y="5352876"/>
-                </a:lnTo>
-                <a:lnTo>
-                  <a:pt x="5105473" y="5528477"/>
-                </a:lnTo>
-                <a:cubicBezTo>
-                  <a:pt x="4874296" y="5719261"/>
-                  <a:pt x="4615179" y="5877397"/>
-                  <a:pt x="4335177" y="5995828"/>
-                </a:cubicBezTo>
-                <a:lnTo>
-                  <a:pt x="4057556" y="6097438"/>
-                </a:lnTo>
-                <a:lnTo>
-                  <a:pt x="2183499" y="6097438"/>
-                </a:lnTo>
-                <a:lnTo>
-                  <a:pt x="1905878" y="5995828"/>
-                </a:lnTo>
-                <a:cubicBezTo>
-                  <a:pt x="785873" y="5522106"/>
-                  <a:pt x="0" y="4413092"/>
-                  <a:pt x="0" y="3120527"/>
-                </a:cubicBezTo>
-                <a:cubicBezTo>
-                  <a:pt x="0" y="1397108"/>
-                  <a:pt x="1397108" y="0"/>
-                  <a:pt x="3120528" y="0"/>
-                </a:cubicBezTo>
-                <a:close/>
-              </a:path>
-            </a:pathLst>
-          </a:custGeom>
-        </p:spPr>
-      </p:pic>
-      <p:sp>
-        <p:nvSpPr>
-          <p:cNvPr id="2" name="Title 1">
-            <a:extLst>
-              <a:ext uri="{FF2B5EF4-FFF2-40B4-BE49-F238E27FC236}">
-                <a16:creationId xmlns:a16="http://schemas.microsoft.com/office/drawing/2014/main" id="{7035F1BC-202E-45ED-A443-7B13BF42F19C}"/>
-              </a:ext>
-            </a:extLst>
-          </p:cNvPr>
-          <p:cNvSpPr>
-            <a:spLocks noGrp="1"/>
-          </p:cNvSpPr>
-          <p:nvPr>
-            <p:ph type="title"/>
-          </p:nvPr>
-        </p:nvSpPr>
-        <p:spPr>
-          <a:xfrm>
-            <a:off x="612252" y="581159"/>
-            <a:ext cx="5277333" cy="1325563"/>
-          </a:xfrm>
-        </p:spPr>
-        <p:txBody>
-          <a:bodyPr>
-            <a:normAutofit/>
-          </a:bodyPr>
-          <a:lstStyle/>
-          <a:p>
-            <a:r>
-              <a:rPr lang="en-IN" b="1" dirty="0">
-                <a:latin typeface="AR JULIAN" panose="02000000000000000000" pitchFamily="2" charset="0"/>
-                <a:cs typeface="Aharoni" panose="02010803020104030203" pitchFamily="2" charset="-79"/>
-              </a:rPr>
               <a:t>Hypothesis</a:t>
             </a:r>
           </a:p>
@@ -10840,7 +18274,7 @@
     </p:spTree>
     <p:extLst>
       <p:ext uri="{BB962C8B-B14F-4D97-AF65-F5344CB8AC3E}">
-        <p14:creationId xmlns:p14="http://schemas.microsoft.com/office/powerpoint/2010/main" val="3192865714"/>
+        <p14:creationId xmlns:p14="http://schemas.microsoft.com/office/powerpoint/2010/main" val="364736875"/>
       </p:ext>
     </p:extLst>
   </p:cSld>

--- a/Bingo.pptx
+++ b/Bingo.pptx
@@ -282,7 +282,7 @@
           <a:p>
             <a:fld id="{96EA69BF-25BF-4E66-A46C-6ED1AC869A84}" type="datetimeFigureOut">
               <a:rPr lang="en-IN" smtClean="0"/>
-              <a:t>05-04-2018</a:t>
+              <a:t>05-05-2018</a:t>
             </a:fld>
             <a:endParaRPr lang="en-IN"/>
           </a:p>
@@ -482,7 +482,7 @@
           <a:p>
             <a:fld id="{96EA69BF-25BF-4E66-A46C-6ED1AC869A84}" type="datetimeFigureOut">
               <a:rPr lang="en-IN" smtClean="0"/>
-              <a:t>05-04-2018</a:t>
+              <a:t>05-05-2018</a:t>
             </a:fld>
             <a:endParaRPr lang="en-IN"/>
           </a:p>
@@ -692,7 +692,7 @@
           <a:p>
             <a:fld id="{96EA69BF-25BF-4E66-A46C-6ED1AC869A84}" type="datetimeFigureOut">
               <a:rPr lang="en-IN" smtClean="0"/>
-              <a:t>05-04-2018</a:t>
+              <a:t>05-05-2018</a:t>
             </a:fld>
             <a:endParaRPr lang="en-IN"/>
           </a:p>
@@ -892,7 +892,7 @@
           <a:p>
             <a:fld id="{96EA69BF-25BF-4E66-A46C-6ED1AC869A84}" type="datetimeFigureOut">
               <a:rPr lang="en-IN" smtClean="0"/>
-              <a:t>05-04-2018</a:t>
+              <a:t>05-05-2018</a:t>
             </a:fld>
             <a:endParaRPr lang="en-IN"/>
           </a:p>
@@ -1168,7 +1168,7 @@
           <a:p>
             <a:fld id="{96EA69BF-25BF-4E66-A46C-6ED1AC869A84}" type="datetimeFigureOut">
               <a:rPr lang="en-IN" smtClean="0"/>
-              <a:t>05-04-2018</a:t>
+              <a:t>05-05-2018</a:t>
             </a:fld>
             <a:endParaRPr lang="en-IN"/>
           </a:p>
@@ -1436,7 +1436,7 @@
           <a:p>
             <a:fld id="{96EA69BF-25BF-4E66-A46C-6ED1AC869A84}" type="datetimeFigureOut">
               <a:rPr lang="en-IN" smtClean="0"/>
-              <a:t>05-04-2018</a:t>
+              <a:t>05-05-2018</a:t>
             </a:fld>
             <a:endParaRPr lang="en-IN"/>
           </a:p>
@@ -1851,7 +1851,7 @@
           <a:p>
             <a:fld id="{96EA69BF-25BF-4E66-A46C-6ED1AC869A84}" type="datetimeFigureOut">
               <a:rPr lang="en-IN" smtClean="0"/>
-              <a:t>05-04-2018</a:t>
+              <a:t>05-05-2018</a:t>
             </a:fld>
             <a:endParaRPr lang="en-IN"/>
           </a:p>
@@ -1993,7 +1993,7 @@
           <a:p>
             <a:fld id="{96EA69BF-25BF-4E66-A46C-6ED1AC869A84}" type="datetimeFigureOut">
               <a:rPr lang="en-IN" smtClean="0"/>
-              <a:t>05-04-2018</a:t>
+              <a:t>05-05-2018</a:t>
             </a:fld>
             <a:endParaRPr lang="en-IN"/>
           </a:p>
@@ -2106,7 +2106,7 @@
           <a:p>
             <a:fld id="{96EA69BF-25BF-4E66-A46C-6ED1AC869A84}" type="datetimeFigureOut">
               <a:rPr lang="en-IN" smtClean="0"/>
-              <a:t>05-04-2018</a:t>
+              <a:t>05-05-2018</a:t>
             </a:fld>
             <a:endParaRPr lang="en-IN"/>
           </a:p>
@@ -2419,7 +2419,7 @@
           <a:p>
             <a:fld id="{96EA69BF-25BF-4E66-A46C-6ED1AC869A84}" type="datetimeFigureOut">
               <a:rPr lang="en-IN" smtClean="0"/>
-              <a:t>05-04-2018</a:t>
+              <a:t>05-05-2018</a:t>
             </a:fld>
             <a:endParaRPr lang="en-IN"/>
           </a:p>
@@ -2708,7 +2708,7 @@
           <a:p>
             <a:fld id="{96EA69BF-25BF-4E66-A46C-6ED1AC869A84}" type="datetimeFigureOut">
               <a:rPr lang="en-IN" smtClean="0"/>
-              <a:t>05-04-2018</a:t>
+              <a:t>05-05-2018</a:t>
             </a:fld>
             <a:endParaRPr lang="en-IN"/>
           </a:p>
@@ -2951,7 +2951,7 @@
           <a:p>
             <a:fld id="{96EA69BF-25BF-4E66-A46C-6ED1AC869A84}" type="datetimeFigureOut">
               <a:rPr lang="en-IN" smtClean="0"/>
-              <a:t>05-04-2018</a:t>
+              <a:t>05-05-2018</a:t>
             </a:fld>
             <a:endParaRPr lang="en-IN"/>
           </a:p>
@@ -5142,7 +5142,7 @@
         </p:blipFill>
         <p:spPr>
           <a:xfrm>
-            <a:off x="-1" y="0"/>
+            <a:off x="0" y="0"/>
             <a:ext cx="12192000" cy="6857990"/>
           </a:xfrm>
           <a:prstGeom prst="rect">
@@ -5799,7 +5799,7 @@
         </p:blipFill>
         <p:spPr>
           <a:xfrm>
-            <a:off x="511875" y="3520487"/>
+            <a:off x="511875" y="2737217"/>
             <a:ext cx="4642694" cy="1873327"/>
           </a:xfrm>
           <a:prstGeom prst="rect">
@@ -5823,7 +5823,7 @@
         </p:nvSpPr>
         <p:spPr>
           <a:xfrm>
-            <a:off x="664275" y="2332234"/>
+            <a:off x="587117" y="1805580"/>
             <a:ext cx="5478085" cy="977496"/>
           </a:xfrm>
           <a:prstGeom prst="rect">
@@ -6026,6 +6026,13 @@
             <a:endParaRPr lang="en-IN" sz="2600" b="1" dirty="0"/>
           </a:p>
           <a:p>
+            <a:pPr marL="0" indent="0">
+              <a:buFont typeface="Arial" panose="020B0604020202020204" pitchFamily="34" charset="0"/>
+              <a:buNone/>
+            </a:pPr>
+            <a:endParaRPr lang="en-IN" sz="2600" b="1" dirty="0"/>
+          </a:p>
+          <a:p>
             <a:endParaRPr lang="en-IN" sz="2600" b="1" dirty="0"/>
           </a:p>
         </p:txBody>
@@ -6046,7 +6053,7 @@
         </p:nvSpPr>
         <p:spPr>
           <a:xfrm>
-            <a:off x="612252" y="5542353"/>
+            <a:off x="587117" y="5053988"/>
             <a:ext cx="6205848" cy="1381694"/>
           </a:xfrm>
           <a:prstGeom prst="rect">
@@ -6055,7 +6062,7 @@
         </p:spPr>
         <p:txBody>
           <a:bodyPr vert="horz" lIns="91440" tIns="45720" rIns="91440" bIns="45720" rtlCol="0" anchor="t">
-            <a:normAutofit/>
+            <a:normAutofit lnSpcReduction="10000"/>
           </a:bodyPr>
           <a:lstStyle>
             <a:lvl1pPr marL="228600" indent="-228600" algn="l" defTabSz="914400" rtl="0" eaLnBrk="1" latinLnBrk="0" hangingPunct="1">
@@ -6222,27 +6229,33 @@
             </a:lvl9pPr>
           </a:lstStyle>
           <a:p>
-            <a:pPr marL="0" indent="0">
-              <a:buFont typeface="Arial" panose="020B0604020202020204" pitchFamily="34" charset="0"/>
-              <a:buNone/>
-            </a:pPr>
             <a:r>
-              <a:rPr lang="en-IN" sz="2600" b="1" dirty="0"/>
+              <a:rPr lang="en-IN" sz="2000" b="1" dirty="0"/>
               <a:t>Cost - £ 15</a:t>
             </a:r>
           </a:p>
           <a:p>
-            <a:pPr marL="0" indent="0">
-              <a:buFont typeface="Arial" panose="020B0604020202020204" pitchFamily="34" charset="0"/>
-              <a:buNone/>
-            </a:pPr>
             <a:r>
-              <a:rPr lang="en-IN" sz="2600" b="1" dirty="0"/>
+              <a:rPr lang="en-IN" sz="2000" b="1" dirty="0"/>
               <a:t>Associated Windfall – Bingo Bonus  £ 1000</a:t>
             </a:r>
           </a:p>
           <a:p>
-            <a:endParaRPr lang="en-IN" sz="2600" b="1" dirty="0"/>
+            <a:r>
+              <a:rPr lang="en-IN" sz="2000" b="1" dirty="0"/>
+              <a:t>Bingo Bonus is won if last number </a:t>
+            </a:r>
+            <a:r>
+              <a:rPr lang="en-IN" sz="2000" b="1" dirty="0" err="1"/>
+              <a:t>makeed</a:t>
+            </a:r>
+            <a:r>
+              <a:rPr lang="en-IN" sz="2000" b="1" dirty="0"/>
+              <a:t> off for a full house is same as the lucky number</a:t>
+            </a:r>
+          </a:p>
+          <a:p>
+            <a:endParaRPr lang="en-IN" sz="2000" b="1" dirty="0"/>
           </a:p>
         </p:txBody>
       </p:sp>
@@ -6260,7 +6273,7 @@
         </p:nvSpPr>
         <p:spPr>
           <a:xfrm>
-            <a:off x="4181684" y="4532364"/>
+            <a:off x="4166344" y="3767005"/>
             <a:ext cx="1048127" cy="763737"/>
           </a:xfrm>
           <a:prstGeom prst="star5">
@@ -6314,7 +6327,7 @@
         </p:nvCxnSpPr>
         <p:spPr>
           <a:xfrm flipH="1" flipV="1">
-            <a:off x="4989817" y="5071974"/>
+            <a:off x="4991250" y="4308522"/>
             <a:ext cx="685493" cy="321840"/>
           </a:xfrm>
           <a:prstGeom prst="straightConnector1">
@@ -6353,7 +6366,7 @@
         </p:nvSpPr>
         <p:spPr>
           <a:xfrm>
-            <a:off x="4971502" y="5390701"/>
+            <a:off x="4982564" y="4591775"/>
             <a:ext cx="1814041" cy="369332"/>
           </a:xfrm>
           <a:prstGeom prst="rect">
@@ -6889,7 +6902,7 @@
         </p:nvSpPr>
         <p:spPr>
           <a:xfrm>
-            <a:off x="587917" y="2382633"/>
+            <a:off x="587917" y="1613303"/>
             <a:ext cx="5478085" cy="556233"/>
           </a:xfrm>
           <a:prstGeom prst="rect">
@@ -7271,7 +7284,7 @@
         </p:blipFill>
         <p:spPr>
           <a:xfrm>
-            <a:off x="511875" y="3112152"/>
+            <a:off x="511875" y="2208890"/>
             <a:ext cx="4642694" cy="1873327"/>
           </a:xfrm>
           <a:prstGeom prst="rect">
@@ -7554,7 +7567,7 @@
         </p:nvSpPr>
         <p:spPr>
           <a:xfrm>
-            <a:off x="740317" y="5188775"/>
+            <a:off x="511875" y="4472243"/>
             <a:ext cx="6210012" cy="1450564"/>
           </a:xfrm>
           <a:prstGeom prst="rect">
@@ -7730,25 +7743,11 @@
             </a:lvl9pPr>
           </a:lstStyle>
           <a:p>
-            <a:pPr marL="0" marR="0" lvl="0" indent="0" algn="l" defTabSz="914400" rtl="0" eaLnBrk="1" fontAlgn="auto" latinLnBrk="0" hangingPunct="1">
-              <a:lnSpc>
-                <a:spcPct val="90000"/>
-              </a:lnSpc>
-              <a:spcBef>
-                <a:spcPts val="1000"/>
-              </a:spcBef>
-              <a:spcAft>
-                <a:spcPts val="0"/>
-              </a:spcAft>
-              <a:buClrTx/>
-              <a:buSzTx/>
-              <a:buFont typeface="Arial" panose="020B0604020202020204" pitchFamily="34" charset="0"/>
-              <a:buNone/>
-              <a:tabLst/>
+            <a:pPr>
               <a:defRPr/>
             </a:pPr>
             <a:r>
-              <a:rPr kumimoji="0" lang="en-IN" sz="2600" b="1" i="0" u="none" strike="noStrike" kern="1200" cap="none" spc="0" normalizeH="0" baseline="0" noProof="0" dirty="0">
+              <a:rPr kumimoji="0" lang="en-IN" sz="2000" b="1" i="0" u="none" strike="noStrike" kern="1200" cap="none" spc="0" normalizeH="0" baseline="0" noProof="0" dirty="0">
                 <a:ln>
                   <a:noFill/>
                 </a:ln>
@@ -7765,7 +7764,7 @@
               <a:t>Cost - £ </a:t>
             </a:r>
             <a:r>
-              <a:rPr lang="en-IN" sz="2600" b="1" dirty="0">
+              <a:rPr lang="en-IN" sz="2000" b="1" dirty="0">
                 <a:solidFill>
                   <a:prstClr val="white"/>
                 </a:solidFill>
@@ -7773,7 +7772,7 @@
               </a:rPr>
               <a:t>25</a:t>
             </a:r>
-            <a:endParaRPr kumimoji="0" lang="en-IN" sz="2600" b="1" i="0" u="none" strike="noStrike" kern="1200" cap="none" spc="0" normalizeH="0" baseline="0" noProof="0" dirty="0">
+            <a:endParaRPr kumimoji="0" lang="en-IN" sz="2000" b="1" i="0" u="none" strike="noStrike" kern="1200" cap="none" spc="0" normalizeH="0" baseline="0" noProof="0" dirty="0">
               <a:ln>
                 <a:noFill/>
               </a:ln>
@@ -7789,25 +7788,11 @@
             </a:endParaRPr>
           </a:p>
           <a:p>
-            <a:pPr marL="0" marR="0" lvl="0" indent="0" algn="l" defTabSz="914400" rtl="0" eaLnBrk="1" fontAlgn="auto" latinLnBrk="0" hangingPunct="1">
-              <a:lnSpc>
-                <a:spcPct val="90000"/>
-              </a:lnSpc>
-              <a:spcBef>
-                <a:spcPts val="1000"/>
-              </a:spcBef>
-              <a:spcAft>
-                <a:spcPts val="0"/>
-              </a:spcAft>
-              <a:buClrTx/>
-              <a:buSzTx/>
-              <a:buFont typeface="Arial" panose="020B0604020202020204" pitchFamily="34" charset="0"/>
-              <a:buNone/>
-              <a:tabLst/>
+            <a:pPr>
               <a:defRPr/>
             </a:pPr>
             <a:r>
-              <a:rPr kumimoji="0" lang="en-IN" sz="2600" b="1" i="0" u="none" strike="noStrike" kern="1200" cap="none" spc="0" normalizeH="0" baseline="0" noProof="0" dirty="0">
+              <a:rPr kumimoji="0" lang="en-IN" sz="2000" b="1" i="0" u="none" strike="noStrike" kern="1200" cap="none" spc="0" normalizeH="0" baseline="0" noProof="0" dirty="0">
                 <a:ln>
                   <a:noFill/>
                 </a:ln>
@@ -7824,7 +7809,7 @@
               <a:t>Associated Windfall – </a:t>
             </a:r>
             <a:r>
-              <a:rPr lang="en-IN" sz="2600" b="1" dirty="0">
+              <a:rPr lang="en-IN" sz="2000" b="1" dirty="0">
                 <a:solidFill>
                   <a:prstClr val="white"/>
                 </a:solidFill>
@@ -7832,7 +7817,56 @@
               </a:rPr>
               <a:t>Jackpot £ 10,000</a:t>
             </a:r>
-            <a:endParaRPr kumimoji="0" lang="en-IN" sz="2600" b="1" i="0" u="none" strike="noStrike" kern="1200" cap="none" spc="0" normalizeH="0" baseline="0" noProof="0" dirty="0">
+          </a:p>
+          <a:p>
+            <a:pPr>
+              <a:defRPr/>
+            </a:pPr>
+            <a:r>
+              <a:rPr kumimoji="0" lang="en-IN" sz="2000" b="1" i="0" u="none" strike="noStrike" kern="1200" cap="none" spc="0" normalizeH="0" baseline="0" noProof="0" dirty="0">
+                <a:ln>
+                  <a:noFill/>
+                </a:ln>
+                <a:solidFill>
+                  <a:prstClr val="white"/>
+                </a:solidFill>
+                <a:effectLst/>
+                <a:uLnTx/>
+                <a:uFillTx/>
+                <a:latin typeface="Calibri" panose="020F0502020204030204"/>
+                <a:ea typeface="+mn-ea"/>
+                <a:cs typeface="+mn-cs"/>
+              </a:rPr>
+              <a:t>Jackpot is won if the number </a:t>
+            </a:r>
+            <a:r>
+              <a:rPr lang="en-IN" sz="2000" b="1" dirty="0">
+                <a:solidFill>
+                  <a:prstClr val="white"/>
+                </a:solidFill>
+                <a:latin typeface="Calibri" panose="020F0502020204030204"/>
+              </a:rPr>
+              <a:t>marked off for full house is the 100</a:t>
+            </a:r>
+            <a:r>
+              <a:rPr lang="en-IN" sz="2000" b="1" baseline="30000" dirty="0">
+                <a:solidFill>
+                  <a:prstClr val="white"/>
+                </a:solidFill>
+                <a:latin typeface="Calibri" panose="020F0502020204030204"/>
+              </a:rPr>
+              <a:t>th</a:t>
+            </a:r>
+            <a:r>
+              <a:rPr lang="en-IN" sz="2000" b="1" dirty="0">
+                <a:solidFill>
+                  <a:prstClr val="white"/>
+                </a:solidFill>
+                <a:latin typeface="Calibri" panose="020F0502020204030204"/>
+              </a:rPr>
+              <a:t> called number </a:t>
+            </a:r>
+            <a:endParaRPr kumimoji="0" lang="en-IN" sz="2000" b="1" i="0" u="none" strike="noStrike" kern="1200" cap="none" spc="0" normalizeH="0" baseline="0" noProof="0" dirty="0">
               <a:ln>
                 <a:noFill/>
               </a:ln>
@@ -7860,74 +7894,7 @@
               </a:spcAft>
               <a:buClrTx/>
               <a:buSzTx/>
-              <a:buFont typeface="Arial" panose="020B0604020202020204" pitchFamily="34" charset="0"/>
               <a:buNone/>
-              <a:tabLst/>
-              <a:defRPr/>
-            </a:pPr>
-            <a:endParaRPr kumimoji="0" lang="en-IN" sz="2600" b="1" i="0" u="none" strike="noStrike" kern="1200" cap="none" spc="0" normalizeH="0" baseline="0" noProof="0" dirty="0">
-              <a:ln>
-                <a:noFill/>
-              </a:ln>
-              <a:solidFill>
-                <a:prstClr val="white"/>
-              </a:solidFill>
-              <a:effectLst/>
-              <a:uLnTx/>
-              <a:uFillTx/>
-              <a:latin typeface="Calibri" panose="020F0502020204030204"/>
-              <a:ea typeface="+mn-ea"/>
-              <a:cs typeface="+mn-cs"/>
-            </a:endParaRPr>
-          </a:p>
-          <a:p>
-            <a:pPr marL="0" marR="0" lvl="0" indent="0" algn="l" defTabSz="914400" rtl="0" eaLnBrk="1" fontAlgn="auto" latinLnBrk="0" hangingPunct="1">
-              <a:lnSpc>
-                <a:spcPct val="90000"/>
-              </a:lnSpc>
-              <a:spcBef>
-                <a:spcPts val="1000"/>
-              </a:spcBef>
-              <a:spcAft>
-                <a:spcPts val="0"/>
-              </a:spcAft>
-              <a:buClrTx/>
-              <a:buSzTx/>
-              <a:buFont typeface="Arial" panose="020B0604020202020204" pitchFamily="34" charset="0"/>
-              <a:buNone/>
-              <a:tabLst/>
-              <a:defRPr/>
-            </a:pPr>
-            <a:endParaRPr kumimoji="0" lang="en-IN" sz="2600" b="1" i="0" u="none" strike="noStrike" kern="1200" cap="none" spc="0" normalizeH="0" baseline="0" noProof="0" dirty="0">
-              <a:ln>
-                <a:noFill/>
-              </a:ln>
-              <a:solidFill>
-                <a:prstClr val="white"/>
-              </a:solidFill>
-              <a:effectLst/>
-              <a:uLnTx/>
-              <a:uFillTx/>
-              <a:latin typeface="Calibri" panose="020F0502020204030204"/>
-              <a:ea typeface="+mn-ea"/>
-              <a:cs typeface="+mn-cs"/>
-            </a:endParaRPr>
-          </a:p>
-          <a:p>
-            <a:pPr marL="514350" marR="0" lvl="0" indent="-514350" algn="l" defTabSz="914400" rtl="0" eaLnBrk="1" fontAlgn="auto" latinLnBrk="0" hangingPunct="1">
-              <a:lnSpc>
-                <a:spcPct val="90000"/>
-              </a:lnSpc>
-              <a:spcBef>
-                <a:spcPts val="1000"/>
-              </a:spcBef>
-              <a:spcAft>
-                <a:spcPts val="0"/>
-              </a:spcAft>
-              <a:buClrTx/>
-              <a:buSzTx/>
-              <a:buFont typeface="Arial" panose="020B0604020202020204" pitchFamily="34" charset="0"/>
-              <a:buAutoNum type="arabicPeriod"/>
               <a:tabLst/>
               <a:defRPr/>
             </a:pPr>
@@ -13205,7 +13172,7 @@
         </p:blipFill>
         <p:spPr>
           <a:xfrm>
-            <a:off x="0" y="-39752"/>
+            <a:off x="0" y="10"/>
             <a:ext cx="12192000" cy="6857990"/>
           </a:xfrm>
           <a:prstGeom prst="rect">
@@ -16690,58 +16657,53 @@
         </p:spPr>
         <p:txBody>
           <a:bodyPr anchor="t">
-            <a:normAutofit lnSpcReduction="10000"/>
+            <a:noAutofit/>
           </a:bodyPr>
           <a:lstStyle/>
           <a:p>
             <a:r>
-              <a:rPr lang="en-IN" b="1" dirty="0"/>
+              <a:rPr lang="en-IN" sz="2400" b="1" dirty="0"/>
               <a:t>A Bingo Club is planning to make some changes to the game in order to attract more participants</a:t>
             </a:r>
           </a:p>
           <a:p>
-            <a:endParaRPr lang="en-IN" b="1" dirty="0"/>
+            <a:endParaRPr lang="en-IN" sz="2400" b="1" dirty="0"/>
           </a:p>
           <a:p>
             <a:r>
-              <a:rPr lang="en-IN" b="1" dirty="0"/>
+              <a:rPr lang="en-IN" sz="2400" b="1" dirty="0"/>
               <a:t>The idea is to introduce 2 new Windfalls:</a:t>
             </a:r>
           </a:p>
           <a:p>
-            <a:endParaRPr lang="en-IN" b="1" dirty="0"/>
-          </a:p>
-          <a:p>
-            <a:pPr marL="457200" lvl="1" indent="0">
+            <a:pPr marL="0" indent="0">
               <a:buNone/>
             </a:pPr>
+            <a:endParaRPr lang="en-IN" sz="2400" b="1" dirty="0"/>
+          </a:p>
+          <a:p>
+            <a:pPr marL="457200" indent="-457200">
+              <a:buAutoNum type="arabicPeriod"/>
+            </a:pPr>
             <a:r>
-              <a:rPr lang="en-IN" b="1" dirty="0"/>
-              <a:t>1. </a:t>
-            </a:r>
-            <a:r>
-              <a:rPr lang="en-IN" b="1" i="1" dirty="0"/>
+              <a:rPr lang="en-IN" sz="2400" b="1" i="1" dirty="0"/>
               <a:t>Bingo Bonus </a:t>
             </a:r>
             <a:r>
-              <a:rPr lang="en-IN" b="1" dirty="0"/>
+              <a:rPr lang="en-IN" sz="2400" b="1" dirty="0"/>
               <a:t>– requires buying a Lucky Star Ticket </a:t>
             </a:r>
           </a:p>
           <a:p>
-            <a:pPr marL="457200" lvl="1" indent="0">
-              <a:buNone/>
+            <a:pPr marL="457200" indent="-457200">
+              <a:buAutoNum type="arabicPeriod"/>
             </a:pPr>
             <a:r>
-              <a:rPr lang="en-IN" b="1" dirty="0"/>
-              <a:t>2. </a:t>
-            </a:r>
-            <a:r>
-              <a:rPr lang="en-IN" b="1" i="1" dirty="0"/>
+              <a:rPr lang="en-IN" sz="2400" b="1" i="1" dirty="0"/>
               <a:t>Jackpot </a:t>
             </a:r>
             <a:r>
-              <a:rPr lang="en-IN" b="1" dirty="0"/>
+              <a:rPr lang="en-IN" sz="2400" b="1" dirty="0"/>
               <a:t>– requires buying a Special Ticket</a:t>
             </a:r>
           </a:p>

--- a/Bingo.pptx
+++ b/Bingo.pptx
@@ -23,10 +23,11 @@
     <p:sldId id="286" r:id="rId17"/>
     <p:sldId id="273" r:id="rId18"/>
     <p:sldId id="287" r:id="rId19"/>
-    <p:sldId id="288" r:id="rId20"/>
-    <p:sldId id="289" r:id="rId21"/>
-    <p:sldId id="274" r:id="rId22"/>
-    <p:sldId id="280" r:id="rId23"/>
+    <p:sldId id="290" r:id="rId20"/>
+    <p:sldId id="288" r:id="rId21"/>
+    <p:sldId id="289" r:id="rId22"/>
+    <p:sldId id="274" r:id="rId23"/>
+    <p:sldId id="280" r:id="rId24"/>
   </p:sldIdLst>
   <p:sldSz cx="12192000" cy="6858000"/>
   <p:notesSz cx="6858000" cy="9144000"/>
@@ -282,7 +283,7 @@
           <a:p>
             <a:fld id="{96EA69BF-25BF-4E66-A46C-6ED1AC869A84}" type="datetimeFigureOut">
               <a:rPr lang="en-IN" smtClean="0"/>
-              <a:t>05-05-2018</a:t>
+              <a:t>05-06-2018</a:t>
             </a:fld>
             <a:endParaRPr lang="en-IN"/>
           </a:p>
@@ -482,7 +483,7 @@
           <a:p>
             <a:fld id="{96EA69BF-25BF-4E66-A46C-6ED1AC869A84}" type="datetimeFigureOut">
               <a:rPr lang="en-IN" smtClean="0"/>
-              <a:t>05-05-2018</a:t>
+              <a:t>05-06-2018</a:t>
             </a:fld>
             <a:endParaRPr lang="en-IN"/>
           </a:p>
@@ -692,7 +693,7 @@
           <a:p>
             <a:fld id="{96EA69BF-25BF-4E66-A46C-6ED1AC869A84}" type="datetimeFigureOut">
               <a:rPr lang="en-IN" smtClean="0"/>
-              <a:t>05-05-2018</a:t>
+              <a:t>05-06-2018</a:t>
             </a:fld>
             <a:endParaRPr lang="en-IN"/>
           </a:p>
@@ -892,7 +893,7 @@
           <a:p>
             <a:fld id="{96EA69BF-25BF-4E66-A46C-6ED1AC869A84}" type="datetimeFigureOut">
               <a:rPr lang="en-IN" smtClean="0"/>
-              <a:t>05-05-2018</a:t>
+              <a:t>05-06-2018</a:t>
             </a:fld>
             <a:endParaRPr lang="en-IN"/>
           </a:p>
@@ -1168,7 +1169,7 @@
           <a:p>
             <a:fld id="{96EA69BF-25BF-4E66-A46C-6ED1AC869A84}" type="datetimeFigureOut">
               <a:rPr lang="en-IN" smtClean="0"/>
-              <a:t>05-05-2018</a:t>
+              <a:t>05-06-2018</a:t>
             </a:fld>
             <a:endParaRPr lang="en-IN"/>
           </a:p>
@@ -1436,7 +1437,7 @@
           <a:p>
             <a:fld id="{96EA69BF-25BF-4E66-A46C-6ED1AC869A84}" type="datetimeFigureOut">
               <a:rPr lang="en-IN" smtClean="0"/>
-              <a:t>05-05-2018</a:t>
+              <a:t>05-06-2018</a:t>
             </a:fld>
             <a:endParaRPr lang="en-IN"/>
           </a:p>
@@ -1851,7 +1852,7 @@
           <a:p>
             <a:fld id="{96EA69BF-25BF-4E66-A46C-6ED1AC869A84}" type="datetimeFigureOut">
               <a:rPr lang="en-IN" smtClean="0"/>
-              <a:t>05-05-2018</a:t>
+              <a:t>05-06-2018</a:t>
             </a:fld>
             <a:endParaRPr lang="en-IN"/>
           </a:p>
@@ -1993,7 +1994,7 @@
           <a:p>
             <a:fld id="{96EA69BF-25BF-4E66-A46C-6ED1AC869A84}" type="datetimeFigureOut">
               <a:rPr lang="en-IN" smtClean="0"/>
-              <a:t>05-05-2018</a:t>
+              <a:t>05-06-2018</a:t>
             </a:fld>
             <a:endParaRPr lang="en-IN"/>
           </a:p>
@@ -2106,7 +2107,7 @@
           <a:p>
             <a:fld id="{96EA69BF-25BF-4E66-A46C-6ED1AC869A84}" type="datetimeFigureOut">
               <a:rPr lang="en-IN" smtClean="0"/>
-              <a:t>05-05-2018</a:t>
+              <a:t>05-06-2018</a:t>
             </a:fld>
             <a:endParaRPr lang="en-IN"/>
           </a:p>
@@ -2419,7 +2420,7 @@
           <a:p>
             <a:fld id="{96EA69BF-25BF-4E66-A46C-6ED1AC869A84}" type="datetimeFigureOut">
               <a:rPr lang="en-IN" smtClean="0"/>
-              <a:t>05-05-2018</a:t>
+              <a:t>05-06-2018</a:t>
             </a:fld>
             <a:endParaRPr lang="en-IN"/>
           </a:p>
@@ -2708,7 +2709,7 @@
           <a:p>
             <a:fld id="{96EA69BF-25BF-4E66-A46C-6ED1AC869A84}" type="datetimeFigureOut">
               <a:rPr lang="en-IN" smtClean="0"/>
-              <a:t>05-05-2018</a:t>
+              <a:t>05-06-2018</a:t>
             </a:fld>
             <a:endParaRPr lang="en-IN"/>
           </a:p>
@@ -2951,7 +2952,7 @@
           <a:p>
             <a:fld id="{96EA69BF-25BF-4E66-A46C-6ED1AC869A84}" type="datetimeFigureOut">
               <a:rPr lang="en-IN" smtClean="0"/>
-              <a:t>05-05-2018</a:t>
+              <a:t>05-06-2018</a:t>
             </a:fld>
             <a:endParaRPr lang="en-IN"/>
           </a:p>
@@ -12132,7 +12133,7 @@
         </p:blipFill>
         <p:spPr>
           <a:xfrm>
-            <a:off x="-1" y="-69065"/>
+            <a:off x="0" y="0"/>
             <a:ext cx="12192000" cy="6857990"/>
           </a:xfrm>
           <a:prstGeom prst="rect">
@@ -12500,7 +12501,7 @@
         </p:nvSpPr>
         <p:spPr>
           <a:xfrm>
-            <a:off x="120270" y="39762"/>
+            <a:off x="612252" y="581159"/>
             <a:ext cx="6593618" cy="1406667"/>
           </a:xfrm>
         </p:spPr>
@@ -12538,7 +12539,7 @@
         </p:nvSpPr>
         <p:spPr>
           <a:xfrm>
-            <a:off x="303155" y="1082962"/>
+            <a:off x="372729" y="1555255"/>
             <a:ext cx="5478085" cy="432571"/>
           </a:xfrm>
         </p:spPr>
@@ -12553,17 +12554,17 @@
             </a:pPr>
             <a:r>
               <a:rPr lang="en-IN" sz="2400" b="1" dirty="0"/>
-              <a:t>Plot for 1000 games</a:t>
+              <a:t>Statistical Summary for 10,000 games</a:t>
             </a:r>
           </a:p>
         </p:txBody>
       </p:sp>
       <p:pic>
         <p:nvPicPr>
-          <p:cNvPr id="6" name="Picture 5" descr="A close up of text on a white background&#10;&#10;Description generated with high confidence">
-            <a:extLst>
-              <a:ext uri="{FF2B5EF4-FFF2-40B4-BE49-F238E27FC236}">
-                <a16:creationId xmlns:a16="http://schemas.microsoft.com/office/drawing/2014/main" id="{B3CF0FA1-B0A3-4DE9-B6A9-8E8FAF9D6A44}"/>
+          <p:cNvPr id="6" name="Picture 5" descr="A screenshot of a computer&#10;&#10;Description generated with very high confidence">
+            <a:extLst>
+              <a:ext uri="{FF2B5EF4-FFF2-40B4-BE49-F238E27FC236}">
+                <a16:creationId xmlns:a16="http://schemas.microsoft.com/office/drawing/2014/main" id="{A6159445-7BCF-46DB-A2D5-D4F1E254AD39}"/>
               </a:ext>
             </a:extLst>
           </p:cNvPr>
@@ -12586,8 +12587,8 @@
         </p:blipFill>
         <p:spPr>
           <a:xfrm>
-            <a:off x="534219" y="1598789"/>
-            <a:ext cx="5896398" cy="4968671"/>
+            <a:off x="71551" y="1987826"/>
+            <a:ext cx="6642337" cy="4816665"/>
           </a:xfrm>
           <a:prstGeom prst="rect">
             <a:avLst/>
@@ -12597,7 +12598,7 @@
     </p:spTree>
     <p:extLst>
       <p:ext uri="{BB962C8B-B14F-4D97-AF65-F5344CB8AC3E}">
-        <p14:creationId xmlns:p14="http://schemas.microsoft.com/office/powerpoint/2010/main" val="4261328932"/>
+        <p14:creationId xmlns:p14="http://schemas.microsoft.com/office/powerpoint/2010/main" val="3413279288"/>
       </p:ext>
     </p:extLst>
   </p:cSld>
@@ -13172,7 +13173,7 @@
         </p:blipFill>
         <p:spPr>
           <a:xfrm>
-            <a:off x="0" y="10"/>
+            <a:off x="-1" y="-69065"/>
             <a:ext cx="12192000" cy="6857990"/>
           </a:xfrm>
           <a:prstGeom prst="rect">
@@ -13540,7 +13541,7 @@
         </p:nvSpPr>
         <p:spPr>
           <a:xfrm>
-            <a:off x="249477" y="477080"/>
+            <a:off x="120270" y="39762"/>
             <a:ext cx="6593618" cy="1406667"/>
           </a:xfrm>
         </p:spPr>
@@ -13555,7 +13556,7 @@
                 <a:latin typeface="AR JULIAN" panose="02000000000000000000" pitchFamily="2" charset="0"/>
                 <a:cs typeface="Aharoni" panose="02010803020104030203" pitchFamily="2" charset="-79"/>
               </a:rPr>
-              <a:t>Limitations</a:t>
+              <a:t>Result</a:t>
             </a:r>
           </a:p>
         </p:txBody>
@@ -13578,8 +13579,8 @@
         </p:nvSpPr>
         <p:spPr>
           <a:xfrm>
-            <a:off x="303155" y="1897974"/>
-            <a:ext cx="6266610" cy="4045626"/>
+            <a:off x="303155" y="1082962"/>
+            <a:ext cx="5478085" cy="432571"/>
           </a:xfrm>
         </p:spPr>
         <p:txBody>
@@ -13588,64 +13589,56 @@
           </a:bodyPr>
           <a:lstStyle/>
           <a:p>
-            <a:pPr marL="457200" indent="-457200">
-              <a:buFont typeface="+mj-lt"/>
-              <a:buAutoNum type="arabicPeriod"/>
+            <a:pPr marL="0" indent="0">
+              <a:buNone/>
             </a:pPr>
             <a:r>
-              <a:rPr lang="en-IN" sz="2400" dirty="0"/>
-              <a:t>Each participant buys only one ticket for a game.</a:t>
+              <a:rPr lang="en-IN" sz="2400" b="1" dirty="0"/>
+              <a:t>Plot for 1000 games</a:t>
             </a:r>
-          </a:p>
-          <a:p>
-            <a:pPr marL="457200" indent="-457200">
-              <a:buFont typeface="+mj-lt"/>
-              <a:buAutoNum type="arabicPeriod"/>
-            </a:pPr>
-            <a:r>
-              <a:rPr lang="en-IN" sz="2400" dirty="0"/>
-              <a:t>Minimum number of players in one game is 10.</a:t>
-            </a:r>
-          </a:p>
-          <a:p>
-            <a:pPr marL="457200" indent="-457200">
-              <a:buFont typeface="+mj-lt"/>
-              <a:buAutoNum type="arabicPeriod"/>
-            </a:pPr>
-            <a:r>
-              <a:rPr lang="en-IN" sz="2400" dirty="0"/>
-              <a:t>Maximum number of players in one game is 100.</a:t>
-            </a:r>
-          </a:p>
-          <a:p>
-            <a:pPr marL="457200" indent="-457200">
-              <a:buFont typeface="+mj-lt"/>
-              <a:buAutoNum type="arabicPeriod"/>
-            </a:pPr>
-            <a:r>
-              <a:rPr lang="en-IN" sz="2400" dirty="0"/>
-              <a:t>No coinciding winning occurs.</a:t>
-            </a:r>
-          </a:p>
-          <a:p>
-            <a:pPr marL="457200" indent="-457200">
-              <a:buFont typeface="+mj-lt"/>
-              <a:buAutoNum type="arabicPeriod"/>
-            </a:pPr>
-            <a:r>
-              <a:rPr lang="en-IN" sz="2400" dirty="0"/>
-              <a:t>This simulation is applicable to British Bingo only.</a:t>
-            </a:r>
-          </a:p>
-          <a:p>
-            <a:endParaRPr lang="en-IN" sz="2400" b="1" dirty="0"/>
           </a:p>
         </p:txBody>
       </p:sp>
+      <p:pic>
+        <p:nvPicPr>
+          <p:cNvPr id="6" name="Picture 5" descr="A close up of text on a white background&#10;&#10;Description generated with high confidence">
+            <a:extLst>
+              <a:ext uri="{FF2B5EF4-FFF2-40B4-BE49-F238E27FC236}">
+                <a16:creationId xmlns:a16="http://schemas.microsoft.com/office/drawing/2014/main" id="{B3CF0FA1-B0A3-4DE9-B6A9-8E8FAF9D6A44}"/>
+              </a:ext>
+            </a:extLst>
+          </p:cNvPr>
+          <p:cNvPicPr>
+            <a:picLocks noChangeAspect="1"/>
+          </p:cNvPicPr>
+          <p:nvPr/>
+        </p:nvPicPr>
+        <p:blipFill>
+          <a:blip r:embed="rId4">
+            <a:extLst>
+              <a:ext uri="{28A0092B-C50C-407E-A947-70E740481C1C}">
+                <a14:useLocalDpi xmlns:a14="http://schemas.microsoft.com/office/drawing/2010/main" val="0"/>
+              </a:ext>
+            </a:extLst>
+          </a:blip>
+          <a:stretch>
+            <a:fillRect/>
+          </a:stretch>
+        </p:blipFill>
+        <p:spPr>
+          <a:xfrm>
+            <a:off x="534219" y="1598789"/>
+            <a:ext cx="5896398" cy="4968671"/>
+          </a:xfrm>
+          <a:prstGeom prst="rect">
+            <a:avLst/>
+          </a:prstGeom>
+        </p:spPr>
+      </p:pic>
     </p:spTree>
     <p:extLst>
       <p:ext uri="{BB962C8B-B14F-4D97-AF65-F5344CB8AC3E}">
-        <p14:creationId xmlns:p14="http://schemas.microsoft.com/office/powerpoint/2010/main" val="1796752725"/>
+        <p14:creationId xmlns:p14="http://schemas.microsoft.com/office/powerpoint/2010/main" val="4261328932"/>
       </p:ext>
     </p:extLst>
   </p:cSld>
@@ -13715,7 +13708,7 @@
         </p:blipFill>
         <p:spPr>
           <a:xfrm>
-            <a:off x="-1" y="0"/>
+            <a:off x="0" y="10"/>
             <a:ext cx="12192000" cy="6857990"/>
           </a:xfrm>
           <a:prstGeom prst="rect">
@@ -14083,6 +14076,549 @@
         </p:nvSpPr>
         <p:spPr>
           <a:xfrm>
+            <a:off x="249477" y="477080"/>
+            <a:ext cx="6593618" cy="1406667"/>
+          </a:xfrm>
+        </p:spPr>
+        <p:txBody>
+          <a:bodyPr>
+            <a:normAutofit/>
+          </a:bodyPr>
+          <a:lstStyle/>
+          <a:p>
+            <a:r>
+              <a:rPr lang="en-IN" b="1" dirty="0">
+                <a:latin typeface="AR JULIAN" panose="02000000000000000000" pitchFamily="2" charset="0"/>
+                <a:cs typeface="Aharoni" panose="02010803020104030203" pitchFamily="2" charset="-79"/>
+              </a:rPr>
+              <a:t>Limitations</a:t>
+            </a:r>
+          </a:p>
+        </p:txBody>
+      </p:sp>
+      <p:sp>
+        <p:nvSpPr>
+          <p:cNvPr id="3" name="Content Placeholder 2">
+            <a:extLst>
+              <a:ext uri="{FF2B5EF4-FFF2-40B4-BE49-F238E27FC236}">
+                <a16:creationId xmlns:a16="http://schemas.microsoft.com/office/drawing/2014/main" id="{D7859ED5-771F-4FFC-AC08-C6A010E59617}"/>
+              </a:ext>
+            </a:extLst>
+          </p:cNvPr>
+          <p:cNvSpPr>
+            <a:spLocks noGrp="1"/>
+          </p:cNvSpPr>
+          <p:nvPr>
+            <p:ph idx="1"/>
+          </p:nvPr>
+        </p:nvSpPr>
+        <p:spPr>
+          <a:xfrm>
+            <a:off x="303155" y="1897974"/>
+            <a:ext cx="6266610" cy="4045626"/>
+          </a:xfrm>
+        </p:spPr>
+        <p:txBody>
+          <a:bodyPr anchor="t">
+            <a:normAutofit/>
+          </a:bodyPr>
+          <a:lstStyle/>
+          <a:p>
+            <a:pPr marL="457200" indent="-457200">
+              <a:buFont typeface="+mj-lt"/>
+              <a:buAutoNum type="arabicPeriod"/>
+            </a:pPr>
+            <a:r>
+              <a:rPr lang="en-IN" sz="2400" dirty="0"/>
+              <a:t>Each participant buys only one ticket for a game.</a:t>
+            </a:r>
+          </a:p>
+          <a:p>
+            <a:pPr marL="457200" indent="-457200">
+              <a:buFont typeface="+mj-lt"/>
+              <a:buAutoNum type="arabicPeriod"/>
+            </a:pPr>
+            <a:r>
+              <a:rPr lang="en-IN" sz="2400" dirty="0"/>
+              <a:t>Minimum number of players in one game is 10.</a:t>
+            </a:r>
+          </a:p>
+          <a:p>
+            <a:pPr marL="457200" indent="-457200">
+              <a:buFont typeface="+mj-lt"/>
+              <a:buAutoNum type="arabicPeriod"/>
+            </a:pPr>
+            <a:r>
+              <a:rPr lang="en-IN" sz="2400" dirty="0"/>
+              <a:t>Maximum number of players in one game is 100.</a:t>
+            </a:r>
+          </a:p>
+          <a:p>
+            <a:pPr marL="457200" indent="-457200">
+              <a:buFont typeface="+mj-lt"/>
+              <a:buAutoNum type="arabicPeriod"/>
+            </a:pPr>
+            <a:r>
+              <a:rPr lang="en-IN" sz="2400" dirty="0"/>
+              <a:t>No coinciding winning occurs.</a:t>
+            </a:r>
+          </a:p>
+          <a:p>
+            <a:pPr marL="457200" indent="-457200">
+              <a:buFont typeface="+mj-lt"/>
+              <a:buAutoNum type="arabicPeriod"/>
+            </a:pPr>
+            <a:r>
+              <a:rPr lang="en-IN" sz="2400" dirty="0"/>
+              <a:t>This simulation is applicable to British Bingo only.</a:t>
+            </a:r>
+          </a:p>
+          <a:p>
+            <a:endParaRPr lang="en-IN" sz="2400" b="1" dirty="0"/>
+          </a:p>
+        </p:txBody>
+      </p:sp>
+    </p:spTree>
+    <p:extLst>
+      <p:ext uri="{BB962C8B-B14F-4D97-AF65-F5344CB8AC3E}">
+        <p14:creationId xmlns:p14="http://schemas.microsoft.com/office/powerpoint/2010/main" val="1796752725"/>
+      </p:ext>
+    </p:extLst>
+  </p:cSld>
+  <p:clrMapOvr>
+    <a:overrideClrMapping bg1="dk1" tx1="lt1" bg2="dk2" tx2="lt2" accent1="accent1" accent2="accent2" accent3="accent3" accent4="accent4" accent5="accent5" accent6="accent6" hlink="hlink" folHlink="folHlink"/>
+  </p:clrMapOvr>
+</p:sld>
+</file>
+
+<file path=ppt/slides/slide22.xml><?xml version="1.0" encoding="utf-8"?>
+<p:sld xmlns:a="http://schemas.openxmlformats.org/drawingml/2006/main" xmlns:r="http://schemas.openxmlformats.org/officeDocument/2006/relationships" xmlns:p="http://schemas.openxmlformats.org/presentationml/2006/main">
+  <p:cSld>
+    <p:bg>
+      <p:bgPr>
+        <a:solidFill>
+          <a:schemeClr val="bg1"/>
+        </a:solidFill>
+        <a:effectLst/>
+      </p:bgPr>
+    </p:bg>
+    <p:spTree>
+      <p:nvGrpSpPr>
+        <p:cNvPr id="1" name=""/>
+        <p:cNvGrpSpPr/>
+        <p:nvPr/>
+      </p:nvGrpSpPr>
+      <p:grpSpPr>
+        <a:xfrm>
+          <a:off x="0" y="0"/>
+          <a:ext cx="0" cy="0"/>
+          <a:chOff x="0" y="0"/>
+          <a:chExt cx="0" cy="0"/>
+        </a:xfrm>
+      </p:grpSpPr>
+      <p:pic>
+        <p:nvPicPr>
+          <p:cNvPr id="7" name="Picture 6">
+            <a:extLst>
+              <a:ext uri="{FF2B5EF4-FFF2-40B4-BE49-F238E27FC236}">
+                <a16:creationId xmlns:a16="http://schemas.microsoft.com/office/drawing/2014/main" id="{8BA2A080-19F8-4969-A685-C648FF8CD3CE}"/>
+              </a:ext>
+            </a:extLst>
+          </p:cNvPr>
+          <p:cNvPicPr>
+            <a:picLocks noChangeAspect="1"/>
+          </p:cNvPicPr>
+          <p:nvPr/>
+        </p:nvPicPr>
+        <p:blipFill rotWithShape="1">
+          <a:blip r:embed="rId2">
+            <a:duotone>
+              <a:prstClr val="black"/>
+              <a:schemeClr val="tx2">
+                <a:tint val="45000"/>
+                <a:satMod val="400000"/>
+              </a:schemeClr>
+            </a:duotone>
+            <a:alphaModFix amt="35000"/>
+            <a:extLst>
+              <a:ext uri="{28A0092B-C50C-407E-A947-70E740481C1C}">
+                <a14:useLocalDpi xmlns:a14="http://schemas.microsoft.com/office/drawing/2010/main" val="0"/>
+              </a:ext>
+            </a:extLst>
+          </a:blip>
+          <a:srcRect t="13681" b="2075"/>
+          <a:stretch/>
+        </p:blipFill>
+        <p:spPr>
+          <a:xfrm>
+            <a:off x="-1" y="0"/>
+            <a:ext cx="12192000" cy="6857990"/>
+          </a:xfrm>
+          <a:prstGeom prst="rect">
+            <a:avLst/>
+          </a:prstGeom>
+        </p:spPr>
+      </p:pic>
+      <p:sp>
+        <p:nvSpPr>
+          <p:cNvPr id="51" name="Freeform 49">
+            <a:extLst>
+              <a:ext uri="{FF2B5EF4-FFF2-40B4-BE49-F238E27FC236}">
+                <a16:creationId xmlns:a16="http://schemas.microsoft.com/office/drawing/2014/main" id="{EF9B8DF2-C3F5-49A2-94D2-F7B65A0F1F15}"/>
+              </a:ext>
+            </a:extLst>
+          </p:cNvPr>
+          <p:cNvSpPr>
+            <a:spLocks noGrp="1" noRot="1" noChangeAspect="1" noMove="1" noResize="1" noEditPoints="1" noAdjustHandles="1" noChangeArrowheads="1" noChangeShapeType="1" noTextEdit="1"/>
+          </p:cNvSpPr>
+          <p:nvPr>
+            <p:extLst>
+              <p:ext uri="{386F3935-93C4-4BCD-93E2-E3B085C9AB24}">
+                <p16:designElem xmlns:p16="http://schemas.microsoft.com/office/powerpoint/2015/main" val="1"/>
+              </p:ext>
+            </p:extLst>
+          </p:nvPr>
+        </p:nvSpPr>
+        <p:spPr>
+          <a:xfrm flipH="1">
+            <a:off x="6713914" y="581159"/>
+            <a:ext cx="5478085" cy="6276841"/>
+          </a:xfrm>
+          <a:custGeom>
+            <a:avLst/>
+            <a:gdLst>
+              <a:gd name="connsiteX0" fmla="*/ 2178155 w 5478085"/>
+              <a:gd name="connsiteY0" fmla="*/ 0 h 6276841"/>
+              <a:gd name="connsiteX1" fmla="*/ 5478085 w 5478085"/>
+              <a:gd name="connsiteY1" fmla="*/ 3299930 h 6276841"/>
+              <a:gd name="connsiteX2" fmla="*/ 3751098 w 5478085"/>
+              <a:gd name="connsiteY2" fmla="*/ 6201577 h 6276841"/>
+              <a:gd name="connsiteX3" fmla="*/ 3594858 w 5478085"/>
+              <a:gd name="connsiteY3" fmla="*/ 6276841 h 6276841"/>
+              <a:gd name="connsiteX4" fmla="*/ 761453 w 5478085"/>
+              <a:gd name="connsiteY4" fmla="*/ 6276841 h 6276841"/>
+              <a:gd name="connsiteX5" fmla="*/ 605213 w 5478085"/>
+              <a:gd name="connsiteY5" fmla="*/ 6201577 h 6276841"/>
+              <a:gd name="connsiteX6" fmla="*/ 79093 w 5478085"/>
+              <a:gd name="connsiteY6" fmla="*/ 5846317 h 6276841"/>
+              <a:gd name="connsiteX7" fmla="*/ 0 w 5478085"/>
+              <a:gd name="connsiteY7" fmla="*/ 5774432 h 6276841"/>
+              <a:gd name="connsiteX8" fmla="*/ 0 w 5478085"/>
+              <a:gd name="connsiteY8" fmla="*/ 825429 h 6276841"/>
+              <a:gd name="connsiteX9" fmla="*/ 79093 w 5478085"/>
+              <a:gd name="connsiteY9" fmla="*/ 753544 h 6276841"/>
+              <a:gd name="connsiteX10" fmla="*/ 2178155 w 5478085"/>
+              <a:gd name="connsiteY10" fmla="*/ 0 h 6276841"/>
+            </a:gdLst>
+            <a:ahLst/>
+            <a:cxnLst>
+              <a:cxn ang="0">
+                <a:pos x="connsiteX0" y="connsiteY0"/>
+              </a:cxn>
+              <a:cxn ang="0">
+                <a:pos x="connsiteX1" y="connsiteY1"/>
+              </a:cxn>
+              <a:cxn ang="0">
+                <a:pos x="connsiteX2" y="connsiteY2"/>
+              </a:cxn>
+              <a:cxn ang="0">
+                <a:pos x="connsiteX3" y="connsiteY3"/>
+              </a:cxn>
+              <a:cxn ang="0">
+                <a:pos x="connsiteX4" y="connsiteY4"/>
+              </a:cxn>
+              <a:cxn ang="0">
+                <a:pos x="connsiteX5" y="connsiteY5"/>
+              </a:cxn>
+              <a:cxn ang="0">
+                <a:pos x="connsiteX6" y="connsiteY6"/>
+              </a:cxn>
+              <a:cxn ang="0">
+                <a:pos x="connsiteX7" y="connsiteY7"/>
+              </a:cxn>
+              <a:cxn ang="0">
+                <a:pos x="connsiteX8" y="connsiteY8"/>
+              </a:cxn>
+              <a:cxn ang="0">
+                <a:pos x="connsiteX9" y="connsiteY9"/>
+              </a:cxn>
+              <a:cxn ang="0">
+                <a:pos x="connsiteX10" y="connsiteY10"/>
+              </a:cxn>
+            </a:cxnLst>
+            <a:rect l="l" t="t" r="r" b="b"/>
+            <a:pathLst>
+              <a:path w="5478085" h="6276841">
+                <a:moveTo>
+                  <a:pt x="2178155" y="0"/>
+                </a:moveTo>
+                <a:cubicBezTo>
+                  <a:pt x="4000656" y="0"/>
+                  <a:pt x="5478085" y="1477429"/>
+                  <a:pt x="5478085" y="3299930"/>
+                </a:cubicBezTo>
+                <a:cubicBezTo>
+                  <a:pt x="5478085" y="4552900"/>
+                  <a:pt x="4779769" y="5642769"/>
+                  <a:pt x="3751098" y="6201577"/>
+                </a:cubicBezTo>
+                <a:lnTo>
+                  <a:pt x="3594858" y="6276841"/>
+                </a:lnTo>
+                <a:lnTo>
+                  <a:pt x="761453" y="6276841"/>
+                </a:lnTo>
+                <a:lnTo>
+                  <a:pt x="605213" y="6201577"/>
+                </a:lnTo>
+                <a:cubicBezTo>
+                  <a:pt x="418182" y="6099975"/>
+                  <a:pt x="242071" y="5980818"/>
+                  <a:pt x="79093" y="5846317"/>
+                </a:cubicBezTo>
+                <a:lnTo>
+                  <a:pt x="0" y="5774432"/>
+                </a:lnTo>
+                <a:lnTo>
+                  <a:pt x="0" y="825429"/>
+                </a:lnTo>
+                <a:lnTo>
+                  <a:pt x="79093" y="753544"/>
+                </a:lnTo>
+                <a:cubicBezTo>
+                  <a:pt x="649516" y="282789"/>
+                  <a:pt x="1380811" y="0"/>
+                  <a:pt x="2178155" y="0"/>
+                </a:cubicBezTo>
+                <a:close/>
+              </a:path>
+            </a:pathLst>
+          </a:custGeom>
+          <a:solidFill>
+            <a:srgbClr val="FFFFFF">
+              <a:alpha val="80000"/>
+            </a:srgbClr>
+          </a:solidFill>
+          <a:ln w="31750">
+            <a:noFill/>
+          </a:ln>
+        </p:spPr>
+        <p:style>
+          <a:lnRef idx="2">
+            <a:schemeClr val="accent1">
+              <a:shade val="50000"/>
+            </a:schemeClr>
+          </a:lnRef>
+          <a:fillRef idx="1">
+            <a:schemeClr val="accent1"/>
+          </a:fillRef>
+          <a:effectRef idx="0">
+            <a:schemeClr val="accent1"/>
+          </a:effectRef>
+          <a:fontRef idx="minor">
+            <a:schemeClr val="lt1"/>
+          </a:fontRef>
+        </p:style>
+        <p:txBody>
+          <a:bodyPr wrap="square" rtlCol="0" anchor="ctr">
+            <a:noAutofit/>
+          </a:bodyPr>
+          <a:lstStyle/>
+          <a:p>
+            <a:pPr marL="0" marR="0" lvl="0" indent="0" algn="ctr" defTabSz="914400" rtl="0" eaLnBrk="1" fontAlgn="auto" latinLnBrk="0" hangingPunct="1">
+              <a:lnSpc>
+                <a:spcPct val="100000"/>
+              </a:lnSpc>
+              <a:spcBef>
+                <a:spcPts val="0"/>
+              </a:spcBef>
+              <a:spcAft>
+                <a:spcPts val="0"/>
+              </a:spcAft>
+              <a:buClrTx/>
+              <a:buSzTx/>
+              <a:buFontTx/>
+              <a:buNone/>
+              <a:tabLst/>
+              <a:defRPr/>
+            </a:pPr>
+            <a:endParaRPr kumimoji="0" lang="en-US" sz="1800" b="0" i="0" u="none" strike="noStrike" kern="1200" cap="none" spc="0" normalizeH="0" baseline="0" noProof="0">
+              <a:ln>
+                <a:noFill/>
+              </a:ln>
+              <a:solidFill>
+                <a:prstClr val="white"/>
+              </a:solidFill>
+              <a:effectLst/>
+              <a:uLnTx/>
+              <a:uFillTx/>
+              <a:latin typeface="Calibri" panose="020F0502020204030204"/>
+              <a:ea typeface="+mn-ea"/>
+              <a:cs typeface="+mn-cs"/>
+            </a:endParaRPr>
+          </a:p>
+        </p:txBody>
+      </p:sp>
+      <p:pic>
+        <p:nvPicPr>
+          <p:cNvPr id="9" name="Picture 8" descr="A picture containing building&#10;&#10;Description generated with high confidence">
+            <a:extLst>
+              <a:ext uri="{FF2B5EF4-FFF2-40B4-BE49-F238E27FC236}">
+                <a16:creationId xmlns:a16="http://schemas.microsoft.com/office/drawing/2014/main" id="{12ED8CBA-3DDA-400E-B2EE-7748A997FAC8}"/>
+              </a:ext>
+            </a:extLst>
+          </p:cNvPr>
+          <p:cNvPicPr>
+            <a:picLocks noChangeAspect="1"/>
+          </p:cNvPicPr>
+          <p:nvPr/>
+        </p:nvPicPr>
+        <p:blipFill rotWithShape="1">
+          <a:blip r:embed="rId3">
+            <a:extLst>
+              <a:ext uri="{28A0092B-C50C-407E-A947-70E740481C1C}">
+                <a14:useLocalDpi xmlns:a14="http://schemas.microsoft.com/office/drawing/2010/main" val="0"/>
+              </a:ext>
+            </a:extLst>
+          </a:blip>
+          <a:srcRect l="18375" r="23620" b="1"/>
+          <a:stretch/>
+        </p:blipFill>
+        <p:spPr>
+          <a:xfrm>
+            <a:off x="6893342" y="760562"/>
+            <a:ext cx="5298683" cy="6097438"/>
+          </a:xfrm>
+          <a:custGeom>
+            <a:avLst/>
+            <a:gdLst>
+              <a:gd name="connsiteX0" fmla="*/ 3120528 w 5298683"/>
+              <a:gd name="connsiteY0" fmla="*/ 0 h 6097438"/>
+              <a:gd name="connsiteX1" fmla="*/ 5105473 w 5298683"/>
+              <a:gd name="connsiteY1" fmla="*/ 712577 h 6097438"/>
+              <a:gd name="connsiteX2" fmla="*/ 5298683 w 5298683"/>
+              <a:gd name="connsiteY2" fmla="*/ 888178 h 6097438"/>
+              <a:gd name="connsiteX3" fmla="*/ 5298683 w 5298683"/>
+              <a:gd name="connsiteY3" fmla="*/ 5352876 h 6097438"/>
+              <a:gd name="connsiteX4" fmla="*/ 5105473 w 5298683"/>
+              <a:gd name="connsiteY4" fmla="*/ 5528477 h 6097438"/>
+              <a:gd name="connsiteX5" fmla="*/ 4335177 w 5298683"/>
+              <a:gd name="connsiteY5" fmla="*/ 5995828 h 6097438"/>
+              <a:gd name="connsiteX6" fmla="*/ 4057556 w 5298683"/>
+              <a:gd name="connsiteY6" fmla="*/ 6097438 h 6097438"/>
+              <a:gd name="connsiteX7" fmla="*/ 2183499 w 5298683"/>
+              <a:gd name="connsiteY7" fmla="*/ 6097438 h 6097438"/>
+              <a:gd name="connsiteX8" fmla="*/ 1905878 w 5298683"/>
+              <a:gd name="connsiteY8" fmla="*/ 5995828 h 6097438"/>
+              <a:gd name="connsiteX9" fmla="*/ 0 w 5298683"/>
+              <a:gd name="connsiteY9" fmla="*/ 3120527 h 6097438"/>
+              <a:gd name="connsiteX10" fmla="*/ 3120528 w 5298683"/>
+              <a:gd name="connsiteY10" fmla="*/ 0 h 6097438"/>
+            </a:gdLst>
+            <a:ahLst/>
+            <a:cxnLst>
+              <a:cxn ang="0">
+                <a:pos x="connsiteX0" y="connsiteY0"/>
+              </a:cxn>
+              <a:cxn ang="0">
+                <a:pos x="connsiteX1" y="connsiteY1"/>
+              </a:cxn>
+              <a:cxn ang="0">
+                <a:pos x="connsiteX2" y="connsiteY2"/>
+              </a:cxn>
+              <a:cxn ang="0">
+                <a:pos x="connsiteX3" y="connsiteY3"/>
+              </a:cxn>
+              <a:cxn ang="0">
+                <a:pos x="connsiteX4" y="connsiteY4"/>
+              </a:cxn>
+              <a:cxn ang="0">
+                <a:pos x="connsiteX5" y="connsiteY5"/>
+              </a:cxn>
+              <a:cxn ang="0">
+                <a:pos x="connsiteX6" y="connsiteY6"/>
+              </a:cxn>
+              <a:cxn ang="0">
+                <a:pos x="connsiteX7" y="connsiteY7"/>
+              </a:cxn>
+              <a:cxn ang="0">
+                <a:pos x="connsiteX8" y="connsiteY8"/>
+              </a:cxn>
+              <a:cxn ang="0">
+                <a:pos x="connsiteX9" y="connsiteY9"/>
+              </a:cxn>
+              <a:cxn ang="0">
+                <a:pos x="connsiteX10" y="connsiteY10"/>
+              </a:cxn>
+            </a:cxnLst>
+            <a:rect l="l" t="t" r="r" b="b"/>
+            <a:pathLst>
+              <a:path w="5298683" h="6097438">
+                <a:moveTo>
+                  <a:pt x="3120528" y="0"/>
+                </a:moveTo>
+                <a:cubicBezTo>
+                  <a:pt x="3874524" y="0"/>
+                  <a:pt x="4566062" y="267415"/>
+                  <a:pt x="5105473" y="712577"/>
+                </a:cubicBezTo>
+                <a:lnTo>
+                  <a:pt x="5298683" y="888178"/>
+                </a:lnTo>
+                <a:lnTo>
+                  <a:pt x="5298683" y="5352876"/>
+                </a:lnTo>
+                <a:lnTo>
+                  <a:pt x="5105473" y="5528477"/>
+                </a:lnTo>
+                <a:cubicBezTo>
+                  <a:pt x="4874296" y="5719261"/>
+                  <a:pt x="4615179" y="5877397"/>
+                  <a:pt x="4335177" y="5995828"/>
+                </a:cubicBezTo>
+                <a:lnTo>
+                  <a:pt x="4057556" y="6097438"/>
+                </a:lnTo>
+                <a:lnTo>
+                  <a:pt x="2183499" y="6097438"/>
+                </a:lnTo>
+                <a:lnTo>
+                  <a:pt x="1905878" y="5995828"/>
+                </a:lnTo>
+                <a:cubicBezTo>
+                  <a:pt x="785873" y="5522106"/>
+                  <a:pt x="0" y="4413092"/>
+                  <a:pt x="0" y="3120527"/>
+                </a:cubicBezTo>
+                <a:cubicBezTo>
+                  <a:pt x="0" y="1397108"/>
+                  <a:pt x="1397108" y="0"/>
+                  <a:pt x="3120528" y="0"/>
+                </a:cubicBezTo>
+                <a:close/>
+              </a:path>
+            </a:pathLst>
+          </a:custGeom>
+        </p:spPr>
+      </p:pic>
+      <p:sp>
+        <p:nvSpPr>
+          <p:cNvPr id="2" name="Title 1">
+            <a:extLst>
+              <a:ext uri="{FF2B5EF4-FFF2-40B4-BE49-F238E27FC236}">
+                <a16:creationId xmlns:a16="http://schemas.microsoft.com/office/drawing/2014/main" id="{7035F1BC-202E-45ED-A443-7B13BF42F19C}"/>
+              </a:ext>
+            </a:extLst>
+          </p:cNvPr>
+          <p:cNvSpPr>
+            <a:spLocks noGrp="1"/>
+          </p:cNvSpPr>
+          <p:nvPr>
+            <p:ph type="title"/>
+          </p:nvPr>
+        </p:nvSpPr>
+        <p:spPr>
+          <a:xfrm>
             <a:off x="0" y="1351686"/>
             <a:ext cx="7737651" cy="3955835"/>
           </a:xfrm>
@@ -14143,7 +14679,7 @@
 </p:sld>
 </file>
 
-<file path=ppt/slides/slide22.xml><?xml version="1.0" encoding="utf-8"?>
+<file path=ppt/slides/slide23.xml><?xml version="1.0" encoding="utf-8"?>
 <p:sld xmlns:a="http://schemas.openxmlformats.org/drawingml/2006/main" xmlns:r="http://schemas.openxmlformats.org/officeDocument/2006/relationships" xmlns:p="http://schemas.openxmlformats.org/presentationml/2006/main">
   <p:cSld>
     <p:bg>
